--- a/deep-learning-in-practice-with-pytorch/1-intermediate-pytorch.pptx
+++ b/deep-learning-in-practice-with-pytorch/1-intermediate-pytorch.pptx
@@ -8,6 +8,24 @@
     <p:sldId id="257" r:id="rId2"/>
     <p:sldId id="258" r:id="rId3"/>
     <p:sldId id="259" r:id="rId4"/>
+    <p:sldId id="267" r:id="rId5"/>
+    <p:sldId id="268" r:id="rId6"/>
+    <p:sldId id="264" r:id="rId7"/>
+    <p:sldId id="265" r:id="rId8"/>
+    <p:sldId id="266" r:id="rId9"/>
+    <p:sldId id="263" r:id="rId10"/>
+    <p:sldId id="269" r:id="rId11"/>
+    <p:sldId id="270" r:id="rId12"/>
+    <p:sldId id="271" r:id="rId13"/>
+    <p:sldId id="272" r:id="rId14"/>
+    <p:sldId id="273" r:id="rId15"/>
+    <p:sldId id="274" r:id="rId16"/>
+    <p:sldId id="277" r:id="rId17"/>
+    <p:sldId id="275" r:id="rId18"/>
+    <p:sldId id="290" r:id="rId19"/>
+    <p:sldId id="276" r:id="rId20"/>
+    <p:sldId id="291" r:id="rId21"/>
+    <p:sldId id="262" r:id="rId22"/>
   </p:sldIdLst>
   <p:sldSz cx="12192000" cy="6858000"/>
   <p:notesSz cx="6858000" cy="9144000"/>
@@ -1904,6 +1922,2652 @@
 </p:sld>
 </file>
 
+<file path=ppt/slides/slide10.xml><?xml version="1.0" encoding="utf-8"?>
+<p:sld xmlns:a="http://schemas.openxmlformats.org/drawingml/2006/main" xmlns:r="http://schemas.openxmlformats.org/officeDocument/2006/relationships" xmlns:p="http://schemas.openxmlformats.org/presentationml/2006/main">
+  <p:cSld>
+    <p:spTree>
+      <p:nvGrpSpPr>
+        <p:cNvPr id="1" name=""/>
+        <p:cNvGrpSpPr/>
+        <p:nvPr/>
+      </p:nvGrpSpPr>
+      <p:grpSpPr>
+        <a:xfrm>
+          <a:off x="0" y="0"/>
+          <a:ext cx="0" cy="0"/>
+          <a:chOff x="0" y="0"/>
+          <a:chExt cx="0" cy="0"/>
+        </a:xfrm>
+      </p:grpSpPr>
+      <p:sp>
+        <p:nvSpPr>
+          <p:cNvPr id="2" name="Titre 1">
+            <a:extLst>
+              <a:ext uri="{FF2B5EF4-FFF2-40B4-BE49-F238E27FC236}">
+                <a16:creationId xmlns:a16="http://schemas.microsoft.com/office/drawing/2014/main" id="{419778B1-F7A4-4B62-AC08-8BD2E73DB866}"/>
+              </a:ext>
+            </a:extLst>
+          </p:cNvPr>
+          <p:cNvSpPr>
+            <a:spLocks noGrp="1"/>
+          </p:cNvSpPr>
+          <p:nvPr>
+            <p:ph type="title"/>
+          </p:nvPr>
+        </p:nvSpPr>
+        <p:spPr/>
+        <p:txBody>
+          <a:bodyPr/>
+          <a:lstStyle/>
+          <a:p>
+            <a:r>
+              <a:rPr lang="en-US" dirty="0"/>
+              <a:t>Why are neural networks winning?</a:t>
+            </a:r>
+          </a:p>
+        </p:txBody>
+      </p:sp>
+      <p:sp>
+        <p:nvSpPr>
+          <p:cNvPr id="3" name="Espace réservé du texte 2">
+            <a:extLst>
+              <a:ext uri="{FF2B5EF4-FFF2-40B4-BE49-F238E27FC236}">
+                <a16:creationId xmlns:a16="http://schemas.microsoft.com/office/drawing/2014/main" id="{706C715F-29DF-4532-9EA2-EA702412B608}"/>
+              </a:ext>
+            </a:extLst>
+          </p:cNvPr>
+          <p:cNvSpPr>
+            <a:spLocks noGrp="1"/>
+          </p:cNvSpPr>
+          <p:nvPr>
+            <p:ph type="body" sz="quarter" idx="10"/>
+          </p:nvPr>
+        </p:nvSpPr>
+        <p:spPr/>
+        <p:txBody>
+          <a:bodyPr/>
+          <a:lstStyle/>
+          <a:p>
+            <a:r>
+              <a:rPr lang="en-US" dirty="0"/>
+              <a:t>Lots of competitors! Why is Deep Learning so dominant?</a:t>
+            </a:r>
+          </a:p>
+        </p:txBody>
+      </p:sp>
+    </p:spTree>
+    <p:extLst>
+      <p:ext uri="{BB962C8B-B14F-4D97-AF65-F5344CB8AC3E}">
+        <p14:creationId xmlns:p14="http://schemas.microsoft.com/office/powerpoint/2010/main" val="2398709082"/>
+      </p:ext>
+    </p:extLst>
+  </p:cSld>
+  <p:clrMapOvr>
+    <a:masterClrMapping/>
+  </p:clrMapOvr>
+</p:sld>
+</file>
+
+<file path=ppt/slides/slide11.xml><?xml version="1.0" encoding="utf-8"?>
+<p:sld xmlns:a="http://schemas.openxmlformats.org/drawingml/2006/main" xmlns:r="http://schemas.openxmlformats.org/officeDocument/2006/relationships" xmlns:p="http://schemas.openxmlformats.org/presentationml/2006/main">
+  <p:cSld>
+    <p:spTree>
+      <p:nvGrpSpPr>
+        <p:cNvPr id="1" name=""/>
+        <p:cNvGrpSpPr/>
+        <p:nvPr/>
+      </p:nvGrpSpPr>
+      <p:grpSpPr>
+        <a:xfrm>
+          <a:off x="0" y="0"/>
+          <a:ext cx="0" cy="0"/>
+          <a:chOff x="0" y="0"/>
+          <a:chExt cx="0" cy="0"/>
+        </a:xfrm>
+      </p:grpSpPr>
+      <p:sp>
+        <p:nvSpPr>
+          <p:cNvPr id="2" name="Titre 1">
+            <a:extLst>
+              <a:ext uri="{FF2B5EF4-FFF2-40B4-BE49-F238E27FC236}">
+                <a16:creationId xmlns:a16="http://schemas.microsoft.com/office/drawing/2014/main" id="{419778B1-F7A4-4B62-AC08-8BD2E73DB866}"/>
+              </a:ext>
+            </a:extLst>
+          </p:cNvPr>
+          <p:cNvSpPr>
+            <a:spLocks noGrp="1"/>
+          </p:cNvSpPr>
+          <p:nvPr>
+            <p:ph type="title"/>
+          </p:nvPr>
+        </p:nvSpPr>
+        <p:spPr/>
+        <p:txBody>
+          <a:bodyPr/>
+          <a:lstStyle/>
+          <a:p>
+            <a:r>
+              <a:rPr lang="en-US" dirty="0"/>
+              <a:t>Why are neural networks winning?</a:t>
+            </a:r>
+          </a:p>
+        </p:txBody>
+      </p:sp>
+      <p:sp>
+        <p:nvSpPr>
+          <p:cNvPr id="3" name="Espace réservé du texte 2">
+            <a:extLst>
+              <a:ext uri="{FF2B5EF4-FFF2-40B4-BE49-F238E27FC236}">
+                <a16:creationId xmlns:a16="http://schemas.microsoft.com/office/drawing/2014/main" id="{706C715F-29DF-4532-9EA2-EA702412B608}"/>
+              </a:ext>
+            </a:extLst>
+          </p:cNvPr>
+          <p:cNvSpPr>
+            <a:spLocks noGrp="1"/>
+          </p:cNvSpPr>
+          <p:nvPr>
+            <p:ph type="body" sz="quarter" idx="10"/>
+          </p:nvPr>
+        </p:nvSpPr>
+        <p:spPr/>
+        <p:txBody>
+          <a:bodyPr/>
+          <a:lstStyle/>
+          <a:p>
+            <a:r>
+              <a:rPr lang="en-US" dirty="0"/>
+              <a:t>On </a:t>
+            </a:r>
+            <a:r>
+              <a:rPr lang="en-US" b="1" dirty="0"/>
+              <a:t>tabular data</a:t>
+            </a:r>
+            <a:r>
+              <a:rPr lang="en-US" dirty="0"/>
+              <a:t>, they are not winning</a:t>
+            </a:r>
+          </a:p>
+          <a:p>
+            <a:pPr lvl="1"/>
+            <a:r>
+              <a:rPr lang="en-US" dirty="0"/>
+              <a:t>Current consensus is that ensembles of boosted trees are better</a:t>
+            </a:r>
+          </a:p>
+          <a:p>
+            <a:pPr lvl="1"/>
+            <a:r>
+              <a:rPr lang="en-US" dirty="0"/>
+              <a:t>See </a:t>
+            </a:r>
+            <a:r>
+              <a:rPr lang="en-US" dirty="0" err="1"/>
+              <a:t>Grinsztajn</a:t>
+            </a:r>
+            <a:r>
+              <a:rPr lang="en-US" dirty="0"/>
+              <a:t> et al. (2022) </a:t>
+            </a:r>
+            <a:r>
+              <a:rPr lang="en-US" i="1" dirty="0"/>
+              <a:t>Why do tree-based models still outperform deep learning on tabular data?</a:t>
+            </a:r>
+          </a:p>
+          <a:p>
+            <a:endParaRPr lang="en-US" dirty="0"/>
+          </a:p>
+          <a:p>
+            <a:r>
+              <a:rPr lang="en-US" dirty="0"/>
+              <a:t>On </a:t>
+            </a:r>
+            <a:r>
+              <a:rPr lang="en-US" b="1" dirty="0"/>
+              <a:t>structured data</a:t>
+            </a:r>
+            <a:r>
+              <a:rPr lang="en-US" dirty="0"/>
+              <a:t>, they are </a:t>
+            </a:r>
+            <a:r>
+              <a:rPr lang="en-US" i="1" dirty="0"/>
+              <a:t>massively</a:t>
+            </a:r>
+            <a:r>
+              <a:rPr lang="en-US" dirty="0"/>
+              <a:t> dominant</a:t>
+            </a:r>
+          </a:p>
+          <a:p>
+            <a:pPr lvl="1"/>
+            <a:r>
+              <a:rPr lang="en-US" dirty="0"/>
+              <a:t>Remove the need for feature construction (and maybe selection)</a:t>
+            </a:r>
+          </a:p>
+          <a:p>
+            <a:pPr lvl="1"/>
+            <a:r>
+              <a:rPr lang="en-US" dirty="0"/>
+              <a:t>Any type of structure: sequences, graphs, images, videos, …</a:t>
+            </a:r>
+          </a:p>
+        </p:txBody>
+      </p:sp>
+    </p:spTree>
+    <p:extLst>
+      <p:ext uri="{BB962C8B-B14F-4D97-AF65-F5344CB8AC3E}">
+        <p14:creationId xmlns:p14="http://schemas.microsoft.com/office/powerpoint/2010/main" val="1596256976"/>
+      </p:ext>
+    </p:extLst>
+  </p:cSld>
+  <p:clrMapOvr>
+    <a:masterClrMapping/>
+  </p:clrMapOvr>
+</p:sld>
+</file>
+
+<file path=ppt/slides/slide12.xml><?xml version="1.0" encoding="utf-8"?>
+<p:sld xmlns:a="http://schemas.openxmlformats.org/drawingml/2006/main" xmlns:r="http://schemas.openxmlformats.org/officeDocument/2006/relationships" xmlns:p="http://schemas.openxmlformats.org/presentationml/2006/main">
+  <p:cSld>
+    <p:spTree>
+      <p:nvGrpSpPr>
+        <p:cNvPr id="1" name=""/>
+        <p:cNvGrpSpPr/>
+        <p:nvPr/>
+      </p:nvGrpSpPr>
+      <p:grpSpPr>
+        <a:xfrm>
+          <a:off x="0" y="0"/>
+          <a:ext cx="0" cy="0"/>
+          <a:chOff x="0" y="0"/>
+          <a:chExt cx="0" cy="0"/>
+        </a:xfrm>
+      </p:grpSpPr>
+      <p:sp>
+        <p:nvSpPr>
+          <p:cNvPr id="2" name="Titre 1">
+            <a:extLst>
+              <a:ext uri="{FF2B5EF4-FFF2-40B4-BE49-F238E27FC236}">
+                <a16:creationId xmlns:a16="http://schemas.microsoft.com/office/drawing/2014/main" id="{419778B1-F7A4-4B62-AC08-8BD2E73DB866}"/>
+              </a:ext>
+            </a:extLst>
+          </p:cNvPr>
+          <p:cNvSpPr>
+            <a:spLocks noGrp="1"/>
+          </p:cNvSpPr>
+          <p:nvPr>
+            <p:ph type="title"/>
+          </p:nvPr>
+        </p:nvSpPr>
+        <p:spPr/>
+        <p:txBody>
+          <a:bodyPr/>
+          <a:lstStyle/>
+          <a:p>
+            <a:r>
+              <a:rPr lang="en-US" dirty="0"/>
+              <a:t>Why are neural networks winning?</a:t>
+            </a:r>
+          </a:p>
+        </p:txBody>
+      </p:sp>
+      <p:sp>
+        <p:nvSpPr>
+          <p:cNvPr id="3" name="Espace réservé du texte 2">
+            <a:extLst>
+              <a:ext uri="{FF2B5EF4-FFF2-40B4-BE49-F238E27FC236}">
+                <a16:creationId xmlns:a16="http://schemas.microsoft.com/office/drawing/2014/main" id="{706C715F-29DF-4532-9EA2-EA702412B608}"/>
+              </a:ext>
+            </a:extLst>
+          </p:cNvPr>
+          <p:cNvSpPr>
+            <a:spLocks noGrp="1"/>
+          </p:cNvSpPr>
+          <p:nvPr>
+            <p:ph type="body" sz="quarter" idx="10"/>
+          </p:nvPr>
+        </p:nvSpPr>
+        <p:spPr/>
+        <p:txBody>
+          <a:bodyPr/>
+          <a:lstStyle/>
+          <a:p>
+            <a:r>
+              <a:rPr lang="en-US" dirty="0"/>
+              <a:t>Generative models: how can a NNs output an </a:t>
+            </a:r>
+            <a:r>
+              <a:rPr lang="en-US" i="1" dirty="0"/>
+              <a:t>image</a:t>
+            </a:r>
+            <a:r>
+              <a:rPr lang="en-US" dirty="0"/>
+              <a:t>?</a:t>
+            </a:r>
+          </a:p>
+        </p:txBody>
+      </p:sp>
+    </p:spTree>
+    <p:extLst>
+      <p:ext uri="{BB962C8B-B14F-4D97-AF65-F5344CB8AC3E}">
+        <p14:creationId xmlns:p14="http://schemas.microsoft.com/office/powerpoint/2010/main" val="2677461005"/>
+      </p:ext>
+    </p:extLst>
+  </p:cSld>
+  <p:clrMapOvr>
+    <a:masterClrMapping/>
+  </p:clrMapOvr>
+</p:sld>
+</file>
+
+<file path=ppt/slides/slide13.xml><?xml version="1.0" encoding="utf-8"?>
+<p:sld xmlns:a="http://schemas.openxmlformats.org/drawingml/2006/main" xmlns:r="http://schemas.openxmlformats.org/officeDocument/2006/relationships" xmlns:p="http://schemas.openxmlformats.org/presentationml/2006/main">
+  <p:cSld>
+    <p:spTree>
+      <p:nvGrpSpPr>
+        <p:cNvPr id="1" name=""/>
+        <p:cNvGrpSpPr/>
+        <p:nvPr/>
+      </p:nvGrpSpPr>
+      <p:grpSpPr>
+        <a:xfrm>
+          <a:off x="0" y="0"/>
+          <a:ext cx="0" cy="0"/>
+          <a:chOff x="0" y="0"/>
+          <a:chExt cx="0" cy="0"/>
+        </a:xfrm>
+      </p:grpSpPr>
+      <p:sp>
+        <p:nvSpPr>
+          <p:cNvPr id="2" name="Titre 1">
+            <a:extLst>
+              <a:ext uri="{FF2B5EF4-FFF2-40B4-BE49-F238E27FC236}">
+                <a16:creationId xmlns:a16="http://schemas.microsoft.com/office/drawing/2014/main" id="{419778B1-F7A4-4B62-AC08-8BD2E73DB866}"/>
+              </a:ext>
+            </a:extLst>
+          </p:cNvPr>
+          <p:cNvSpPr>
+            <a:spLocks noGrp="1"/>
+          </p:cNvSpPr>
+          <p:nvPr>
+            <p:ph type="title"/>
+          </p:nvPr>
+        </p:nvSpPr>
+        <p:spPr/>
+        <p:txBody>
+          <a:bodyPr/>
+          <a:lstStyle/>
+          <a:p>
+            <a:r>
+              <a:rPr lang="en-US" dirty="0"/>
+              <a:t>Why are neural networks winning?</a:t>
+            </a:r>
+          </a:p>
+        </p:txBody>
+      </p:sp>
+      <p:sp>
+        <p:nvSpPr>
+          <p:cNvPr id="3" name="Espace réservé du texte 2">
+            <a:extLst>
+              <a:ext uri="{FF2B5EF4-FFF2-40B4-BE49-F238E27FC236}">
+                <a16:creationId xmlns:a16="http://schemas.microsoft.com/office/drawing/2014/main" id="{706C715F-29DF-4532-9EA2-EA702412B608}"/>
+              </a:ext>
+            </a:extLst>
+          </p:cNvPr>
+          <p:cNvSpPr>
+            <a:spLocks noGrp="1"/>
+          </p:cNvSpPr>
+          <p:nvPr>
+            <p:ph type="body" sz="quarter" idx="10"/>
+          </p:nvPr>
+        </p:nvSpPr>
+        <p:spPr>
+          <a:xfrm>
+            <a:off x="838200" y="1423358"/>
+            <a:ext cx="10515600" cy="1649688"/>
+          </a:xfrm>
+        </p:spPr>
+        <p:txBody>
+          <a:bodyPr>
+            <a:normAutofit lnSpcReduction="10000"/>
+          </a:bodyPr>
+          <a:lstStyle/>
+          <a:p>
+            <a:r>
+              <a:rPr lang="en-US" dirty="0"/>
+              <a:t>Output tensors interpreted as (approximately) </a:t>
+            </a:r>
+            <a:r>
+              <a:rPr lang="en-US" i="1" dirty="0"/>
+              <a:t>anything</a:t>
+            </a:r>
+            <a:r>
+              <a:rPr lang="en-US" dirty="0"/>
+              <a:t>!</a:t>
+            </a:r>
+          </a:p>
+          <a:p>
+            <a:pPr marL="0" indent="0" algn="ctr">
+              <a:buNone/>
+            </a:pPr>
+            <a:endParaRPr lang="en-US" dirty="0"/>
+          </a:p>
+          <a:p>
+            <a:pPr marL="0" indent="0" algn="ctr">
+              <a:buNone/>
+            </a:pPr>
+            <a:r>
+              <a:rPr lang="en-US" dirty="0"/>
+              <a:t>Example: image</a:t>
+            </a:r>
+          </a:p>
+        </p:txBody>
+      </p:sp>
+      <p:sp>
+        <p:nvSpPr>
+          <p:cNvPr id="4" name="Cube 3">
+            <a:extLst>
+              <a:ext uri="{FF2B5EF4-FFF2-40B4-BE49-F238E27FC236}">
+                <a16:creationId xmlns:a16="http://schemas.microsoft.com/office/drawing/2014/main" id="{A3E0261C-4ED1-4A18-A7FB-8A1F0B19E65C}"/>
+              </a:ext>
+            </a:extLst>
+          </p:cNvPr>
+          <p:cNvSpPr/>
+          <p:nvPr/>
+        </p:nvSpPr>
+        <p:spPr>
+          <a:xfrm>
+            <a:off x="1537356" y="3490994"/>
+            <a:ext cx="1772239" cy="1649689"/>
+          </a:xfrm>
+          <a:prstGeom prst="cube">
+            <a:avLst/>
+          </a:prstGeom>
+        </p:spPr>
+        <p:style>
+          <a:lnRef idx="2">
+            <a:schemeClr val="accent1">
+              <a:shade val="50000"/>
+            </a:schemeClr>
+          </a:lnRef>
+          <a:fillRef idx="1">
+            <a:schemeClr val="accent1"/>
+          </a:fillRef>
+          <a:effectRef idx="0">
+            <a:schemeClr val="accent1"/>
+          </a:effectRef>
+          <a:fontRef idx="minor">
+            <a:schemeClr val="lt1"/>
+          </a:fontRef>
+        </p:style>
+        <p:txBody>
+          <a:bodyPr rtlCol="0" anchor="ctr"/>
+          <a:lstStyle/>
+          <a:p>
+            <a:pPr algn="ctr"/>
+            <a:r>
+              <a:rPr lang="en-US" dirty="0"/>
+              <a:t>Tensor </a:t>
+            </a:r>
+            <a:br>
+              <a:rPr lang="en-US" dirty="0"/>
+            </a:br>
+            <a:r>
+              <a:rPr lang="en-US" dirty="0"/>
+              <a:t>(c * w * h)</a:t>
+            </a:r>
+          </a:p>
+        </p:txBody>
+      </p:sp>
+      <p:sp>
+        <p:nvSpPr>
+          <p:cNvPr id="5" name="Rectangle 4">
+            <a:extLst>
+              <a:ext uri="{FF2B5EF4-FFF2-40B4-BE49-F238E27FC236}">
+                <a16:creationId xmlns:a16="http://schemas.microsoft.com/office/drawing/2014/main" id="{F3CEEA68-0304-421D-B32A-071A459630F9}"/>
+              </a:ext>
+            </a:extLst>
+          </p:cNvPr>
+          <p:cNvSpPr/>
+          <p:nvPr/>
+        </p:nvSpPr>
+        <p:spPr>
+          <a:xfrm>
+            <a:off x="4883871" y="3490994"/>
+            <a:ext cx="1348033" cy="1211373"/>
+          </a:xfrm>
+          <a:prstGeom prst="rect">
+            <a:avLst/>
+          </a:prstGeom>
+          <a:solidFill>
+            <a:schemeClr val="accent5">
+              <a:lumMod val="20000"/>
+              <a:lumOff val="80000"/>
+            </a:schemeClr>
+          </a:solidFill>
+        </p:spPr>
+        <p:style>
+          <a:lnRef idx="2">
+            <a:schemeClr val="accent1">
+              <a:shade val="50000"/>
+            </a:schemeClr>
+          </a:lnRef>
+          <a:fillRef idx="1">
+            <a:schemeClr val="accent1"/>
+          </a:fillRef>
+          <a:effectRef idx="0">
+            <a:schemeClr val="accent1"/>
+          </a:effectRef>
+          <a:fontRef idx="minor">
+            <a:schemeClr val="lt1"/>
+          </a:fontRef>
+        </p:style>
+        <p:txBody>
+          <a:bodyPr rtlCol="0" anchor="ctr"/>
+          <a:lstStyle/>
+          <a:p>
+            <a:pPr algn="ctr"/>
+            <a:endParaRPr lang="en-US"/>
+          </a:p>
+        </p:txBody>
+      </p:sp>
+      <p:sp>
+        <p:nvSpPr>
+          <p:cNvPr id="6" name="Rectangle 5">
+            <a:extLst>
+              <a:ext uri="{FF2B5EF4-FFF2-40B4-BE49-F238E27FC236}">
+                <a16:creationId xmlns:a16="http://schemas.microsoft.com/office/drawing/2014/main" id="{DB69D241-7A96-4867-890B-A5961ACB16EA}"/>
+              </a:ext>
+            </a:extLst>
+          </p:cNvPr>
+          <p:cNvSpPr/>
+          <p:nvPr/>
+        </p:nvSpPr>
+        <p:spPr>
+          <a:xfrm>
+            <a:off x="4737754" y="3637896"/>
+            <a:ext cx="1348033" cy="1211373"/>
+          </a:xfrm>
+          <a:prstGeom prst="rect">
+            <a:avLst/>
+          </a:prstGeom>
+          <a:solidFill>
+            <a:schemeClr val="accent6">
+              <a:lumMod val="20000"/>
+              <a:lumOff val="80000"/>
+            </a:schemeClr>
+          </a:solidFill>
+        </p:spPr>
+        <p:style>
+          <a:lnRef idx="2">
+            <a:schemeClr val="accent1">
+              <a:shade val="50000"/>
+            </a:schemeClr>
+          </a:lnRef>
+          <a:fillRef idx="1">
+            <a:schemeClr val="accent1"/>
+          </a:fillRef>
+          <a:effectRef idx="0">
+            <a:schemeClr val="accent1"/>
+          </a:effectRef>
+          <a:fontRef idx="minor">
+            <a:schemeClr val="lt1"/>
+          </a:fontRef>
+        </p:style>
+        <p:txBody>
+          <a:bodyPr rtlCol="0" anchor="ctr"/>
+          <a:lstStyle/>
+          <a:p>
+            <a:pPr algn="ctr"/>
+            <a:endParaRPr lang="en-US"/>
+          </a:p>
+        </p:txBody>
+      </p:sp>
+      <p:sp>
+        <p:nvSpPr>
+          <p:cNvPr id="7" name="Rectangle 6">
+            <a:extLst>
+              <a:ext uri="{FF2B5EF4-FFF2-40B4-BE49-F238E27FC236}">
+                <a16:creationId xmlns:a16="http://schemas.microsoft.com/office/drawing/2014/main" id="{007330F0-738F-45FE-8294-C80F919EF3FA}"/>
+              </a:ext>
+            </a:extLst>
+          </p:cNvPr>
+          <p:cNvSpPr/>
+          <p:nvPr/>
+        </p:nvSpPr>
+        <p:spPr>
+          <a:xfrm>
+            <a:off x="4592426" y="3827676"/>
+            <a:ext cx="1348033" cy="1211373"/>
+          </a:xfrm>
+          <a:prstGeom prst="rect">
+            <a:avLst/>
+          </a:prstGeom>
+          <a:solidFill>
+            <a:srgbClr val="F49696"/>
+          </a:solidFill>
+        </p:spPr>
+        <p:style>
+          <a:lnRef idx="2">
+            <a:schemeClr val="accent1">
+              <a:shade val="50000"/>
+            </a:schemeClr>
+          </a:lnRef>
+          <a:fillRef idx="1">
+            <a:schemeClr val="accent1"/>
+          </a:fillRef>
+          <a:effectRef idx="0">
+            <a:schemeClr val="accent1"/>
+          </a:effectRef>
+          <a:fontRef idx="minor">
+            <a:schemeClr val="lt1"/>
+          </a:fontRef>
+        </p:style>
+        <p:txBody>
+          <a:bodyPr rtlCol="0" anchor="ctr"/>
+          <a:lstStyle/>
+          <a:p>
+            <a:pPr algn="ctr"/>
+            <a:r>
+              <a:rPr lang="en-US" dirty="0"/>
+              <a:t>Image channel</a:t>
+            </a:r>
+            <a:br>
+              <a:rPr lang="en-US" dirty="0"/>
+            </a:br>
+            <a:r>
+              <a:rPr lang="en-US" dirty="0"/>
+              <a:t>(w * h)</a:t>
+            </a:r>
+          </a:p>
+        </p:txBody>
+      </p:sp>
+      <p:sp>
+        <p:nvSpPr>
+          <p:cNvPr id="9" name="Flèche : droite 8">
+            <a:extLst>
+              <a:ext uri="{FF2B5EF4-FFF2-40B4-BE49-F238E27FC236}">
+                <a16:creationId xmlns:a16="http://schemas.microsoft.com/office/drawing/2014/main" id="{5A329563-3BC1-4F23-8B5D-12DE783B4554}"/>
+              </a:ext>
+            </a:extLst>
+          </p:cNvPr>
+          <p:cNvSpPr/>
+          <p:nvPr/>
+        </p:nvSpPr>
+        <p:spPr>
+          <a:xfrm>
+            <a:off x="3481634" y="4165039"/>
+            <a:ext cx="938752" cy="537328"/>
+          </a:xfrm>
+          <a:prstGeom prst="rightArrow">
+            <a:avLst/>
+          </a:prstGeom>
+        </p:spPr>
+        <p:style>
+          <a:lnRef idx="2">
+            <a:schemeClr val="dk1"/>
+          </a:lnRef>
+          <a:fillRef idx="1">
+            <a:schemeClr val="lt1"/>
+          </a:fillRef>
+          <a:effectRef idx="0">
+            <a:schemeClr val="dk1"/>
+          </a:effectRef>
+          <a:fontRef idx="minor">
+            <a:schemeClr val="dk1"/>
+          </a:fontRef>
+        </p:style>
+        <p:txBody>
+          <a:bodyPr rtlCol="0" anchor="ctr"/>
+          <a:lstStyle/>
+          <a:p>
+            <a:pPr algn="ctr"/>
+            <a:endParaRPr lang="en-US"/>
+          </a:p>
+        </p:txBody>
+      </p:sp>
+      <mc:AlternateContent xmlns:mc="http://schemas.openxmlformats.org/markup-compatibility/2006" xmlns:a14="http://schemas.microsoft.com/office/drawing/2010/main">
+        <mc:Choice Requires="a14">
+          <p:sp>
+            <p:nvSpPr>
+              <p:cNvPr id="10" name="ZoneTexte 9">
+                <a:extLst>
+                  <a:ext uri="{FF2B5EF4-FFF2-40B4-BE49-F238E27FC236}">
+                    <a16:creationId xmlns:a16="http://schemas.microsoft.com/office/drawing/2014/main" id="{AFAD42F5-649B-498B-9493-A1468FAE793B}"/>
+                  </a:ext>
+                </a:extLst>
+              </p:cNvPr>
+              <p:cNvSpPr txBox="1"/>
+              <p:nvPr/>
+            </p:nvSpPr>
+            <p:spPr>
+              <a:xfrm>
+                <a:off x="7088170" y="3429000"/>
+                <a:ext cx="4265630" cy="1629164"/>
+              </a:xfrm>
+              <a:prstGeom prst="rect">
+                <a:avLst/>
+              </a:prstGeom>
+              <a:noFill/>
+            </p:spPr>
+            <p:txBody>
+              <a:bodyPr wrap="square" rtlCol="0">
+                <a:spAutoFit/>
+              </a:bodyPr>
+              <a:lstStyle/>
+              <a:p>
+                <a:r>
+                  <a:rPr lang="en-US" sz="2400" dirty="0"/>
+                  <a:t>Each value </a:t>
+                </a:r>
+                <a14:m>
+                  <m:oMath xmlns:m="http://schemas.openxmlformats.org/officeDocument/2006/math">
+                    <m:sSub>
+                      <m:sSubPr>
+                        <m:ctrlPr>
+                          <a:rPr lang="it-IT" sz="2400" b="0" i="1" smtClean="0">
+                            <a:latin typeface="Cambria Math" panose="02040503050406030204" pitchFamily="18" charset="0"/>
+                          </a:rPr>
+                        </m:ctrlPr>
+                      </m:sSubPr>
+                      <m:e>
+                        <m:r>
+                          <a:rPr lang="it-IT" sz="2400" i="1">
+                            <a:latin typeface="Cambria Math" panose="02040503050406030204" pitchFamily="18" charset="0"/>
+                          </a:rPr>
+                          <m:t>𝑥</m:t>
+                        </m:r>
+                      </m:e>
+                      <m:sub>
+                        <m:r>
+                          <a:rPr lang="it-IT" sz="2400" b="0" i="1" smtClean="0">
+                            <a:latin typeface="Cambria Math" panose="02040503050406030204" pitchFamily="18" charset="0"/>
+                          </a:rPr>
+                          <m:t>𝑖</m:t>
+                        </m:r>
+                        <m:r>
+                          <a:rPr lang="it-IT" sz="2400" b="0" i="1" smtClean="0">
+                            <a:latin typeface="Cambria Math" panose="02040503050406030204" pitchFamily="18" charset="0"/>
+                          </a:rPr>
+                          <m:t>,</m:t>
+                        </m:r>
+                        <m:r>
+                          <a:rPr lang="it-IT" sz="2400" b="0" i="1" smtClean="0">
+                            <a:latin typeface="Cambria Math" panose="02040503050406030204" pitchFamily="18" charset="0"/>
+                          </a:rPr>
+                          <m:t>𝑗</m:t>
+                        </m:r>
+                      </m:sub>
+                    </m:sSub>
+                  </m:oMath>
+                </a14:m>
+                <a:r>
+                  <a:rPr lang="en-US" sz="2400" dirty="0"/>
+                  <a:t> inside each channel indicates the level or red, blue, or green for pixel </a:t>
+                </a:r>
+                <a14:m>
+                  <m:oMath xmlns:m="http://schemas.openxmlformats.org/officeDocument/2006/math">
+                    <m:sSub>
+                      <m:sSubPr>
+                        <m:ctrlPr>
+                          <a:rPr lang="it-IT" sz="2400" b="0" i="1" smtClean="0">
+                            <a:latin typeface="Cambria Math" panose="02040503050406030204" pitchFamily="18" charset="0"/>
+                          </a:rPr>
+                        </m:ctrlPr>
+                      </m:sSubPr>
+                      <m:e>
+                        <m:r>
+                          <a:rPr lang="it-IT" sz="2400" i="1">
+                            <a:latin typeface="Cambria Math" panose="02040503050406030204" pitchFamily="18" charset="0"/>
+                          </a:rPr>
+                          <m:t>𝑝</m:t>
+                        </m:r>
+                      </m:e>
+                      <m:sub>
+                        <m:r>
+                          <a:rPr lang="it-IT" sz="2400" b="0" i="1" smtClean="0">
+                            <a:latin typeface="Cambria Math" panose="02040503050406030204" pitchFamily="18" charset="0"/>
+                          </a:rPr>
+                          <m:t>𝑖</m:t>
+                        </m:r>
+                        <m:r>
+                          <a:rPr lang="it-IT" sz="2400" b="0" i="1" smtClean="0">
+                            <a:latin typeface="Cambria Math" panose="02040503050406030204" pitchFamily="18" charset="0"/>
+                          </a:rPr>
+                          <m:t>,</m:t>
+                        </m:r>
+                        <m:r>
+                          <a:rPr lang="it-IT" sz="2400" b="0" i="1" smtClean="0">
+                            <a:latin typeface="Cambria Math" panose="02040503050406030204" pitchFamily="18" charset="0"/>
+                          </a:rPr>
+                          <m:t>𝑗</m:t>
+                        </m:r>
+                      </m:sub>
+                    </m:sSub>
+                  </m:oMath>
+                </a14:m>
+                <a:r>
+                  <a:rPr lang="en-US" sz="2400" dirty="0"/>
+                  <a:t> respectively</a:t>
+                </a:r>
+              </a:p>
+            </p:txBody>
+          </p:sp>
+        </mc:Choice>
+        <mc:Fallback xmlns="">
+          <p:sp>
+            <p:nvSpPr>
+              <p:cNvPr id="10" name="ZoneTexte 9">
+                <a:extLst>
+                  <a:ext uri="{FF2B5EF4-FFF2-40B4-BE49-F238E27FC236}">
+                    <a16:creationId xmlns:a16="http://schemas.microsoft.com/office/drawing/2014/main" id="{AFAD42F5-649B-498B-9493-A1468FAE793B}"/>
+                  </a:ext>
+                </a:extLst>
+              </p:cNvPr>
+              <p:cNvSpPr txBox="1">
+                <a:spLocks noRot="1" noChangeAspect="1" noMove="1" noResize="1" noEditPoints="1" noAdjustHandles="1" noChangeArrowheads="1" noChangeShapeType="1" noTextEdit="1"/>
+              </p:cNvSpPr>
+              <p:nvPr/>
+            </p:nvSpPr>
+            <p:spPr>
+              <a:xfrm>
+                <a:off x="7088170" y="3429000"/>
+                <a:ext cx="4265630" cy="1629164"/>
+              </a:xfrm>
+              <a:prstGeom prst="rect">
+                <a:avLst/>
+              </a:prstGeom>
+              <a:blipFill>
+                <a:blip r:embed="rId2"/>
+                <a:stretch>
+                  <a:fillRect l="-2286" t="-2622" b="-7116"/>
+                </a:stretch>
+              </a:blipFill>
+            </p:spPr>
+            <p:txBody>
+              <a:bodyPr/>
+              <a:lstStyle/>
+              <a:p>
+                <a:r>
+                  <a:rPr lang="en-US">
+                    <a:noFill/>
+                  </a:rPr>
+                  <a:t> </a:t>
+                </a:r>
+              </a:p>
+            </p:txBody>
+          </p:sp>
+        </mc:Fallback>
+      </mc:AlternateContent>
+    </p:spTree>
+    <p:extLst>
+      <p:ext uri="{BB962C8B-B14F-4D97-AF65-F5344CB8AC3E}">
+        <p14:creationId xmlns:p14="http://schemas.microsoft.com/office/powerpoint/2010/main" val="638673909"/>
+      </p:ext>
+    </p:extLst>
+  </p:cSld>
+  <p:clrMapOvr>
+    <a:masterClrMapping/>
+  </p:clrMapOvr>
+</p:sld>
+</file>
+
+<file path=ppt/slides/slide14.xml><?xml version="1.0" encoding="utf-8"?>
+<p:sld xmlns:a="http://schemas.openxmlformats.org/drawingml/2006/main" xmlns:r="http://schemas.openxmlformats.org/officeDocument/2006/relationships" xmlns:p="http://schemas.openxmlformats.org/presentationml/2006/main">
+  <p:cSld>
+    <p:spTree>
+      <p:nvGrpSpPr>
+        <p:cNvPr id="1" name=""/>
+        <p:cNvGrpSpPr/>
+        <p:nvPr/>
+      </p:nvGrpSpPr>
+      <p:grpSpPr>
+        <a:xfrm>
+          <a:off x="0" y="0"/>
+          <a:ext cx="0" cy="0"/>
+          <a:chOff x="0" y="0"/>
+          <a:chExt cx="0" cy="0"/>
+        </a:xfrm>
+      </p:grpSpPr>
+      <p:sp>
+        <p:nvSpPr>
+          <p:cNvPr id="2" name="Titre 1">
+            <a:extLst>
+              <a:ext uri="{FF2B5EF4-FFF2-40B4-BE49-F238E27FC236}">
+                <a16:creationId xmlns:a16="http://schemas.microsoft.com/office/drawing/2014/main" id="{419778B1-F7A4-4B62-AC08-8BD2E73DB866}"/>
+              </a:ext>
+            </a:extLst>
+          </p:cNvPr>
+          <p:cNvSpPr>
+            <a:spLocks noGrp="1"/>
+          </p:cNvSpPr>
+          <p:nvPr>
+            <p:ph type="title"/>
+          </p:nvPr>
+        </p:nvSpPr>
+        <p:spPr/>
+        <p:txBody>
+          <a:bodyPr/>
+          <a:lstStyle/>
+          <a:p>
+            <a:r>
+              <a:rPr lang="en-US" dirty="0"/>
+              <a:t>Why are neural networks winning?</a:t>
+            </a:r>
+          </a:p>
+        </p:txBody>
+      </p:sp>
+      <p:sp>
+        <p:nvSpPr>
+          <p:cNvPr id="3" name="Espace réservé du texte 2">
+            <a:extLst>
+              <a:ext uri="{FF2B5EF4-FFF2-40B4-BE49-F238E27FC236}">
+                <a16:creationId xmlns:a16="http://schemas.microsoft.com/office/drawing/2014/main" id="{706C715F-29DF-4532-9EA2-EA702412B608}"/>
+              </a:ext>
+            </a:extLst>
+          </p:cNvPr>
+          <p:cNvSpPr>
+            <a:spLocks noGrp="1"/>
+          </p:cNvSpPr>
+          <p:nvPr>
+            <p:ph type="body" sz="quarter" idx="10"/>
+          </p:nvPr>
+        </p:nvSpPr>
+        <p:spPr>
+          <a:xfrm>
+            <a:off x="838200" y="1423358"/>
+            <a:ext cx="10515600" cy="1649688"/>
+          </a:xfrm>
+        </p:spPr>
+        <p:txBody>
+          <a:bodyPr>
+            <a:normAutofit lnSpcReduction="10000"/>
+          </a:bodyPr>
+          <a:lstStyle/>
+          <a:p>
+            <a:r>
+              <a:rPr lang="en-US" dirty="0"/>
+              <a:t>Output tensors interpreted as (approximately) </a:t>
+            </a:r>
+            <a:r>
+              <a:rPr lang="en-US" i="1" dirty="0"/>
+              <a:t>anything</a:t>
+            </a:r>
+            <a:r>
+              <a:rPr lang="en-US" dirty="0"/>
+              <a:t>!</a:t>
+            </a:r>
+          </a:p>
+          <a:p>
+            <a:pPr marL="0" indent="0" algn="ctr">
+              <a:buNone/>
+            </a:pPr>
+            <a:endParaRPr lang="en-US" dirty="0"/>
+          </a:p>
+          <a:p>
+            <a:pPr marL="0" indent="0" algn="ctr">
+              <a:buNone/>
+            </a:pPr>
+            <a:r>
+              <a:rPr lang="en-US" dirty="0"/>
+              <a:t>Example: video</a:t>
+            </a:r>
+          </a:p>
+        </p:txBody>
+      </p:sp>
+      <p:sp>
+        <p:nvSpPr>
+          <p:cNvPr id="4" name="Cube 3">
+            <a:extLst>
+              <a:ext uri="{FF2B5EF4-FFF2-40B4-BE49-F238E27FC236}">
+                <a16:creationId xmlns:a16="http://schemas.microsoft.com/office/drawing/2014/main" id="{A3E0261C-4ED1-4A18-A7FB-8A1F0B19E65C}"/>
+              </a:ext>
+            </a:extLst>
+          </p:cNvPr>
+          <p:cNvSpPr/>
+          <p:nvPr/>
+        </p:nvSpPr>
+        <p:spPr>
+          <a:xfrm>
+            <a:off x="245884" y="3490994"/>
+            <a:ext cx="1772239" cy="1649689"/>
+          </a:xfrm>
+          <a:prstGeom prst="cube">
+            <a:avLst/>
+          </a:prstGeom>
+        </p:spPr>
+        <p:style>
+          <a:lnRef idx="2">
+            <a:schemeClr val="accent1">
+              <a:shade val="50000"/>
+            </a:schemeClr>
+          </a:lnRef>
+          <a:fillRef idx="1">
+            <a:schemeClr val="accent1"/>
+          </a:fillRef>
+          <a:effectRef idx="0">
+            <a:schemeClr val="accent1"/>
+          </a:effectRef>
+          <a:fontRef idx="minor">
+            <a:schemeClr val="lt1"/>
+          </a:fontRef>
+        </p:style>
+        <p:txBody>
+          <a:bodyPr rtlCol="0" anchor="ctr"/>
+          <a:lstStyle/>
+          <a:p>
+            <a:pPr algn="ctr"/>
+            <a:r>
+              <a:rPr lang="en-US" dirty="0"/>
+              <a:t>Tensor </a:t>
+            </a:r>
+            <a:br>
+              <a:rPr lang="en-US" dirty="0"/>
+            </a:br>
+            <a:r>
+              <a:rPr lang="en-US" dirty="0"/>
+              <a:t>(t*c*w*h)</a:t>
+            </a:r>
+          </a:p>
+        </p:txBody>
+      </p:sp>
+      <p:sp>
+        <p:nvSpPr>
+          <p:cNvPr id="5" name="Rectangle 4">
+            <a:extLst>
+              <a:ext uri="{FF2B5EF4-FFF2-40B4-BE49-F238E27FC236}">
+                <a16:creationId xmlns:a16="http://schemas.microsoft.com/office/drawing/2014/main" id="{F3CEEA68-0304-421D-B32A-071A459630F9}"/>
+              </a:ext>
+            </a:extLst>
+          </p:cNvPr>
+          <p:cNvSpPr/>
+          <p:nvPr/>
+        </p:nvSpPr>
+        <p:spPr>
+          <a:xfrm>
+            <a:off x="3592399" y="3490994"/>
+            <a:ext cx="1348033" cy="1211373"/>
+          </a:xfrm>
+          <a:prstGeom prst="rect">
+            <a:avLst/>
+          </a:prstGeom>
+          <a:solidFill>
+            <a:schemeClr val="accent5">
+              <a:lumMod val="20000"/>
+              <a:lumOff val="80000"/>
+            </a:schemeClr>
+          </a:solidFill>
+        </p:spPr>
+        <p:style>
+          <a:lnRef idx="2">
+            <a:schemeClr val="accent1">
+              <a:shade val="50000"/>
+            </a:schemeClr>
+          </a:lnRef>
+          <a:fillRef idx="1">
+            <a:schemeClr val="accent1"/>
+          </a:fillRef>
+          <a:effectRef idx="0">
+            <a:schemeClr val="accent1"/>
+          </a:effectRef>
+          <a:fontRef idx="minor">
+            <a:schemeClr val="lt1"/>
+          </a:fontRef>
+        </p:style>
+        <p:txBody>
+          <a:bodyPr rtlCol="0" anchor="ctr"/>
+          <a:lstStyle/>
+          <a:p>
+            <a:pPr algn="ctr"/>
+            <a:endParaRPr lang="en-US"/>
+          </a:p>
+        </p:txBody>
+      </p:sp>
+      <p:sp>
+        <p:nvSpPr>
+          <p:cNvPr id="6" name="Rectangle 5">
+            <a:extLst>
+              <a:ext uri="{FF2B5EF4-FFF2-40B4-BE49-F238E27FC236}">
+                <a16:creationId xmlns:a16="http://schemas.microsoft.com/office/drawing/2014/main" id="{DB69D241-7A96-4867-890B-A5961ACB16EA}"/>
+              </a:ext>
+            </a:extLst>
+          </p:cNvPr>
+          <p:cNvSpPr/>
+          <p:nvPr/>
+        </p:nvSpPr>
+        <p:spPr>
+          <a:xfrm>
+            <a:off x="3446282" y="3637896"/>
+            <a:ext cx="1348033" cy="1211373"/>
+          </a:xfrm>
+          <a:prstGeom prst="rect">
+            <a:avLst/>
+          </a:prstGeom>
+          <a:solidFill>
+            <a:schemeClr val="accent6">
+              <a:lumMod val="20000"/>
+              <a:lumOff val="80000"/>
+            </a:schemeClr>
+          </a:solidFill>
+        </p:spPr>
+        <p:style>
+          <a:lnRef idx="2">
+            <a:schemeClr val="accent1">
+              <a:shade val="50000"/>
+            </a:schemeClr>
+          </a:lnRef>
+          <a:fillRef idx="1">
+            <a:schemeClr val="accent1"/>
+          </a:fillRef>
+          <a:effectRef idx="0">
+            <a:schemeClr val="accent1"/>
+          </a:effectRef>
+          <a:fontRef idx="minor">
+            <a:schemeClr val="lt1"/>
+          </a:fontRef>
+        </p:style>
+        <p:txBody>
+          <a:bodyPr rtlCol="0" anchor="ctr"/>
+          <a:lstStyle/>
+          <a:p>
+            <a:pPr algn="ctr"/>
+            <a:endParaRPr lang="en-US"/>
+          </a:p>
+        </p:txBody>
+      </p:sp>
+      <p:sp>
+        <p:nvSpPr>
+          <p:cNvPr id="7" name="Rectangle 6">
+            <a:extLst>
+              <a:ext uri="{FF2B5EF4-FFF2-40B4-BE49-F238E27FC236}">
+                <a16:creationId xmlns:a16="http://schemas.microsoft.com/office/drawing/2014/main" id="{007330F0-738F-45FE-8294-C80F919EF3FA}"/>
+              </a:ext>
+            </a:extLst>
+          </p:cNvPr>
+          <p:cNvSpPr/>
+          <p:nvPr/>
+        </p:nvSpPr>
+        <p:spPr>
+          <a:xfrm>
+            <a:off x="3300954" y="3827676"/>
+            <a:ext cx="1348033" cy="1211373"/>
+          </a:xfrm>
+          <a:prstGeom prst="rect">
+            <a:avLst/>
+          </a:prstGeom>
+          <a:solidFill>
+            <a:srgbClr val="F49696"/>
+          </a:solidFill>
+        </p:spPr>
+        <p:style>
+          <a:lnRef idx="2">
+            <a:schemeClr val="accent1">
+              <a:shade val="50000"/>
+            </a:schemeClr>
+          </a:lnRef>
+          <a:fillRef idx="1">
+            <a:schemeClr val="accent1"/>
+          </a:fillRef>
+          <a:effectRef idx="0">
+            <a:schemeClr val="accent1"/>
+          </a:effectRef>
+          <a:fontRef idx="minor">
+            <a:schemeClr val="lt1"/>
+          </a:fontRef>
+        </p:style>
+        <p:txBody>
+          <a:bodyPr rtlCol="0" anchor="ctr"/>
+          <a:lstStyle/>
+          <a:p>
+            <a:pPr algn="ctr"/>
+            <a:r>
+              <a:rPr lang="en-US" dirty="0"/>
+              <a:t>Image channel</a:t>
+            </a:r>
+            <a:br>
+              <a:rPr lang="en-US" dirty="0"/>
+            </a:br>
+            <a:r>
+              <a:rPr lang="en-US" dirty="0"/>
+              <a:t>(w * h)</a:t>
+            </a:r>
+          </a:p>
+        </p:txBody>
+      </p:sp>
+      <p:sp>
+        <p:nvSpPr>
+          <p:cNvPr id="9" name="Flèche : droite 8">
+            <a:extLst>
+              <a:ext uri="{FF2B5EF4-FFF2-40B4-BE49-F238E27FC236}">
+                <a16:creationId xmlns:a16="http://schemas.microsoft.com/office/drawing/2014/main" id="{5A329563-3BC1-4F23-8B5D-12DE783B4554}"/>
+              </a:ext>
+            </a:extLst>
+          </p:cNvPr>
+          <p:cNvSpPr/>
+          <p:nvPr/>
+        </p:nvSpPr>
+        <p:spPr>
+          <a:xfrm>
+            <a:off x="2190162" y="4165039"/>
+            <a:ext cx="938752" cy="537328"/>
+          </a:xfrm>
+          <a:prstGeom prst="rightArrow">
+            <a:avLst/>
+          </a:prstGeom>
+        </p:spPr>
+        <p:style>
+          <a:lnRef idx="2">
+            <a:schemeClr val="dk1"/>
+          </a:lnRef>
+          <a:fillRef idx="1">
+            <a:schemeClr val="lt1"/>
+          </a:fillRef>
+          <a:effectRef idx="0">
+            <a:schemeClr val="dk1"/>
+          </a:effectRef>
+          <a:fontRef idx="minor">
+            <a:schemeClr val="dk1"/>
+          </a:fontRef>
+        </p:style>
+        <p:txBody>
+          <a:bodyPr rtlCol="0" anchor="ctr"/>
+          <a:lstStyle/>
+          <a:p>
+            <a:pPr algn="ctr"/>
+            <a:endParaRPr lang="en-US"/>
+          </a:p>
+        </p:txBody>
+      </p:sp>
+      <mc:AlternateContent xmlns:mc="http://schemas.openxmlformats.org/markup-compatibility/2006" xmlns:a14="http://schemas.microsoft.com/office/drawing/2010/main">
+        <mc:Choice Requires="a14">
+          <p:sp>
+            <p:nvSpPr>
+              <p:cNvPr id="10" name="ZoneTexte 9">
+                <a:extLst>
+                  <a:ext uri="{FF2B5EF4-FFF2-40B4-BE49-F238E27FC236}">
+                    <a16:creationId xmlns:a16="http://schemas.microsoft.com/office/drawing/2014/main" id="{AFAD42F5-649B-498B-9493-A1468FAE793B}"/>
+                  </a:ext>
+                </a:extLst>
+              </p:cNvPr>
+              <p:cNvSpPr txBox="1"/>
+              <p:nvPr/>
+            </p:nvSpPr>
+            <p:spPr>
+              <a:xfrm>
+                <a:off x="8279090" y="3369456"/>
+                <a:ext cx="3843780" cy="1658659"/>
+              </a:xfrm>
+              <a:prstGeom prst="rect">
+                <a:avLst/>
+              </a:prstGeom>
+              <a:noFill/>
+            </p:spPr>
+            <p:txBody>
+              <a:bodyPr wrap="square" rtlCol="0">
+                <a:spAutoFit/>
+              </a:bodyPr>
+              <a:lstStyle/>
+              <a:p>
+                <a:r>
+                  <a:rPr lang="en-US" sz="2400" dirty="0"/>
+                  <a:t>Each value </a:t>
+                </a:r>
+                <a14:m>
+                  <m:oMath xmlns:m="http://schemas.openxmlformats.org/officeDocument/2006/math">
+                    <m:sSubSup>
+                      <m:sSubSupPr>
+                        <m:ctrlPr>
+                          <a:rPr lang="en-US" sz="2400" i="1" smtClean="0">
+                            <a:latin typeface="Cambria Math" panose="02040503050406030204" pitchFamily="18" charset="0"/>
+                          </a:rPr>
+                        </m:ctrlPr>
+                      </m:sSubSupPr>
+                      <m:e>
+                        <m:r>
+                          <a:rPr lang="it-IT" sz="2400" b="0" i="1" smtClean="0">
+                            <a:latin typeface="Cambria Math" panose="02040503050406030204" pitchFamily="18" charset="0"/>
+                          </a:rPr>
+                          <m:t>𝑥</m:t>
+                        </m:r>
+                      </m:e>
+                      <m:sub>
+                        <m:r>
+                          <a:rPr lang="it-IT" sz="2400" b="0" i="1" smtClean="0">
+                            <a:latin typeface="Cambria Math" panose="02040503050406030204" pitchFamily="18" charset="0"/>
+                          </a:rPr>
+                          <m:t>𝑖</m:t>
+                        </m:r>
+                        <m:r>
+                          <a:rPr lang="it-IT" sz="2400" b="0" i="1" smtClean="0">
+                            <a:latin typeface="Cambria Math" panose="02040503050406030204" pitchFamily="18" charset="0"/>
+                          </a:rPr>
+                          <m:t>,</m:t>
+                        </m:r>
+                        <m:r>
+                          <a:rPr lang="it-IT" sz="2400" b="0" i="1" smtClean="0">
+                            <a:latin typeface="Cambria Math" panose="02040503050406030204" pitchFamily="18" charset="0"/>
+                          </a:rPr>
+                          <m:t>𝑗</m:t>
+                        </m:r>
+                      </m:sub>
+                      <m:sup>
+                        <m:r>
+                          <a:rPr lang="it-IT" sz="2400" b="0" i="1" smtClean="0">
+                            <a:latin typeface="Cambria Math" panose="02040503050406030204" pitchFamily="18" charset="0"/>
+                          </a:rPr>
+                          <m:t>𝑡</m:t>
+                        </m:r>
+                      </m:sup>
+                    </m:sSubSup>
+                  </m:oMath>
+                </a14:m>
+                <a:r>
+                  <a:rPr lang="en-US" sz="2400" dirty="0"/>
+                  <a:t>inside each channel indicates the level or red, blue, or green for pixel </a:t>
+                </a:r>
+                <a14:m>
+                  <m:oMath xmlns:m="http://schemas.openxmlformats.org/officeDocument/2006/math">
+                    <m:sSub>
+                      <m:sSubPr>
+                        <m:ctrlPr>
+                          <a:rPr lang="it-IT" sz="2400" b="0" i="1" smtClean="0">
+                            <a:latin typeface="Cambria Math" panose="02040503050406030204" pitchFamily="18" charset="0"/>
+                          </a:rPr>
+                        </m:ctrlPr>
+                      </m:sSubPr>
+                      <m:e>
+                        <m:r>
+                          <a:rPr lang="it-IT" sz="2400" i="1">
+                            <a:latin typeface="Cambria Math" panose="02040503050406030204" pitchFamily="18" charset="0"/>
+                          </a:rPr>
+                          <m:t>𝑝</m:t>
+                        </m:r>
+                      </m:e>
+                      <m:sub>
+                        <m:r>
+                          <a:rPr lang="it-IT" sz="2400" b="0" i="1" smtClean="0">
+                            <a:latin typeface="Cambria Math" panose="02040503050406030204" pitchFamily="18" charset="0"/>
+                          </a:rPr>
+                          <m:t>𝑖</m:t>
+                        </m:r>
+                        <m:r>
+                          <a:rPr lang="it-IT" sz="2400" b="0" i="1" smtClean="0">
+                            <a:latin typeface="Cambria Math" panose="02040503050406030204" pitchFamily="18" charset="0"/>
+                          </a:rPr>
+                          <m:t>,</m:t>
+                        </m:r>
+                        <m:r>
+                          <a:rPr lang="it-IT" sz="2400" b="0" i="1" smtClean="0">
+                            <a:latin typeface="Cambria Math" panose="02040503050406030204" pitchFamily="18" charset="0"/>
+                          </a:rPr>
+                          <m:t>𝑗</m:t>
+                        </m:r>
+                      </m:sub>
+                    </m:sSub>
+                  </m:oMath>
+                </a14:m>
+                <a:r>
+                  <a:rPr lang="en-US" sz="2400" dirty="0"/>
+                  <a:t> for the frame at time </a:t>
+                </a:r>
+                <a14:m>
+                  <m:oMath xmlns:m="http://schemas.openxmlformats.org/officeDocument/2006/math">
+                    <m:r>
+                      <a:rPr lang="it-IT" sz="2400" b="0" i="1" smtClean="0">
+                        <a:latin typeface="Cambria Math" panose="02040503050406030204" pitchFamily="18" charset="0"/>
+                      </a:rPr>
+                      <m:t>𝑡</m:t>
+                    </m:r>
+                  </m:oMath>
+                </a14:m>
+                <a:endParaRPr lang="en-US" sz="2400" dirty="0"/>
+              </a:p>
+            </p:txBody>
+          </p:sp>
+        </mc:Choice>
+        <mc:Fallback xmlns="">
+          <p:sp>
+            <p:nvSpPr>
+              <p:cNvPr id="10" name="ZoneTexte 9">
+                <a:extLst>
+                  <a:ext uri="{FF2B5EF4-FFF2-40B4-BE49-F238E27FC236}">
+                    <a16:creationId xmlns:a16="http://schemas.microsoft.com/office/drawing/2014/main" id="{AFAD42F5-649B-498B-9493-A1468FAE793B}"/>
+                  </a:ext>
+                </a:extLst>
+              </p:cNvPr>
+              <p:cNvSpPr txBox="1">
+                <a:spLocks noRot="1" noChangeAspect="1" noMove="1" noResize="1" noEditPoints="1" noAdjustHandles="1" noChangeArrowheads="1" noChangeShapeType="1" noTextEdit="1"/>
+              </p:cNvSpPr>
+              <p:nvPr/>
+            </p:nvSpPr>
+            <p:spPr>
+              <a:xfrm>
+                <a:off x="8279090" y="3369456"/>
+                <a:ext cx="3843780" cy="1658659"/>
+              </a:xfrm>
+              <a:prstGeom prst="rect">
+                <a:avLst/>
+              </a:prstGeom>
+              <a:blipFill>
+                <a:blip r:embed="rId2"/>
+                <a:stretch>
+                  <a:fillRect l="-2377" t="-1838" r="-2853" b="-5882"/>
+                </a:stretch>
+              </a:blipFill>
+            </p:spPr>
+            <p:txBody>
+              <a:bodyPr/>
+              <a:lstStyle/>
+              <a:p>
+                <a:r>
+                  <a:rPr lang="en-US">
+                    <a:noFill/>
+                  </a:rPr>
+                  <a:t> </a:t>
+                </a:r>
+              </a:p>
+            </p:txBody>
+          </p:sp>
+        </mc:Fallback>
+      </mc:AlternateContent>
+      <p:grpSp>
+        <p:nvGrpSpPr>
+          <p:cNvPr id="14" name="Groupe 13">
+            <a:extLst>
+              <a:ext uri="{FF2B5EF4-FFF2-40B4-BE49-F238E27FC236}">
+                <a16:creationId xmlns:a16="http://schemas.microsoft.com/office/drawing/2014/main" id="{77C64E4C-53CF-4D2E-82FF-FC9E776745E3}"/>
+              </a:ext>
+            </a:extLst>
+          </p:cNvPr>
+          <p:cNvGrpSpPr/>
+          <p:nvPr/>
+        </p:nvGrpSpPr>
+        <p:grpSpPr>
+          <a:xfrm>
+            <a:off x="6096000" y="3490994"/>
+            <a:ext cx="1639478" cy="1548055"/>
+            <a:chOff x="5395275" y="3473710"/>
+            <a:chExt cx="1639478" cy="1548055"/>
+          </a:xfrm>
+        </p:grpSpPr>
+        <p:sp>
+          <p:nvSpPr>
+            <p:cNvPr id="11" name="Rectangle 10">
+              <a:extLst>
+                <a:ext uri="{FF2B5EF4-FFF2-40B4-BE49-F238E27FC236}">
+                  <a16:creationId xmlns:a16="http://schemas.microsoft.com/office/drawing/2014/main" id="{71399527-6233-4969-8AE6-D5729E000C9C}"/>
+                </a:ext>
+              </a:extLst>
+            </p:cNvPr>
+            <p:cNvSpPr/>
+            <p:nvPr/>
+          </p:nvSpPr>
+          <p:spPr>
+            <a:xfrm>
+              <a:off x="5686720" y="3473710"/>
+              <a:ext cx="1348033" cy="1211373"/>
+            </a:xfrm>
+            <a:prstGeom prst="rect">
+              <a:avLst/>
+            </a:prstGeom>
+            <a:solidFill>
+              <a:schemeClr val="accent5">
+                <a:lumMod val="20000"/>
+                <a:lumOff val="80000"/>
+              </a:schemeClr>
+            </a:solidFill>
+          </p:spPr>
+          <p:style>
+            <a:lnRef idx="2">
+              <a:schemeClr val="accent1">
+                <a:shade val="50000"/>
+              </a:schemeClr>
+            </a:lnRef>
+            <a:fillRef idx="1">
+              <a:schemeClr val="accent1"/>
+            </a:fillRef>
+            <a:effectRef idx="0">
+              <a:schemeClr val="accent1"/>
+            </a:effectRef>
+            <a:fontRef idx="minor">
+              <a:schemeClr val="lt1"/>
+            </a:fontRef>
+          </p:style>
+          <p:txBody>
+            <a:bodyPr rtlCol="0" anchor="ctr"/>
+            <a:lstStyle/>
+            <a:p>
+              <a:pPr algn="ctr"/>
+              <a:endParaRPr lang="en-US"/>
+            </a:p>
+          </p:txBody>
+        </p:sp>
+        <p:sp>
+          <p:nvSpPr>
+            <p:cNvPr id="12" name="Rectangle 11">
+              <a:extLst>
+                <a:ext uri="{FF2B5EF4-FFF2-40B4-BE49-F238E27FC236}">
+                  <a16:creationId xmlns:a16="http://schemas.microsoft.com/office/drawing/2014/main" id="{71D1A16E-3CFE-4230-83FE-5D2415A52F9B}"/>
+                </a:ext>
+              </a:extLst>
+            </p:cNvPr>
+            <p:cNvSpPr/>
+            <p:nvPr/>
+          </p:nvSpPr>
+          <p:spPr>
+            <a:xfrm>
+              <a:off x="5540603" y="3620612"/>
+              <a:ext cx="1348033" cy="1211373"/>
+            </a:xfrm>
+            <a:prstGeom prst="rect">
+              <a:avLst/>
+            </a:prstGeom>
+            <a:solidFill>
+              <a:schemeClr val="accent6">
+                <a:lumMod val="20000"/>
+                <a:lumOff val="80000"/>
+              </a:schemeClr>
+            </a:solidFill>
+          </p:spPr>
+          <p:style>
+            <a:lnRef idx="2">
+              <a:schemeClr val="accent1">
+                <a:shade val="50000"/>
+              </a:schemeClr>
+            </a:lnRef>
+            <a:fillRef idx="1">
+              <a:schemeClr val="accent1"/>
+            </a:fillRef>
+            <a:effectRef idx="0">
+              <a:schemeClr val="accent1"/>
+            </a:effectRef>
+            <a:fontRef idx="minor">
+              <a:schemeClr val="lt1"/>
+            </a:fontRef>
+          </p:style>
+          <p:txBody>
+            <a:bodyPr rtlCol="0" anchor="ctr"/>
+            <a:lstStyle/>
+            <a:p>
+              <a:pPr algn="ctr"/>
+              <a:endParaRPr lang="en-US"/>
+            </a:p>
+          </p:txBody>
+        </p:sp>
+        <p:sp>
+          <p:nvSpPr>
+            <p:cNvPr id="13" name="Rectangle 12">
+              <a:extLst>
+                <a:ext uri="{FF2B5EF4-FFF2-40B4-BE49-F238E27FC236}">
+                  <a16:creationId xmlns:a16="http://schemas.microsoft.com/office/drawing/2014/main" id="{C5A5C3CE-6771-4A6B-9F6C-B676B4D5FC1F}"/>
+                </a:ext>
+              </a:extLst>
+            </p:cNvPr>
+            <p:cNvSpPr/>
+            <p:nvPr/>
+          </p:nvSpPr>
+          <p:spPr>
+            <a:xfrm>
+              <a:off x="5395275" y="3810392"/>
+              <a:ext cx="1348033" cy="1211373"/>
+            </a:xfrm>
+            <a:prstGeom prst="rect">
+              <a:avLst/>
+            </a:prstGeom>
+            <a:solidFill>
+              <a:srgbClr val="F49696"/>
+            </a:solidFill>
+          </p:spPr>
+          <p:style>
+            <a:lnRef idx="2">
+              <a:schemeClr val="accent1">
+                <a:shade val="50000"/>
+              </a:schemeClr>
+            </a:lnRef>
+            <a:fillRef idx="1">
+              <a:schemeClr val="accent1"/>
+            </a:fillRef>
+            <a:effectRef idx="0">
+              <a:schemeClr val="accent1"/>
+            </a:effectRef>
+            <a:fontRef idx="minor">
+              <a:schemeClr val="lt1"/>
+            </a:fontRef>
+          </p:style>
+          <p:txBody>
+            <a:bodyPr rtlCol="0" anchor="ctr"/>
+            <a:lstStyle/>
+            <a:p>
+              <a:pPr algn="ctr"/>
+              <a:r>
+                <a:rPr lang="en-US" dirty="0"/>
+                <a:t>Image channel</a:t>
+              </a:r>
+              <a:br>
+                <a:rPr lang="en-US" dirty="0"/>
+              </a:br>
+              <a:r>
+                <a:rPr lang="en-US" dirty="0"/>
+                <a:t>(w * h)</a:t>
+              </a:r>
+            </a:p>
+          </p:txBody>
+        </p:sp>
+      </p:grpSp>
+      <p:sp>
+        <p:nvSpPr>
+          <p:cNvPr id="15" name="ZoneTexte 14">
+            <a:extLst>
+              <a:ext uri="{FF2B5EF4-FFF2-40B4-BE49-F238E27FC236}">
+                <a16:creationId xmlns:a16="http://schemas.microsoft.com/office/drawing/2014/main" id="{C86E93BE-C815-4F1E-9DCA-A6E5D1E20F31}"/>
+              </a:ext>
+            </a:extLst>
+          </p:cNvPr>
+          <p:cNvSpPr txBox="1"/>
+          <p:nvPr/>
+        </p:nvSpPr>
+        <p:spPr>
+          <a:xfrm>
+            <a:off x="5061409" y="3994481"/>
+            <a:ext cx="845269" cy="707886"/>
+          </a:xfrm>
+          <a:prstGeom prst="rect">
+            <a:avLst/>
+          </a:prstGeom>
+          <a:noFill/>
+        </p:spPr>
+        <p:txBody>
+          <a:bodyPr wrap="square" rtlCol="0">
+            <a:spAutoFit/>
+          </a:bodyPr>
+          <a:lstStyle/>
+          <a:p>
+            <a:pPr algn="ctr"/>
+            <a:r>
+              <a:rPr lang="en-US" sz="4000" dirty="0"/>
+              <a:t>…</a:t>
+            </a:r>
+          </a:p>
+        </p:txBody>
+      </p:sp>
+      <p:sp>
+        <p:nvSpPr>
+          <p:cNvPr id="16" name="ZoneTexte 15">
+            <a:extLst>
+              <a:ext uri="{FF2B5EF4-FFF2-40B4-BE49-F238E27FC236}">
+                <a16:creationId xmlns:a16="http://schemas.microsoft.com/office/drawing/2014/main" id="{B67B5173-4709-4AF3-90F1-6216617BE79A}"/>
+              </a:ext>
+            </a:extLst>
+          </p:cNvPr>
+          <p:cNvSpPr txBox="1"/>
+          <p:nvPr/>
+        </p:nvSpPr>
+        <p:spPr>
+          <a:xfrm>
+            <a:off x="3300954" y="5164609"/>
+            <a:ext cx="1348033" cy="584775"/>
+          </a:xfrm>
+          <a:prstGeom prst="rect">
+            <a:avLst/>
+          </a:prstGeom>
+          <a:noFill/>
+        </p:spPr>
+        <p:txBody>
+          <a:bodyPr wrap="square" rtlCol="0">
+            <a:spAutoFit/>
+          </a:bodyPr>
+          <a:lstStyle/>
+          <a:p>
+            <a:pPr algn="ctr"/>
+            <a:r>
+              <a:rPr lang="en-US" sz="3200" dirty="0"/>
+              <a:t>t=0</a:t>
+            </a:r>
+          </a:p>
+        </p:txBody>
+      </p:sp>
+      <p:sp>
+        <p:nvSpPr>
+          <p:cNvPr id="17" name="ZoneTexte 16">
+            <a:extLst>
+              <a:ext uri="{FF2B5EF4-FFF2-40B4-BE49-F238E27FC236}">
+                <a16:creationId xmlns:a16="http://schemas.microsoft.com/office/drawing/2014/main" id="{D441B71D-5D31-401E-B00F-3C12062A1CE2}"/>
+              </a:ext>
+            </a:extLst>
+          </p:cNvPr>
+          <p:cNvSpPr txBox="1"/>
+          <p:nvPr/>
+        </p:nvSpPr>
+        <p:spPr>
+          <a:xfrm>
+            <a:off x="6095999" y="5164608"/>
+            <a:ext cx="1348033" cy="584775"/>
+          </a:xfrm>
+          <a:prstGeom prst="rect">
+            <a:avLst/>
+          </a:prstGeom>
+          <a:noFill/>
+        </p:spPr>
+        <p:txBody>
+          <a:bodyPr wrap="square" rtlCol="0">
+            <a:spAutoFit/>
+          </a:bodyPr>
+          <a:lstStyle/>
+          <a:p>
+            <a:pPr algn="ctr"/>
+            <a:r>
+              <a:rPr lang="en-US" sz="3200" dirty="0"/>
+              <a:t>t=T</a:t>
+            </a:r>
+          </a:p>
+        </p:txBody>
+      </p:sp>
+    </p:spTree>
+    <p:extLst>
+      <p:ext uri="{BB962C8B-B14F-4D97-AF65-F5344CB8AC3E}">
+        <p14:creationId xmlns:p14="http://schemas.microsoft.com/office/powerpoint/2010/main" val="2692885766"/>
+      </p:ext>
+    </p:extLst>
+  </p:cSld>
+  <p:clrMapOvr>
+    <a:masterClrMapping/>
+  </p:clrMapOvr>
+</p:sld>
+</file>
+
+<file path=ppt/slides/slide15.xml><?xml version="1.0" encoding="utf-8"?>
+<p:sld xmlns:a="http://schemas.openxmlformats.org/drawingml/2006/main" xmlns:r="http://schemas.openxmlformats.org/officeDocument/2006/relationships" xmlns:p="http://schemas.openxmlformats.org/presentationml/2006/main">
+  <p:cSld>
+    <p:spTree>
+      <p:nvGrpSpPr>
+        <p:cNvPr id="1" name=""/>
+        <p:cNvGrpSpPr/>
+        <p:nvPr/>
+      </p:nvGrpSpPr>
+      <p:grpSpPr>
+        <a:xfrm>
+          <a:off x="0" y="0"/>
+          <a:ext cx="0" cy="0"/>
+          <a:chOff x="0" y="0"/>
+          <a:chExt cx="0" cy="0"/>
+        </a:xfrm>
+      </p:grpSpPr>
+      <p:sp>
+        <p:nvSpPr>
+          <p:cNvPr id="2" name="Titre 1">
+            <a:extLst>
+              <a:ext uri="{FF2B5EF4-FFF2-40B4-BE49-F238E27FC236}">
+                <a16:creationId xmlns:a16="http://schemas.microsoft.com/office/drawing/2014/main" id="{F0EBE9E1-A15C-4224-9272-736E1767F1EB}"/>
+              </a:ext>
+            </a:extLst>
+          </p:cNvPr>
+          <p:cNvSpPr>
+            <a:spLocks noGrp="1"/>
+          </p:cNvSpPr>
+          <p:nvPr>
+            <p:ph type="title"/>
+          </p:nvPr>
+        </p:nvSpPr>
+        <p:spPr/>
+        <p:txBody>
+          <a:bodyPr/>
+          <a:lstStyle/>
+          <a:p>
+            <a:r>
+              <a:rPr lang="en-US" dirty="0"/>
+              <a:t>Why are neural networks winning?</a:t>
+            </a:r>
+          </a:p>
+        </p:txBody>
+      </p:sp>
+      <p:sp>
+        <p:nvSpPr>
+          <p:cNvPr id="3" name="Espace réservé du texte 2">
+            <a:extLst>
+              <a:ext uri="{FF2B5EF4-FFF2-40B4-BE49-F238E27FC236}">
+                <a16:creationId xmlns:a16="http://schemas.microsoft.com/office/drawing/2014/main" id="{B1340D47-F59D-463F-9B9E-CFE1CAC4A3D0}"/>
+              </a:ext>
+            </a:extLst>
+          </p:cNvPr>
+          <p:cNvSpPr>
+            <a:spLocks noGrp="1"/>
+          </p:cNvSpPr>
+          <p:nvPr>
+            <p:ph type="body" sz="quarter" idx="10"/>
+          </p:nvPr>
+        </p:nvSpPr>
+        <p:spPr/>
+        <p:txBody>
+          <a:bodyPr/>
+          <a:lstStyle/>
+          <a:p>
+            <a:r>
+              <a:rPr lang="en-US" dirty="0"/>
+              <a:t>And when we have to choose between </a:t>
+            </a:r>
+            <a:r>
+              <a:rPr lang="en-US" i="1" dirty="0"/>
+              <a:t>n </a:t>
+            </a:r>
+            <a:r>
+              <a:rPr lang="en-US" dirty="0"/>
+              <a:t>discrete values?</a:t>
+            </a:r>
+          </a:p>
+        </p:txBody>
+      </p:sp>
+    </p:spTree>
+    <p:extLst>
+      <p:ext uri="{BB962C8B-B14F-4D97-AF65-F5344CB8AC3E}">
+        <p14:creationId xmlns:p14="http://schemas.microsoft.com/office/powerpoint/2010/main" val="3371575630"/>
+      </p:ext>
+    </p:extLst>
+  </p:cSld>
+  <p:clrMapOvr>
+    <a:masterClrMapping/>
+  </p:clrMapOvr>
+</p:sld>
+</file>
+
+<file path=ppt/slides/slide16.xml><?xml version="1.0" encoding="utf-8"?>
+<p:sld xmlns:a="http://schemas.openxmlformats.org/drawingml/2006/main" xmlns:r="http://schemas.openxmlformats.org/officeDocument/2006/relationships" xmlns:p="http://schemas.openxmlformats.org/presentationml/2006/main">
+  <p:cSld>
+    <p:spTree>
+      <p:nvGrpSpPr>
+        <p:cNvPr id="1" name=""/>
+        <p:cNvGrpSpPr/>
+        <p:nvPr/>
+      </p:nvGrpSpPr>
+      <p:grpSpPr>
+        <a:xfrm>
+          <a:off x="0" y="0"/>
+          <a:ext cx="0" cy="0"/>
+          <a:chOff x="0" y="0"/>
+          <a:chExt cx="0" cy="0"/>
+        </a:xfrm>
+      </p:grpSpPr>
+      <p:sp>
+        <p:nvSpPr>
+          <p:cNvPr id="2" name="Titre 1">
+            <a:extLst>
+              <a:ext uri="{FF2B5EF4-FFF2-40B4-BE49-F238E27FC236}">
+                <a16:creationId xmlns:a16="http://schemas.microsoft.com/office/drawing/2014/main" id="{F0EBE9E1-A15C-4224-9272-736E1767F1EB}"/>
+              </a:ext>
+            </a:extLst>
+          </p:cNvPr>
+          <p:cNvSpPr>
+            <a:spLocks noGrp="1"/>
+          </p:cNvSpPr>
+          <p:nvPr>
+            <p:ph type="title"/>
+          </p:nvPr>
+        </p:nvSpPr>
+        <p:spPr/>
+        <p:txBody>
+          <a:bodyPr/>
+          <a:lstStyle/>
+          <a:p>
+            <a:r>
+              <a:rPr lang="en-US" dirty="0"/>
+              <a:t>Why are neural networks winning?</a:t>
+            </a:r>
+          </a:p>
+        </p:txBody>
+      </p:sp>
+      <p:sp>
+        <p:nvSpPr>
+          <p:cNvPr id="3" name="Espace réservé du texte 2">
+            <a:extLst>
+              <a:ext uri="{FF2B5EF4-FFF2-40B4-BE49-F238E27FC236}">
+                <a16:creationId xmlns:a16="http://schemas.microsoft.com/office/drawing/2014/main" id="{B1340D47-F59D-463F-9B9E-CFE1CAC4A3D0}"/>
+              </a:ext>
+            </a:extLst>
+          </p:cNvPr>
+          <p:cNvSpPr>
+            <a:spLocks noGrp="1"/>
+          </p:cNvSpPr>
+          <p:nvPr>
+            <p:ph type="body" sz="quarter" idx="10"/>
+          </p:nvPr>
+        </p:nvSpPr>
+        <p:spPr/>
+        <p:txBody>
+          <a:bodyPr/>
+          <a:lstStyle/>
+          <a:p>
+            <a:r>
+              <a:rPr lang="en-US" dirty="0"/>
+              <a:t>Tensor is interpreted as a </a:t>
+            </a:r>
+            <a:r>
+              <a:rPr lang="en-US" i="1" dirty="0"/>
+              <a:t>probability distribution</a:t>
+            </a:r>
+          </a:p>
+          <a:p>
+            <a:r>
+              <a:rPr lang="en-US" dirty="0"/>
+              <a:t>Each cell in output tensor is “probability” of picking element</a:t>
+            </a:r>
+          </a:p>
+        </p:txBody>
+      </p:sp>
+      <p:sp>
+        <p:nvSpPr>
+          <p:cNvPr id="4" name="Cube 3">
+            <a:extLst>
+              <a:ext uri="{FF2B5EF4-FFF2-40B4-BE49-F238E27FC236}">
+                <a16:creationId xmlns:a16="http://schemas.microsoft.com/office/drawing/2014/main" id="{1E957AD8-2C97-44FB-BA51-A1374F668F8C}"/>
+              </a:ext>
+            </a:extLst>
+          </p:cNvPr>
+          <p:cNvSpPr/>
+          <p:nvPr/>
+        </p:nvSpPr>
+        <p:spPr>
+          <a:xfrm>
+            <a:off x="1311114" y="3429000"/>
+            <a:ext cx="1111576" cy="1649689"/>
+          </a:xfrm>
+          <a:prstGeom prst="cube">
+            <a:avLst/>
+          </a:prstGeom>
+        </p:spPr>
+        <p:style>
+          <a:lnRef idx="2">
+            <a:schemeClr val="accent1">
+              <a:shade val="50000"/>
+            </a:schemeClr>
+          </a:lnRef>
+          <a:fillRef idx="1">
+            <a:schemeClr val="accent1"/>
+          </a:fillRef>
+          <a:effectRef idx="0">
+            <a:schemeClr val="accent1"/>
+          </a:effectRef>
+          <a:fontRef idx="minor">
+            <a:schemeClr val="lt1"/>
+          </a:fontRef>
+        </p:style>
+        <p:txBody>
+          <a:bodyPr rtlCol="0" anchor="ctr"/>
+          <a:lstStyle/>
+          <a:p>
+            <a:pPr algn="ctr"/>
+            <a:r>
+              <a:rPr lang="en-US" dirty="0"/>
+              <a:t>Tensor </a:t>
+            </a:r>
+            <a:br>
+              <a:rPr lang="en-US" dirty="0"/>
+            </a:br>
+            <a:r>
+              <a:rPr lang="en-US" dirty="0"/>
+              <a:t>(1 * n)</a:t>
+            </a:r>
+          </a:p>
+        </p:txBody>
+      </p:sp>
+      <p:sp>
+        <p:nvSpPr>
+          <p:cNvPr id="5" name="Flèche : droite 4">
+            <a:extLst>
+              <a:ext uri="{FF2B5EF4-FFF2-40B4-BE49-F238E27FC236}">
+                <a16:creationId xmlns:a16="http://schemas.microsoft.com/office/drawing/2014/main" id="{FAD8B6B3-CBAD-4A33-A078-AA985245F449}"/>
+              </a:ext>
+            </a:extLst>
+          </p:cNvPr>
+          <p:cNvSpPr/>
+          <p:nvPr/>
+        </p:nvSpPr>
+        <p:spPr>
+          <a:xfrm>
+            <a:off x="2793478" y="4146186"/>
+            <a:ext cx="938752" cy="537328"/>
+          </a:xfrm>
+          <a:prstGeom prst="rightArrow">
+            <a:avLst/>
+          </a:prstGeom>
+        </p:spPr>
+        <p:style>
+          <a:lnRef idx="2">
+            <a:schemeClr val="dk1"/>
+          </a:lnRef>
+          <a:fillRef idx="1">
+            <a:schemeClr val="lt1"/>
+          </a:fillRef>
+          <a:effectRef idx="0">
+            <a:schemeClr val="dk1"/>
+          </a:effectRef>
+          <a:fontRef idx="minor">
+            <a:schemeClr val="dk1"/>
+          </a:fontRef>
+        </p:style>
+        <p:txBody>
+          <a:bodyPr rtlCol="0" anchor="ctr"/>
+          <a:lstStyle/>
+          <a:p>
+            <a:pPr algn="ctr"/>
+            <a:endParaRPr lang="en-US"/>
+          </a:p>
+        </p:txBody>
+      </p:sp>
+      <p:pic>
+        <p:nvPicPr>
+          <p:cNvPr id="3074" name="Picture 2" descr="How to Get Better Outputs from Your Large Language Model | NVIDIA Technical  Blog">
+            <a:extLst>
+              <a:ext uri="{FF2B5EF4-FFF2-40B4-BE49-F238E27FC236}">
+                <a16:creationId xmlns:a16="http://schemas.microsoft.com/office/drawing/2014/main" id="{A99C3C0B-98C8-44D7-974A-F8F592F0A0A0}"/>
+              </a:ext>
+            </a:extLst>
+          </p:cNvPr>
+          <p:cNvPicPr>
+            <a:picLocks noChangeAspect="1" noChangeArrowheads="1"/>
+          </p:cNvPicPr>
+          <p:nvPr/>
+        </p:nvPicPr>
+        <p:blipFill rotWithShape="1">
+          <a:blip r:embed="rId2" cstate="print">
+            <a:extLst>
+              <a:ext uri="{28A0092B-C50C-407E-A947-70E740481C1C}">
+                <a14:useLocalDpi xmlns:a14="http://schemas.microsoft.com/office/drawing/2010/main" val="0"/>
+              </a:ext>
+            </a:extLst>
+          </a:blip>
+          <a:srcRect/>
+          <a:stretch/>
+        </p:blipFill>
+        <p:spPr bwMode="auto">
+          <a:xfrm>
+            <a:off x="3818224" y="2917423"/>
+            <a:ext cx="7449582" cy="2672842"/>
+          </a:xfrm>
+          <a:prstGeom prst="rect">
+            <a:avLst/>
+          </a:prstGeom>
+          <a:noFill/>
+          <a:extLst>
+            <a:ext uri="{909E8E84-426E-40DD-AFC4-6F175D3DCCD1}">
+              <a14:hiddenFill xmlns:a14="http://schemas.microsoft.com/office/drawing/2010/main">
+                <a:solidFill>
+                  <a:srgbClr val="FFFFFF"/>
+                </a:solidFill>
+              </a14:hiddenFill>
+            </a:ext>
+          </a:extLst>
+        </p:spPr>
+      </p:pic>
+    </p:spTree>
+    <p:extLst>
+      <p:ext uri="{BB962C8B-B14F-4D97-AF65-F5344CB8AC3E}">
+        <p14:creationId xmlns:p14="http://schemas.microsoft.com/office/powerpoint/2010/main" val="3780394140"/>
+      </p:ext>
+    </p:extLst>
+  </p:cSld>
+  <p:clrMapOvr>
+    <a:masterClrMapping/>
+  </p:clrMapOvr>
+</p:sld>
+</file>
+
+<file path=ppt/slides/slide17.xml><?xml version="1.0" encoding="utf-8"?>
+<p:sld xmlns:a="http://schemas.openxmlformats.org/drawingml/2006/main" xmlns:r="http://schemas.openxmlformats.org/officeDocument/2006/relationships" xmlns:p="http://schemas.openxmlformats.org/presentationml/2006/main">
+  <p:cSld>
+    <p:spTree>
+      <p:nvGrpSpPr>
+        <p:cNvPr id="1" name=""/>
+        <p:cNvGrpSpPr/>
+        <p:nvPr/>
+      </p:nvGrpSpPr>
+      <p:grpSpPr>
+        <a:xfrm>
+          <a:off x="0" y="0"/>
+          <a:ext cx="0" cy="0"/>
+          <a:chOff x="0" y="0"/>
+          <a:chExt cx="0" cy="0"/>
+        </a:xfrm>
+      </p:grpSpPr>
+      <p:sp>
+        <p:nvSpPr>
+          <p:cNvPr id="2" name="Titre 1">
+            <a:extLst>
+              <a:ext uri="{FF2B5EF4-FFF2-40B4-BE49-F238E27FC236}">
+                <a16:creationId xmlns:a16="http://schemas.microsoft.com/office/drawing/2014/main" id="{F0EBE9E1-A15C-4224-9272-736E1767F1EB}"/>
+              </a:ext>
+            </a:extLst>
+          </p:cNvPr>
+          <p:cNvSpPr>
+            <a:spLocks noGrp="1"/>
+          </p:cNvSpPr>
+          <p:nvPr>
+            <p:ph type="title"/>
+          </p:nvPr>
+        </p:nvSpPr>
+        <p:spPr/>
+        <p:txBody>
+          <a:bodyPr/>
+          <a:lstStyle/>
+          <a:p>
+            <a:r>
+              <a:rPr lang="en-US" dirty="0"/>
+              <a:t>Why are neural networks winning?</a:t>
+            </a:r>
+          </a:p>
+        </p:txBody>
+      </p:sp>
+      <p:sp>
+        <p:nvSpPr>
+          <p:cNvPr id="3" name="Espace réservé du texte 2">
+            <a:extLst>
+              <a:ext uri="{FF2B5EF4-FFF2-40B4-BE49-F238E27FC236}">
+                <a16:creationId xmlns:a16="http://schemas.microsoft.com/office/drawing/2014/main" id="{B1340D47-F59D-463F-9B9E-CFE1CAC4A3D0}"/>
+              </a:ext>
+            </a:extLst>
+          </p:cNvPr>
+          <p:cNvSpPr>
+            <a:spLocks noGrp="1"/>
+          </p:cNvSpPr>
+          <p:nvPr>
+            <p:ph type="body" sz="quarter" idx="10"/>
+          </p:nvPr>
+        </p:nvSpPr>
+        <p:spPr/>
+        <p:txBody>
+          <a:bodyPr/>
+          <a:lstStyle/>
+          <a:p>
+            <a:r>
+              <a:rPr lang="en-US" dirty="0"/>
+              <a:t>Tensor is interpreted as a </a:t>
+            </a:r>
+            <a:r>
+              <a:rPr lang="en-US" i="1" dirty="0"/>
+              <a:t>probability distribution</a:t>
+            </a:r>
+          </a:p>
+          <a:p>
+            <a:r>
+              <a:rPr lang="en-US" dirty="0"/>
+              <a:t>Each cell in output tensor is “probability” of picking element</a:t>
+            </a:r>
+          </a:p>
+        </p:txBody>
+      </p:sp>
+      <p:sp>
+        <p:nvSpPr>
+          <p:cNvPr id="4" name="Cube 3">
+            <a:extLst>
+              <a:ext uri="{FF2B5EF4-FFF2-40B4-BE49-F238E27FC236}">
+                <a16:creationId xmlns:a16="http://schemas.microsoft.com/office/drawing/2014/main" id="{1E957AD8-2C97-44FB-BA51-A1374F668F8C}"/>
+              </a:ext>
+            </a:extLst>
+          </p:cNvPr>
+          <p:cNvSpPr/>
+          <p:nvPr/>
+        </p:nvSpPr>
+        <p:spPr>
+          <a:xfrm>
+            <a:off x="1311114" y="3429000"/>
+            <a:ext cx="1111576" cy="1649689"/>
+          </a:xfrm>
+          <a:prstGeom prst="cube">
+            <a:avLst/>
+          </a:prstGeom>
+        </p:spPr>
+        <p:style>
+          <a:lnRef idx="2">
+            <a:schemeClr val="accent1">
+              <a:shade val="50000"/>
+            </a:schemeClr>
+          </a:lnRef>
+          <a:fillRef idx="1">
+            <a:schemeClr val="accent1"/>
+          </a:fillRef>
+          <a:effectRef idx="0">
+            <a:schemeClr val="accent1"/>
+          </a:effectRef>
+          <a:fontRef idx="minor">
+            <a:schemeClr val="lt1"/>
+          </a:fontRef>
+        </p:style>
+        <p:txBody>
+          <a:bodyPr rtlCol="0" anchor="ctr"/>
+          <a:lstStyle/>
+          <a:p>
+            <a:pPr algn="ctr"/>
+            <a:r>
+              <a:rPr lang="en-US" dirty="0"/>
+              <a:t>Tensor </a:t>
+            </a:r>
+            <a:br>
+              <a:rPr lang="en-US" dirty="0"/>
+            </a:br>
+            <a:r>
+              <a:rPr lang="en-US" dirty="0"/>
+              <a:t>(1 * n)</a:t>
+            </a:r>
+          </a:p>
+        </p:txBody>
+      </p:sp>
+      <p:sp>
+        <p:nvSpPr>
+          <p:cNvPr id="5" name="Flèche : droite 4">
+            <a:extLst>
+              <a:ext uri="{FF2B5EF4-FFF2-40B4-BE49-F238E27FC236}">
+                <a16:creationId xmlns:a16="http://schemas.microsoft.com/office/drawing/2014/main" id="{FAD8B6B3-CBAD-4A33-A078-AA985245F449}"/>
+              </a:ext>
+            </a:extLst>
+          </p:cNvPr>
+          <p:cNvSpPr/>
+          <p:nvPr/>
+        </p:nvSpPr>
+        <p:spPr>
+          <a:xfrm>
+            <a:off x="2793478" y="4146186"/>
+            <a:ext cx="938752" cy="537328"/>
+          </a:xfrm>
+          <a:prstGeom prst="rightArrow">
+            <a:avLst/>
+          </a:prstGeom>
+        </p:spPr>
+        <p:style>
+          <a:lnRef idx="2">
+            <a:schemeClr val="dk1"/>
+          </a:lnRef>
+          <a:fillRef idx="1">
+            <a:schemeClr val="lt1"/>
+          </a:fillRef>
+          <a:effectRef idx="0">
+            <a:schemeClr val="dk1"/>
+          </a:effectRef>
+          <a:fontRef idx="minor">
+            <a:schemeClr val="dk1"/>
+          </a:fontRef>
+        </p:style>
+        <p:txBody>
+          <a:bodyPr rtlCol="0" anchor="ctr"/>
+          <a:lstStyle/>
+          <a:p>
+            <a:pPr algn="ctr"/>
+            <a:endParaRPr lang="en-US"/>
+          </a:p>
+        </p:txBody>
+      </p:sp>
+      <p:pic>
+        <p:nvPicPr>
+          <p:cNvPr id="2050" name="Picture 2">
+            <a:extLst>
+              <a:ext uri="{FF2B5EF4-FFF2-40B4-BE49-F238E27FC236}">
+                <a16:creationId xmlns:a16="http://schemas.microsoft.com/office/drawing/2014/main" id="{A3B777ED-C1F5-4E40-B9DF-206D96B12BD5}"/>
+              </a:ext>
+            </a:extLst>
+          </p:cNvPr>
+          <p:cNvPicPr>
+            <a:picLocks noChangeAspect="1" noChangeArrowheads="1"/>
+          </p:cNvPicPr>
+          <p:nvPr/>
+        </p:nvPicPr>
+        <p:blipFill rotWithShape="1">
+          <a:blip r:embed="rId2" cstate="print">
+            <a:extLst>
+              <a:ext uri="{28A0092B-C50C-407E-A947-70E740481C1C}">
+                <a14:useLocalDpi xmlns:a14="http://schemas.microsoft.com/office/drawing/2010/main" val="0"/>
+              </a:ext>
+            </a:extLst>
+          </a:blip>
+          <a:srcRect/>
+          <a:stretch/>
+        </p:blipFill>
+        <p:spPr bwMode="auto">
+          <a:xfrm>
+            <a:off x="4470561" y="2561594"/>
+            <a:ext cx="2892659" cy="3384500"/>
+          </a:xfrm>
+          <a:prstGeom prst="rect">
+            <a:avLst/>
+          </a:prstGeom>
+          <a:noFill/>
+          <a:extLst>
+            <a:ext uri="{909E8E84-426E-40DD-AFC4-6F175D3DCCD1}">
+              <a14:hiddenFill xmlns:a14="http://schemas.microsoft.com/office/drawing/2010/main">
+                <a:solidFill>
+                  <a:srgbClr val="FFFFFF"/>
+                </a:solidFill>
+              </a14:hiddenFill>
+            </a:ext>
+          </a:extLst>
+        </p:spPr>
+      </p:pic>
+    </p:spTree>
+    <p:extLst>
+      <p:ext uri="{BB962C8B-B14F-4D97-AF65-F5344CB8AC3E}">
+        <p14:creationId xmlns:p14="http://schemas.microsoft.com/office/powerpoint/2010/main" val="1921873656"/>
+      </p:ext>
+    </p:extLst>
+  </p:cSld>
+  <p:clrMapOvr>
+    <a:masterClrMapping/>
+  </p:clrMapOvr>
+</p:sld>
+</file>
+
+<file path=ppt/slides/slide18.xml><?xml version="1.0" encoding="utf-8"?>
+<p:sld xmlns:a="http://schemas.openxmlformats.org/drawingml/2006/main" xmlns:r="http://schemas.openxmlformats.org/officeDocument/2006/relationships" xmlns:p="http://schemas.openxmlformats.org/presentationml/2006/main">
+  <p:cSld>
+    <p:spTree>
+      <p:nvGrpSpPr>
+        <p:cNvPr id="1" name=""/>
+        <p:cNvGrpSpPr/>
+        <p:nvPr/>
+      </p:nvGrpSpPr>
+      <p:grpSpPr>
+        <a:xfrm>
+          <a:off x="0" y="0"/>
+          <a:ext cx="0" cy="0"/>
+          <a:chOff x="0" y="0"/>
+          <a:chExt cx="0" cy="0"/>
+        </a:xfrm>
+      </p:grpSpPr>
+      <p:sp>
+        <p:nvSpPr>
+          <p:cNvPr id="2" name="Titre 1">
+            <a:extLst>
+              <a:ext uri="{FF2B5EF4-FFF2-40B4-BE49-F238E27FC236}">
+                <a16:creationId xmlns:a16="http://schemas.microsoft.com/office/drawing/2014/main" id="{F0EBE9E1-A15C-4224-9272-736E1767F1EB}"/>
+              </a:ext>
+            </a:extLst>
+          </p:cNvPr>
+          <p:cNvSpPr>
+            <a:spLocks noGrp="1"/>
+          </p:cNvSpPr>
+          <p:nvPr>
+            <p:ph type="title"/>
+          </p:nvPr>
+        </p:nvSpPr>
+        <p:spPr/>
+        <p:txBody>
+          <a:bodyPr/>
+          <a:lstStyle/>
+          <a:p>
+            <a:r>
+              <a:rPr lang="en-US" dirty="0"/>
+              <a:t>Why are neural networks winning?</a:t>
+            </a:r>
+          </a:p>
+        </p:txBody>
+      </p:sp>
+      <p:sp>
+        <p:nvSpPr>
+          <p:cNvPr id="3" name="Espace réservé du texte 2">
+            <a:extLst>
+              <a:ext uri="{FF2B5EF4-FFF2-40B4-BE49-F238E27FC236}">
+                <a16:creationId xmlns:a16="http://schemas.microsoft.com/office/drawing/2014/main" id="{B1340D47-F59D-463F-9B9E-CFE1CAC4A3D0}"/>
+              </a:ext>
+            </a:extLst>
+          </p:cNvPr>
+          <p:cNvSpPr>
+            <a:spLocks noGrp="1"/>
+          </p:cNvSpPr>
+          <p:nvPr>
+            <p:ph type="body" sz="quarter" idx="10"/>
+          </p:nvPr>
+        </p:nvSpPr>
+        <p:spPr/>
+        <p:txBody>
+          <a:bodyPr/>
+          <a:lstStyle/>
+          <a:p>
+            <a:r>
+              <a:rPr lang="en-US" dirty="0"/>
+              <a:t>Transfer learning</a:t>
+            </a:r>
+          </a:p>
+          <a:p>
+            <a:pPr lvl="1"/>
+            <a:r>
+              <a:rPr lang="en-US" dirty="0"/>
+              <a:t>Somehow, using multiple layers </a:t>
+            </a:r>
+          </a:p>
+        </p:txBody>
+      </p:sp>
+    </p:spTree>
+    <p:extLst>
+      <p:ext uri="{BB962C8B-B14F-4D97-AF65-F5344CB8AC3E}">
+        <p14:creationId xmlns:p14="http://schemas.microsoft.com/office/powerpoint/2010/main" val="2143819938"/>
+      </p:ext>
+    </p:extLst>
+  </p:cSld>
+  <p:clrMapOvr>
+    <a:masterClrMapping/>
+  </p:clrMapOvr>
+</p:sld>
+</file>
+
+<file path=ppt/slides/slide19.xml><?xml version="1.0" encoding="utf-8"?>
+<p:sld xmlns:a="http://schemas.openxmlformats.org/drawingml/2006/main" xmlns:r="http://schemas.openxmlformats.org/officeDocument/2006/relationships" xmlns:p="http://schemas.openxmlformats.org/presentationml/2006/main">
+  <p:cSld>
+    <p:spTree>
+      <p:nvGrpSpPr>
+        <p:cNvPr id="1" name=""/>
+        <p:cNvGrpSpPr/>
+        <p:nvPr/>
+      </p:nvGrpSpPr>
+      <p:grpSpPr>
+        <a:xfrm>
+          <a:off x="0" y="0"/>
+          <a:ext cx="0" cy="0"/>
+          <a:chOff x="0" y="0"/>
+          <a:chExt cx="0" cy="0"/>
+        </a:xfrm>
+      </p:grpSpPr>
+      <p:sp>
+        <p:nvSpPr>
+          <p:cNvPr id="2" name="Titre 1">
+            <a:extLst>
+              <a:ext uri="{FF2B5EF4-FFF2-40B4-BE49-F238E27FC236}">
+                <a16:creationId xmlns:a16="http://schemas.microsoft.com/office/drawing/2014/main" id="{DE557231-BED8-4C0D-A1CE-832FAC500C52}"/>
+              </a:ext>
+            </a:extLst>
+          </p:cNvPr>
+          <p:cNvSpPr>
+            <a:spLocks noGrp="1"/>
+          </p:cNvSpPr>
+          <p:nvPr>
+            <p:ph type="title"/>
+          </p:nvPr>
+        </p:nvSpPr>
+        <p:spPr/>
+        <p:txBody>
+          <a:bodyPr/>
+          <a:lstStyle/>
+          <a:p>
+            <a:r>
+              <a:rPr lang="en-US" dirty="0"/>
+              <a:t>Multiple architectures!</a:t>
+            </a:r>
+          </a:p>
+        </p:txBody>
+      </p:sp>
+      <p:sp>
+        <p:nvSpPr>
+          <p:cNvPr id="3" name="Espace réservé du texte 2">
+            <a:extLst>
+              <a:ext uri="{FF2B5EF4-FFF2-40B4-BE49-F238E27FC236}">
+                <a16:creationId xmlns:a16="http://schemas.microsoft.com/office/drawing/2014/main" id="{030C26C1-12EE-4478-B0A9-C039178414C6}"/>
+              </a:ext>
+            </a:extLst>
+          </p:cNvPr>
+          <p:cNvSpPr>
+            <a:spLocks noGrp="1"/>
+          </p:cNvSpPr>
+          <p:nvPr>
+            <p:ph type="body" sz="quarter" idx="10"/>
+          </p:nvPr>
+        </p:nvSpPr>
+        <p:spPr/>
+        <p:txBody>
+          <a:bodyPr/>
+          <a:lstStyle/>
+          <a:p>
+            <a:endParaRPr lang="en-US" dirty="0"/>
+          </a:p>
+        </p:txBody>
+      </p:sp>
+      <p:pic>
+        <p:nvPicPr>
+          <p:cNvPr id="1026" name="Picture 2">
+            <a:extLst>
+              <a:ext uri="{FF2B5EF4-FFF2-40B4-BE49-F238E27FC236}">
+                <a16:creationId xmlns:a16="http://schemas.microsoft.com/office/drawing/2014/main" id="{80C8AFBE-4906-4889-A0CF-79DD8A95BE9B}"/>
+              </a:ext>
+            </a:extLst>
+          </p:cNvPr>
+          <p:cNvPicPr>
+            <a:picLocks noChangeAspect="1" noChangeArrowheads="1"/>
+          </p:cNvPicPr>
+          <p:nvPr/>
+        </p:nvPicPr>
+        <p:blipFill rotWithShape="1">
+          <a:blip r:embed="rId2" cstate="print">
+            <a:extLst>
+              <a:ext uri="{28A0092B-C50C-407E-A947-70E740481C1C}">
+                <a14:useLocalDpi xmlns:a14="http://schemas.microsoft.com/office/drawing/2010/main" val="0"/>
+              </a:ext>
+            </a:extLst>
+          </a:blip>
+          <a:srcRect/>
+          <a:stretch/>
+        </p:blipFill>
+        <p:spPr bwMode="auto">
+          <a:xfrm>
+            <a:off x="0" y="996201"/>
+            <a:ext cx="6096000" cy="5043063"/>
+          </a:xfrm>
+          <a:prstGeom prst="rect">
+            <a:avLst/>
+          </a:prstGeom>
+          <a:noFill/>
+          <a:extLst>
+            <a:ext uri="{909E8E84-426E-40DD-AFC4-6F175D3DCCD1}">
+              <a14:hiddenFill xmlns:a14="http://schemas.microsoft.com/office/drawing/2010/main">
+                <a:solidFill>
+                  <a:srgbClr val="FFFFFF"/>
+                </a:solidFill>
+              </a14:hiddenFill>
+            </a:ext>
+          </a:extLst>
+        </p:spPr>
+      </p:pic>
+      <p:pic>
+        <p:nvPicPr>
+          <p:cNvPr id="1028" name="Picture 4">
+            <a:extLst>
+              <a:ext uri="{FF2B5EF4-FFF2-40B4-BE49-F238E27FC236}">
+                <a16:creationId xmlns:a16="http://schemas.microsoft.com/office/drawing/2014/main" id="{C8629F70-8095-4E31-B431-BE68378844B8}"/>
+              </a:ext>
+            </a:extLst>
+          </p:cNvPr>
+          <p:cNvPicPr>
+            <a:picLocks noChangeAspect="1" noChangeArrowheads="1"/>
+          </p:cNvPicPr>
+          <p:nvPr/>
+        </p:nvPicPr>
+        <p:blipFill rotWithShape="1">
+          <a:blip r:embed="rId3" cstate="print">
+            <a:extLst>
+              <a:ext uri="{28A0092B-C50C-407E-A947-70E740481C1C}">
+                <a14:useLocalDpi xmlns:a14="http://schemas.microsoft.com/office/drawing/2010/main" val="0"/>
+              </a:ext>
+            </a:extLst>
+          </a:blip>
+          <a:srcRect/>
+          <a:stretch/>
+        </p:blipFill>
+        <p:spPr bwMode="auto">
+          <a:xfrm>
+            <a:off x="6096000" y="1423358"/>
+            <a:ext cx="5472319" cy="4789270"/>
+          </a:xfrm>
+          <a:prstGeom prst="rect">
+            <a:avLst/>
+          </a:prstGeom>
+          <a:noFill/>
+          <a:extLst>
+            <a:ext uri="{909E8E84-426E-40DD-AFC4-6F175D3DCCD1}">
+              <a14:hiddenFill xmlns:a14="http://schemas.microsoft.com/office/drawing/2010/main">
+                <a:solidFill>
+                  <a:srgbClr val="FFFFFF"/>
+                </a:solidFill>
+              </a14:hiddenFill>
+            </a:ext>
+          </a:extLst>
+        </p:spPr>
+      </p:pic>
+      <p:sp>
+        <p:nvSpPr>
+          <p:cNvPr id="4" name="Rectangle 3">
+            <a:extLst>
+              <a:ext uri="{FF2B5EF4-FFF2-40B4-BE49-F238E27FC236}">
+                <a16:creationId xmlns:a16="http://schemas.microsoft.com/office/drawing/2014/main" id="{FDDDE84F-F755-4BA2-B645-C3CA58DACC82}"/>
+              </a:ext>
+            </a:extLst>
+          </p:cNvPr>
+          <p:cNvSpPr/>
+          <p:nvPr/>
+        </p:nvSpPr>
+        <p:spPr>
+          <a:xfrm>
+            <a:off x="5881481" y="6099175"/>
+            <a:ext cx="5472319" cy="480403"/>
+          </a:xfrm>
+          <a:prstGeom prst="rect">
+            <a:avLst/>
+          </a:prstGeom>
+        </p:spPr>
+        <p:style>
+          <a:lnRef idx="2">
+            <a:schemeClr val="dk1"/>
+          </a:lnRef>
+          <a:fillRef idx="1">
+            <a:schemeClr val="lt1"/>
+          </a:fillRef>
+          <a:effectRef idx="0">
+            <a:schemeClr val="dk1"/>
+          </a:effectRef>
+          <a:fontRef idx="minor">
+            <a:schemeClr val="dk1"/>
+          </a:fontRef>
+        </p:style>
+        <p:txBody>
+          <a:bodyPr rtlCol="0" anchor="ctr"/>
+          <a:lstStyle/>
+          <a:p>
+            <a:pPr algn="ctr"/>
+            <a:r>
+              <a:rPr lang="en-US" dirty="0">
+                <a:hlinkClick r:id="rId4"/>
+              </a:rPr>
+              <a:t>https://www.asimovinstitute.org/neural-network-zoo/</a:t>
+            </a:r>
+            <a:endParaRPr lang="en-US" dirty="0"/>
+          </a:p>
+        </p:txBody>
+      </p:sp>
+    </p:spTree>
+    <p:extLst>
+      <p:ext uri="{BB962C8B-B14F-4D97-AF65-F5344CB8AC3E}">
+        <p14:creationId xmlns:p14="http://schemas.microsoft.com/office/powerpoint/2010/main" val="3286573006"/>
+      </p:ext>
+    </p:extLst>
+  </p:cSld>
+  <p:clrMapOvr>
+    <a:masterClrMapping/>
+  </p:clrMapOvr>
+</p:sld>
+</file>
+
 <file path=ppt/slides/slide2.xml><?xml version="1.0" encoding="utf-8"?>
 <p:sld xmlns:a="http://schemas.openxmlformats.org/drawingml/2006/main" xmlns:r="http://schemas.openxmlformats.org/officeDocument/2006/relationships" xmlns:p="http://schemas.openxmlformats.org/presentationml/2006/main">
   <p:cSld>
@@ -1989,6 +4653,248 @@
     <p:extLst>
       <p:ext uri="{BB962C8B-B14F-4D97-AF65-F5344CB8AC3E}">
         <p14:creationId xmlns:p14="http://schemas.microsoft.com/office/powerpoint/2010/main" val="454349701"/>
+      </p:ext>
+    </p:extLst>
+  </p:cSld>
+  <p:clrMapOvr>
+    <a:masterClrMapping/>
+  </p:clrMapOvr>
+</p:sld>
+</file>
+
+<file path=ppt/slides/slide20.xml><?xml version="1.0" encoding="utf-8"?>
+<p:sld xmlns:a="http://schemas.openxmlformats.org/drawingml/2006/main" xmlns:r="http://schemas.openxmlformats.org/officeDocument/2006/relationships" xmlns:p="http://schemas.openxmlformats.org/presentationml/2006/main">
+  <p:cSld>
+    <p:spTree>
+      <p:nvGrpSpPr>
+        <p:cNvPr id="1" name=""/>
+        <p:cNvGrpSpPr/>
+        <p:nvPr/>
+      </p:nvGrpSpPr>
+      <p:grpSpPr>
+        <a:xfrm>
+          <a:off x="0" y="0"/>
+          <a:ext cx="0" cy="0"/>
+          <a:chOff x="0" y="0"/>
+          <a:chExt cx="0" cy="0"/>
+        </a:xfrm>
+      </p:grpSpPr>
+      <p:sp>
+        <p:nvSpPr>
+          <p:cNvPr id="2" name="Titre 1">
+            <a:extLst>
+              <a:ext uri="{FF2B5EF4-FFF2-40B4-BE49-F238E27FC236}">
+                <a16:creationId xmlns:a16="http://schemas.microsoft.com/office/drawing/2014/main" id="{BA67B2FE-95FF-4919-841B-B4EC1E6CFE41}"/>
+              </a:ext>
+            </a:extLst>
+          </p:cNvPr>
+          <p:cNvSpPr>
+            <a:spLocks noGrp="1"/>
+          </p:cNvSpPr>
+          <p:nvPr>
+            <p:ph type="title"/>
+          </p:nvPr>
+        </p:nvSpPr>
+        <p:spPr/>
+        <p:txBody>
+          <a:bodyPr>
+            <a:normAutofit fontScale="90000"/>
+          </a:bodyPr>
+          <a:lstStyle/>
+          <a:p>
+            <a:r>
+              <a:rPr lang="en-US" dirty="0"/>
+              <a:t>Pseudo-random number generation in </a:t>
+            </a:r>
+            <a:r>
+              <a:rPr lang="en-US" dirty="0" err="1"/>
+              <a:t>pytorch</a:t>
+            </a:r>
+            <a:endParaRPr lang="en-US" dirty="0"/>
+          </a:p>
+        </p:txBody>
+      </p:sp>
+      <p:sp>
+        <p:nvSpPr>
+          <p:cNvPr id="3" name="Espace réservé du texte 2">
+            <a:extLst>
+              <a:ext uri="{FF2B5EF4-FFF2-40B4-BE49-F238E27FC236}">
+                <a16:creationId xmlns:a16="http://schemas.microsoft.com/office/drawing/2014/main" id="{B9205BCD-2FEE-456E-93BC-62FA819BCB9B}"/>
+              </a:ext>
+            </a:extLst>
+          </p:cNvPr>
+          <p:cNvSpPr>
+            <a:spLocks noGrp="1"/>
+          </p:cNvSpPr>
+          <p:nvPr>
+            <p:ph type="body" sz="quarter" idx="10"/>
+          </p:nvPr>
+        </p:nvSpPr>
+        <p:spPr/>
+        <p:txBody>
+          <a:bodyPr/>
+          <a:lstStyle/>
+          <a:p>
+            <a:r>
+              <a:rPr lang="en-US" dirty="0"/>
+              <a:t>Unfortunately, it’s not easy</a:t>
+            </a:r>
+          </a:p>
+          <a:p>
+            <a:r>
+              <a:rPr lang="en-US" dirty="0"/>
+              <a:t>Computing on GPUs makes consistent PRNG difficult</a:t>
+            </a:r>
+          </a:p>
+          <a:p>
+            <a:r>
+              <a:rPr lang="en-US" dirty="0"/>
+              <a:t>Libraries optimized for </a:t>
+            </a:r>
+            <a:r>
+              <a:rPr lang="en-US" i="1" dirty="0"/>
+              <a:t>speed</a:t>
+            </a:r>
+            <a:r>
+              <a:rPr lang="en-US" dirty="0"/>
+              <a:t>, not consistent behavior</a:t>
+            </a:r>
+          </a:p>
+          <a:p>
+            <a:endParaRPr lang="en-US" dirty="0"/>
+          </a:p>
+          <a:p>
+            <a:r>
+              <a:rPr lang="en-US" dirty="0"/>
+              <a:t>Still, a few good practices:</a:t>
+            </a:r>
+          </a:p>
+          <a:p>
+            <a:pPr marL="0" indent="0">
+              <a:buNone/>
+            </a:pPr>
+            <a:r>
+              <a:rPr lang="en-US" dirty="0">
+                <a:hlinkClick r:id="rId2"/>
+              </a:rPr>
+              <a:t>https://pytorch.org/docs/stable/notes/randomness.html</a:t>
+            </a:r>
+            <a:endParaRPr lang="en-US" dirty="0"/>
+          </a:p>
+        </p:txBody>
+      </p:sp>
+    </p:spTree>
+    <p:extLst>
+      <p:ext uri="{BB962C8B-B14F-4D97-AF65-F5344CB8AC3E}">
+        <p14:creationId xmlns:p14="http://schemas.microsoft.com/office/powerpoint/2010/main" val="2285821162"/>
+      </p:ext>
+    </p:extLst>
+  </p:cSld>
+  <p:clrMapOvr>
+    <a:masterClrMapping/>
+  </p:clrMapOvr>
+</p:sld>
+</file>
+
+<file path=ppt/slides/slide21.xml><?xml version="1.0" encoding="utf-8"?>
+<p:sld xmlns:a="http://schemas.openxmlformats.org/drawingml/2006/main" xmlns:r="http://schemas.openxmlformats.org/officeDocument/2006/relationships" xmlns:p="http://schemas.openxmlformats.org/presentationml/2006/main">
+  <p:cSld>
+    <p:spTree>
+      <p:nvGrpSpPr>
+        <p:cNvPr id="1" name=""/>
+        <p:cNvGrpSpPr/>
+        <p:nvPr/>
+      </p:nvGrpSpPr>
+      <p:grpSpPr>
+        <a:xfrm>
+          <a:off x="0" y="0"/>
+          <a:ext cx="0" cy="0"/>
+          <a:chOff x="0" y="0"/>
+          <a:chExt cx="0" cy="0"/>
+        </a:xfrm>
+      </p:grpSpPr>
+      <p:sp>
+        <p:nvSpPr>
+          <p:cNvPr id="2" name="Titre 1">
+            <a:extLst>
+              <a:ext uri="{FF2B5EF4-FFF2-40B4-BE49-F238E27FC236}">
+                <a16:creationId xmlns:a16="http://schemas.microsoft.com/office/drawing/2014/main" id="{E56F1EB6-DAD9-457F-9439-B1EFD21942EF}"/>
+              </a:ext>
+            </a:extLst>
+          </p:cNvPr>
+          <p:cNvSpPr>
+            <a:spLocks noGrp="1"/>
+          </p:cNvSpPr>
+          <p:nvPr>
+            <p:ph type="title"/>
+          </p:nvPr>
+        </p:nvSpPr>
+        <p:spPr/>
+        <p:txBody>
+          <a:bodyPr/>
+          <a:lstStyle/>
+          <a:p>
+            <a:r>
+              <a:rPr lang="en-US" dirty="0" err="1"/>
+              <a:t>pytorch</a:t>
+            </a:r>
+            <a:r>
+              <a:rPr lang="en-US" dirty="0"/>
+              <a:t> FAQ</a:t>
+            </a:r>
+          </a:p>
+        </p:txBody>
+      </p:sp>
+      <p:sp>
+        <p:nvSpPr>
+          <p:cNvPr id="3" name="Espace réservé du texte 2">
+            <a:extLst>
+              <a:ext uri="{FF2B5EF4-FFF2-40B4-BE49-F238E27FC236}">
+                <a16:creationId xmlns:a16="http://schemas.microsoft.com/office/drawing/2014/main" id="{57CEC01E-0BD0-4703-9F2F-562C1722F7B9}"/>
+              </a:ext>
+            </a:extLst>
+          </p:cNvPr>
+          <p:cNvSpPr>
+            <a:spLocks noGrp="1"/>
+          </p:cNvSpPr>
+          <p:nvPr>
+            <p:ph type="body" sz="quarter" idx="10"/>
+          </p:nvPr>
+        </p:nvSpPr>
+        <p:spPr/>
+        <p:txBody>
+          <a:bodyPr/>
+          <a:lstStyle/>
+          <a:p>
+            <a:r>
+              <a:rPr lang="en-US" dirty="0"/>
+              <a:t>Excellent resource for most common issues</a:t>
+            </a:r>
+          </a:p>
+          <a:p>
+            <a:pPr marL="0" indent="0">
+              <a:buNone/>
+            </a:pPr>
+            <a:r>
+              <a:rPr lang="en-US" dirty="0">
+                <a:hlinkClick r:id="rId2"/>
+              </a:rPr>
+              <a:t>https://pytorch.org/docs/stable/notes/faq.html</a:t>
+            </a:r>
+            <a:endParaRPr lang="en-US" dirty="0"/>
+          </a:p>
+          <a:p>
+            <a:pPr marL="0" indent="0">
+              <a:buNone/>
+            </a:pPr>
+            <a:endParaRPr lang="en-US" dirty="0"/>
+          </a:p>
+        </p:txBody>
+      </p:sp>
+    </p:spTree>
+    <p:extLst>
+      <p:ext uri="{BB962C8B-B14F-4D97-AF65-F5344CB8AC3E}">
+        <p14:creationId xmlns:p14="http://schemas.microsoft.com/office/powerpoint/2010/main" val="451053246"/>
       </p:ext>
     </p:extLst>
   </p:cSld>
@@ -2069,6 +4975,911 @@
     <p:extLst>
       <p:ext uri="{BB962C8B-B14F-4D97-AF65-F5344CB8AC3E}">
         <p14:creationId xmlns:p14="http://schemas.microsoft.com/office/powerpoint/2010/main" val="2216156184"/>
+      </p:ext>
+    </p:extLst>
+  </p:cSld>
+  <p:clrMapOvr>
+    <a:masterClrMapping/>
+  </p:clrMapOvr>
+</p:sld>
+</file>
+
+<file path=ppt/slides/slide4.xml><?xml version="1.0" encoding="utf-8"?>
+<p:sld xmlns:a="http://schemas.openxmlformats.org/drawingml/2006/main" xmlns:r="http://schemas.openxmlformats.org/officeDocument/2006/relationships" xmlns:p="http://schemas.openxmlformats.org/presentationml/2006/main">
+  <p:cSld>
+    <p:spTree>
+      <p:nvGrpSpPr>
+        <p:cNvPr id="1" name=""/>
+        <p:cNvGrpSpPr/>
+        <p:nvPr/>
+      </p:nvGrpSpPr>
+      <p:grpSpPr>
+        <a:xfrm>
+          <a:off x="0" y="0"/>
+          <a:ext cx="0" cy="0"/>
+          <a:chOff x="0" y="0"/>
+          <a:chExt cx="0" cy="0"/>
+        </a:xfrm>
+      </p:grpSpPr>
+      <p:sp>
+        <p:nvSpPr>
+          <p:cNvPr id="2" name="Titre 1">
+            <a:extLst>
+              <a:ext uri="{FF2B5EF4-FFF2-40B4-BE49-F238E27FC236}">
+                <a16:creationId xmlns:a16="http://schemas.microsoft.com/office/drawing/2014/main" id="{870BA421-A47D-4390-AE7D-8C8E05611386}"/>
+              </a:ext>
+            </a:extLst>
+          </p:cNvPr>
+          <p:cNvSpPr>
+            <a:spLocks noGrp="1"/>
+          </p:cNvSpPr>
+          <p:nvPr>
+            <p:ph type="title"/>
+          </p:nvPr>
+        </p:nvSpPr>
+        <p:spPr/>
+        <p:txBody>
+          <a:bodyPr/>
+          <a:lstStyle/>
+          <a:p>
+            <a:r>
+              <a:rPr lang="en-US" dirty="0"/>
+              <a:t>Neural networks vs Deep learning</a:t>
+            </a:r>
+          </a:p>
+        </p:txBody>
+      </p:sp>
+      <p:sp>
+        <p:nvSpPr>
+          <p:cNvPr id="3" name="Espace réservé du texte 2">
+            <a:extLst>
+              <a:ext uri="{FF2B5EF4-FFF2-40B4-BE49-F238E27FC236}">
+                <a16:creationId xmlns:a16="http://schemas.microsoft.com/office/drawing/2014/main" id="{5DE82577-6413-462A-8039-0AA88B95D48E}"/>
+              </a:ext>
+            </a:extLst>
+          </p:cNvPr>
+          <p:cNvSpPr>
+            <a:spLocks noGrp="1"/>
+          </p:cNvSpPr>
+          <p:nvPr>
+            <p:ph type="body" sz="quarter" idx="10"/>
+          </p:nvPr>
+        </p:nvSpPr>
+        <p:spPr/>
+        <p:txBody>
+          <a:bodyPr/>
+          <a:lstStyle/>
+          <a:p>
+            <a:r>
+              <a:rPr lang="en-US" dirty="0"/>
+              <a:t>What is the difference?</a:t>
+            </a:r>
+          </a:p>
+        </p:txBody>
+      </p:sp>
+    </p:spTree>
+    <p:extLst>
+      <p:ext uri="{BB962C8B-B14F-4D97-AF65-F5344CB8AC3E}">
+        <p14:creationId xmlns:p14="http://schemas.microsoft.com/office/powerpoint/2010/main" val="96439416"/>
+      </p:ext>
+    </p:extLst>
+  </p:cSld>
+  <p:clrMapOvr>
+    <a:masterClrMapping/>
+  </p:clrMapOvr>
+</p:sld>
+</file>
+
+<file path=ppt/slides/slide5.xml><?xml version="1.0" encoding="utf-8"?>
+<p:sld xmlns:a="http://schemas.openxmlformats.org/drawingml/2006/main" xmlns:r="http://schemas.openxmlformats.org/officeDocument/2006/relationships" xmlns:p="http://schemas.openxmlformats.org/presentationml/2006/main">
+  <p:cSld>
+    <p:spTree>
+      <p:nvGrpSpPr>
+        <p:cNvPr id="1" name=""/>
+        <p:cNvGrpSpPr/>
+        <p:nvPr/>
+      </p:nvGrpSpPr>
+      <p:grpSpPr>
+        <a:xfrm>
+          <a:off x="0" y="0"/>
+          <a:ext cx="0" cy="0"/>
+          <a:chOff x="0" y="0"/>
+          <a:chExt cx="0" cy="0"/>
+        </a:xfrm>
+      </p:grpSpPr>
+      <p:sp>
+        <p:nvSpPr>
+          <p:cNvPr id="2" name="Titre 1">
+            <a:extLst>
+              <a:ext uri="{FF2B5EF4-FFF2-40B4-BE49-F238E27FC236}">
+                <a16:creationId xmlns:a16="http://schemas.microsoft.com/office/drawing/2014/main" id="{A852002E-F6A8-404A-AB15-0A3F841F2321}"/>
+              </a:ext>
+            </a:extLst>
+          </p:cNvPr>
+          <p:cNvSpPr>
+            <a:spLocks noGrp="1"/>
+          </p:cNvSpPr>
+          <p:nvPr>
+            <p:ph type="title"/>
+          </p:nvPr>
+        </p:nvSpPr>
+        <p:spPr/>
+        <p:txBody>
+          <a:bodyPr/>
+          <a:lstStyle/>
+          <a:p>
+            <a:r>
+              <a:rPr lang="en-US" dirty="0"/>
+              <a:t>Neural networks vs Deep learning</a:t>
+            </a:r>
+          </a:p>
+        </p:txBody>
+      </p:sp>
+      <p:sp>
+        <p:nvSpPr>
+          <p:cNvPr id="3" name="Espace réservé du texte 2">
+            <a:extLst>
+              <a:ext uri="{FF2B5EF4-FFF2-40B4-BE49-F238E27FC236}">
+                <a16:creationId xmlns:a16="http://schemas.microsoft.com/office/drawing/2014/main" id="{9C943E4A-0036-4418-A6A6-339F75DDAD70}"/>
+              </a:ext>
+            </a:extLst>
+          </p:cNvPr>
+          <p:cNvSpPr>
+            <a:spLocks noGrp="1"/>
+          </p:cNvSpPr>
+          <p:nvPr>
+            <p:ph type="body" sz="quarter" idx="10"/>
+          </p:nvPr>
+        </p:nvSpPr>
+        <p:spPr/>
+        <p:txBody>
+          <a:bodyPr/>
+          <a:lstStyle/>
+          <a:p>
+            <a:r>
+              <a:rPr lang="en-US" dirty="0"/>
+              <a:t>(1) Considerable improvements over classic Neural Networks</a:t>
+            </a:r>
+          </a:p>
+          <a:p>
+            <a:pPr lvl="1"/>
+            <a:r>
+              <a:rPr lang="en-US" dirty="0"/>
+              <a:t>New (more effective!) algorithms to optimize parameters</a:t>
+            </a:r>
+          </a:p>
+          <a:p>
+            <a:pPr lvl="1"/>
+            <a:r>
+              <a:rPr lang="en-US" dirty="0"/>
+              <a:t>New architectures to deal with structured data</a:t>
+            </a:r>
+          </a:p>
+          <a:p>
+            <a:pPr lvl="1"/>
+            <a:r>
+              <a:rPr lang="en-US" dirty="0"/>
+              <a:t>Better software engineering</a:t>
+            </a:r>
+          </a:p>
+          <a:p>
+            <a:pPr lvl="1"/>
+            <a:r>
+              <a:rPr lang="en-US" dirty="0"/>
+              <a:t>More computing power available, better results</a:t>
+            </a:r>
+          </a:p>
+          <a:p>
+            <a:r>
+              <a:rPr lang="en-US" dirty="0"/>
+              <a:t>(2) Rebranding</a:t>
+            </a:r>
+          </a:p>
+          <a:p>
+            <a:pPr lvl="1"/>
+            <a:r>
+              <a:rPr lang="en-US" dirty="0"/>
+              <a:t>Interest for Neural Networks declined in the 1990s</a:t>
+            </a:r>
+          </a:p>
+          <a:p>
+            <a:pPr lvl="1"/>
+            <a:r>
+              <a:rPr lang="en-US" dirty="0"/>
+              <a:t>At the time, considered less effective than other methods</a:t>
+            </a:r>
+          </a:p>
+          <a:p>
+            <a:r>
+              <a:rPr lang="en-US" dirty="0"/>
+              <a:t>Any network with more than one hidden layer is “deep”</a:t>
+            </a:r>
+          </a:p>
+        </p:txBody>
+      </p:sp>
+    </p:spTree>
+    <p:extLst>
+      <p:ext uri="{BB962C8B-B14F-4D97-AF65-F5344CB8AC3E}">
+        <p14:creationId xmlns:p14="http://schemas.microsoft.com/office/powerpoint/2010/main" val="4093442296"/>
+      </p:ext>
+    </p:extLst>
+  </p:cSld>
+  <p:clrMapOvr>
+    <a:masterClrMapping/>
+  </p:clrMapOvr>
+</p:sld>
+</file>
+
+<file path=ppt/slides/slide6.xml><?xml version="1.0" encoding="utf-8"?>
+<p:sld xmlns:a="http://schemas.openxmlformats.org/drawingml/2006/main" xmlns:r="http://schemas.openxmlformats.org/officeDocument/2006/relationships" xmlns:p="http://schemas.openxmlformats.org/presentationml/2006/main">
+  <p:cSld>
+    <p:spTree>
+      <p:nvGrpSpPr>
+        <p:cNvPr id="1" name=""/>
+        <p:cNvGrpSpPr/>
+        <p:nvPr/>
+      </p:nvGrpSpPr>
+      <p:grpSpPr>
+        <a:xfrm>
+          <a:off x="0" y="0"/>
+          <a:ext cx="0" cy="0"/>
+          <a:chOff x="0" y="0"/>
+          <a:chExt cx="0" cy="0"/>
+        </a:xfrm>
+      </p:grpSpPr>
+      <p:sp>
+        <p:nvSpPr>
+          <p:cNvPr id="2" name="Titre 1">
+            <a:extLst>
+              <a:ext uri="{FF2B5EF4-FFF2-40B4-BE49-F238E27FC236}">
+                <a16:creationId xmlns:a16="http://schemas.microsoft.com/office/drawing/2014/main" id="{B3883CBF-4872-41DE-9E68-63B9B296A942}"/>
+              </a:ext>
+            </a:extLst>
+          </p:cNvPr>
+          <p:cNvSpPr>
+            <a:spLocks noGrp="1"/>
+          </p:cNvSpPr>
+          <p:nvPr>
+            <p:ph type="title"/>
+          </p:nvPr>
+        </p:nvSpPr>
+        <p:spPr/>
+        <p:txBody>
+          <a:bodyPr/>
+          <a:lstStyle/>
+          <a:p>
+            <a:r>
+              <a:rPr lang="en-US" dirty="0"/>
+              <a:t>Worst enemies of DL (in this class, at least)</a:t>
+            </a:r>
+          </a:p>
+        </p:txBody>
+      </p:sp>
+      <p:sp>
+        <p:nvSpPr>
+          <p:cNvPr id="3" name="Espace réservé du texte 2">
+            <a:extLst>
+              <a:ext uri="{FF2B5EF4-FFF2-40B4-BE49-F238E27FC236}">
+                <a16:creationId xmlns:a16="http://schemas.microsoft.com/office/drawing/2014/main" id="{316D8B43-958B-42A1-80EE-469723338A2A}"/>
+              </a:ext>
+            </a:extLst>
+          </p:cNvPr>
+          <p:cNvSpPr>
+            <a:spLocks noGrp="1"/>
+          </p:cNvSpPr>
+          <p:nvPr>
+            <p:ph type="body" sz="quarter" idx="10"/>
+          </p:nvPr>
+        </p:nvSpPr>
+        <p:spPr/>
+        <p:txBody>
+          <a:bodyPr numCol="2"/>
+          <a:lstStyle/>
+          <a:p>
+            <a:pPr marL="0" indent="0" algn="ctr">
+              <a:buNone/>
+            </a:pPr>
+            <a:r>
+              <a:rPr lang="en-US" sz="4800" dirty="0"/>
+              <a:t>Space</a:t>
+            </a:r>
+          </a:p>
+          <a:p>
+            <a:pPr marL="0" indent="0">
+              <a:buNone/>
+            </a:pPr>
+            <a:endParaRPr lang="en-US" dirty="0"/>
+          </a:p>
+          <a:p>
+            <a:pPr marL="0" indent="0">
+              <a:buNone/>
+            </a:pPr>
+            <a:endParaRPr lang="en-US" dirty="0"/>
+          </a:p>
+          <a:p>
+            <a:pPr marL="0" indent="0">
+              <a:buNone/>
+            </a:pPr>
+            <a:endParaRPr lang="en-US" dirty="0"/>
+          </a:p>
+          <a:p>
+            <a:pPr marL="0" indent="0">
+              <a:buNone/>
+            </a:pPr>
+            <a:endParaRPr lang="en-US" dirty="0"/>
+          </a:p>
+          <a:p>
+            <a:pPr marL="0" indent="0">
+              <a:buNone/>
+            </a:pPr>
+            <a:endParaRPr lang="en-US" dirty="0"/>
+          </a:p>
+          <a:p>
+            <a:pPr marL="0" indent="0">
+              <a:buNone/>
+            </a:pPr>
+            <a:endParaRPr lang="en-US" dirty="0"/>
+          </a:p>
+          <a:p>
+            <a:pPr marL="0" indent="0" algn="ctr">
+              <a:buNone/>
+            </a:pPr>
+            <a:r>
+              <a:rPr lang="en-US" sz="4800" dirty="0"/>
+              <a:t>Time</a:t>
+            </a:r>
+          </a:p>
+        </p:txBody>
+      </p:sp>
+      <p:pic>
+        <p:nvPicPr>
+          <p:cNvPr id="1026" name="Picture 2" descr="What is time? | Space">
+            <a:extLst>
+              <a:ext uri="{FF2B5EF4-FFF2-40B4-BE49-F238E27FC236}">
+                <a16:creationId xmlns:a16="http://schemas.microsoft.com/office/drawing/2014/main" id="{B1E70EBD-0569-4EAF-8853-F3EEA776F17A}"/>
+              </a:ext>
+            </a:extLst>
+          </p:cNvPr>
+          <p:cNvPicPr>
+            <a:picLocks noChangeAspect="1" noChangeArrowheads="1"/>
+          </p:cNvPicPr>
+          <p:nvPr/>
+        </p:nvPicPr>
+        <p:blipFill>
+          <a:blip r:embed="rId2">
+            <a:extLst>
+              <a:ext uri="{28A0092B-C50C-407E-A947-70E740481C1C}">
+                <a14:useLocalDpi xmlns:a14="http://schemas.microsoft.com/office/drawing/2010/main" val="0"/>
+              </a:ext>
+            </a:extLst>
+          </a:blip>
+          <a:srcRect/>
+          <a:stretch>
+            <a:fillRect/>
+          </a:stretch>
+        </p:blipFill>
+        <p:spPr bwMode="auto">
+          <a:xfrm>
+            <a:off x="6152036" y="2198890"/>
+            <a:ext cx="5945015" cy="3344071"/>
+          </a:xfrm>
+          <a:prstGeom prst="rect">
+            <a:avLst/>
+          </a:prstGeom>
+          <a:noFill/>
+          <a:extLst>
+            <a:ext uri="{909E8E84-426E-40DD-AFC4-6F175D3DCCD1}">
+              <a14:hiddenFill xmlns:a14="http://schemas.microsoft.com/office/drawing/2010/main">
+                <a:solidFill>
+                  <a:srgbClr val="FFFFFF"/>
+                </a:solidFill>
+              </a14:hiddenFill>
+            </a:ext>
+          </a:extLst>
+        </p:spPr>
+      </p:pic>
+      <p:pic>
+        <p:nvPicPr>
+          <p:cNvPr id="1030" name="Picture 6" descr="L'espace | Il y a quoi dans l'espace | Qu'est-ce qu'on trouve dans l'espace  | Star Walk">
+            <a:extLst>
+              <a:ext uri="{FF2B5EF4-FFF2-40B4-BE49-F238E27FC236}">
+                <a16:creationId xmlns:a16="http://schemas.microsoft.com/office/drawing/2014/main" id="{FA41CA6D-BBF5-4B78-88A1-C26301AE8C01}"/>
+              </a:ext>
+            </a:extLst>
+          </p:cNvPr>
+          <p:cNvPicPr>
+            <a:picLocks noChangeAspect="1" noChangeArrowheads="1"/>
+          </p:cNvPicPr>
+          <p:nvPr/>
+        </p:nvPicPr>
+        <p:blipFill>
+          <a:blip r:embed="rId3" cstate="print">
+            <a:extLst>
+              <a:ext uri="{28A0092B-C50C-407E-A947-70E740481C1C}">
+                <a14:useLocalDpi xmlns:a14="http://schemas.microsoft.com/office/drawing/2010/main" val="0"/>
+              </a:ext>
+            </a:extLst>
+          </a:blip>
+          <a:srcRect/>
+          <a:stretch>
+            <a:fillRect/>
+          </a:stretch>
+        </p:blipFill>
+        <p:spPr bwMode="auto">
+          <a:xfrm>
+            <a:off x="122706" y="2198891"/>
+            <a:ext cx="5945013" cy="3344070"/>
+          </a:xfrm>
+          <a:prstGeom prst="rect">
+            <a:avLst/>
+          </a:prstGeom>
+          <a:noFill/>
+          <a:extLst>
+            <a:ext uri="{909E8E84-426E-40DD-AFC4-6F175D3DCCD1}">
+              <a14:hiddenFill xmlns:a14="http://schemas.microsoft.com/office/drawing/2010/main">
+                <a:solidFill>
+                  <a:srgbClr val="FFFFFF"/>
+                </a:solidFill>
+              </a14:hiddenFill>
+            </a:ext>
+          </a:extLst>
+        </p:spPr>
+      </p:pic>
+      <p:pic>
+        <p:nvPicPr>
+          <p:cNvPr id="1036" name="Picture 12" descr="Hello world! | hololive English 1st Concert - Connect the World - Supported  By Bushiroad | hololive production">
+            <a:extLst>
+              <a:ext uri="{FF2B5EF4-FFF2-40B4-BE49-F238E27FC236}">
+                <a16:creationId xmlns:a16="http://schemas.microsoft.com/office/drawing/2014/main" id="{40C25DE9-614D-4C68-81FC-C830F53379B2}"/>
+              </a:ext>
+            </a:extLst>
+          </p:cNvPr>
+          <p:cNvPicPr>
+            <a:picLocks noChangeAspect="1" noChangeArrowheads="1"/>
+          </p:cNvPicPr>
+          <p:nvPr/>
+        </p:nvPicPr>
+        <p:blipFill>
+          <a:blip r:embed="rId4">
+            <a:extLst>
+              <a:ext uri="{28A0092B-C50C-407E-A947-70E740481C1C}">
+                <a14:useLocalDpi xmlns:a14="http://schemas.microsoft.com/office/drawing/2010/main" val="0"/>
+              </a:ext>
+            </a:extLst>
+          </a:blip>
+          <a:srcRect/>
+          <a:stretch>
+            <a:fillRect/>
+          </a:stretch>
+        </p:blipFill>
+        <p:spPr bwMode="auto">
+          <a:xfrm>
+            <a:off x="8620091" y="2498103"/>
+            <a:ext cx="4603720" cy="7030072"/>
+          </a:xfrm>
+          <a:prstGeom prst="rect">
+            <a:avLst/>
+          </a:prstGeom>
+          <a:noFill/>
+          <a:extLst>
+            <a:ext uri="{909E8E84-426E-40DD-AFC4-6F175D3DCCD1}">
+              <a14:hiddenFill xmlns:a14="http://schemas.microsoft.com/office/drawing/2010/main">
+                <a:solidFill>
+                  <a:srgbClr val="FFFFFF"/>
+                </a:solidFill>
+              </a14:hiddenFill>
+            </a:ext>
+          </a:extLst>
+        </p:spPr>
+      </p:pic>
+      <p:pic>
+        <p:nvPicPr>
+          <p:cNvPr id="1038" name="Picture 14" descr="Tsukumo Sana (Hololive) Render by TheGreatKaio on DeviantArt">
+            <a:extLst>
+              <a:ext uri="{FF2B5EF4-FFF2-40B4-BE49-F238E27FC236}">
+                <a16:creationId xmlns:a16="http://schemas.microsoft.com/office/drawing/2014/main" id="{EA9DF239-FF82-4C79-9076-711D3BBC7040}"/>
+              </a:ext>
+            </a:extLst>
+          </p:cNvPr>
+          <p:cNvPicPr>
+            <a:picLocks noChangeAspect="1" noChangeArrowheads="1"/>
+          </p:cNvPicPr>
+          <p:nvPr/>
+        </p:nvPicPr>
+        <p:blipFill rotWithShape="1">
+          <a:blip r:embed="rId5" cstate="print">
+            <a:extLst>
+              <a:ext uri="{28A0092B-C50C-407E-A947-70E740481C1C}">
+                <a14:useLocalDpi xmlns:a14="http://schemas.microsoft.com/office/drawing/2010/main" val="0"/>
+              </a:ext>
+            </a:extLst>
+          </a:blip>
+          <a:srcRect l="12079" r="15619"/>
+          <a:stretch/>
+        </p:blipFill>
+        <p:spPr bwMode="auto">
+          <a:xfrm>
+            <a:off x="0" y="2291965"/>
+            <a:ext cx="4544462" cy="6285354"/>
+          </a:xfrm>
+          <a:prstGeom prst="rect">
+            <a:avLst/>
+          </a:prstGeom>
+          <a:noFill/>
+          <a:extLst>
+            <a:ext uri="{909E8E84-426E-40DD-AFC4-6F175D3DCCD1}">
+              <a14:hiddenFill xmlns:a14="http://schemas.microsoft.com/office/drawing/2010/main">
+                <a:solidFill>
+                  <a:srgbClr val="FFFFFF"/>
+                </a:solidFill>
+              </a14:hiddenFill>
+            </a:ext>
+          </a:extLst>
+        </p:spPr>
+      </p:pic>
+    </p:spTree>
+    <p:extLst>
+      <p:ext uri="{BB962C8B-B14F-4D97-AF65-F5344CB8AC3E}">
+        <p14:creationId xmlns:p14="http://schemas.microsoft.com/office/powerpoint/2010/main" val="558540251"/>
+      </p:ext>
+    </p:extLst>
+  </p:cSld>
+  <p:clrMapOvr>
+    <a:masterClrMapping/>
+  </p:clrMapOvr>
+</p:sld>
+</file>
+
+<file path=ppt/slides/slide7.xml><?xml version="1.0" encoding="utf-8"?>
+<p:sld xmlns:a="http://schemas.openxmlformats.org/drawingml/2006/main" xmlns:r="http://schemas.openxmlformats.org/officeDocument/2006/relationships" xmlns:p="http://schemas.openxmlformats.org/presentationml/2006/main">
+  <p:cSld>
+    <p:spTree>
+      <p:nvGrpSpPr>
+        <p:cNvPr id="1" name=""/>
+        <p:cNvGrpSpPr/>
+        <p:nvPr/>
+      </p:nvGrpSpPr>
+      <p:grpSpPr>
+        <a:xfrm>
+          <a:off x="0" y="0"/>
+          <a:ext cx="0" cy="0"/>
+          <a:chOff x="0" y="0"/>
+          <a:chExt cx="0" cy="0"/>
+        </a:xfrm>
+      </p:grpSpPr>
+      <p:sp>
+        <p:nvSpPr>
+          <p:cNvPr id="2" name="Titre 1">
+            <a:extLst>
+              <a:ext uri="{FF2B5EF4-FFF2-40B4-BE49-F238E27FC236}">
+                <a16:creationId xmlns:a16="http://schemas.microsoft.com/office/drawing/2014/main" id="{F7178487-21D2-4119-B6A2-CDA059BD5409}"/>
+              </a:ext>
+            </a:extLst>
+          </p:cNvPr>
+          <p:cNvSpPr>
+            <a:spLocks noGrp="1"/>
+          </p:cNvSpPr>
+          <p:nvPr>
+            <p:ph type="title"/>
+          </p:nvPr>
+        </p:nvSpPr>
+        <p:spPr/>
+        <p:txBody>
+          <a:bodyPr/>
+          <a:lstStyle/>
+          <a:p>
+            <a:r>
+              <a:rPr lang="en-US" dirty="0"/>
+              <a:t>Worst enemies of DL (in this class, at least)</a:t>
+            </a:r>
+          </a:p>
+        </p:txBody>
+      </p:sp>
+      <p:sp>
+        <p:nvSpPr>
+          <p:cNvPr id="3" name="Espace réservé du texte 2">
+            <a:extLst>
+              <a:ext uri="{FF2B5EF4-FFF2-40B4-BE49-F238E27FC236}">
+                <a16:creationId xmlns:a16="http://schemas.microsoft.com/office/drawing/2014/main" id="{CB3F25C9-C9B4-44C8-9A0E-1B9AA75395AE}"/>
+              </a:ext>
+            </a:extLst>
+          </p:cNvPr>
+          <p:cNvSpPr>
+            <a:spLocks noGrp="1"/>
+          </p:cNvSpPr>
+          <p:nvPr>
+            <p:ph type="body" sz="quarter" idx="10"/>
+          </p:nvPr>
+        </p:nvSpPr>
+        <p:spPr/>
+        <p:txBody>
+          <a:bodyPr/>
+          <a:lstStyle/>
+          <a:p>
+            <a:r>
+              <a:rPr lang="en-US" dirty="0"/>
+              <a:t>(Disk) Space</a:t>
+            </a:r>
+          </a:p>
+          <a:p>
+            <a:pPr lvl="1"/>
+            <a:r>
+              <a:rPr lang="en-US" dirty="0"/>
+              <a:t>Modern DL models contain </a:t>
+            </a:r>
+            <a:r>
+              <a:rPr lang="en-US" b="1" dirty="0"/>
+              <a:t>billions</a:t>
+            </a:r>
+            <a:r>
+              <a:rPr lang="en-US" dirty="0"/>
+              <a:t> (10</a:t>
+            </a:r>
+            <a:r>
+              <a:rPr lang="en-US" baseline="30000" dirty="0"/>
+              <a:t>9</a:t>
+            </a:r>
+            <a:r>
+              <a:rPr lang="en-US" dirty="0"/>
+              <a:t>) of parameters</a:t>
+            </a:r>
+          </a:p>
+          <a:p>
+            <a:pPr lvl="1"/>
+            <a:r>
+              <a:rPr lang="en-US" dirty="0"/>
+              <a:t>GPT-4 has ~220 billion parameters</a:t>
+            </a:r>
+          </a:p>
+          <a:p>
+            <a:pPr lvl="1"/>
+            <a:r>
+              <a:rPr lang="en-US" dirty="0"/>
+              <a:t>If a single parameter is a floating point represented on 32 bits…</a:t>
+            </a:r>
+          </a:p>
+          <a:p>
+            <a:pPr lvl="1"/>
+            <a:r>
+              <a:rPr lang="en-US" dirty="0"/>
+              <a:t>…that is 220 * 10</a:t>
+            </a:r>
+            <a:r>
+              <a:rPr lang="en-US" baseline="30000" dirty="0"/>
+              <a:t>9</a:t>
+            </a:r>
+            <a:r>
+              <a:rPr lang="en-US" dirty="0"/>
+              <a:t> * 32 / 8 = 880 Giga Bytes (!!!)</a:t>
+            </a:r>
+          </a:p>
+          <a:p>
+            <a:pPr lvl="1"/>
+            <a:r>
+              <a:rPr lang="en-US" dirty="0"/>
+              <a:t>They have to be stored on a hard drive and IN MEMORY!</a:t>
+            </a:r>
+          </a:p>
+          <a:p>
+            <a:pPr lvl="1"/>
+            <a:r>
+              <a:rPr lang="en-US" dirty="0"/>
+              <a:t>During training, you’ll need to also </a:t>
+            </a:r>
+            <a:r>
+              <a:rPr lang="en-US" u="sng" dirty="0"/>
+              <a:t>store the gradient</a:t>
+            </a:r>
+            <a:r>
+              <a:rPr lang="en-US" dirty="0"/>
+              <a:t> IN MEMORY!</a:t>
+            </a:r>
+          </a:p>
+          <a:p>
+            <a:pPr lvl="1"/>
+            <a:endParaRPr lang="en-US" dirty="0"/>
+          </a:p>
+        </p:txBody>
+      </p:sp>
+    </p:spTree>
+    <p:extLst>
+      <p:ext uri="{BB962C8B-B14F-4D97-AF65-F5344CB8AC3E}">
+        <p14:creationId xmlns:p14="http://schemas.microsoft.com/office/powerpoint/2010/main" val="2039122127"/>
+      </p:ext>
+    </p:extLst>
+  </p:cSld>
+  <p:clrMapOvr>
+    <a:masterClrMapping/>
+  </p:clrMapOvr>
+</p:sld>
+</file>
+
+<file path=ppt/slides/slide8.xml><?xml version="1.0" encoding="utf-8"?>
+<p:sld xmlns:a="http://schemas.openxmlformats.org/drawingml/2006/main" xmlns:r="http://schemas.openxmlformats.org/officeDocument/2006/relationships" xmlns:p="http://schemas.openxmlformats.org/presentationml/2006/main">
+  <p:cSld>
+    <p:spTree>
+      <p:nvGrpSpPr>
+        <p:cNvPr id="1" name=""/>
+        <p:cNvGrpSpPr/>
+        <p:nvPr/>
+      </p:nvGrpSpPr>
+      <p:grpSpPr>
+        <a:xfrm>
+          <a:off x="0" y="0"/>
+          <a:ext cx="0" cy="0"/>
+          <a:chOff x="0" y="0"/>
+          <a:chExt cx="0" cy="0"/>
+        </a:xfrm>
+      </p:grpSpPr>
+      <p:sp>
+        <p:nvSpPr>
+          <p:cNvPr id="2" name="Titre 1">
+            <a:extLst>
+              <a:ext uri="{FF2B5EF4-FFF2-40B4-BE49-F238E27FC236}">
+                <a16:creationId xmlns:a16="http://schemas.microsoft.com/office/drawing/2014/main" id="{6ECBC317-2889-4ADC-9D07-47EE7E39E603}"/>
+              </a:ext>
+            </a:extLst>
+          </p:cNvPr>
+          <p:cNvSpPr>
+            <a:spLocks noGrp="1"/>
+          </p:cNvSpPr>
+          <p:nvPr>
+            <p:ph type="title"/>
+          </p:nvPr>
+        </p:nvSpPr>
+        <p:spPr/>
+        <p:txBody>
+          <a:bodyPr/>
+          <a:lstStyle/>
+          <a:p>
+            <a:r>
+              <a:rPr lang="en-US" dirty="0"/>
+              <a:t>Worst enemies of DL (in this class, at least)</a:t>
+            </a:r>
+          </a:p>
+        </p:txBody>
+      </p:sp>
+      <p:sp>
+        <p:nvSpPr>
+          <p:cNvPr id="3" name="Espace réservé du texte 2">
+            <a:extLst>
+              <a:ext uri="{FF2B5EF4-FFF2-40B4-BE49-F238E27FC236}">
+                <a16:creationId xmlns:a16="http://schemas.microsoft.com/office/drawing/2014/main" id="{5C016B1E-4FBB-41EE-9A71-17A49DA367AF}"/>
+              </a:ext>
+            </a:extLst>
+          </p:cNvPr>
+          <p:cNvSpPr>
+            <a:spLocks noGrp="1"/>
+          </p:cNvSpPr>
+          <p:nvPr>
+            <p:ph type="body" sz="quarter" idx="10"/>
+          </p:nvPr>
+        </p:nvSpPr>
+        <p:spPr/>
+        <p:txBody>
+          <a:bodyPr/>
+          <a:lstStyle/>
+          <a:p>
+            <a:r>
+              <a:rPr lang="en-US" dirty="0"/>
+              <a:t>(Training) Time</a:t>
+            </a:r>
+          </a:p>
+          <a:p>
+            <a:pPr lvl="1"/>
+            <a:r>
+              <a:rPr lang="en-US" dirty="0"/>
+              <a:t>Training iterations take a lot of time</a:t>
+            </a:r>
+          </a:p>
+          <a:p>
+            <a:pPr lvl="1"/>
+            <a:endParaRPr lang="en-US" dirty="0"/>
+          </a:p>
+          <a:p>
+            <a:pPr lvl="1"/>
+            <a:endParaRPr lang="en-US" dirty="0"/>
+          </a:p>
+        </p:txBody>
+      </p:sp>
+    </p:spTree>
+    <p:extLst>
+      <p:ext uri="{BB962C8B-B14F-4D97-AF65-F5344CB8AC3E}">
+        <p14:creationId xmlns:p14="http://schemas.microsoft.com/office/powerpoint/2010/main" val="624002364"/>
+      </p:ext>
+    </p:extLst>
+  </p:cSld>
+  <p:clrMapOvr>
+    <a:masterClrMapping/>
+  </p:clrMapOvr>
+</p:sld>
+</file>
+
+<file path=ppt/slides/slide9.xml><?xml version="1.0" encoding="utf-8"?>
+<p:sld xmlns:a="http://schemas.openxmlformats.org/drawingml/2006/main" xmlns:r="http://schemas.openxmlformats.org/officeDocument/2006/relationships" xmlns:p="http://schemas.openxmlformats.org/presentationml/2006/main">
+  <p:cSld>
+    <p:spTree>
+      <p:nvGrpSpPr>
+        <p:cNvPr id="1" name=""/>
+        <p:cNvGrpSpPr/>
+        <p:nvPr/>
+      </p:nvGrpSpPr>
+      <p:grpSpPr>
+        <a:xfrm>
+          <a:off x="0" y="0"/>
+          <a:ext cx="0" cy="0"/>
+          <a:chOff x="0" y="0"/>
+          <a:chExt cx="0" cy="0"/>
+        </a:xfrm>
+      </p:grpSpPr>
+      <p:sp>
+        <p:nvSpPr>
+          <p:cNvPr id="2" name="Titre 1">
+            <a:extLst>
+              <a:ext uri="{FF2B5EF4-FFF2-40B4-BE49-F238E27FC236}">
+                <a16:creationId xmlns:a16="http://schemas.microsoft.com/office/drawing/2014/main" id="{6426C41E-F5B5-46E1-9300-CDF4D0CDB48C}"/>
+              </a:ext>
+            </a:extLst>
+          </p:cNvPr>
+          <p:cNvSpPr>
+            <a:spLocks noGrp="1"/>
+          </p:cNvSpPr>
+          <p:nvPr>
+            <p:ph type="title"/>
+          </p:nvPr>
+        </p:nvSpPr>
+        <p:spPr/>
+        <p:txBody>
+          <a:bodyPr/>
+          <a:lstStyle/>
+          <a:p>
+            <a:r>
+              <a:rPr lang="en-US" dirty="0"/>
+              <a:t>Practical issues with neural networks</a:t>
+            </a:r>
+          </a:p>
+        </p:txBody>
+      </p:sp>
+      <p:sp>
+        <p:nvSpPr>
+          <p:cNvPr id="3" name="Espace réservé du texte 2">
+            <a:extLst>
+              <a:ext uri="{FF2B5EF4-FFF2-40B4-BE49-F238E27FC236}">
+                <a16:creationId xmlns:a16="http://schemas.microsoft.com/office/drawing/2014/main" id="{18C8B6D5-CEBE-4093-B9A8-58ADC56A9201}"/>
+              </a:ext>
+            </a:extLst>
+          </p:cNvPr>
+          <p:cNvSpPr>
+            <a:spLocks noGrp="1"/>
+          </p:cNvSpPr>
+          <p:nvPr>
+            <p:ph type="body" sz="quarter" idx="10"/>
+          </p:nvPr>
+        </p:nvSpPr>
+        <p:spPr/>
+        <p:txBody>
+          <a:bodyPr/>
+          <a:lstStyle/>
+          <a:p>
+            <a:r>
+              <a:rPr lang="en-US" dirty="0"/>
+              <a:t>Size of parameters (</a:t>
+            </a:r>
+            <a:r>
+              <a:rPr lang="en-US" dirty="0" err="1"/>
+              <a:t>downcasting</a:t>
+            </a:r>
+            <a:r>
+              <a:rPr lang="en-US" dirty="0"/>
+              <a:t>)</a:t>
+            </a:r>
+          </a:p>
+        </p:txBody>
+      </p:sp>
+    </p:spTree>
+    <p:extLst>
+      <p:ext uri="{BB962C8B-B14F-4D97-AF65-F5344CB8AC3E}">
+        <p14:creationId xmlns:p14="http://schemas.microsoft.com/office/powerpoint/2010/main" val="1196191067"/>
       </p:ext>
     </p:extLst>
   </p:cSld>

--- a/deep-learning-in-practice-with-pytorch/1-intermediate-pytorch.pptx
+++ b/deep-learning-in-practice-with-pytorch/1-intermediate-pytorch.pptx
@@ -10,22 +10,23 @@
     <p:sldId id="259" r:id="rId4"/>
     <p:sldId id="267" r:id="rId5"/>
     <p:sldId id="268" r:id="rId6"/>
-    <p:sldId id="264" r:id="rId7"/>
-    <p:sldId id="265" r:id="rId8"/>
-    <p:sldId id="266" r:id="rId9"/>
-    <p:sldId id="263" r:id="rId10"/>
-    <p:sldId id="269" r:id="rId11"/>
-    <p:sldId id="270" r:id="rId12"/>
-    <p:sldId id="271" r:id="rId13"/>
-    <p:sldId id="272" r:id="rId14"/>
-    <p:sldId id="273" r:id="rId15"/>
-    <p:sldId id="274" r:id="rId16"/>
-    <p:sldId id="277" r:id="rId17"/>
-    <p:sldId id="275" r:id="rId18"/>
-    <p:sldId id="290" r:id="rId19"/>
-    <p:sldId id="276" r:id="rId20"/>
-    <p:sldId id="291" r:id="rId21"/>
-    <p:sldId id="262" r:id="rId22"/>
+    <p:sldId id="269" r:id="rId7"/>
+    <p:sldId id="270" r:id="rId8"/>
+    <p:sldId id="271" r:id="rId9"/>
+    <p:sldId id="272" r:id="rId10"/>
+    <p:sldId id="273" r:id="rId11"/>
+    <p:sldId id="274" r:id="rId12"/>
+    <p:sldId id="277" r:id="rId13"/>
+    <p:sldId id="275" r:id="rId14"/>
+    <p:sldId id="290" r:id="rId15"/>
+    <p:sldId id="292" r:id="rId16"/>
+    <p:sldId id="264" r:id="rId17"/>
+    <p:sldId id="265" r:id="rId18"/>
+    <p:sldId id="266" r:id="rId19"/>
+    <p:sldId id="263" r:id="rId20"/>
+    <p:sldId id="276" r:id="rId21"/>
+    <p:sldId id="291" r:id="rId22"/>
+    <p:sldId id="262" r:id="rId23"/>
   </p:sldIdLst>
   <p:sldSz cx="12192000" cy="6858000"/>
   <p:notesSz cx="6858000" cy="9144000"/>
@@ -1983,897 +1984,6 @@
             <p:ph type="body" sz="quarter" idx="10"/>
           </p:nvPr>
         </p:nvSpPr>
-        <p:spPr/>
-        <p:txBody>
-          <a:bodyPr/>
-          <a:lstStyle/>
-          <a:p>
-            <a:r>
-              <a:rPr lang="en-US" dirty="0"/>
-              <a:t>Lots of competitors! Why is Deep Learning so dominant?</a:t>
-            </a:r>
-          </a:p>
-        </p:txBody>
-      </p:sp>
-    </p:spTree>
-    <p:extLst>
-      <p:ext uri="{BB962C8B-B14F-4D97-AF65-F5344CB8AC3E}">
-        <p14:creationId xmlns:p14="http://schemas.microsoft.com/office/powerpoint/2010/main" val="2398709082"/>
-      </p:ext>
-    </p:extLst>
-  </p:cSld>
-  <p:clrMapOvr>
-    <a:masterClrMapping/>
-  </p:clrMapOvr>
-</p:sld>
-</file>
-
-<file path=ppt/slides/slide11.xml><?xml version="1.0" encoding="utf-8"?>
-<p:sld xmlns:a="http://schemas.openxmlformats.org/drawingml/2006/main" xmlns:r="http://schemas.openxmlformats.org/officeDocument/2006/relationships" xmlns:p="http://schemas.openxmlformats.org/presentationml/2006/main">
-  <p:cSld>
-    <p:spTree>
-      <p:nvGrpSpPr>
-        <p:cNvPr id="1" name=""/>
-        <p:cNvGrpSpPr/>
-        <p:nvPr/>
-      </p:nvGrpSpPr>
-      <p:grpSpPr>
-        <a:xfrm>
-          <a:off x="0" y="0"/>
-          <a:ext cx="0" cy="0"/>
-          <a:chOff x="0" y="0"/>
-          <a:chExt cx="0" cy="0"/>
-        </a:xfrm>
-      </p:grpSpPr>
-      <p:sp>
-        <p:nvSpPr>
-          <p:cNvPr id="2" name="Titre 1">
-            <a:extLst>
-              <a:ext uri="{FF2B5EF4-FFF2-40B4-BE49-F238E27FC236}">
-                <a16:creationId xmlns:a16="http://schemas.microsoft.com/office/drawing/2014/main" id="{419778B1-F7A4-4B62-AC08-8BD2E73DB866}"/>
-              </a:ext>
-            </a:extLst>
-          </p:cNvPr>
-          <p:cNvSpPr>
-            <a:spLocks noGrp="1"/>
-          </p:cNvSpPr>
-          <p:nvPr>
-            <p:ph type="title"/>
-          </p:nvPr>
-        </p:nvSpPr>
-        <p:spPr/>
-        <p:txBody>
-          <a:bodyPr/>
-          <a:lstStyle/>
-          <a:p>
-            <a:r>
-              <a:rPr lang="en-US" dirty="0"/>
-              <a:t>Why are neural networks winning?</a:t>
-            </a:r>
-          </a:p>
-        </p:txBody>
-      </p:sp>
-      <p:sp>
-        <p:nvSpPr>
-          <p:cNvPr id="3" name="Espace réservé du texte 2">
-            <a:extLst>
-              <a:ext uri="{FF2B5EF4-FFF2-40B4-BE49-F238E27FC236}">
-                <a16:creationId xmlns:a16="http://schemas.microsoft.com/office/drawing/2014/main" id="{706C715F-29DF-4532-9EA2-EA702412B608}"/>
-              </a:ext>
-            </a:extLst>
-          </p:cNvPr>
-          <p:cNvSpPr>
-            <a:spLocks noGrp="1"/>
-          </p:cNvSpPr>
-          <p:nvPr>
-            <p:ph type="body" sz="quarter" idx="10"/>
-          </p:nvPr>
-        </p:nvSpPr>
-        <p:spPr/>
-        <p:txBody>
-          <a:bodyPr/>
-          <a:lstStyle/>
-          <a:p>
-            <a:r>
-              <a:rPr lang="en-US" dirty="0"/>
-              <a:t>On </a:t>
-            </a:r>
-            <a:r>
-              <a:rPr lang="en-US" b="1" dirty="0"/>
-              <a:t>tabular data</a:t>
-            </a:r>
-            <a:r>
-              <a:rPr lang="en-US" dirty="0"/>
-              <a:t>, they are not winning</a:t>
-            </a:r>
-          </a:p>
-          <a:p>
-            <a:pPr lvl="1"/>
-            <a:r>
-              <a:rPr lang="en-US" dirty="0"/>
-              <a:t>Current consensus is that ensembles of boosted trees are better</a:t>
-            </a:r>
-          </a:p>
-          <a:p>
-            <a:pPr lvl="1"/>
-            <a:r>
-              <a:rPr lang="en-US" dirty="0"/>
-              <a:t>See </a:t>
-            </a:r>
-            <a:r>
-              <a:rPr lang="en-US" dirty="0" err="1"/>
-              <a:t>Grinsztajn</a:t>
-            </a:r>
-            <a:r>
-              <a:rPr lang="en-US" dirty="0"/>
-              <a:t> et al. (2022) </a:t>
-            </a:r>
-            <a:r>
-              <a:rPr lang="en-US" i="1" dirty="0"/>
-              <a:t>Why do tree-based models still outperform deep learning on tabular data?</a:t>
-            </a:r>
-          </a:p>
-          <a:p>
-            <a:endParaRPr lang="en-US" dirty="0"/>
-          </a:p>
-          <a:p>
-            <a:r>
-              <a:rPr lang="en-US" dirty="0"/>
-              <a:t>On </a:t>
-            </a:r>
-            <a:r>
-              <a:rPr lang="en-US" b="1" dirty="0"/>
-              <a:t>structured data</a:t>
-            </a:r>
-            <a:r>
-              <a:rPr lang="en-US" dirty="0"/>
-              <a:t>, they are </a:t>
-            </a:r>
-            <a:r>
-              <a:rPr lang="en-US" i="1" dirty="0"/>
-              <a:t>massively</a:t>
-            </a:r>
-            <a:r>
-              <a:rPr lang="en-US" dirty="0"/>
-              <a:t> dominant</a:t>
-            </a:r>
-          </a:p>
-          <a:p>
-            <a:pPr lvl="1"/>
-            <a:r>
-              <a:rPr lang="en-US" dirty="0"/>
-              <a:t>Remove the need for feature construction (and maybe selection)</a:t>
-            </a:r>
-          </a:p>
-          <a:p>
-            <a:pPr lvl="1"/>
-            <a:r>
-              <a:rPr lang="en-US" dirty="0"/>
-              <a:t>Any type of structure: sequences, graphs, images, videos, …</a:t>
-            </a:r>
-          </a:p>
-        </p:txBody>
-      </p:sp>
-    </p:spTree>
-    <p:extLst>
-      <p:ext uri="{BB962C8B-B14F-4D97-AF65-F5344CB8AC3E}">
-        <p14:creationId xmlns:p14="http://schemas.microsoft.com/office/powerpoint/2010/main" val="1596256976"/>
-      </p:ext>
-    </p:extLst>
-  </p:cSld>
-  <p:clrMapOvr>
-    <a:masterClrMapping/>
-  </p:clrMapOvr>
-</p:sld>
-</file>
-
-<file path=ppt/slides/slide12.xml><?xml version="1.0" encoding="utf-8"?>
-<p:sld xmlns:a="http://schemas.openxmlformats.org/drawingml/2006/main" xmlns:r="http://schemas.openxmlformats.org/officeDocument/2006/relationships" xmlns:p="http://schemas.openxmlformats.org/presentationml/2006/main">
-  <p:cSld>
-    <p:spTree>
-      <p:nvGrpSpPr>
-        <p:cNvPr id="1" name=""/>
-        <p:cNvGrpSpPr/>
-        <p:nvPr/>
-      </p:nvGrpSpPr>
-      <p:grpSpPr>
-        <a:xfrm>
-          <a:off x="0" y="0"/>
-          <a:ext cx="0" cy="0"/>
-          <a:chOff x="0" y="0"/>
-          <a:chExt cx="0" cy="0"/>
-        </a:xfrm>
-      </p:grpSpPr>
-      <p:sp>
-        <p:nvSpPr>
-          <p:cNvPr id="2" name="Titre 1">
-            <a:extLst>
-              <a:ext uri="{FF2B5EF4-FFF2-40B4-BE49-F238E27FC236}">
-                <a16:creationId xmlns:a16="http://schemas.microsoft.com/office/drawing/2014/main" id="{419778B1-F7A4-4B62-AC08-8BD2E73DB866}"/>
-              </a:ext>
-            </a:extLst>
-          </p:cNvPr>
-          <p:cNvSpPr>
-            <a:spLocks noGrp="1"/>
-          </p:cNvSpPr>
-          <p:nvPr>
-            <p:ph type="title"/>
-          </p:nvPr>
-        </p:nvSpPr>
-        <p:spPr/>
-        <p:txBody>
-          <a:bodyPr/>
-          <a:lstStyle/>
-          <a:p>
-            <a:r>
-              <a:rPr lang="en-US" dirty="0"/>
-              <a:t>Why are neural networks winning?</a:t>
-            </a:r>
-          </a:p>
-        </p:txBody>
-      </p:sp>
-      <p:sp>
-        <p:nvSpPr>
-          <p:cNvPr id="3" name="Espace réservé du texte 2">
-            <a:extLst>
-              <a:ext uri="{FF2B5EF4-FFF2-40B4-BE49-F238E27FC236}">
-                <a16:creationId xmlns:a16="http://schemas.microsoft.com/office/drawing/2014/main" id="{706C715F-29DF-4532-9EA2-EA702412B608}"/>
-              </a:ext>
-            </a:extLst>
-          </p:cNvPr>
-          <p:cNvSpPr>
-            <a:spLocks noGrp="1"/>
-          </p:cNvSpPr>
-          <p:nvPr>
-            <p:ph type="body" sz="quarter" idx="10"/>
-          </p:nvPr>
-        </p:nvSpPr>
-        <p:spPr/>
-        <p:txBody>
-          <a:bodyPr/>
-          <a:lstStyle/>
-          <a:p>
-            <a:r>
-              <a:rPr lang="en-US" dirty="0"/>
-              <a:t>Generative models: how can a NNs output an </a:t>
-            </a:r>
-            <a:r>
-              <a:rPr lang="en-US" i="1" dirty="0"/>
-              <a:t>image</a:t>
-            </a:r>
-            <a:r>
-              <a:rPr lang="en-US" dirty="0"/>
-              <a:t>?</a:t>
-            </a:r>
-          </a:p>
-        </p:txBody>
-      </p:sp>
-    </p:spTree>
-    <p:extLst>
-      <p:ext uri="{BB962C8B-B14F-4D97-AF65-F5344CB8AC3E}">
-        <p14:creationId xmlns:p14="http://schemas.microsoft.com/office/powerpoint/2010/main" val="2677461005"/>
-      </p:ext>
-    </p:extLst>
-  </p:cSld>
-  <p:clrMapOvr>
-    <a:masterClrMapping/>
-  </p:clrMapOvr>
-</p:sld>
-</file>
-
-<file path=ppt/slides/slide13.xml><?xml version="1.0" encoding="utf-8"?>
-<p:sld xmlns:a="http://schemas.openxmlformats.org/drawingml/2006/main" xmlns:r="http://schemas.openxmlformats.org/officeDocument/2006/relationships" xmlns:p="http://schemas.openxmlformats.org/presentationml/2006/main">
-  <p:cSld>
-    <p:spTree>
-      <p:nvGrpSpPr>
-        <p:cNvPr id="1" name=""/>
-        <p:cNvGrpSpPr/>
-        <p:nvPr/>
-      </p:nvGrpSpPr>
-      <p:grpSpPr>
-        <a:xfrm>
-          <a:off x="0" y="0"/>
-          <a:ext cx="0" cy="0"/>
-          <a:chOff x="0" y="0"/>
-          <a:chExt cx="0" cy="0"/>
-        </a:xfrm>
-      </p:grpSpPr>
-      <p:sp>
-        <p:nvSpPr>
-          <p:cNvPr id="2" name="Titre 1">
-            <a:extLst>
-              <a:ext uri="{FF2B5EF4-FFF2-40B4-BE49-F238E27FC236}">
-                <a16:creationId xmlns:a16="http://schemas.microsoft.com/office/drawing/2014/main" id="{419778B1-F7A4-4B62-AC08-8BD2E73DB866}"/>
-              </a:ext>
-            </a:extLst>
-          </p:cNvPr>
-          <p:cNvSpPr>
-            <a:spLocks noGrp="1"/>
-          </p:cNvSpPr>
-          <p:nvPr>
-            <p:ph type="title"/>
-          </p:nvPr>
-        </p:nvSpPr>
-        <p:spPr/>
-        <p:txBody>
-          <a:bodyPr/>
-          <a:lstStyle/>
-          <a:p>
-            <a:r>
-              <a:rPr lang="en-US" dirty="0"/>
-              <a:t>Why are neural networks winning?</a:t>
-            </a:r>
-          </a:p>
-        </p:txBody>
-      </p:sp>
-      <p:sp>
-        <p:nvSpPr>
-          <p:cNvPr id="3" name="Espace réservé du texte 2">
-            <a:extLst>
-              <a:ext uri="{FF2B5EF4-FFF2-40B4-BE49-F238E27FC236}">
-                <a16:creationId xmlns:a16="http://schemas.microsoft.com/office/drawing/2014/main" id="{706C715F-29DF-4532-9EA2-EA702412B608}"/>
-              </a:ext>
-            </a:extLst>
-          </p:cNvPr>
-          <p:cNvSpPr>
-            <a:spLocks noGrp="1"/>
-          </p:cNvSpPr>
-          <p:nvPr>
-            <p:ph type="body" sz="quarter" idx="10"/>
-          </p:nvPr>
-        </p:nvSpPr>
-        <p:spPr>
-          <a:xfrm>
-            <a:off x="838200" y="1423358"/>
-            <a:ext cx="10515600" cy="1649688"/>
-          </a:xfrm>
-        </p:spPr>
-        <p:txBody>
-          <a:bodyPr>
-            <a:normAutofit lnSpcReduction="10000"/>
-          </a:bodyPr>
-          <a:lstStyle/>
-          <a:p>
-            <a:r>
-              <a:rPr lang="en-US" dirty="0"/>
-              <a:t>Output tensors interpreted as (approximately) </a:t>
-            </a:r>
-            <a:r>
-              <a:rPr lang="en-US" i="1" dirty="0"/>
-              <a:t>anything</a:t>
-            </a:r>
-            <a:r>
-              <a:rPr lang="en-US" dirty="0"/>
-              <a:t>!</a:t>
-            </a:r>
-          </a:p>
-          <a:p>
-            <a:pPr marL="0" indent="0" algn="ctr">
-              <a:buNone/>
-            </a:pPr>
-            <a:endParaRPr lang="en-US" dirty="0"/>
-          </a:p>
-          <a:p>
-            <a:pPr marL="0" indent="0" algn="ctr">
-              <a:buNone/>
-            </a:pPr>
-            <a:r>
-              <a:rPr lang="en-US" dirty="0"/>
-              <a:t>Example: image</a:t>
-            </a:r>
-          </a:p>
-        </p:txBody>
-      </p:sp>
-      <p:sp>
-        <p:nvSpPr>
-          <p:cNvPr id="4" name="Cube 3">
-            <a:extLst>
-              <a:ext uri="{FF2B5EF4-FFF2-40B4-BE49-F238E27FC236}">
-                <a16:creationId xmlns:a16="http://schemas.microsoft.com/office/drawing/2014/main" id="{A3E0261C-4ED1-4A18-A7FB-8A1F0B19E65C}"/>
-              </a:ext>
-            </a:extLst>
-          </p:cNvPr>
-          <p:cNvSpPr/>
-          <p:nvPr/>
-        </p:nvSpPr>
-        <p:spPr>
-          <a:xfrm>
-            <a:off x="1537356" y="3490994"/>
-            <a:ext cx="1772239" cy="1649689"/>
-          </a:xfrm>
-          <a:prstGeom prst="cube">
-            <a:avLst/>
-          </a:prstGeom>
-        </p:spPr>
-        <p:style>
-          <a:lnRef idx="2">
-            <a:schemeClr val="accent1">
-              <a:shade val="50000"/>
-            </a:schemeClr>
-          </a:lnRef>
-          <a:fillRef idx="1">
-            <a:schemeClr val="accent1"/>
-          </a:fillRef>
-          <a:effectRef idx="0">
-            <a:schemeClr val="accent1"/>
-          </a:effectRef>
-          <a:fontRef idx="minor">
-            <a:schemeClr val="lt1"/>
-          </a:fontRef>
-        </p:style>
-        <p:txBody>
-          <a:bodyPr rtlCol="0" anchor="ctr"/>
-          <a:lstStyle/>
-          <a:p>
-            <a:pPr algn="ctr"/>
-            <a:r>
-              <a:rPr lang="en-US" dirty="0"/>
-              <a:t>Tensor </a:t>
-            </a:r>
-            <a:br>
-              <a:rPr lang="en-US" dirty="0"/>
-            </a:br>
-            <a:r>
-              <a:rPr lang="en-US" dirty="0"/>
-              <a:t>(c * w * h)</a:t>
-            </a:r>
-          </a:p>
-        </p:txBody>
-      </p:sp>
-      <p:sp>
-        <p:nvSpPr>
-          <p:cNvPr id="5" name="Rectangle 4">
-            <a:extLst>
-              <a:ext uri="{FF2B5EF4-FFF2-40B4-BE49-F238E27FC236}">
-                <a16:creationId xmlns:a16="http://schemas.microsoft.com/office/drawing/2014/main" id="{F3CEEA68-0304-421D-B32A-071A459630F9}"/>
-              </a:ext>
-            </a:extLst>
-          </p:cNvPr>
-          <p:cNvSpPr/>
-          <p:nvPr/>
-        </p:nvSpPr>
-        <p:spPr>
-          <a:xfrm>
-            <a:off x="4883871" y="3490994"/>
-            <a:ext cx="1348033" cy="1211373"/>
-          </a:xfrm>
-          <a:prstGeom prst="rect">
-            <a:avLst/>
-          </a:prstGeom>
-          <a:solidFill>
-            <a:schemeClr val="accent5">
-              <a:lumMod val="20000"/>
-              <a:lumOff val="80000"/>
-            </a:schemeClr>
-          </a:solidFill>
-        </p:spPr>
-        <p:style>
-          <a:lnRef idx="2">
-            <a:schemeClr val="accent1">
-              <a:shade val="50000"/>
-            </a:schemeClr>
-          </a:lnRef>
-          <a:fillRef idx="1">
-            <a:schemeClr val="accent1"/>
-          </a:fillRef>
-          <a:effectRef idx="0">
-            <a:schemeClr val="accent1"/>
-          </a:effectRef>
-          <a:fontRef idx="minor">
-            <a:schemeClr val="lt1"/>
-          </a:fontRef>
-        </p:style>
-        <p:txBody>
-          <a:bodyPr rtlCol="0" anchor="ctr"/>
-          <a:lstStyle/>
-          <a:p>
-            <a:pPr algn="ctr"/>
-            <a:endParaRPr lang="en-US"/>
-          </a:p>
-        </p:txBody>
-      </p:sp>
-      <p:sp>
-        <p:nvSpPr>
-          <p:cNvPr id="6" name="Rectangle 5">
-            <a:extLst>
-              <a:ext uri="{FF2B5EF4-FFF2-40B4-BE49-F238E27FC236}">
-                <a16:creationId xmlns:a16="http://schemas.microsoft.com/office/drawing/2014/main" id="{DB69D241-7A96-4867-890B-A5961ACB16EA}"/>
-              </a:ext>
-            </a:extLst>
-          </p:cNvPr>
-          <p:cNvSpPr/>
-          <p:nvPr/>
-        </p:nvSpPr>
-        <p:spPr>
-          <a:xfrm>
-            <a:off x="4737754" y="3637896"/>
-            <a:ext cx="1348033" cy="1211373"/>
-          </a:xfrm>
-          <a:prstGeom prst="rect">
-            <a:avLst/>
-          </a:prstGeom>
-          <a:solidFill>
-            <a:schemeClr val="accent6">
-              <a:lumMod val="20000"/>
-              <a:lumOff val="80000"/>
-            </a:schemeClr>
-          </a:solidFill>
-        </p:spPr>
-        <p:style>
-          <a:lnRef idx="2">
-            <a:schemeClr val="accent1">
-              <a:shade val="50000"/>
-            </a:schemeClr>
-          </a:lnRef>
-          <a:fillRef idx="1">
-            <a:schemeClr val="accent1"/>
-          </a:fillRef>
-          <a:effectRef idx="0">
-            <a:schemeClr val="accent1"/>
-          </a:effectRef>
-          <a:fontRef idx="minor">
-            <a:schemeClr val="lt1"/>
-          </a:fontRef>
-        </p:style>
-        <p:txBody>
-          <a:bodyPr rtlCol="0" anchor="ctr"/>
-          <a:lstStyle/>
-          <a:p>
-            <a:pPr algn="ctr"/>
-            <a:endParaRPr lang="en-US"/>
-          </a:p>
-        </p:txBody>
-      </p:sp>
-      <p:sp>
-        <p:nvSpPr>
-          <p:cNvPr id="7" name="Rectangle 6">
-            <a:extLst>
-              <a:ext uri="{FF2B5EF4-FFF2-40B4-BE49-F238E27FC236}">
-                <a16:creationId xmlns:a16="http://schemas.microsoft.com/office/drawing/2014/main" id="{007330F0-738F-45FE-8294-C80F919EF3FA}"/>
-              </a:ext>
-            </a:extLst>
-          </p:cNvPr>
-          <p:cNvSpPr/>
-          <p:nvPr/>
-        </p:nvSpPr>
-        <p:spPr>
-          <a:xfrm>
-            <a:off x="4592426" y="3827676"/>
-            <a:ext cx="1348033" cy="1211373"/>
-          </a:xfrm>
-          <a:prstGeom prst="rect">
-            <a:avLst/>
-          </a:prstGeom>
-          <a:solidFill>
-            <a:srgbClr val="F49696"/>
-          </a:solidFill>
-        </p:spPr>
-        <p:style>
-          <a:lnRef idx="2">
-            <a:schemeClr val="accent1">
-              <a:shade val="50000"/>
-            </a:schemeClr>
-          </a:lnRef>
-          <a:fillRef idx="1">
-            <a:schemeClr val="accent1"/>
-          </a:fillRef>
-          <a:effectRef idx="0">
-            <a:schemeClr val="accent1"/>
-          </a:effectRef>
-          <a:fontRef idx="minor">
-            <a:schemeClr val="lt1"/>
-          </a:fontRef>
-        </p:style>
-        <p:txBody>
-          <a:bodyPr rtlCol="0" anchor="ctr"/>
-          <a:lstStyle/>
-          <a:p>
-            <a:pPr algn="ctr"/>
-            <a:r>
-              <a:rPr lang="en-US" dirty="0"/>
-              <a:t>Image channel</a:t>
-            </a:r>
-            <a:br>
-              <a:rPr lang="en-US" dirty="0"/>
-            </a:br>
-            <a:r>
-              <a:rPr lang="en-US" dirty="0"/>
-              <a:t>(w * h)</a:t>
-            </a:r>
-          </a:p>
-        </p:txBody>
-      </p:sp>
-      <p:sp>
-        <p:nvSpPr>
-          <p:cNvPr id="9" name="Flèche : droite 8">
-            <a:extLst>
-              <a:ext uri="{FF2B5EF4-FFF2-40B4-BE49-F238E27FC236}">
-                <a16:creationId xmlns:a16="http://schemas.microsoft.com/office/drawing/2014/main" id="{5A329563-3BC1-4F23-8B5D-12DE783B4554}"/>
-              </a:ext>
-            </a:extLst>
-          </p:cNvPr>
-          <p:cNvSpPr/>
-          <p:nvPr/>
-        </p:nvSpPr>
-        <p:spPr>
-          <a:xfrm>
-            <a:off x="3481634" y="4165039"/>
-            <a:ext cx="938752" cy="537328"/>
-          </a:xfrm>
-          <a:prstGeom prst="rightArrow">
-            <a:avLst/>
-          </a:prstGeom>
-        </p:spPr>
-        <p:style>
-          <a:lnRef idx="2">
-            <a:schemeClr val="dk1"/>
-          </a:lnRef>
-          <a:fillRef idx="1">
-            <a:schemeClr val="lt1"/>
-          </a:fillRef>
-          <a:effectRef idx="0">
-            <a:schemeClr val="dk1"/>
-          </a:effectRef>
-          <a:fontRef idx="minor">
-            <a:schemeClr val="dk1"/>
-          </a:fontRef>
-        </p:style>
-        <p:txBody>
-          <a:bodyPr rtlCol="0" anchor="ctr"/>
-          <a:lstStyle/>
-          <a:p>
-            <a:pPr algn="ctr"/>
-            <a:endParaRPr lang="en-US"/>
-          </a:p>
-        </p:txBody>
-      </p:sp>
-      <mc:AlternateContent xmlns:mc="http://schemas.openxmlformats.org/markup-compatibility/2006" xmlns:a14="http://schemas.microsoft.com/office/drawing/2010/main">
-        <mc:Choice Requires="a14">
-          <p:sp>
-            <p:nvSpPr>
-              <p:cNvPr id="10" name="ZoneTexte 9">
-                <a:extLst>
-                  <a:ext uri="{FF2B5EF4-FFF2-40B4-BE49-F238E27FC236}">
-                    <a16:creationId xmlns:a16="http://schemas.microsoft.com/office/drawing/2014/main" id="{AFAD42F5-649B-498B-9493-A1468FAE793B}"/>
-                  </a:ext>
-                </a:extLst>
-              </p:cNvPr>
-              <p:cNvSpPr txBox="1"/>
-              <p:nvPr/>
-            </p:nvSpPr>
-            <p:spPr>
-              <a:xfrm>
-                <a:off x="7088170" y="3429000"/>
-                <a:ext cx="4265630" cy="1629164"/>
-              </a:xfrm>
-              <a:prstGeom prst="rect">
-                <a:avLst/>
-              </a:prstGeom>
-              <a:noFill/>
-            </p:spPr>
-            <p:txBody>
-              <a:bodyPr wrap="square" rtlCol="0">
-                <a:spAutoFit/>
-              </a:bodyPr>
-              <a:lstStyle/>
-              <a:p>
-                <a:r>
-                  <a:rPr lang="en-US" sz="2400" dirty="0"/>
-                  <a:t>Each value </a:t>
-                </a:r>
-                <a14:m>
-                  <m:oMath xmlns:m="http://schemas.openxmlformats.org/officeDocument/2006/math">
-                    <m:sSub>
-                      <m:sSubPr>
-                        <m:ctrlPr>
-                          <a:rPr lang="it-IT" sz="2400" b="0" i="1" smtClean="0">
-                            <a:latin typeface="Cambria Math" panose="02040503050406030204" pitchFamily="18" charset="0"/>
-                          </a:rPr>
-                        </m:ctrlPr>
-                      </m:sSubPr>
-                      <m:e>
-                        <m:r>
-                          <a:rPr lang="it-IT" sz="2400" i="1">
-                            <a:latin typeface="Cambria Math" panose="02040503050406030204" pitchFamily="18" charset="0"/>
-                          </a:rPr>
-                          <m:t>𝑥</m:t>
-                        </m:r>
-                      </m:e>
-                      <m:sub>
-                        <m:r>
-                          <a:rPr lang="it-IT" sz="2400" b="0" i="1" smtClean="0">
-                            <a:latin typeface="Cambria Math" panose="02040503050406030204" pitchFamily="18" charset="0"/>
-                          </a:rPr>
-                          <m:t>𝑖</m:t>
-                        </m:r>
-                        <m:r>
-                          <a:rPr lang="it-IT" sz="2400" b="0" i="1" smtClean="0">
-                            <a:latin typeface="Cambria Math" panose="02040503050406030204" pitchFamily="18" charset="0"/>
-                          </a:rPr>
-                          <m:t>,</m:t>
-                        </m:r>
-                        <m:r>
-                          <a:rPr lang="it-IT" sz="2400" b="0" i="1" smtClean="0">
-                            <a:latin typeface="Cambria Math" panose="02040503050406030204" pitchFamily="18" charset="0"/>
-                          </a:rPr>
-                          <m:t>𝑗</m:t>
-                        </m:r>
-                      </m:sub>
-                    </m:sSub>
-                  </m:oMath>
-                </a14:m>
-                <a:r>
-                  <a:rPr lang="en-US" sz="2400" dirty="0"/>
-                  <a:t> inside each channel indicates the level or red, blue, or green for pixel </a:t>
-                </a:r>
-                <a14:m>
-                  <m:oMath xmlns:m="http://schemas.openxmlformats.org/officeDocument/2006/math">
-                    <m:sSub>
-                      <m:sSubPr>
-                        <m:ctrlPr>
-                          <a:rPr lang="it-IT" sz="2400" b="0" i="1" smtClean="0">
-                            <a:latin typeface="Cambria Math" panose="02040503050406030204" pitchFamily="18" charset="0"/>
-                          </a:rPr>
-                        </m:ctrlPr>
-                      </m:sSubPr>
-                      <m:e>
-                        <m:r>
-                          <a:rPr lang="it-IT" sz="2400" i="1">
-                            <a:latin typeface="Cambria Math" panose="02040503050406030204" pitchFamily="18" charset="0"/>
-                          </a:rPr>
-                          <m:t>𝑝</m:t>
-                        </m:r>
-                      </m:e>
-                      <m:sub>
-                        <m:r>
-                          <a:rPr lang="it-IT" sz="2400" b="0" i="1" smtClean="0">
-                            <a:latin typeface="Cambria Math" panose="02040503050406030204" pitchFamily="18" charset="0"/>
-                          </a:rPr>
-                          <m:t>𝑖</m:t>
-                        </m:r>
-                        <m:r>
-                          <a:rPr lang="it-IT" sz="2400" b="0" i="1" smtClean="0">
-                            <a:latin typeface="Cambria Math" panose="02040503050406030204" pitchFamily="18" charset="0"/>
-                          </a:rPr>
-                          <m:t>,</m:t>
-                        </m:r>
-                        <m:r>
-                          <a:rPr lang="it-IT" sz="2400" b="0" i="1" smtClean="0">
-                            <a:latin typeface="Cambria Math" panose="02040503050406030204" pitchFamily="18" charset="0"/>
-                          </a:rPr>
-                          <m:t>𝑗</m:t>
-                        </m:r>
-                      </m:sub>
-                    </m:sSub>
-                  </m:oMath>
-                </a14:m>
-                <a:r>
-                  <a:rPr lang="en-US" sz="2400" dirty="0"/>
-                  <a:t> respectively</a:t>
-                </a:r>
-              </a:p>
-            </p:txBody>
-          </p:sp>
-        </mc:Choice>
-        <mc:Fallback xmlns="">
-          <p:sp>
-            <p:nvSpPr>
-              <p:cNvPr id="10" name="ZoneTexte 9">
-                <a:extLst>
-                  <a:ext uri="{FF2B5EF4-FFF2-40B4-BE49-F238E27FC236}">
-                    <a16:creationId xmlns:a16="http://schemas.microsoft.com/office/drawing/2014/main" id="{AFAD42F5-649B-498B-9493-A1468FAE793B}"/>
-                  </a:ext>
-                </a:extLst>
-              </p:cNvPr>
-              <p:cNvSpPr txBox="1">
-                <a:spLocks noRot="1" noChangeAspect="1" noMove="1" noResize="1" noEditPoints="1" noAdjustHandles="1" noChangeArrowheads="1" noChangeShapeType="1" noTextEdit="1"/>
-              </p:cNvSpPr>
-              <p:nvPr/>
-            </p:nvSpPr>
-            <p:spPr>
-              <a:xfrm>
-                <a:off x="7088170" y="3429000"/>
-                <a:ext cx="4265630" cy="1629164"/>
-              </a:xfrm>
-              <a:prstGeom prst="rect">
-                <a:avLst/>
-              </a:prstGeom>
-              <a:blipFill>
-                <a:blip r:embed="rId2"/>
-                <a:stretch>
-                  <a:fillRect l="-2286" t="-2622" b="-7116"/>
-                </a:stretch>
-              </a:blipFill>
-            </p:spPr>
-            <p:txBody>
-              <a:bodyPr/>
-              <a:lstStyle/>
-              <a:p>
-                <a:r>
-                  <a:rPr lang="en-US">
-                    <a:noFill/>
-                  </a:rPr>
-                  <a:t> </a:t>
-                </a:r>
-              </a:p>
-            </p:txBody>
-          </p:sp>
-        </mc:Fallback>
-      </mc:AlternateContent>
-    </p:spTree>
-    <p:extLst>
-      <p:ext uri="{BB962C8B-B14F-4D97-AF65-F5344CB8AC3E}">
-        <p14:creationId xmlns:p14="http://schemas.microsoft.com/office/powerpoint/2010/main" val="638673909"/>
-      </p:ext>
-    </p:extLst>
-  </p:cSld>
-  <p:clrMapOvr>
-    <a:masterClrMapping/>
-  </p:clrMapOvr>
-</p:sld>
-</file>
-
-<file path=ppt/slides/slide14.xml><?xml version="1.0" encoding="utf-8"?>
-<p:sld xmlns:a="http://schemas.openxmlformats.org/drawingml/2006/main" xmlns:r="http://schemas.openxmlformats.org/officeDocument/2006/relationships" xmlns:p="http://schemas.openxmlformats.org/presentationml/2006/main">
-  <p:cSld>
-    <p:spTree>
-      <p:nvGrpSpPr>
-        <p:cNvPr id="1" name=""/>
-        <p:cNvGrpSpPr/>
-        <p:nvPr/>
-      </p:nvGrpSpPr>
-      <p:grpSpPr>
-        <a:xfrm>
-          <a:off x="0" y="0"/>
-          <a:ext cx="0" cy="0"/>
-          <a:chOff x="0" y="0"/>
-          <a:chExt cx="0" cy="0"/>
-        </a:xfrm>
-      </p:grpSpPr>
-      <p:sp>
-        <p:nvSpPr>
-          <p:cNvPr id="2" name="Titre 1">
-            <a:extLst>
-              <a:ext uri="{FF2B5EF4-FFF2-40B4-BE49-F238E27FC236}">
-                <a16:creationId xmlns:a16="http://schemas.microsoft.com/office/drawing/2014/main" id="{419778B1-F7A4-4B62-AC08-8BD2E73DB866}"/>
-              </a:ext>
-            </a:extLst>
-          </p:cNvPr>
-          <p:cNvSpPr>
-            <a:spLocks noGrp="1"/>
-          </p:cNvSpPr>
-          <p:nvPr>
-            <p:ph type="title"/>
-          </p:nvPr>
-        </p:nvSpPr>
-        <p:spPr/>
-        <p:txBody>
-          <a:bodyPr/>
-          <a:lstStyle/>
-          <a:p>
-            <a:r>
-              <a:rPr lang="en-US" dirty="0"/>
-              <a:t>Why are neural networks winning?</a:t>
-            </a:r>
-          </a:p>
-        </p:txBody>
-      </p:sp>
-      <p:sp>
-        <p:nvSpPr>
-          <p:cNvPr id="3" name="Espace réservé du texte 2">
-            <a:extLst>
-              <a:ext uri="{FF2B5EF4-FFF2-40B4-BE49-F238E27FC236}">
-                <a16:creationId xmlns:a16="http://schemas.microsoft.com/office/drawing/2014/main" id="{706C715F-29DF-4532-9EA2-EA702412B608}"/>
-              </a:ext>
-            </a:extLst>
-          </p:cNvPr>
-          <p:cNvSpPr>
-            <a:spLocks noGrp="1"/>
-          </p:cNvSpPr>
-          <p:nvPr>
-            <p:ph type="body" sz="quarter" idx="10"/>
-          </p:nvPr>
-        </p:nvSpPr>
         <p:spPr>
           <a:xfrm>
             <a:off x="838200" y="1423358"/>
@@ -3666,7 +2776,7 @@
     </p:spTree>
     <p:extLst>
       <p:ext uri="{BB962C8B-B14F-4D97-AF65-F5344CB8AC3E}">
-        <p14:creationId xmlns:p14="http://schemas.microsoft.com/office/powerpoint/2010/main" val="2692885766"/>
+        <p14:creationId xmlns:p14="http://schemas.microsoft.com/office/powerpoint/2010/main" val="2631467866"/>
       </p:ext>
     </p:extLst>
   </p:cSld>
@@ -3676,7 +2786,7 @@
 </p:sld>
 </file>
 
-<file path=ppt/slides/slide15.xml><?xml version="1.0" encoding="utf-8"?>
+<file path=ppt/slides/slide11.xml><?xml version="1.0" encoding="utf-8"?>
 <p:sld xmlns:a="http://schemas.openxmlformats.org/drawingml/2006/main" xmlns:r="http://schemas.openxmlformats.org/officeDocument/2006/relationships" xmlns:p="http://schemas.openxmlformats.org/presentationml/2006/main">
   <p:cSld>
     <p:spTree>
@@ -3760,7 +2870,7 @@
     </p:spTree>
     <p:extLst>
       <p:ext uri="{BB962C8B-B14F-4D97-AF65-F5344CB8AC3E}">
-        <p14:creationId xmlns:p14="http://schemas.microsoft.com/office/powerpoint/2010/main" val="3371575630"/>
+        <p14:creationId xmlns:p14="http://schemas.microsoft.com/office/powerpoint/2010/main" val="3857444322"/>
       </p:ext>
     </p:extLst>
   </p:cSld>
@@ -3770,7 +2880,7 @@
 </p:sld>
 </file>
 
-<file path=ppt/slides/slide16.xml><?xml version="1.0" encoding="utf-8"?>
+<file path=ppt/slides/slide12.xml><?xml version="1.0" encoding="utf-8"?>
 <p:sld xmlns:a="http://schemas.openxmlformats.org/drawingml/2006/main" xmlns:r="http://schemas.openxmlformats.org/officeDocument/2006/relationships" xmlns:p="http://schemas.openxmlformats.org/presentationml/2006/main">
   <p:cSld>
     <p:spTree>
@@ -4001,7 +3111,7 @@
     </p:spTree>
     <p:extLst>
       <p:ext uri="{BB962C8B-B14F-4D97-AF65-F5344CB8AC3E}">
-        <p14:creationId xmlns:p14="http://schemas.microsoft.com/office/powerpoint/2010/main" val="3780394140"/>
+        <p14:creationId xmlns:p14="http://schemas.microsoft.com/office/powerpoint/2010/main" val="1342896755"/>
       </p:ext>
     </p:extLst>
   </p:cSld>
@@ -4011,7 +3121,7 @@
 </p:sld>
 </file>
 
-<file path=ppt/slides/slide17.xml><?xml version="1.0" encoding="utf-8"?>
+<file path=ppt/slides/slide13.xml><?xml version="1.0" encoding="utf-8"?>
 <p:sld xmlns:a="http://schemas.openxmlformats.org/drawingml/2006/main" xmlns:r="http://schemas.openxmlformats.org/officeDocument/2006/relationships" xmlns:p="http://schemas.openxmlformats.org/presentationml/2006/main">
   <p:cSld>
     <p:spTree>
@@ -4242,7 +3352,7 @@
     </p:spTree>
     <p:extLst>
       <p:ext uri="{BB962C8B-B14F-4D97-AF65-F5344CB8AC3E}">
-        <p14:creationId xmlns:p14="http://schemas.microsoft.com/office/powerpoint/2010/main" val="1921873656"/>
+        <p14:creationId xmlns:p14="http://schemas.microsoft.com/office/powerpoint/2010/main" val="3356043090"/>
       </p:ext>
     </p:extLst>
   </p:cSld>
@@ -4252,7 +3362,7 @@
 </p:sld>
 </file>
 
-<file path=ppt/slides/slide18.xml><?xml version="1.0" encoding="utf-8"?>
+<file path=ppt/slides/slide14.xml><?xml version="1.0" encoding="utf-8"?>
 <p:sld xmlns:a="http://schemas.openxmlformats.org/drawingml/2006/main" xmlns:r="http://schemas.openxmlformats.org/officeDocument/2006/relationships" xmlns:p="http://schemas.openxmlformats.org/presentationml/2006/main">
   <p:cSld>
     <p:spTree>
@@ -4335,7 +3445,7 @@
     </p:spTree>
     <p:extLst>
       <p:ext uri="{BB962C8B-B14F-4D97-AF65-F5344CB8AC3E}">
-        <p14:creationId xmlns:p14="http://schemas.microsoft.com/office/powerpoint/2010/main" val="2143819938"/>
+        <p14:creationId xmlns:p14="http://schemas.microsoft.com/office/powerpoint/2010/main" val="2593652476"/>
       </p:ext>
     </p:extLst>
   </p:cSld>
@@ -4345,7 +3455,7 @@
 </p:sld>
 </file>
 
-<file path=ppt/slides/slide19.xml><?xml version="1.0" encoding="utf-8"?>
+<file path=ppt/slides/slide15.xml><?xml version="1.0" encoding="utf-8"?>
 <p:sld xmlns:a="http://schemas.openxmlformats.org/drawingml/2006/main" xmlns:r="http://schemas.openxmlformats.org/officeDocument/2006/relationships" xmlns:p="http://schemas.openxmlformats.org/presentationml/2006/main">
   <p:cSld>
     <p:spTree>
@@ -4367,7 +3477,7 @@
           <p:cNvPr id="2" name="Titre 1">
             <a:extLst>
               <a:ext uri="{FF2B5EF4-FFF2-40B4-BE49-F238E27FC236}">
-                <a16:creationId xmlns:a16="http://schemas.microsoft.com/office/drawing/2014/main" id="{DE557231-BED8-4C0D-A1CE-832FAC500C52}"/>
+                <a16:creationId xmlns:a16="http://schemas.microsoft.com/office/drawing/2014/main" id="{5FAF75AC-EA5D-4573-8604-E794E0D5514B}"/>
               </a:ext>
             </a:extLst>
           </p:cNvPr>
@@ -4383,10 +3493,7 @@
           <a:bodyPr/>
           <a:lstStyle/>
           <a:p>
-            <a:r>
-              <a:rPr lang="en-US" dirty="0"/>
-              <a:t>Multiple architectures!</a:t>
-            </a:r>
+            <a:endParaRPr lang="en-US" dirty="0"/>
           </a:p>
         </p:txBody>
       </p:sp>
@@ -4395,7 +3502,7 @@
           <p:cNvPr id="3" name="Espace réservé du texte 2">
             <a:extLst>
               <a:ext uri="{FF2B5EF4-FFF2-40B4-BE49-F238E27FC236}">
-                <a16:creationId xmlns:a16="http://schemas.microsoft.com/office/drawing/2014/main" id="{030C26C1-12EE-4478-B0A9-C039178414C6}"/>
+                <a16:creationId xmlns:a16="http://schemas.microsoft.com/office/drawing/2014/main" id="{ACFD6FB9-AD0F-4E3B-9C1D-F5F2E5364A78}"/>
               </a:ext>
             </a:extLst>
           </p:cNvPr>
@@ -4411,154 +3518,14 @@
           <a:bodyPr/>
           <a:lstStyle/>
           <a:p>
-            <a:endParaRPr lang="en-US" dirty="0"/>
-          </a:p>
-        </p:txBody>
-      </p:sp>
-      <p:pic>
-        <p:nvPicPr>
-          <p:cNvPr id="1026" name="Picture 2">
-            <a:extLst>
-              <a:ext uri="{FF2B5EF4-FFF2-40B4-BE49-F238E27FC236}">
-                <a16:creationId xmlns:a16="http://schemas.microsoft.com/office/drawing/2014/main" id="{80C8AFBE-4906-4889-A0CF-79DD8A95BE9B}"/>
-              </a:ext>
-            </a:extLst>
-          </p:cNvPr>
-          <p:cNvPicPr>
-            <a:picLocks noChangeAspect="1" noChangeArrowheads="1"/>
-          </p:cNvPicPr>
-          <p:nvPr/>
-        </p:nvPicPr>
-        <p:blipFill rotWithShape="1">
-          <a:blip r:embed="rId2" cstate="print">
-            <a:extLst>
-              <a:ext uri="{28A0092B-C50C-407E-A947-70E740481C1C}">
-                <a14:useLocalDpi xmlns:a14="http://schemas.microsoft.com/office/drawing/2010/main" val="0"/>
-              </a:ext>
-            </a:extLst>
-          </a:blip>
-          <a:srcRect/>
-          <a:stretch/>
-        </p:blipFill>
-        <p:spPr bwMode="auto">
-          <a:xfrm>
-            <a:off x="0" y="996201"/>
-            <a:ext cx="6096000" cy="5043063"/>
-          </a:xfrm>
-          <a:prstGeom prst="rect">
-            <a:avLst/>
-          </a:prstGeom>
-          <a:noFill/>
-          <a:extLst>
-            <a:ext uri="{909E8E84-426E-40DD-AFC4-6F175D3DCCD1}">
-              <a14:hiddenFill xmlns:a14="http://schemas.microsoft.com/office/drawing/2010/main">
-                <a:solidFill>
-                  <a:srgbClr val="FFFFFF"/>
-                </a:solidFill>
-              </a14:hiddenFill>
-            </a:ext>
-          </a:extLst>
-        </p:spPr>
-      </p:pic>
-      <p:pic>
-        <p:nvPicPr>
-          <p:cNvPr id="1028" name="Picture 4">
-            <a:extLst>
-              <a:ext uri="{FF2B5EF4-FFF2-40B4-BE49-F238E27FC236}">
-                <a16:creationId xmlns:a16="http://schemas.microsoft.com/office/drawing/2014/main" id="{C8629F70-8095-4E31-B431-BE68378844B8}"/>
-              </a:ext>
-            </a:extLst>
-          </p:cNvPr>
-          <p:cNvPicPr>
-            <a:picLocks noChangeAspect="1" noChangeArrowheads="1"/>
-          </p:cNvPicPr>
-          <p:nvPr/>
-        </p:nvPicPr>
-        <p:blipFill rotWithShape="1">
-          <a:blip r:embed="rId3" cstate="print">
-            <a:extLst>
-              <a:ext uri="{28A0092B-C50C-407E-A947-70E740481C1C}">
-                <a14:useLocalDpi xmlns:a14="http://schemas.microsoft.com/office/drawing/2010/main" val="0"/>
-              </a:ext>
-            </a:extLst>
-          </a:blip>
-          <a:srcRect/>
-          <a:stretch/>
-        </p:blipFill>
-        <p:spPr bwMode="auto">
-          <a:xfrm>
-            <a:off x="6096000" y="1423358"/>
-            <a:ext cx="5472319" cy="4789270"/>
-          </a:xfrm>
-          <a:prstGeom prst="rect">
-            <a:avLst/>
-          </a:prstGeom>
-          <a:noFill/>
-          <a:extLst>
-            <a:ext uri="{909E8E84-426E-40DD-AFC4-6F175D3DCCD1}">
-              <a14:hiddenFill xmlns:a14="http://schemas.microsoft.com/office/drawing/2010/main">
-                <a:solidFill>
-                  <a:srgbClr val="FFFFFF"/>
-                </a:solidFill>
-              </a14:hiddenFill>
-            </a:ext>
-          </a:extLst>
-        </p:spPr>
-      </p:pic>
-      <p:sp>
-        <p:nvSpPr>
-          <p:cNvPr id="4" name="Rectangle 3">
-            <a:extLst>
-              <a:ext uri="{FF2B5EF4-FFF2-40B4-BE49-F238E27FC236}">
-                <a16:creationId xmlns:a16="http://schemas.microsoft.com/office/drawing/2014/main" id="{FDDDE84F-F755-4BA2-B645-C3CA58DACC82}"/>
-              </a:ext>
-            </a:extLst>
-          </p:cNvPr>
-          <p:cNvSpPr/>
-          <p:nvPr/>
-        </p:nvSpPr>
-        <p:spPr>
-          <a:xfrm>
-            <a:off x="5881481" y="6099175"/>
-            <a:ext cx="5472319" cy="480403"/>
-          </a:xfrm>
-          <a:prstGeom prst="rect">
-            <a:avLst/>
-          </a:prstGeom>
-        </p:spPr>
-        <p:style>
-          <a:lnRef idx="2">
-            <a:schemeClr val="dk1"/>
-          </a:lnRef>
-          <a:fillRef idx="1">
-            <a:schemeClr val="lt1"/>
-          </a:fillRef>
-          <a:effectRef idx="0">
-            <a:schemeClr val="dk1"/>
-          </a:effectRef>
-          <a:fontRef idx="minor">
-            <a:schemeClr val="dk1"/>
-          </a:fontRef>
-        </p:style>
-        <p:txBody>
-          <a:bodyPr rtlCol="0" anchor="ctr"/>
-          <a:lstStyle/>
-          <a:p>
-            <a:pPr algn="ctr"/>
-            <a:r>
-              <a:rPr lang="en-US" dirty="0">
-                <a:hlinkClick r:id="rId4"/>
-              </a:rPr>
-              <a:t>https://www.asimovinstitute.org/neural-network-zoo/</a:t>
-            </a:r>
-            <a:endParaRPr lang="en-US" dirty="0"/>
+            <a:endParaRPr lang="en-US"/>
           </a:p>
         </p:txBody>
       </p:sp>
     </p:spTree>
     <p:extLst>
       <p:ext uri="{BB962C8B-B14F-4D97-AF65-F5344CB8AC3E}">
-        <p14:creationId xmlns:p14="http://schemas.microsoft.com/office/powerpoint/2010/main" val="3286573006"/>
+        <p14:creationId xmlns:p14="http://schemas.microsoft.com/office/powerpoint/2010/main" val="2891380970"/>
       </p:ext>
     </p:extLst>
   </p:cSld>
@@ -4568,649 +3535,7 @@
 </p:sld>
 </file>
 
-<file path=ppt/slides/slide2.xml><?xml version="1.0" encoding="utf-8"?>
-<p:sld xmlns:a="http://schemas.openxmlformats.org/drawingml/2006/main" xmlns:r="http://schemas.openxmlformats.org/officeDocument/2006/relationships" xmlns:p="http://schemas.openxmlformats.org/presentationml/2006/main">
-  <p:cSld>
-    <p:spTree>
-      <p:nvGrpSpPr>
-        <p:cNvPr id="1" name=""/>
-        <p:cNvGrpSpPr/>
-        <p:nvPr/>
-      </p:nvGrpSpPr>
-      <p:grpSpPr>
-        <a:xfrm>
-          <a:off x="0" y="0"/>
-          <a:ext cx="0" cy="0"/>
-          <a:chOff x="0" y="0"/>
-          <a:chExt cx="0" cy="0"/>
-        </a:xfrm>
-      </p:grpSpPr>
-      <p:sp>
-        <p:nvSpPr>
-          <p:cNvPr id="4" name="Titre 3"/>
-          <p:cNvSpPr>
-            <a:spLocks noGrp="1"/>
-          </p:cNvSpPr>
-          <p:nvPr>
-            <p:ph type="title"/>
-          </p:nvPr>
-        </p:nvSpPr>
-        <p:spPr/>
-        <p:txBody>
-          <a:bodyPr/>
-          <a:lstStyle/>
-          <a:p>
-            <a:r>
-              <a:rPr lang="fr-FR" dirty="0" err="1"/>
-              <a:t>Outline</a:t>
-            </a:r>
-            <a:endParaRPr lang="fr-FR" dirty="0"/>
-          </a:p>
-        </p:txBody>
-      </p:sp>
-      <p:sp>
-        <p:nvSpPr>
-          <p:cNvPr id="5" name="Espace réservé du texte 4"/>
-          <p:cNvSpPr>
-            <a:spLocks noGrp="1"/>
-          </p:cNvSpPr>
-          <p:nvPr>
-            <p:ph type="body" sz="quarter" idx="10"/>
-          </p:nvPr>
-        </p:nvSpPr>
-        <p:spPr/>
-        <p:txBody>
-          <a:bodyPr/>
-          <a:lstStyle/>
-          <a:p>
-            <a:r>
-              <a:rPr lang="it-IT" dirty="0"/>
-              <a:t>Monitor performance on validation</a:t>
-            </a:r>
-          </a:p>
-          <a:p>
-            <a:r>
-              <a:rPr lang="it-IT" dirty="0"/>
-              <a:t>(Really) Stochastic Gradient Descent</a:t>
-            </a:r>
-          </a:p>
-          <a:p>
-            <a:r>
-              <a:rPr lang="it-IT" dirty="0"/>
-              <a:t>Save training checkpoints</a:t>
-            </a:r>
-          </a:p>
-          <a:p>
-            <a:r>
-              <a:rPr lang="it-IT" dirty="0"/>
-              <a:t>tensorboard</a:t>
-            </a:r>
-            <a:endParaRPr lang="fr-FR" dirty="0"/>
-          </a:p>
-        </p:txBody>
-      </p:sp>
-    </p:spTree>
-    <p:extLst>
-      <p:ext uri="{BB962C8B-B14F-4D97-AF65-F5344CB8AC3E}">
-        <p14:creationId xmlns:p14="http://schemas.microsoft.com/office/powerpoint/2010/main" val="454349701"/>
-      </p:ext>
-    </p:extLst>
-  </p:cSld>
-  <p:clrMapOvr>
-    <a:masterClrMapping/>
-  </p:clrMapOvr>
-</p:sld>
-</file>
-
-<file path=ppt/slides/slide20.xml><?xml version="1.0" encoding="utf-8"?>
-<p:sld xmlns:a="http://schemas.openxmlformats.org/drawingml/2006/main" xmlns:r="http://schemas.openxmlformats.org/officeDocument/2006/relationships" xmlns:p="http://schemas.openxmlformats.org/presentationml/2006/main">
-  <p:cSld>
-    <p:spTree>
-      <p:nvGrpSpPr>
-        <p:cNvPr id="1" name=""/>
-        <p:cNvGrpSpPr/>
-        <p:nvPr/>
-      </p:nvGrpSpPr>
-      <p:grpSpPr>
-        <a:xfrm>
-          <a:off x="0" y="0"/>
-          <a:ext cx="0" cy="0"/>
-          <a:chOff x="0" y="0"/>
-          <a:chExt cx="0" cy="0"/>
-        </a:xfrm>
-      </p:grpSpPr>
-      <p:sp>
-        <p:nvSpPr>
-          <p:cNvPr id="2" name="Titre 1">
-            <a:extLst>
-              <a:ext uri="{FF2B5EF4-FFF2-40B4-BE49-F238E27FC236}">
-                <a16:creationId xmlns:a16="http://schemas.microsoft.com/office/drawing/2014/main" id="{BA67B2FE-95FF-4919-841B-B4EC1E6CFE41}"/>
-              </a:ext>
-            </a:extLst>
-          </p:cNvPr>
-          <p:cNvSpPr>
-            <a:spLocks noGrp="1"/>
-          </p:cNvSpPr>
-          <p:nvPr>
-            <p:ph type="title"/>
-          </p:nvPr>
-        </p:nvSpPr>
-        <p:spPr/>
-        <p:txBody>
-          <a:bodyPr>
-            <a:normAutofit fontScale="90000"/>
-          </a:bodyPr>
-          <a:lstStyle/>
-          <a:p>
-            <a:r>
-              <a:rPr lang="en-US" dirty="0"/>
-              <a:t>Pseudo-random number generation in </a:t>
-            </a:r>
-            <a:r>
-              <a:rPr lang="en-US" dirty="0" err="1"/>
-              <a:t>pytorch</a:t>
-            </a:r>
-            <a:endParaRPr lang="en-US" dirty="0"/>
-          </a:p>
-        </p:txBody>
-      </p:sp>
-      <p:sp>
-        <p:nvSpPr>
-          <p:cNvPr id="3" name="Espace réservé du texte 2">
-            <a:extLst>
-              <a:ext uri="{FF2B5EF4-FFF2-40B4-BE49-F238E27FC236}">
-                <a16:creationId xmlns:a16="http://schemas.microsoft.com/office/drawing/2014/main" id="{B9205BCD-2FEE-456E-93BC-62FA819BCB9B}"/>
-              </a:ext>
-            </a:extLst>
-          </p:cNvPr>
-          <p:cNvSpPr>
-            <a:spLocks noGrp="1"/>
-          </p:cNvSpPr>
-          <p:nvPr>
-            <p:ph type="body" sz="quarter" idx="10"/>
-          </p:nvPr>
-        </p:nvSpPr>
-        <p:spPr/>
-        <p:txBody>
-          <a:bodyPr/>
-          <a:lstStyle/>
-          <a:p>
-            <a:r>
-              <a:rPr lang="en-US" dirty="0"/>
-              <a:t>Unfortunately, it’s not easy</a:t>
-            </a:r>
-          </a:p>
-          <a:p>
-            <a:r>
-              <a:rPr lang="en-US" dirty="0"/>
-              <a:t>Computing on GPUs makes consistent PRNG difficult</a:t>
-            </a:r>
-          </a:p>
-          <a:p>
-            <a:r>
-              <a:rPr lang="en-US" dirty="0"/>
-              <a:t>Libraries optimized for </a:t>
-            </a:r>
-            <a:r>
-              <a:rPr lang="en-US" i="1" dirty="0"/>
-              <a:t>speed</a:t>
-            </a:r>
-            <a:r>
-              <a:rPr lang="en-US" dirty="0"/>
-              <a:t>, not consistent behavior</a:t>
-            </a:r>
-          </a:p>
-          <a:p>
-            <a:endParaRPr lang="en-US" dirty="0"/>
-          </a:p>
-          <a:p>
-            <a:r>
-              <a:rPr lang="en-US" dirty="0"/>
-              <a:t>Still, a few good practices:</a:t>
-            </a:r>
-          </a:p>
-          <a:p>
-            <a:pPr marL="0" indent="0">
-              <a:buNone/>
-            </a:pPr>
-            <a:r>
-              <a:rPr lang="en-US" dirty="0">
-                <a:hlinkClick r:id="rId2"/>
-              </a:rPr>
-              <a:t>https://pytorch.org/docs/stable/notes/randomness.html</a:t>
-            </a:r>
-            <a:endParaRPr lang="en-US" dirty="0"/>
-          </a:p>
-        </p:txBody>
-      </p:sp>
-    </p:spTree>
-    <p:extLst>
-      <p:ext uri="{BB962C8B-B14F-4D97-AF65-F5344CB8AC3E}">
-        <p14:creationId xmlns:p14="http://schemas.microsoft.com/office/powerpoint/2010/main" val="2285821162"/>
-      </p:ext>
-    </p:extLst>
-  </p:cSld>
-  <p:clrMapOvr>
-    <a:masterClrMapping/>
-  </p:clrMapOvr>
-</p:sld>
-</file>
-
-<file path=ppt/slides/slide21.xml><?xml version="1.0" encoding="utf-8"?>
-<p:sld xmlns:a="http://schemas.openxmlformats.org/drawingml/2006/main" xmlns:r="http://schemas.openxmlformats.org/officeDocument/2006/relationships" xmlns:p="http://schemas.openxmlformats.org/presentationml/2006/main">
-  <p:cSld>
-    <p:spTree>
-      <p:nvGrpSpPr>
-        <p:cNvPr id="1" name=""/>
-        <p:cNvGrpSpPr/>
-        <p:nvPr/>
-      </p:nvGrpSpPr>
-      <p:grpSpPr>
-        <a:xfrm>
-          <a:off x="0" y="0"/>
-          <a:ext cx="0" cy="0"/>
-          <a:chOff x="0" y="0"/>
-          <a:chExt cx="0" cy="0"/>
-        </a:xfrm>
-      </p:grpSpPr>
-      <p:sp>
-        <p:nvSpPr>
-          <p:cNvPr id="2" name="Titre 1">
-            <a:extLst>
-              <a:ext uri="{FF2B5EF4-FFF2-40B4-BE49-F238E27FC236}">
-                <a16:creationId xmlns:a16="http://schemas.microsoft.com/office/drawing/2014/main" id="{E56F1EB6-DAD9-457F-9439-B1EFD21942EF}"/>
-              </a:ext>
-            </a:extLst>
-          </p:cNvPr>
-          <p:cNvSpPr>
-            <a:spLocks noGrp="1"/>
-          </p:cNvSpPr>
-          <p:nvPr>
-            <p:ph type="title"/>
-          </p:nvPr>
-        </p:nvSpPr>
-        <p:spPr/>
-        <p:txBody>
-          <a:bodyPr/>
-          <a:lstStyle/>
-          <a:p>
-            <a:r>
-              <a:rPr lang="en-US" dirty="0" err="1"/>
-              <a:t>pytorch</a:t>
-            </a:r>
-            <a:r>
-              <a:rPr lang="en-US" dirty="0"/>
-              <a:t> FAQ</a:t>
-            </a:r>
-          </a:p>
-        </p:txBody>
-      </p:sp>
-      <p:sp>
-        <p:nvSpPr>
-          <p:cNvPr id="3" name="Espace réservé du texte 2">
-            <a:extLst>
-              <a:ext uri="{FF2B5EF4-FFF2-40B4-BE49-F238E27FC236}">
-                <a16:creationId xmlns:a16="http://schemas.microsoft.com/office/drawing/2014/main" id="{57CEC01E-0BD0-4703-9F2F-562C1722F7B9}"/>
-              </a:ext>
-            </a:extLst>
-          </p:cNvPr>
-          <p:cNvSpPr>
-            <a:spLocks noGrp="1"/>
-          </p:cNvSpPr>
-          <p:nvPr>
-            <p:ph type="body" sz="quarter" idx="10"/>
-          </p:nvPr>
-        </p:nvSpPr>
-        <p:spPr/>
-        <p:txBody>
-          <a:bodyPr/>
-          <a:lstStyle/>
-          <a:p>
-            <a:r>
-              <a:rPr lang="en-US" dirty="0"/>
-              <a:t>Excellent resource for most common issues</a:t>
-            </a:r>
-          </a:p>
-          <a:p>
-            <a:pPr marL="0" indent="0">
-              <a:buNone/>
-            </a:pPr>
-            <a:r>
-              <a:rPr lang="en-US" dirty="0">
-                <a:hlinkClick r:id="rId2"/>
-              </a:rPr>
-              <a:t>https://pytorch.org/docs/stable/notes/faq.html</a:t>
-            </a:r>
-            <a:endParaRPr lang="en-US" dirty="0"/>
-          </a:p>
-          <a:p>
-            <a:pPr marL="0" indent="0">
-              <a:buNone/>
-            </a:pPr>
-            <a:endParaRPr lang="en-US" dirty="0"/>
-          </a:p>
-        </p:txBody>
-      </p:sp>
-    </p:spTree>
-    <p:extLst>
-      <p:ext uri="{BB962C8B-B14F-4D97-AF65-F5344CB8AC3E}">
-        <p14:creationId xmlns:p14="http://schemas.microsoft.com/office/powerpoint/2010/main" val="451053246"/>
-      </p:ext>
-    </p:extLst>
-  </p:cSld>
-  <p:clrMapOvr>
-    <a:masterClrMapping/>
-  </p:clrMapOvr>
-</p:sld>
-</file>
-
-<file path=ppt/slides/slide3.xml><?xml version="1.0" encoding="utf-8"?>
-<p:sld xmlns:a="http://schemas.openxmlformats.org/drawingml/2006/main" xmlns:r="http://schemas.openxmlformats.org/officeDocument/2006/relationships" xmlns:p="http://schemas.openxmlformats.org/presentationml/2006/main">
-  <p:cSld>
-    <p:spTree>
-      <p:nvGrpSpPr>
-        <p:cNvPr id="1" name=""/>
-        <p:cNvGrpSpPr/>
-        <p:nvPr/>
-      </p:nvGrpSpPr>
-      <p:grpSpPr>
-        <a:xfrm>
-          <a:off x="0" y="0"/>
-          <a:ext cx="0" cy="0"/>
-          <a:chOff x="0" y="0"/>
-          <a:chExt cx="0" cy="0"/>
-        </a:xfrm>
-      </p:grpSpPr>
-      <p:sp>
-        <p:nvSpPr>
-          <p:cNvPr id="2" name="Titre 1">
-            <a:extLst>
-              <a:ext uri="{FF2B5EF4-FFF2-40B4-BE49-F238E27FC236}">
-                <a16:creationId xmlns:a16="http://schemas.microsoft.com/office/drawing/2014/main" id="{4813324F-68C0-45A4-900E-F031DCD8BED3}"/>
-              </a:ext>
-            </a:extLst>
-          </p:cNvPr>
-          <p:cNvSpPr>
-            <a:spLocks noGrp="1"/>
-          </p:cNvSpPr>
-          <p:nvPr>
-            <p:ph type="title"/>
-          </p:nvPr>
-        </p:nvSpPr>
-        <p:spPr/>
-        <p:txBody>
-          <a:bodyPr/>
-          <a:lstStyle/>
-          <a:p>
-            <a:endParaRPr lang="en-US"/>
-          </a:p>
-        </p:txBody>
-      </p:sp>
-      <p:sp>
-        <p:nvSpPr>
-          <p:cNvPr id="3" name="Espace réservé du texte 2">
-            <a:extLst>
-              <a:ext uri="{FF2B5EF4-FFF2-40B4-BE49-F238E27FC236}">
-                <a16:creationId xmlns:a16="http://schemas.microsoft.com/office/drawing/2014/main" id="{8DB60D56-9073-4957-8709-091F289D8DD4}"/>
-              </a:ext>
-            </a:extLst>
-          </p:cNvPr>
-          <p:cNvSpPr>
-            <a:spLocks noGrp="1"/>
-          </p:cNvSpPr>
-          <p:nvPr>
-            <p:ph type="body" sz="quarter" idx="10"/>
-          </p:nvPr>
-        </p:nvSpPr>
-        <p:spPr/>
-        <p:txBody>
-          <a:bodyPr/>
-          <a:lstStyle/>
-          <a:p>
-            <a:endParaRPr lang="en-US"/>
-          </a:p>
-        </p:txBody>
-      </p:sp>
-    </p:spTree>
-    <p:extLst>
-      <p:ext uri="{BB962C8B-B14F-4D97-AF65-F5344CB8AC3E}">
-        <p14:creationId xmlns:p14="http://schemas.microsoft.com/office/powerpoint/2010/main" val="2216156184"/>
-      </p:ext>
-    </p:extLst>
-  </p:cSld>
-  <p:clrMapOvr>
-    <a:masterClrMapping/>
-  </p:clrMapOvr>
-</p:sld>
-</file>
-
-<file path=ppt/slides/slide4.xml><?xml version="1.0" encoding="utf-8"?>
-<p:sld xmlns:a="http://schemas.openxmlformats.org/drawingml/2006/main" xmlns:r="http://schemas.openxmlformats.org/officeDocument/2006/relationships" xmlns:p="http://schemas.openxmlformats.org/presentationml/2006/main">
-  <p:cSld>
-    <p:spTree>
-      <p:nvGrpSpPr>
-        <p:cNvPr id="1" name=""/>
-        <p:cNvGrpSpPr/>
-        <p:nvPr/>
-      </p:nvGrpSpPr>
-      <p:grpSpPr>
-        <a:xfrm>
-          <a:off x="0" y="0"/>
-          <a:ext cx="0" cy="0"/>
-          <a:chOff x="0" y="0"/>
-          <a:chExt cx="0" cy="0"/>
-        </a:xfrm>
-      </p:grpSpPr>
-      <p:sp>
-        <p:nvSpPr>
-          <p:cNvPr id="2" name="Titre 1">
-            <a:extLst>
-              <a:ext uri="{FF2B5EF4-FFF2-40B4-BE49-F238E27FC236}">
-                <a16:creationId xmlns:a16="http://schemas.microsoft.com/office/drawing/2014/main" id="{870BA421-A47D-4390-AE7D-8C8E05611386}"/>
-              </a:ext>
-            </a:extLst>
-          </p:cNvPr>
-          <p:cNvSpPr>
-            <a:spLocks noGrp="1"/>
-          </p:cNvSpPr>
-          <p:nvPr>
-            <p:ph type="title"/>
-          </p:nvPr>
-        </p:nvSpPr>
-        <p:spPr/>
-        <p:txBody>
-          <a:bodyPr/>
-          <a:lstStyle/>
-          <a:p>
-            <a:r>
-              <a:rPr lang="en-US" dirty="0"/>
-              <a:t>Neural networks vs Deep learning</a:t>
-            </a:r>
-          </a:p>
-        </p:txBody>
-      </p:sp>
-      <p:sp>
-        <p:nvSpPr>
-          <p:cNvPr id="3" name="Espace réservé du texte 2">
-            <a:extLst>
-              <a:ext uri="{FF2B5EF4-FFF2-40B4-BE49-F238E27FC236}">
-                <a16:creationId xmlns:a16="http://schemas.microsoft.com/office/drawing/2014/main" id="{5DE82577-6413-462A-8039-0AA88B95D48E}"/>
-              </a:ext>
-            </a:extLst>
-          </p:cNvPr>
-          <p:cNvSpPr>
-            <a:spLocks noGrp="1"/>
-          </p:cNvSpPr>
-          <p:nvPr>
-            <p:ph type="body" sz="quarter" idx="10"/>
-          </p:nvPr>
-        </p:nvSpPr>
-        <p:spPr/>
-        <p:txBody>
-          <a:bodyPr/>
-          <a:lstStyle/>
-          <a:p>
-            <a:r>
-              <a:rPr lang="en-US" dirty="0"/>
-              <a:t>What is the difference?</a:t>
-            </a:r>
-          </a:p>
-        </p:txBody>
-      </p:sp>
-    </p:spTree>
-    <p:extLst>
-      <p:ext uri="{BB962C8B-B14F-4D97-AF65-F5344CB8AC3E}">
-        <p14:creationId xmlns:p14="http://schemas.microsoft.com/office/powerpoint/2010/main" val="96439416"/>
-      </p:ext>
-    </p:extLst>
-  </p:cSld>
-  <p:clrMapOvr>
-    <a:masterClrMapping/>
-  </p:clrMapOvr>
-</p:sld>
-</file>
-
-<file path=ppt/slides/slide5.xml><?xml version="1.0" encoding="utf-8"?>
-<p:sld xmlns:a="http://schemas.openxmlformats.org/drawingml/2006/main" xmlns:r="http://schemas.openxmlformats.org/officeDocument/2006/relationships" xmlns:p="http://schemas.openxmlformats.org/presentationml/2006/main">
-  <p:cSld>
-    <p:spTree>
-      <p:nvGrpSpPr>
-        <p:cNvPr id="1" name=""/>
-        <p:cNvGrpSpPr/>
-        <p:nvPr/>
-      </p:nvGrpSpPr>
-      <p:grpSpPr>
-        <a:xfrm>
-          <a:off x="0" y="0"/>
-          <a:ext cx="0" cy="0"/>
-          <a:chOff x="0" y="0"/>
-          <a:chExt cx="0" cy="0"/>
-        </a:xfrm>
-      </p:grpSpPr>
-      <p:sp>
-        <p:nvSpPr>
-          <p:cNvPr id="2" name="Titre 1">
-            <a:extLst>
-              <a:ext uri="{FF2B5EF4-FFF2-40B4-BE49-F238E27FC236}">
-                <a16:creationId xmlns:a16="http://schemas.microsoft.com/office/drawing/2014/main" id="{A852002E-F6A8-404A-AB15-0A3F841F2321}"/>
-              </a:ext>
-            </a:extLst>
-          </p:cNvPr>
-          <p:cNvSpPr>
-            <a:spLocks noGrp="1"/>
-          </p:cNvSpPr>
-          <p:nvPr>
-            <p:ph type="title"/>
-          </p:nvPr>
-        </p:nvSpPr>
-        <p:spPr/>
-        <p:txBody>
-          <a:bodyPr/>
-          <a:lstStyle/>
-          <a:p>
-            <a:r>
-              <a:rPr lang="en-US" dirty="0"/>
-              <a:t>Neural networks vs Deep learning</a:t>
-            </a:r>
-          </a:p>
-        </p:txBody>
-      </p:sp>
-      <p:sp>
-        <p:nvSpPr>
-          <p:cNvPr id="3" name="Espace réservé du texte 2">
-            <a:extLst>
-              <a:ext uri="{FF2B5EF4-FFF2-40B4-BE49-F238E27FC236}">
-                <a16:creationId xmlns:a16="http://schemas.microsoft.com/office/drawing/2014/main" id="{9C943E4A-0036-4418-A6A6-339F75DDAD70}"/>
-              </a:ext>
-            </a:extLst>
-          </p:cNvPr>
-          <p:cNvSpPr>
-            <a:spLocks noGrp="1"/>
-          </p:cNvSpPr>
-          <p:nvPr>
-            <p:ph type="body" sz="quarter" idx="10"/>
-          </p:nvPr>
-        </p:nvSpPr>
-        <p:spPr/>
-        <p:txBody>
-          <a:bodyPr/>
-          <a:lstStyle/>
-          <a:p>
-            <a:r>
-              <a:rPr lang="en-US" dirty="0"/>
-              <a:t>(1) Considerable improvements over classic Neural Networks</a:t>
-            </a:r>
-          </a:p>
-          <a:p>
-            <a:pPr lvl="1"/>
-            <a:r>
-              <a:rPr lang="en-US" dirty="0"/>
-              <a:t>New (more effective!) algorithms to optimize parameters</a:t>
-            </a:r>
-          </a:p>
-          <a:p>
-            <a:pPr lvl="1"/>
-            <a:r>
-              <a:rPr lang="en-US" dirty="0"/>
-              <a:t>New architectures to deal with structured data</a:t>
-            </a:r>
-          </a:p>
-          <a:p>
-            <a:pPr lvl="1"/>
-            <a:r>
-              <a:rPr lang="en-US" dirty="0"/>
-              <a:t>Better software engineering</a:t>
-            </a:r>
-          </a:p>
-          <a:p>
-            <a:pPr lvl="1"/>
-            <a:r>
-              <a:rPr lang="en-US" dirty="0"/>
-              <a:t>More computing power available, better results</a:t>
-            </a:r>
-          </a:p>
-          <a:p>
-            <a:r>
-              <a:rPr lang="en-US" dirty="0"/>
-              <a:t>(2) Rebranding</a:t>
-            </a:r>
-          </a:p>
-          <a:p>
-            <a:pPr lvl="1"/>
-            <a:r>
-              <a:rPr lang="en-US" dirty="0"/>
-              <a:t>Interest for Neural Networks declined in the 1990s</a:t>
-            </a:r>
-          </a:p>
-          <a:p>
-            <a:pPr lvl="1"/>
-            <a:r>
-              <a:rPr lang="en-US" dirty="0"/>
-              <a:t>At the time, considered less effective than other methods</a:t>
-            </a:r>
-          </a:p>
-          <a:p>
-            <a:r>
-              <a:rPr lang="en-US" dirty="0"/>
-              <a:t>Any network with more than one hidden layer is “deep”</a:t>
-            </a:r>
-          </a:p>
-        </p:txBody>
-      </p:sp>
-    </p:spTree>
-    <p:extLst>
-      <p:ext uri="{BB962C8B-B14F-4D97-AF65-F5344CB8AC3E}">
-        <p14:creationId xmlns:p14="http://schemas.microsoft.com/office/powerpoint/2010/main" val="4093442296"/>
-      </p:ext>
-    </p:extLst>
-  </p:cSld>
-  <p:clrMapOvr>
-    <a:masterClrMapping/>
-  </p:clrMapOvr>
-</p:sld>
-</file>
-
-<file path=ppt/slides/slide6.xml><?xml version="1.0" encoding="utf-8"?>
+<file path=ppt/slides/slide16.xml><?xml version="1.0" encoding="utf-8"?>
 <p:sld xmlns:a="http://schemas.openxmlformats.org/drawingml/2006/main" xmlns:r="http://schemas.openxmlformats.org/officeDocument/2006/relationships" xmlns:p="http://schemas.openxmlformats.org/presentationml/2006/main">
   <p:cSld>
     <p:spTree>
@@ -5530,6 +3855,1363 @@
 </p:sld>
 </file>
 
+<file path=ppt/slides/slide17.xml><?xml version="1.0" encoding="utf-8"?>
+<p:sld xmlns:a="http://schemas.openxmlformats.org/drawingml/2006/main" xmlns:r="http://schemas.openxmlformats.org/officeDocument/2006/relationships" xmlns:p="http://schemas.openxmlformats.org/presentationml/2006/main">
+  <p:cSld>
+    <p:spTree>
+      <p:nvGrpSpPr>
+        <p:cNvPr id="1" name=""/>
+        <p:cNvGrpSpPr/>
+        <p:nvPr/>
+      </p:nvGrpSpPr>
+      <p:grpSpPr>
+        <a:xfrm>
+          <a:off x="0" y="0"/>
+          <a:ext cx="0" cy="0"/>
+          <a:chOff x="0" y="0"/>
+          <a:chExt cx="0" cy="0"/>
+        </a:xfrm>
+      </p:grpSpPr>
+      <p:sp>
+        <p:nvSpPr>
+          <p:cNvPr id="2" name="Titre 1">
+            <a:extLst>
+              <a:ext uri="{FF2B5EF4-FFF2-40B4-BE49-F238E27FC236}">
+                <a16:creationId xmlns:a16="http://schemas.microsoft.com/office/drawing/2014/main" id="{F7178487-21D2-4119-B6A2-CDA059BD5409}"/>
+              </a:ext>
+            </a:extLst>
+          </p:cNvPr>
+          <p:cNvSpPr>
+            <a:spLocks noGrp="1"/>
+          </p:cNvSpPr>
+          <p:nvPr>
+            <p:ph type="title"/>
+          </p:nvPr>
+        </p:nvSpPr>
+        <p:spPr/>
+        <p:txBody>
+          <a:bodyPr/>
+          <a:lstStyle/>
+          <a:p>
+            <a:r>
+              <a:rPr lang="en-US" dirty="0"/>
+              <a:t>Worst enemies of DL (in this class, at least)</a:t>
+            </a:r>
+          </a:p>
+        </p:txBody>
+      </p:sp>
+      <p:sp>
+        <p:nvSpPr>
+          <p:cNvPr id="3" name="Espace réservé du texte 2">
+            <a:extLst>
+              <a:ext uri="{FF2B5EF4-FFF2-40B4-BE49-F238E27FC236}">
+                <a16:creationId xmlns:a16="http://schemas.microsoft.com/office/drawing/2014/main" id="{CB3F25C9-C9B4-44C8-9A0E-1B9AA75395AE}"/>
+              </a:ext>
+            </a:extLst>
+          </p:cNvPr>
+          <p:cNvSpPr>
+            <a:spLocks noGrp="1"/>
+          </p:cNvSpPr>
+          <p:nvPr>
+            <p:ph type="body" sz="quarter" idx="10"/>
+          </p:nvPr>
+        </p:nvSpPr>
+        <p:spPr/>
+        <p:txBody>
+          <a:bodyPr/>
+          <a:lstStyle/>
+          <a:p>
+            <a:r>
+              <a:rPr lang="en-US" dirty="0"/>
+              <a:t>(Disk) Space</a:t>
+            </a:r>
+          </a:p>
+          <a:p>
+            <a:pPr lvl="1"/>
+            <a:r>
+              <a:rPr lang="en-US" dirty="0"/>
+              <a:t>Modern DL models contain </a:t>
+            </a:r>
+            <a:r>
+              <a:rPr lang="en-US" b="1" dirty="0"/>
+              <a:t>billions</a:t>
+            </a:r>
+            <a:r>
+              <a:rPr lang="en-US" dirty="0"/>
+              <a:t> (10</a:t>
+            </a:r>
+            <a:r>
+              <a:rPr lang="en-US" baseline="30000" dirty="0"/>
+              <a:t>9</a:t>
+            </a:r>
+            <a:r>
+              <a:rPr lang="en-US" dirty="0"/>
+              <a:t>) of parameters</a:t>
+            </a:r>
+          </a:p>
+          <a:p>
+            <a:pPr lvl="1"/>
+            <a:r>
+              <a:rPr lang="en-US" dirty="0"/>
+              <a:t>GPT-4 has ~220 billion parameters</a:t>
+            </a:r>
+          </a:p>
+          <a:p>
+            <a:pPr lvl="1"/>
+            <a:r>
+              <a:rPr lang="en-US" dirty="0"/>
+              <a:t>If a single parameter is a floating point represented on 32 bits…</a:t>
+            </a:r>
+          </a:p>
+          <a:p>
+            <a:pPr lvl="1"/>
+            <a:r>
+              <a:rPr lang="en-US" dirty="0"/>
+              <a:t>…that is 220 * 10</a:t>
+            </a:r>
+            <a:r>
+              <a:rPr lang="en-US" baseline="30000" dirty="0"/>
+              <a:t>9</a:t>
+            </a:r>
+            <a:r>
+              <a:rPr lang="en-US" dirty="0"/>
+              <a:t> * 32 / 8 = 880 Giga Bytes (!!!)</a:t>
+            </a:r>
+          </a:p>
+          <a:p>
+            <a:pPr lvl="1"/>
+            <a:r>
+              <a:rPr lang="en-US" dirty="0"/>
+              <a:t>They have to be stored on a hard drive and IN MEMORY!</a:t>
+            </a:r>
+          </a:p>
+          <a:p>
+            <a:pPr lvl="1"/>
+            <a:r>
+              <a:rPr lang="en-US" dirty="0"/>
+              <a:t>During training, you’ll need to also </a:t>
+            </a:r>
+            <a:r>
+              <a:rPr lang="en-US" u="sng" dirty="0"/>
+              <a:t>store the gradient</a:t>
+            </a:r>
+            <a:r>
+              <a:rPr lang="en-US" dirty="0"/>
+              <a:t> IN MEMORY!</a:t>
+            </a:r>
+          </a:p>
+          <a:p>
+            <a:pPr lvl="1"/>
+            <a:endParaRPr lang="en-US" dirty="0"/>
+          </a:p>
+        </p:txBody>
+      </p:sp>
+    </p:spTree>
+    <p:extLst>
+      <p:ext uri="{BB962C8B-B14F-4D97-AF65-F5344CB8AC3E}">
+        <p14:creationId xmlns:p14="http://schemas.microsoft.com/office/powerpoint/2010/main" val="2039122127"/>
+      </p:ext>
+    </p:extLst>
+  </p:cSld>
+  <p:clrMapOvr>
+    <a:masterClrMapping/>
+  </p:clrMapOvr>
+</p:sld>
+</file>
+
+<file path=ppt/slides/slide18.xml><?xml version="1.0" encoding="utf-8"?>
+<p:sld xmlns:a="http://schemas.openxmlformats.org/drawingml/2006/main" xmlns:r="http://schemas.openxmlformats.org/officeDocument/2006/relationships" xmlns:p="http://schemas.openxmlformats.org/presentationml/2006/main">
+  <p:cSld>
+    <p:spTree>
+      <p:nvGrpSpPr>
+        <p:cNvPr id="1" name=""/>
+        <p:cNvGrpSpPr/>
+        <p:nvPr/>
+      </p:nvGrpSpPr>
+      <p:grpSpPr>
+        <a:xfrm>
+          <a:off x="0" y="0"/>
+          <a:ext cx="0" cy="0"/>
+          <a:chOff x="0" y="0"/>
+          <a:chExt cx="0" cy="0"/>
+        </a:xfrm>
+      </p:grpSpPr>
+      <p:sp>
+        <p:nvSpPr>
+          <p:cNvPr id="2" name="Titre 1">
+            <a:extLst>
+              <a:ext uri="{FF2B5EF4-FFF2-40B4-BE49-F238E27FC236}">
+                <a16:creationId xmlns:a16="http://schemas.microsoft.com/office/drawing/2014/main" id="{6ECBC317-2889-4ADC-9D07-47EE7E39E603}"/>
+              </a:ext>
+            </a:extLst>
+          </p:cNvPr>
+          <p:cNvSpPr>
+            <a:spLocks noGrp="1"/>
+          </p:cNvSpPr>
+          <p:nvPr>
+            <p:ph type="title"/>
+          </p:nvPr>
+        </p:nvSpPr>
+        <p:spPr/>
+        <p:txBody>
+          <a:bodyPr/>
+          <a:lstStyle/>
+          <a:p>
+            <a:r>
+              <a:rPr lang="en-US" dirty="0"/>
+              <a:t>Worst enemies of DL (in this class, at least)</a:t>
+            </a:r>
+          </a:p>
+        </p:txBody>
+      </p:sp>
+      <p:sp>
+        <p:nvSpPr>
+          <p:cNvPr id="3" name="Espace réservé du texte 2">
+            <a:extLst>
+              <a:ext uri="{FF2B5EF4-FFF2-40B4-BE49-F238E27FC236}">
+                <a16:creationId xmlns:a16="http://schemas.microsoft.com/office/drawing/2014/main" id="{5C016B1E-4FBB-41EE-9A71-17A49DA367AF}"/>
+              </a:ext>
+            </a:extLst>
+          </p:cNvPr>
+          <p:cNvSpPr>
+            <a:spLocks noGrp="1"/>
+          </p:cNvSpPr>
+          <p:nvPr>
+            <p:ph type="body" sz="quarter" idx="10"/>
+          </p:nvPr>
+        </p:nvSpPr>
+        <p:spPr/>
+        <p:txBody>
+          <a:bodyPr/>
+          <a:lstStyle/>
+          <a:p>
+            <a:r>
+              <a:rPr lang="en-US" dirty="0"/>
+              <a:t>(Training) Time</a:t>
+            </a:r>
+          </a:p>
+          <a:p>
+            <a:pPr lvl="1"/>
+            <a:r>
+              <a:rPr lang="en-US" dirty="0"/>
+              <a:t>Training iterations take a lot of time</a:t>
+            </a:r>
+          </a:p>
+          <a:p>
+            <a:pPr lvl="1"/>
+            <a:endParaRPr lang="en-US" dirty="0"/>
+          </a:p>
+          <a:p>
+            <a:pPr lvl="1"/>
+            <a:endParaRPr lang="en-US" dirty="0"/>
+          </a:p>
+        </p:txBody>
+      </p:sp>
+    </p:spTree>
+    <p:extLst>
+      <p:ext uri="{BB962C8B-B14F-4D97-AF65-F5344CB8AC3E}">
+        <p14:creationId xmlns:p14="http://schemas.microsoft.com/office/powerpoint/2010/main" val="624002364"/>
+      </p:ext>
+    </p:extLst>
+  </p:cSld>
+  <p:clrMapOvr>
+    <a:masterClrMapping/>
+  </p:clrMapOvr>
+</p:sld>
+</file>
+
+<file path=ppt/slides/slide19.xml><?xml version="1.0" encoding="utf-8"?>
+<p:sld xmlns:a="http://schemas.openxmlformats.org/drawingml/2006/main" xmlns:r="http://schemas.openxmlformats.org/officeDocument/2006/relationships" xmlns:p="http://schemas.openxmlformats.org/presentationml/2006/main">
+  <p:cSld>
+    <p:spTree>
+      <p:nvGrpSpPr>
+        <p:cNvPr id="1" name=""/>
+        <p:cNvGrpSpPr/>
+        <p:nvPr/>
+      </p:nvGrpSpPr>
+      <p:grpSpPr>
+        <a:xfrm>
+          <a:off x="0" y="0"/>
+          <a:ext cx="0" cy="0"/>
+          <a:chOff x="0" y="0"/>
+          <a:chExt cx="0" cy="0"/>
+        </a:xfrm>
+      </p:grpSpPr>
+      <p:sp>
+        <p:nvSpPr>
+          <p:cNvPr id="2" name="Titre 1">
+            <a:extLst>
+              <a:ext uri="{FF2B5EF4-FFF2-40B4-BE49-F238E27FC236}">
+                <a16:creationId xmlns:a16="http://schemas.microsoft.com/office/drawing/2014/main" id="{6426C41E-F5B5-46E1-9300-CDF4D0CDB48C}"/>
+              </a:ext>
+            </a:extLst>
+          </p:cNvPr>
+          <p:cNvSpPr>
+            <a:spLocks noGrp="1"/>
+          </p:cNvSpPr>
+          <p:nvPr>
+            <p:ph type="title"/>
+          </p:nvPr>
+        </p:nvSpPr>
+        <p:spPr/>
+        <p:txBody>
+          <a:bodyPr/>
+          <a:lstStyle/>
+          <a:p>
+            <a:r>
+              <a:rPr lang="en-US" dirty="0"/>
+              <a:t>Practical issues with neural networks</a:t>
+            </a:r>
+          </a:p>
+        </p:txBody>
+      </p:sp>
+      <p:sp>
+        <p:nvSpPr>
+          <p:cNvPr id="3" name="Espace réservé du texte 2">
+            <a:extLst>
+              <a:ext uri="{FF2B5EF4-FFF2-40B4-BE49-F238E27FC236}">
+                <a16:creationId xmlns:a16="http://schemas.microsoft.com/office/drawing/2014/main" id="{18C8B6D5-CEBE-4093-B9A8-58ADC56A9201}"/>
+              </a:ext>
+            </a:extLst>
+          </p:cNvPr>
+          <p:cNvSpPr>
+            <a:spLocks noGrp="1"/>
+          </p:cNvSpPr>
+          <p:nvPr>
+            <p:ph type="body" sz="quarter" idx="10"/>
+          </p:nvPr>
+        </p:nvSpPr>
+        <p:spPr/>
+        <p:txBody>
+          <a:bodyPr/>
+          <a:lstStyle/>
+          <a:p>
+            <a:r>
+              <a:rPr lang="en-US" dirty="0"/>
+              <a:t>Size of parameters (</a:t>
+            </a:r>
+            <a:r>
+              <a:rPr lang="en-US" dirty="0" err="1"/>
+              <a:t>downcasting</a:t>
+            </a:r>
+            <a:r>
+              <a:rPr lang="en-US" dirty="0"/>
+              <a:t>)</a:t>
+            </a:r>
+          </a:p>
+        </p:txBody>
+      </p:sp>
+    </p:spTree>
+    <p:extLst>
+      <p:ext uri="{BB962C8B-B14F-4D97-AF65-F5344CB8AC3E}">
+        <p14:creationId xmlns:p14="http://schemas.microsoft.com/office/powerpoint/2010/main" val="1196191067"/>
+      </p:ext>
+    </p:extLst>
+  </p:cSld>
+  <p:clrMapOvr>
+    <a:masterClrMapping/>
+  </p:clrMapOvr>
+</p:sld>
+</file>
+
+<file path=ppt/slides/slide2.xml><?xml version="1.0" encoding="utf-8"?>
+<p:sld xmlns:a="http://schemas.openxmlformats.org/drawingml/2006/main" xmlns:r="http://schemas.openxmlformats.org/officeDocument/2006/relationships" xmlns:p="http://schemas.openxmlformats.org/presentationml/2006/main">
+  <p:cSld>
+    <p:spTree>
+      <p:nvGrpSpPr>
+        <p:cNvPr id="1" name=""/>
+        <p:cNvGrpSpPr/>
+        <p:nvPr/>
+      </p:nvGrpSpPr>
+      <p:grpSpPr>
+        <a:xfrm>
+          <a:off x="0" y="0"/>
+          <a:ext cx="0" cy="0"/>
+          <a:chOff x="0" y="0"/>
+          <a:chExt cx="0" cy="0"/>
+        </a:xfrm>
+      </p:grpSpPr>
+      <p:sp>
+        <p:nvSpPr>
+          <p:cNvPr id="4" name="Titre 3"/>
+          <p:cNvSpPr>
+            <a:spLocks noGrp="1"/>
+          </p:cNvSpPr>
+          <p:nvPr>
+            <p:ph type="title"/>
+          </p:nvPr>
+        </p:nvSpPr>
+        <p:spPr/>
+        <p:txBody>
+          <a:bodyPr/>
+          <a:lstStyle/>
+          <a:p>
+            <a:r>
+              <a:rPr lang="fr-FR" dirty="0" err="1"/>
+              <a:t>Outline</a:t>
+            </a:r>
+            <a:endParaRPr lang="fr-FR" dirty="0"/>
+          </a:p>
+        </p:txBody>
+      </p:sp>
+      <p:sp>
+        <p:nvSpPr>
+          <p:cNvPr id="5" name="Espace réservé du texte 4"/>
+          <p:cNvSpPr>
+            <a:spLocks noGrp="1"/>
+          </p:cNvSpPr>
+          <p:nvPr>
+            <p:ph type="body" sz="quarter" idx="10"/>
+          </p:nvPr>
+        </p:nvSpPr>
+        <p:spPr/>
+        <p:txBody>
+          <a:bodyPr/>
+          <a:lstStyle/>
+          <a:p>
+            <a:r>
+              <a:rPr lang="it-IT" dirty="0"/>
+              <a:t>Neural Networks vs Deep Learning?</a:t>
+            </a:r>
+          </a:p>
+          <a:p>
+            <a:r>
+              <a:rPr lang="it-IT" dirty="0"/>
+              <a:t>Monitor performance on validation</a:t>
+            </a:r>
+          </a:p>
+          <a:p>
+            <a:r>
+              <a:rPr lang="it-IT" dirty="0"/>
+              <a:t>(Really) Stochastic Gradient Descent</a:t>
+            </a:r>
+          </a:p>
+          <a:p>
+            <a:r>
+              <a:rPr lang="it-IT" dirty="0"/>
+              <a:t>Save training checkpoints</a:t>
+            </a:r>
+          </a:p>
+          <a:p>
+            <a:r>
+              <a:rPr lang="it-IT" dirty="0"/>
+              <a:t>Tensorboard</a:t>
+            </a:r>
+          </a:p>
+          <a:p>
+            <a:r>
+              <a:rPr lang="it-IT" dirty="0"/>
+              <a:t>pytorch lightning</a:t>
+            </a:r>
+            <a:endParaRPr lang="fr-FR" dirty="0"/>
+          </a:p>
+        </p:txBody>
+      </p:sp>
+    </p:spTree>
+    <p:extLst>
+      <p:ext uri="{BB962C8B-B14F-4D97-AF65-F5344CB8AC3E}">
+        <p14:creationId xmlns:p14="http://schemas.microsoft.com/office/powerpoint/2010/main" val="454349701"/>
+      </p:ext>
+    </p:extLst>
+  </p:cSld>
+  <p:clrMapOvr>
+    <a:masterClrMapping/>
+  </p:clrMapOvr>
+</p:sld>
+</file>
+
+<file path=ppt/slides/slide20.xml><?xml version="1.0" encoding="utf-8"?>
+<p:sld xmlns:a="http://schemas.openxmlformats.org/drawingml/2006/main" xmlns:r="http://schemas.openxmlformats.org/officeDocument/2006/relationships" xmlns:p="http://schemas.openxmlformats.org/presentationml/2006/main">
+  <p:cSld>
+    <p:spTree>
+      <p:nvGrpSpPr>
+        <p:cNvPr id="1" name=""/>
+        <p:cNvGrpSpPr/>
+        <p:nvPr/>
+      </p:nvGrpSpPr>
+      <p:grpSpPr>
+        <a:xfrm>
+          <a:off x="0" y="0"/>
+          <a:ext cx="0" cy="0"/>
+          <a:chOff x="0" y="0"/>
+          <a:chExt cx="0" cy="0"/>
+        </a:xfrm>
+      </p:grpSpPr>
+      <p:sp>
+        <p:nvSpPr>
+          <p:cNvPr id="2" name="Titre 1">
+            <a:extLst>
+              <a:ext uri="{FF2B5EF4-FFF2-40B4-BE49-F238E27FC236}">
+                <a16:creationId xmlns:a16="http://schemas.microsoft.com/office/drawing/2014/main" id="{DE557231-BED8-4C0D-A1CE-832FAC500C52}"/>
+              </a:ext>
+            </a:extLst>
+          </p:cNvPr>
+          <p:cNvSpPr>
+            <a:spLocks noGrp="1"/>
+          </p:cNvSpPr>
+          <p:nvPr>
+            <p:ph type="title"/>
+          </p:nvPr>
+        </p:nvSpPr>
+        <p:spPr/>
+        <p:txBody>
+          <a:bodyPr/>
+          <a:lstStyle/>
+          <a:p>
+            <a:r>
+              <a:rPr lang="en-US" dirty="0"/>
+              <a:t>Multiple architectures!</a:t>
+            </a:r>
+          </a:p>
+        </p:txBody>
+      </p:sp>
+      <p:sp>
+        <p:nvSpPr>
+          <p:cNvPr id="3" name="Espace réservé du texte 2">
+            <a:extLst>
+              <a:ext uri="{FF2B5EF4-FFF2-40B4-BE49-F238E27FC236}">
+                <a16:creationId xmlns:a16="http://schemas.microsoft.com/office/drawing/2014/main" id="{030C26C1-12EE-4478-B0A9-C039178414C6}"/>
+              </a:ext>
+            </a:extLst>
+          </p:cNvPr>
+          <p:cNvSpPr>
+            <a:spLocks noGrp="1"/>
+          </p:cNvSpPr>
+          <p:nvPr>
+            <p:ph type="body" sz="quarter" idx="10"/>
+          </p:nvPr>
+        </p:nvSpPr>
+        <p:spPr/>
+        <p:txBody>
+          <a:bodyPr/>
+          <a:lstStyle/>
+          <a:p>
+            <a:endParaRPr lang="en-US" dirty="0"/>
+          </a:p>
+        </p:txBody>
+      </p:sp>
+      <p:pic>
+        <p:nvPicPr>
+          <p:cNvPr id="1026" name="Picture 2">
+            <a:extLst>
+              <a:ext uri="{FF2B5EF4-FFF2-40B4-BE49-F238E27FC236}">
+                <a16:creationId xmlns:a16="http://schemas.microsoft.com/office/drawing/2014/main" id="{80C8AFBE-4906-4889-A0CF-79DD8A95BE9B}"/>
+              </a:ext>
+            </a:extLst>
+          </p:cNvPr>
+          <p:cNvPicPr>
+            <a:picLocks noChangeAspect="1" noChangeArrowheads="1"/>
+          </p:cNvPicPr>
+          <p:nvPr/>
+        </p:nvPicPr>
+        <p:blipFill rotWithShape="1">
+          <a:blip r:embed="rId2" cstate="print">
+            <a:extLst>
+              <a:ext uri="{28A0092B-C50C-407E-A947-70E740481C1C}">
+                <a14:useLocalDpi xmlns:a14="http://schemas.microsoft.com/office/drawing/2010/main" val="0"/>
+              </a:ext>
+            </a:extLst>
+          </a:blip>
+          <a:srcRect/>
+          <a:stretch/>
+        </p:blipFill>
+        <p:spPr bwMode="auto">
+          <a:xfrm>
+            <a:off x="0" y="996201"/>
+            <a:ext cx="6096000" cy="5043063"/>
+          </a:xfrm>
+          <a:prstGeom prst="rect">
+            <a:avLst/>
+          </a:prstGeom>
+          <a:noFill/>
+          <a:extLst>
+            <a:ext uri="{909E8E84-426E-40DD-AFC4-6F175D3DCCD1}">
+              <a14:hiddenFill xmlns:a14="http://schemas.microsoft.com/office/drawing/2010/main">
+                <a:solidFill>
+                  <a:srgbClr val="FFFFFF"/>
+                </a:solidFill>
+              </a14:hiddenFill>
+            </a:ext>
+          </a:extLst>
+        </p:spPr>
+      </p:pic>
+      <p:pic>
+        <p:nvPicPr>
+          <p:cNvPr id="1028" name="Picture 4">
+            <a:extLst>
+              <a:ext uri="{FF2B5EF4-FFF2-40B4-BE49-F238E27FC236}">
+                <a16:creationId xmlns:a16="http://schemas.microsoft.com/office/drawing/2014/main" id="{C8629F70-8095-4E31-B431-BE68378844B8}"/>
+              </a:ext>
+            </a:extLst>
+          </p:cNvPr>
+          <p:cNvPicPr>
+            <a:picLocks noChangeAspect="1" noChangeArrowheads="1"/>
+          </p:cNvPicPr>
+          <p:nvPr/>
+        </p:nvPicPr>
+        <p:blipFill rotWithShape="1">
+          <a:blip r:embed="rId3" cstate="print">
+            <a:extLst>
+              <a:ext uri="{28A0092B-C50C-407E-A947-70E740481C1C}">
+                <a14:useLocalDpi xmlns:a14="http://schemas.microsoft.com/office/drawing/2010/main" val="0"/>
+              </a:ext>
+            </a:extLst>
+          </a:blip>
+          <a:srcRect/>
+          <a:stretch/>
+        </p:blipFill>
+        <p:spPr bwMode="auto">
+          <a:xfrm>
+            <a:off x="6096000" y="1423358"/>
+            <a:ext cx="5472319" cy="4789270"/>
+          </a:xfrm>
+          <a:prstGeom prst="rect">
+            <a:avLst/>
+          </a:prstGeom>
+          <a:noFill/>
+          <a:extLst>
+            <a:ext uri="{909E8E84-426E-40DD-AFC4-6F175D3DCCD1}">
+              <a14:hiddenFill xmlns:a14="http://schemas.microsoft.com/office/drawing/2010/main">
+                <a:solidFill>
+                  <a:srgbClr val="FFFFFF"/>
+                </a:solidFill>
+              </a14:hiddenFill>
+            </a:ext>
+          </a:extLst>
+        </p:spPr>
+      </p:pic>
+      <p:sp>
+        <p:nvSpPr>
+          <p:cNvPr id="4" name="Rectangle 3">
+            <a:extLst>
+              <a:ext uri="{FF2B5EF4-FFF2-40B4-BE49-F238E27FC236}">
+                <a16:creationId xmlns:a16="http://schemas.microsoft.com/office/drawing/2014/main" id="{FDDDE84F-F755-4BA2-B645-C3CA58DACC82}"/>
+              </a:ext>
+            </a:extLst>
+          </p:cNvPr>
+          <p:cNvSpPr/>
+          <p:nvPr/>
+        </p:nvSpPr>
+        <p:spPr>
+          <a:xfrm>
+            <a:off x="5881481" y="6099175"/>
+            <a:ext cx="5472319" cy="480403"/>
+          </a:xfrm>
+          <a:prstGeom prst="rect">
+            <a:avLst/>
+          </a:prstGeom>
+        </p:spPr>
+        <p:style>
+          <a:lnRef idx="2">
+            <a:schemeClr val="dk1"/>
+          </a:lnRef>
+          <a:fillRef idx="1">
+            <a:schemeClr val="lt1"/>
+          </a:fillRef>
+          <a:effectRef idx="0">
+            <a:schemeClr val="dk1"/>
+          </a:effectRef>
+          <a:fontRef idx="minor">
+            <a:schemeClr val="dk1"/>
+          </a:fontRef>
+        </p:style>
+        <p:txBody>
+          <a:bodyPr rtlCol="0" anchor="ctr"/>
+          <a:lstStyle/>
+          <a:p>
+            <a:pPr algn="ctr"/>
+            <a:r>
+              <a:rPr lang="en-US" dirty="0">
+                <a:hlinkClick r:id="rId4"/>
+              </a:rPr>
+              <a:t>https://www.asimovinstitute.org/neural-network-zoo/</a:t>
+            </a:r>
+            <a:endParaRPr lang="en-US" dirty="0"/>
+          </a:p>
+        </p:txBody>
+      </p:sp>
+    </p:spTree>
+    <p:extLst>
+      <p:ext uri="{BB962C8B-B14F-4D97-AF65-F5344CB8AC3E}">
+        <p14:creationId xmlns:p14="http://schemas.microsoft.com/office/powerpoint/2010/main" val="3286573006"/>
+      </p:ext>
+    </p:extLst>
+  </p:cSld>
+  <p:clrMapOvr>
+    <a:masterClrMapping/>
+  </p:clrMapOvr>
+</p:sld>
+</file>
+
+<file path=ppt/slides/slide21.xml><?xml version="1.0" encoding="utf-8"?>
+<p:sld xmlns:a="http://schemas.openxmlformats.org/drawingml/2006/main" xmlns:r="http://schemas.openxmlformats.org/officeDocument/2006/relationships" xmlns:p="http://schemas.openxmlformats.org/presentationml/2006/main">
+  <p:cSld>
+    <p:spTree>
+      <p:nvGrpSpPr>
+        <p:cNvPr id="1" name=""/>
+        <p:cNvGrpSpPr/>
+        <p:nvPr/>
+      </p:nvGrpSpPr>
+      <p:grpSpPr>
+        <a:xfrm>
+          <a:off x="0" y="0"/>
+          <a:ext cx="0" cy="0"/>
+          <a:chOff x="0" y="0"/>
+          <a:chExt cx="0" cy="0"/>
+        </a:xfrm>
+      </p:grpSpPr>
+      <p:sp>
+        <p:nvSpPr>
+          <p:cNvPr id="2" name="Titre 1">
+            <a:extLst>
+              <a:ext uri="{FF2B5EF4-FFF2-40B4-BE49-F238E27FC236}">
+                <a16:creationId xmlns:a16="http://schemas.microsoft.com/office/drawing/2014/main" id="{BA67B2FE-95FF-4919-841B-B4EC1E6CFE41}"/>
+              </a:ext>
+            </a:extLst>
+          </p:cNvPr>
+          <p:cNvSpPr>
+            <a:spLocks noGrp="1"/>
+          </p:cNvSpPr>
+          <p:nvPr>
+            <p:ph type="title"/>
+          </p:nvPr>
+        </p:nvSpPr>
+        <p:spPr/>
+        <p:txBody>
+          <a:bodyPr>
+            <a:normAutofit fontScale="90000"/>
+          </a:bodyPr>
+          <a:lstStyle/>
+          <a:p>
+            <a:r>
+              <a:rPr lang="en-US" dirty="0"/>
+              <a:t>Pseudo-random number generation in </a:t>
+            </a:r>
+            <a:r>
+              <a:rPr lang="en-US" dirty="0" err="1"/>
+              <a:t>pytorch</a:t>
+            </a:r>
+            <a:endParaRPr lang="en-US" dirty="0"/>
+          </a:p>
+        </p:txBody>
+      </p:sp>
+      <p:sp>
+        <p:nvSpPr>
+          <p:cNvPr id="3" name="Espace réservé du texte 2">
+            <a:extLst>
+              <a:ext uri="{FF2B5EF4-FFF2-40B4-BE49-F238E27FC236}">
+                <a16:creationId xmlns:a16="http://schemas.microsoft.com/office/drawing/2014/main" id="{B9205BCD-2FEE-456E-93BC-62FA819BCB9B}"/>
+              </a:ext>
+            </a:extLst>
+          </p:cNvPr>
+          <p:cNvSpPr>
+            <a:spLocks noGrp="1"/>
+          </p:cNvSpPr>
+          <p:nvPr>
+            <p:ph type="body" sz="quarter" idx="10"/>
+          </p:nvPr>
+        </p:nvSpPr>
+        <p:spPr/>
+        <p:txBody>
+          <a:bodyPr/>
+          <a:lstStyle/>
+          <a:p>
+            <a:r>
+              <a:rPr lang="en-US" dirty="0"/>
+              <a:t>Unfortunately, it’s not easy</a:t>
+            </a:r>
+          </a:p>
+          <a:p>
+            <a:r>
+              <a:rPr lang="en-US" dirty="0"/>
+              <a:t>Computing on GPUs makes consistent PRNG difficult</a:t>
+            </a:r>
+          </a:p>
+          <a:p>
+            <a:r>
+              <a:rPr lang="en-US" dirty="0"/>
+              <a:t>Libraries optimized for </a:t>
+            </a:r>
+            <a:r>
+              <a:rPr lang="en-US" i="1" dirty="0"/>
+              <a:t>speed</a:t>
+            </a:r>
+            <a:r>
+              <a:rPr lang="en-US" dirty="0"/>
+              <a:t>, not consistent behavior</a:t>
+            </a:r>
+          </a:p>
+          <a:p>
+            <a:endParaRPr lang="en-US" dirty="0"/>
+          </a:p>
+          <a:p>
+            <a:r>
+              <a:rPr lang="en-US" dirty="0"/>
+              <a:t>Still, a few good practices:</a:t>
+            </a:r>
+          </a:p>
+          <a:p>
+            <a:pPr marL="0" indent="0">
+              <a:buNone/>
+            </a:pPr>
+            <a:r>
+              <a:rPr lang="en-US" dirty="0">
+                <a:hlinkClick r:id="rId2"/>
+              </a:rPr>
+              <a:t>https://pytorch.org/docs/stable/notes/randomness.html</a:t>
+            </a:r>
+            <a:endParaRPr lang="en-US" dirty="0"/>
+          </a:p>
+        </p:txBody>
+      </p:sp>
+    </p:spTree>
+    <p:extLst>
+      <p:ext uri="{BB962C8B-B14F-4D97-AF65-F5344CB8AC3E}">
+        <p14:creationId xmlns:p14="http://schemas.microsoft.com/office/powerpoint/2010/main" val="2285821162"/>
+      </p:ext>
+    </p:extLst>
+  </p:cSld>
+  <p:clrMapOvr>
+    <a:masterClrMapping/>
+  </p:clrMapOvr>
+</p:sld>
+</file>
+
+<file path=ppt/slides/slide22.xml><?xml version="1.0" encoding="utf-8"?>
+<p:sld xmlns:a="http://schemas.openxmlformats.org/drawingml/2006/main" xmlns:r="http://schemas.openxmlformats.org/officeDocument/2006/relationships" xmlns:p="http://schemas.openxmlformats.org/presentationml/2006/main">
+  <p:cSld>
+    <p:spTree>
+      <p:nvGrpSpPr>
+        <p:cNvPr id="1" name=""/>
+        <p:cNvGrpSpPr/>
+        <p:nvPr/>
+      </p:nvGrpSpPr>
+      <p:grpSpPr>
+        <a:xfrm>
+          <a:off x="0" y="0"/>
+          <a:ext cx="0" cy="0"/>
+          <a:chOff x="0" y="0"/>
+          <a:chExt cx="0" cy="0"/>
+        </a:xfrm>
+      </p:grpSpPr>
+      <p:sp>
+        <p:nvSpPr>
+          <p:cNvPr id="2" name="Titre 1">
+            <a:extLst>
+              <a:ext uri="{FF2B5EF4-FFF2-40B4-BE49-F238E27FC236}">
+                <a16:creationId xmlns:a16="http://schemas.microsoft.com/office/drawing/2014/main" id="{E56F1EB6-DAD9-457F-9439-B1EFD21942EF}"/>
+              </a:ext>
+            </a:extLst>
+          </p:cNvPr>
+          <p:cNvSpPr>
+            <a:spLocks noGrp="1"/>
+          </p:cNvSpPr>
+          <p:nvPr>
+            <p:ph type="title"/>
+          </p:nvPr>
+        </p:nvSpPr>
+        <p:spPr/>
+        <p:txBody>
+          <a:bodyPr/>
+          <a:lstStyle/>
+          <a:p>
+            <a:r>
+              <a:rPr lang="en-US" dirty="0" err="1"/>
+              <a:t>pytorch</a:t>
+            </a:r>
+            <a:r>
+              <a:rPr lang="en-US" dirty="0"/>
+              <a:t> FAQ</a:t>
+            </a:r>
+          </a:p>
+        </p:txBody>
+      </p:sp>
+      <p:sp>
+        <p:nvSpPr>
+          <p:cNvPr id="3" name="Espace réservé du texte 2">
+            <a:extLst>
+              <a:ext uri="{FF2B5EF4-FFF2-40B4-BE49-F238E27FC236}">
+                <a16:creationId xmlns:a16="http://schemas.microsoft.com/office/drawing/2014/main" id="{57CEC01E-0BD0-4703-9F2F-562C1722F7B9}"/>
+              </a:ext>
+            </a:extLst>
+          </p:cNvPr>
+          <p:cNvSpPr>
+            <a:spLocks noGrp="1"/>
+          </p:cNvSpPr>
+          <p:nvPr>
+            <p:ph type="body" sz="quarter" idx="10"/>
+          </p:nvPr>
+        </p:nvSpPr>
+        <p:spPr/>
+        <p:txBody>
+          <a:bodyPr/>
+          <a:lstStyle/>
+          <a:p>
+            <a:r>
+              <a:rPr lang="en-US" dirty="0"/>
+              <a:t>Excellent resource for most common issues</a:t>
+            </a:r>
+          </a:p>
+          <a:p>
+            <a:pPr marL="0" indent="0">
+              <a:buNone/>
+            </a:pPr>
+            <a:r>
+              <a:rPr lang="en-US" dirty="0">
+                <a:hlinkClick r:id="rId2"/>
+              </a:rPr>
+              <a:t>https://pytorch.org/docs/stable/notes/faq.html</a:t>
+            </a:r>
+            <a:endParaRPr lang="en-US" dirty="0"/>
+          </a:p>
+          <a:p>
+            <a:pPr marL="0" indent="0">
+              <a:buNone/>
+            </a:pPr>
+            <a:endParaRPr lang="en-US" dirty="0"/>
+          </a:p>
+        </p:txBody>
+      </p:sp>
+    </p:spTree>
+    <p:extLst>
+      <p:ext uri="{BB962C8B-B14F-4D97-AF65-F5344CB8AC3E}">
+        <p14:creationId xmlns:p14="http://schemas.microsoft.com/office/powerpoint/2010/main" val="451053246"/>
+      </p:ext>
+    </p:extLst>
+  </p:cSld>
+  <p:clrMapOvr>
+    <a:masterClrMapping/>
+  </p:clrMapOvr>
+</p:sld>
+</file>
+
+<file path=ppt/slides/slide3.xml><?xml version="1.0" encoding="utf-8"?>
+<p:sld xmlns:a="http://schemas.openxmlformats.org/drawingml/2006/main" xmlns:r="http://schemas.openxmlformats.org/officeDocument/2006/relationships" xmlns:p="http://schemas.openxmlformats.org/presentationml/2006/main">
+  <p:cSld>
+    <p:spTree>
+      <p:nvGrpSpPr>
+        <p:cNvPr id="1" name=""/>
+        <p:cNvGrpSpPr/>
+        <p:nvPr/>
+      </p:nvGrpSpPr>
+      <p:grpSpPr>
+        <a:xfrm>
+          <a:off x="0" y="0"/>
+          <a:ext cx="0" cy="0"/>
+          <a:chOff x="0" y="0"/>
+          <a:chExt cx="0" cy="0"/>
+        </a:xfrm>
+      </p:grpSpPr>
+      <p:sp>
+        <p:nvSpPr>
+          <p:cNvPr id="2" name="Titre 1">
+            <a:extLst>
+              <a:ext uri="{FF2B5EF4-FFF2-40B4-BE49-F238E27FC236}">
+                <a16:creationId xmlns:a16="http://schemas.microsoft.com/office/drawing/2014/main" id="{4813324F-68C0-45A4-900E-F031DCD8BED3}"/>
+              </a:ext>
+            </a:extLst>
+          </p:cNvPr>
+          <p:cNvSpPr>
+            <a:spLocks noGrp="1"/>
+          </p:cNvSpPr>
+          <p:nvPr>
+            <p:ph type="title"/>
+          </p:nvPr>
+        </p:nvSpPr>
+        <p:spPr/>
+        <p:txBody>
+          <a:bodyPr/>
+          <a:lstStyle/>
+          <a:p>
+            <a:r>
+              <a:rPr lang="en-US" dirty="0"/>
+              <a:t>Outline</a:t>
+            </a:r>
+          </a:p>
+        </p:txBody>
+      </p:sp>
+      <p:sp>
+        <p:nvSpPr>
+          <p:cNvPr id="3" name="Espace réservé du texte 2">
+            <a:extLst>
+              <a:ext uri="{FF2B5EF4-FFF2-40B4-BE49-F238E27FC236}">
+                <a16:creationId xmlns:a16="http://schemas.microsoft.com/office/drawing/2014/main" id="{8DB60D56-9073-4957-8709-091F289D8DD4}"/>
+              </a:ext>
+            </a:extLst>
+          </p:cNvPr>
+          <p:cNvSpPr>
+            <a:spLocks noGrp="1"/>
+          </p:cNvSpPr>
+          <p:nvPr>
+            <p:ph type="body" sz="quarter" idx="10"/>
+          </p:nvPr>
+        </p:nvSpPr>
+        <p:spPr/>
+        <p:txBody>
+          <a:bodyPr/>
+          <a:lstStyle/>
+          <a:p>
+            <a:endParaRPr lang="en-US"/>
+          </a:p>
+        </p:txBody>
+      </p:sp>
+    </p:spTree>
+    <p:extLst>
+      <p:ext uri="{BB962C8B-B14F-4D97-AF65-F5344CB8AC3E}">
+        <p14:creationId xmlns:p14="http://schemas.microsoft.com/office/powerpoint/2010/main" val="2216156184"/>
+      </p:ext>
+    </p:extLst>
+  </p:cSld>
+  <p:clrMapOvr>
+    <a:masterClrMapping/>
+  </p:clrMapOvr>
+</p:sld>
+</file>
+
+<file path=ppt/slides/slide4.xml><?xml version="1.0" encoding="utf-8"?>
+<p:sld xmlns:a="http://schemas.openxmlformats.org/drawingml/2006/main" xmlns:r="http://schemas.openxmlformats.org/officeDocument/2006/relationships" xmlns:p="http://schemas.openxmlformats.org/presentationml/2006/main">
+  <p:cSld>
+    <p:spTree>
+      <p:nvGrpSpPr>
+        <p:cNvPr id="1" name=""/>
+        <p:cNvGrpSpPr/>
+        <p:nvPr/>
+      </p:nvGrpSpPr>
+      <p:grpSpPr>
+        <a:xfrm>
+          <a:off x="0" y="0"/>
+          <a:ext cx="0" cy="0"/>
+          <a:chOff x="0" y="0"/>
+          <a:chExt cx="0" cy="0"/>
+        </a:xfrm>
+      </p:grpSpPr>
+      <p:sp>
+        <p:nvSpPr>
+          <p:cNvPr id="2" name="Titre 1">
+            <a:extLst>
+              <a:ext uri="{FF2B5EF4-FFF2-40B4-BE49-F238E27FC236}">
+                <a16:creationId xmlns:a16="http://schemas.microsoft.com/office/drawing/2014/main" id="{870BA421-A47D-4390-AE7D-8C8E05611386}"/>
+              </a:ext>
+            </a:extLst>
+          </p:cNvPr>
+          <p:cNvSpPr>
+            <a:spLocks noGrp="1"/>
+          </p:cNvSpPr>
+          <p:nvPr>
+            <p:ph type="title"/>
+          </p:nvPr>
+        </p:nvSpPr>
+        <p:spPr/>
+        <p:txBody>
+          <a:bodyPr/>
+          <a:lstStyle/>
+          <a:p>
+            <a:r>
+              <a:rPr lang="en-US" dirty="0"/>
+              <a:t>Neural Networks vs Deep Learning</a:t>
+            </a:r>
+          </a:p>
+        </p:txBody>
+      </p:sp>
+      <p:sp>
+        <p:nvSpPr>
+          <p:cNvPr id="3" name="Espace réservé du texte 2">
+            <a:extLst>
+              <a:ext uri="{FF2B5EF4-FFF2-40B4-BE49-F238E27FC236}">
+                <a16:creationId xmlns:a16="http://schemas.microsoft.com/office/drawing/2014/main" id="{5DE82577-6413-462A-8039-0AA88B95D48E}"/>
+              </a:ext>
+            </a:extLst>
+          </p:cNvPr>
+          <p:cNvSpPr>
+            <a:spLocks noGrp="1"/>
+          </p:cNvSpPr>
+          <p:nvPr>
+            <p:ph type="body" sz="quarter" idx="10"/>
+          </p:nvPr>
+        </p:nvSpPr>
+        <p:spPr/>
+        <p:txBody>
+          <a:bodyPr/>
+          <a:lstStyle/>
+          <a:p>
+            <a:r>
+              <a:rPr lang="en-US" dirty="0"/>
+              <a:t>What is the difference?</a:t>
+            </a:r>
+          </a:p>
+        </p:txBody>
+      </p:sp>
+    </p:spTree>
+    <p:extLst>
+      <p:ext uri="{BB962C8B-B14F-4D97-AF65-F5344CB8AC3E}">
+        <p14:creationId xmlns:p14="http://schemas.microsoft.com/office/powerpoint/2010/main" val="96439416"/>
+      </p:ext>
+    </p:extLst>
+  </p:cSld>
+  <p:clrMapOvr>
+    <a:masterClrMapping/>
+  </p:clrMapOvr>
+</p:sld>
+</file>
+
+<file path=ppt/slides/slide5.xml><?xml version="1.0" encoding="utf-8"?>
+<p:sld xmlns:a="http://schemas.openxmlformats.org/drawingml/2006/main" xmlns:r="http://schemas.openxmlformats.org/officeDocument/2006/relationships" xmlns:p="http://schemas.openxmlformats.org/presentationml/2006/main">
+  <p:cSld>
+    <p:spTree>
+      <p:nvGrpSpPr>
+        <p:cNvPr id="1" name=""/>
+        <p:cNvGrpSpPr/>
+        <p:nvPr/>
+      </p:nvGrpSpPr>
+      <p:grpSpPr>
+        <a:xfrm>
+          <a:off x="0" y="0"/>
+          <a:ext cx="0" cy="0"/>
+          <a:chOff x="0" y="0"/>
+          <a:chExt cx="0" cy="0"/>
+        </a:xfrm>
+      </p:grpSpPr>
+      <p:sp>
+        <p:nvSpPr>
+          <p:cNvPr id="2" name="Titre 1">
+            <a:extLst>
+              <a:ext uri="{FF2B5EF4-FFF2-40B4-BE49-F238E27FC236}">
+                <a16:creationId xmlns:a16="http://schemas.microsoft.com/office/drawing/2014/main" id="{A852002E-F6A8-404A-AB15-0A3F841F2321}"/>
+              </a:ext>
+            </a:extLst>
+          </p:cNvPr>
+          <p:cNvSpPr>
+            <a:spLocks noGrp="1"/>
+          </p:cNvSpPr>
+          <p:nvPr>
+            <p:ph type="title"/>
+          </p:nvPr>
+        </p:nvSpPr>
+        <p:spPr/>
+        <p:txBody>
+          <a:bodyPr/>
+          <a:lstStyle/>
+          <a:p>
+            <a:r>
+              <a:rPr lang="en-US" dirty="0"/>
+              <a:t>Neural Networks vs Deep Learning</a:t>
+            </a:r>
+          </a:p>
+        </p:txBody>
+      </p:sp>
+      <p:sp>
+        <p:nvSpPr>
+          <p:cNvPr id="3" name="Espace réservé du texte 2">
+            <a:extLst>
+              <a:ext uri="{FF2B5EF4-FFF2-40B4-BE49-F238E27FC236}">
+                <a16:creationId xmlns:a16="http://schemas.microsoft.com/office/drawing/2014/main" id="{9C943E4A-0036-4418-A6A6-339F75DDAD70}"/>
+              </a:ext>
+            </a:extLst>
+          </p:cNvPr>
+          <p:cNvSpPr>
+            <a:spLocks noGrp="1"/>
+          </p:cNvSpPr>
+          <p:nvPr>
+            <p:ph type="body" sz="quarter" idx="10"/>
+          </p:nvPr>
+        </p:nvSpPr>
+        <p:spPr/>
+        <p:txBody>
+          <a:bodyPr/>
+          <a:lstStyle/>
+          <a:p>
+            <a:r>
+              <a:rPr lang="en-US" dirty="0"/>
+              <a:t>(1) Considerable </a:t>
+            </a:r>
+            <a:r>
+              <a:rPr lang="en-US" b="1" dirty="0"/>
+              <a:t>improvements</a:t>
+            </a:r>
+            <a:r>
+              <a:rPr lang="en-US" dirty="0"/>
+              <a:t> over classic Neural Networks</a:t>
+            </a:r>
+          </a:p>
+          <a:p>
+            <a:pPr lvl="1"/>
+            <a:r>
+              <a:rPr lang="en-US" dirty="0"/>
+              <a:t>New (more effective!) </a:t>
+            </a:r>
+            <a:r>
+              <a:rPr lang="en-US" b="1" dirty="0"/>
+              <a:t>algorithms to optimize</a:t>
+            </a:r>
+            <a:r>
+              <a:rPr lang="en-US" dirty="0"/>
+              <a:t> parameters</a:t>
+            </a:r>
+          </a:p>
+          <a:p>
+            <a:pPr lvl="1"/>
+            <a:r>
+              <a:rPr lang="en-US" dirty="0"/>
+              <a:t>New architectures to deal with </a:t>
+            </a:r>
+            <a:r>
+              <a:rPr lang="en-US" b="1" dirty="0"/>
+              <a:t>structured data</a:t>
+            </a:r>
+          </a:p>
+          <a:p>
+            <a:pPr lvl="1"/>
+            <a:r>
+              <a:rPr lang="en-US" dirty="0"/>
+              <a:t>Better </a:t>
+            </a:r>
+            <a:r>
+              <a:rPr lang="en-US" b="1" dirty="0"/>
+              <a:t>software engineering</a:t>
+            </a:r>
+          </a:p>
+          <a:p>
+            <a:pPr lvl="1"/>
+            <a:r>
+              <a:rPr lang="en-US" dirty="0"/>
+              <a:t>More </a:t>
+            </a:r>
+            <a:r>
+              <a:rPr lang="en-US" b="1" dirty="0"/>
+              <a:t>computing power</a:t>
+            </a:r>
+            <a:r>
+              <a:rPr lang="en-US" dirty="0"/>
+              <a:t> available, better results</a:t>
+            </a:r>
+          </a:p>
+          <a:p>
+            <a:r>
+              <a:rPr lang="en-US" dirty="0"/>
+              <a:t>(2) Rebranding</a:t>
+            </a:r>
+          </a:p>
+          <a:p>
+            <a:pPr lvl="1"/>
+            <a:r>
+              <a:rPr lang="en-US" dirty="0"/>
+              <a:t>Interest for Neural Networks declined in the 1990s</a:t>
+            </a:r>
+          </a:p>
+          <a:p>
+            <a:pPr lvl="1"/>
+            <a:r>
+              <a:rPr lang="en-US" dirty="0"/>
+              <a:t>At the time, considered less effective than other methods</a:t>
+            </a:r>
+          </a:p>
+          <a:p>
+            <a:r>
+              <a:rPr lang="en-US" dirty="0"/>
+              <a:t>Any network with more than one hidden layer is “deep”</a:t>
+            </a:r>
+          </a:p>
+        </p:txBody>
+      </p:sp>
+    </p:spTree>
+    <p:extLst>
+      <p:ext uri="{BB962C8B-B14F-4D97-AF65-F5344CB8AC3E}">
+        <p14:creationId xmlns:p14="http://schemas.microsoft.com/office/powerpoint/2010/main" val="4093442296"/>
+      </p:ext>
+    </p:extLst>
+  </p:cSld>
+  <p:clrMapOvr>
+    <a:masterClrMapping/>
+  </p:clrMapOvr>
+</p:sld>
+</file>
+
+<file path=ppt/slides/slide6.xml><?xml version="1.0" encoding="utf-8"?>
+<p:sld xmlns:a="http://schemas.openxmlformats.org/drawingml/2006/main" xmlns:r="http://schemas.openxmlformats.org/officeDocument/2006/relationships" xmlns:p="http://schemas.openxmlformats.org/presentationml/2006/main">
+  <p:cSld>
+    <p:spTree>
+      <p:nvGrpSpPr>
+        <p:cNvPr id="1" name=""/>
+        <p:cNvGrpSpPr/>
+        <p:nvPr/>
+      </p:nvGrpSpPr>
+      <p:grpSpPr>
+        <a:xfrm>
+          <a:off x="0" y="0"/>
+          <a:ext cx="0" cy="0"/>
+          <a:chOff x="0" y="0"/>
+          <a:chExt cx="0" cy="0"/>
+        </a:xfrm>
+      </p:grpSpPr>
+      <p:sp>
+        <p:nvSpPr>
+          <p:cNvPr id="2" name="Titre 1">
+            <a:extLst>
+              <a:ext uri="{FF2B5EF4-FFF2-40B4-BE49-F238E27FC236}">
+                <a16:creationId xmlns:a16="http://schemas.microsoft.com/office/drawing/2014/main" id="{419778B1-F7A4-4B62-AC08-8BD2E73DB866}"/>
+              </a:ext>
+            </a:extLst>
+          </p:cNvPr>
+          <p:cNvSpPr>
+            <a:spLocks noGrp="1"/>
+          </p:cNvSpPr>
+          <p:nvPr>
+            <p:ph type="title"/>
+          </p:nvPr>
+        </p:nvSpPr>
+        <p:spPr/>
+        <p:txBody>
+          <a:bodyPr/>
+          <a:lstStyle/>
+          <a:p>
+            <a:r>
+              <a:rPr lang="en-US" dirty="0"/>
+              <a:t>Why are neural networks winning?</a:t>
+            </a:r>
+          </a:p>
+        </p:txBody>
+      </p:sp>
+      <p:sp>
+        <p:nvSpPr>
+          <p:cNvPr id="3" name="Espace réservé du texte 2">
+            <a:extLst>
+              <a:ext uri="{FF2B5EF4-FFF2-40B4-BE49-F238E27FC236}">
+                <a16:creationId xmlns:a16="http://schemas.microsoft.com/office/drawing/2014/main" id="{706C715F-29DF-4532-9EA2-EA702412B608}"/>
+              </a:ext>
+            </a:extLst>
+          </p:cNvPr>
+          <p:cNvSpPr>
+            <a:spLocks noGrp="1"/>
+          </p:cNvSpPr>
+          <p:nvPr>
+            <p:ph type="body" sz="quarter" idx="10"/>
+          </p:nvPr>
+        </p:nvSpPr>
+        <p:spPr/>
+        <p:txBody>
+          <a:bodyPr/>
+          <a:lstStyle/>
+          <a:p>
+            <a:r>
+              <a:rPr lang="en-US" dirty="0"/>
+              <a:t>Lots of competitors! Why is Deep Learning so dominant?</a:t>
+            </a:r>
+          </a:p>
+        </p:txBody>
+      </p:sp>
+    </p:spTree>
+    <p:extLst>
+      <p:ext uri="{BB962C8B-B14F-4D97-AF65-F5344CB8AC3E}">
+        <p14:creationId xmlns:p14="http://schemas.microsoft.com/office/powerpoint/2010/main" val="987275728"/>
+      </p:ext>
+    </p:extLst>
+  </p:cSld>
+  <p:clrMapOvr>
+    <a:masterClrMapping/>
+  </p:clrMapOvr>
+</p:sld>
+</file>
+
 <file path=ppt/slides/slide7.xml><?xml version="1.0" encoding="utf-8"?>
 <p:sld xmlns:a="http://schemas.openxmlformats.org/drawingml/2006/main" xmlns:r="http://schemas.openxmlformats.org/officeDocument/2006/relationships" xmlns:p="http://schemas.openxmlformats.org/presentationml/2006/main">
   <p:cSld>
@@ -5552,7 +5234,7 @@
           <p:cNvPr id="2" name="Titre 1">
             <a:extLst>
               <a:ext uri="{FF2B5EF4-FFF2-40B4-BE49-F238E27FC236}">
-                <a16:creationId xmlns:a16="http://schemas.microsoft.com/office/drawing/2014/main" id="{F7178487-21D2-4119-B6A2-CDA059BD5409}"/>
+                <a16:creationId xmlns:a16="http://schemas.microsoft.com/office/drawing/2014/main" id="{419778B1-F7A4-4B62-AC08-8BD2E73DB866}"/>
               </a:ext>
             </a:extLst>
           </p:cNvPr>
@@ -5570,7 +5252,7 @@
           <a:p>
             <a:r>
               <a:rPr lang="en-US" dirty="0"/>
-              <a:t>Worst enemies of DL (in this class, at least)</a:t>
+              <a:t>Why are neural networks winning?</a:t>
             </a:r>
           </a:p>
         </p:txBody>
@@ -5580,7 +5262,7 @@
           <p:cNvPr id="3" name="Espace réservé du texte 2">
             <a:extLst>
               <a:ext uri="{FF2B5EF4-FFF2-40B4-BE49-F238E27FC236}">
-                <a16:creationId xmlns:a16="http://schemas.microsoft.com/office/drawing/2014/main" id="{CB3F25C9-C9B4-44C8-9A0E-1B9AA75395AE}"/>
+                <a16:creationId xmlns:a16="http://schemas.microsoft.com/office/drawing/2014/main" id="{706C715F-29DF-4532-9EA2-EA702412B608}"/>
               </a:ext>
             </a:extLst>
           </p:cNvPr>
@@ -5598,93 +5280,88 @@
           <a:p>
             <a:r>
               <a:rPr lang="en-US" dirty="0"/>
-              <a:t>(Disk) Space</a:t>
+              <a:t>On </a:t>
+            </a:r>
+            <a:r>
+              <a:rPr lang="en-US" b="1" dirty="0"/>
+              <a:t>tabular data</a:t>
+            </a:r>
+            <a:r>
+              <a:rPr lang="en-US" dirty="0"/>
+              <a:t>, they are not winning</a:t>
             </a:r>
           </a:p>
           <a:p>
             <a:pPr lvl="1"/>
             <a:r>
               <a:rPr lang="en-US" dirty="0"/>
-              <a:t>Modern DL models contain </a:t>
+              <a:t>Current consensus is that ensembles of boosted trees are better</a:t>
+            </a:r>
+          </a:p>
+          <a:p>
+            <a:pPr lvl="1"/>
+            <a:r>
+              <a:rPr lang="en-US" dirty="0"/>
+              <a:t>See </a:t>
+            </a:r>
+            <a:r>
+              <a:rPr lang="en-US" dirty="0" err="1"/>
+              <a:t>Grinsztajn</a:t>
+            </a:r>
+            <a:r>
+              <a:rPr lang="en-US" dirty="0"/>
+              <a:t> et al. (2022) </a:t>
+            </a:r>
+            <a:r>
+              <a:rPr lang="en-US" i="1" dirty="0"/>
+              <a:t>Why do tree-based models still outperform deep learning on tabular data?</a:t>
+            </a:r>
+          </a:p>
+          <a:p>
+            <a:endParaRPr lang="en-US" dirty="0"/>
+          </a:p>
+          <a:p>
+            <a:r>
+              <a:rPr lang="en-US" dirty="0"/>
+              <a:t>On </a:t>
             </a:r>
             <a:r>
               <a:rPr lang="en-US" b="1" dirty="0"/>
-              <a:t>billions</a:t>
-            </a:r>
-            <a:r>
-              <a:rPr lang="en-US" dirty="0"/>
-              <a:t> (10</a:t>
-            </a:r>
-            <a:r>
-              <a:rPr lang="en-US" baseline="30000" dirty="0"/>
-              <a:t>9</a:t>
-            </a:r>
-            <a:r>
-              <a:rPr lang="en-US" dirty="0"/>
-              <a:t>) of parameters</a:t>
+              <a:t>structured data</a:t>
+            </a:r>
+            <a:r>
+              <a:rPr lang="en-US" dirty="0"/>
+              <a:t>, they are </a:t>
+            </a:r>
+            <a:r>
+              <a:rPr lang="en-US" i="1" dirty="0"/>
+              <a:t>massively</a:t>
+            </a:r>
+            <a:r>
+              <a:rPr lang="en-US" dirty="0"/>
+              <a:t> dominant</a:t>
             </a:r>
           </a:p>
           <a:p>
             <a:pPr lvl="1"/>
             <a:r>
               <a:rPr lang="en-US" dirty="0"/>
-              <a:t>GPT-4 has ~220 billion parameters</a:t>
+              <a:t>Remove the need for feature construction (and maybe selection)</a:t>
             </a:r>
           </a:p>
           <a:p>
             <a:pPr lvl="1"/>
             <a:r>
               <a:rPr lang="en-US" dirty="0"/>
-              <a:t>If a single parameter is a floating point represented on 32 bits…</a:t>
-            </a:r>
-          </a:p>
-          <a:p>
-            <a:pPr lvl="1"/>
-            <a:r>
-              <a:rPr lang="en-US" dirty="0"/>
-              <a:t>…that is 220 * 10</a:t>
-            </a:r>
-            <a:r>
-              <a:rPr lang="en-US" baseline="30000" dirty="0"/>
-              <a:t>9</a:t>
-            </a:r>
-            <a:r>
-              <a:rPr lang="en-US" dirty="0"/>
-              <a:t> * 32 / 8 = 880 Giga Bytes (!!!)</a:t>
-            </a:r>
-          </a:p>
-          <a:p>
-            <a:pPr lvl="1"/>
-            <a:r>
-              <a:rPr lang="en-US" dirty="0"/>
-              <a:t>They have to be stored on a hard drive and IN MEMORY!</a:t>
-            </a:r>
-          </a:p>
-          <a:p>
-            <a:pPr lvl="1"/>
-            <a:r>
-              <a:rPr lang="en-US" dirty="0"/>
-              <a:t>During training, you’ll need to also </a:t>
-            </a:r>
-            <a:r>
-              <a:rPr lang="en-US" u="sng" dirty="0"/>
-              <a:t>store the gradient</a:t>
-            </a:r>
-            <a:r>
-              <a:rPr lang="en-US" dirty="0"/>
-              <a:t> IN MEMORY!</a:t>
-            </a:r>
-          </a:p>
-          <a:p>
-            <a:pPr lvl="1"/>
-            <a:endParaRPr lang="en-US" dirty="0"/>
+              <a:t>Any type of structure: sequences, graphs, images, videos, …</a:t>
+            </a:r>
           </a:p>
         </p:txBody>
       </p:sp>
     </p:spTree>
     <p:extLst>
       <p:ext uri="{BB962C8B-B14F-4D97-AF65-F5344CB8AC3E}">
-        <p14:creationId xmlns:p14="http://schemas.microsoft.com/office/powerpoint/2010/main" val="2039122127"/>
+        <p14:creationId xmlns:p14="http://schemas.microsoft.com/office/powerpoint/2010/main" val="2088068030"/>
       </p:ext>
     </p:extLst>
   </p:cSld>
@@ -5716,7 +5393,7 @@
           <p:cNvPr id="2" name="Titre 1">
             <a:extLst>
               <a:ext uri="{FF2B5EF4-FFF2-40B4-BE49-F238E27FC236}">
-                <a16:creationId xmlns:a16="http://schemas.microsoft.com/office/drawing/2014/main" id="{6ECBC317-2889-4ADC-9D07-47EE7E39E603}"/>
+                <a16:creationId xmlns:a16="http://schemas.microsoft.com/office/drawing/2014/main" id="{419778B1-F7A4-4B62-AC08-8BD2E73DB866}"/>
               </a:ext>
             </a:extLst>
           </p:cNvPr>
@@ -5734,7 +5411,7 @@
           <a:p>
             <a:r>
               <a:rPr lang="en-US" dirty="0"/>
-              <a:t>Worst enemies of DL (in this class, at least)</a:t>
+              <a:t>Why are neural networks winning?</a:t>
             </a:r>
           </a:p>
         </p:txBody>
@@ -5744,7 +5421,7 @@
           <p:cNvPr id="3" name="Espace réservé du texte 2">
             <a:extLst>
               <a:ext uri="{FF2B5EF4-FFF2-40B4-BE49-F238E27FC236}">
-                <a16:creationId xmlns:a16="http://schemas.microsoft.com/office/drawing/2014/main" id="{5C016B1E-4FBB-41EE-9A71-17A49DA367AF}"/>
+                <a16:creationId xmlns:a16="http://schemas.microsoft.com/office/drawing/2014/main" id="{706C715F-29DF-4532-9EA2-EA702412B608}"/>
               </a:ext>
             </a:extLst>
           </p:cNvPr>
@@ -5762,30 +5439,23 @@
           <a:p>
             <a:r>
               <a:rPr lang="en-US" dirty="0"/>
-              <a:t>(Training) Time</a:t>
-            </a:r>
-          </a:p>
-          <a:p>
-            <a:pPr lvl="1"/>
-            <a:r>
-              <a:rPr lang="en-US" dirty="0"/>
-              <a:t>Training iterations take a lot of time</a:t>
-            </a:r>
-          </a:p>
-          <a:p>
-            <a:pPr lvl="1"/>
-            <a:endParaRPr lang="en-US" dirty="0"/>
-          </a:p>
-          <a:p>
-            <a:pPr lvl="1"/>
-            <a:endParaRPr lang="en-US" dirty="0"/>
+              <a:t>Generative models: how can a NNs output an </a:t>
+            </a:r>
+            <a:r>
+              <a:rPr lang="en-US" i="1" dirty="0"/>
+              <a:t>image</a:t>
+            </a:r>
+            <a:r>
+              <a:rPr lang="en-US" dirty="0"/>
+              <a:t>?</a:t>
+            </a:r>
           </a:p>
         </p:txBody>
       </p:sp>
     </p:spTree>
     <p:extLst>
       <p:ext uri="{BB962C8B-B14F-4D97-AF65-F5344CB8AC3E}">
-        <p14:creationId xmlns:p14="http://schemas.microsoft.com/office/powerpoint/2010/main" val="624002364"/>
+        <p14:creationId xmlns:p14="http://schemas.microsoft.com/office/powerpoint/2010/main" val="3262430891"/>
       </p:ext>
     </p:extLst>
   </p:cSld>
@@ -5817,7 +5487,7 @@
           <p:cNvPr id="2" name="Titre 1">
             <a:extLst>
               <a:ext uri="{FF2B5EF4-FFF2-40B4-BE49-F238E27FC236}">
-                <a16:creationId xmlns:a16="http://schemas.microsoft.com/office/drawing/2014/main" id="{6426C41E-F5B5-46E1-9300-CDF4D0CDB48C}"/>
+                <a16:creationId xmlns:a16="http://schemas.microsoft.com/office/drawing/2014/main" id="{419778B1-F7A4-4B62-AC08-8BD2E73DB866}"/>
               </a:ext>
             </a:extLst>
           </p:cNvPr>
@@ -5835,7 +5505,7 @@
           <a:p>
             <a:r>
               <a:rPr lang="en-US" dirty="0"/>
-              <a:t>Practical issues with neural networks</a:t>
+              <a:t>Why are neural networks winning?</a:t>
             </a:r>
           </a:p>
         </p:txBody>
@@ -5845,7 +5515,7 @@
           <p:cNvPr id="3" name="Espace réservé du texte 2">
             <a:extLst>
               <a:ext uri="{FF2B5EF4-FFF2-40B4-BE49-F238E27FC236}">
-                <a16:creationId xmlns:a16="http://schemas.microsoft.com/office/drawing/2014/main" id="{18C8B6D5-CEBE-4093-B9A8-58ADC56A9201}"/>
+                <a16:creationId xmlns:a16="http://schemas.microsoft.com/office/drawing/2014/main" id="{706C715F-29DF-4532-9EA2-EA702412B608}"/>
               </a:ext>
             </a:extLst>
           </p:cNvPr>
@@ -5856,30 +5526,488 @@
             <p:ph type="body" sz="quarter" idx="10"/>
           </p:nvPr>
         </p:nvSpPr>
-        <p:spPr/>
-        <p:txBody>
-          <a:bodyPr/>
-          <a:lstStyle/>
-          <a:p>
-            <a:r>
-              <a:rPr lang="en-US" dirty="0"/>
-              <a:t>Size of parameters (</a:t>
-            </a:r>
-            <a:r>
-              <a:rPr lang="en-US" dirty="0" err="1"/>
-              <a:t>downcasting</a:t>
-            </a:r>
-            <a:r>
-              <a:rPr lang="en-US" dirty="0"/>
-              <a:t>)</a:t>
-            </a:r>
-          </a:p>
-        </p:txBody>
-      </p:sp>
+        <p:spPr>
+          <a:xfrm>
+            <a:off x="838200" y="1423358"/>
+            <a:ext cx="10515600" cy="1649688"/>
+          </a:xfrm>
+        </p:spPr>
+        <p:txBody>
+          <a:bodyPr>
+            <a:normAutofit lnSpcReduction="10000"/>
+          </a:bodyPr>
+          <a:lstStyle/>
+          <a:p>
+            <a:r>
+              <a:rPr lang="en-US" dirty="0"/>
+              <a:t>Output tensors interpreted as (approximately) </a:t>
+            </a:r>
+            <a:r>
+              <a:rPr lang="en-US" i="1" dirty="0"/>
+              <a:t>anything</a:t>
+            </a:r>
+            <a:r>
+              <a:rPr lang="en-US" dirty="0"/>
+              <a:t>!</a:t>
+            </a:r>
+          </a:p>
+          <a:p>
+            <a:pPr marL="0" indent="0" algn="ctr">
+              <a:buNone/>
+            </a:pPr>
+            <a:endParaRPr lang="en-US" dirty="0"/>
+          </a:p>
+          <a:p>
+            <a:pPr marL="0" indent="0" algn="ctr">
+              <a:buNone/>
+            </a:pPr>
+            <a:r>
+              <a:rPr lang="en-US" dirty="0"/>
+              <a:t>Example: image</a:t>
+            </a:r>
+          </a:p>
+        </p:txBody>
+      </p:sp>
+      <p:sp>
+        <p:nvSpPr>
+          <p:cNvPr id="4" name="Cube 3">
+            <a:extLst>
+              <a:ext uri="{FF2B5EF4-FFF2-40B4-BE49-F238E27FC236}">
+                <a16:creationId xmlns:a16="http://schemas.microsoft.com/office/drawing/2014/main" id="{A3E0261C-4ED1-4A18-A7FB-8A1F0B19E65C}"/>
+              </a:ext>
+            </a:extLst>
+          </p:cNvPr>
+          <p:cNvSpPr/>
+          <p:nvPr/>
+        </p:nvSpPr>
+        <p:spPr>
+          <a:xfrm>
+            <a:off x="1537356" y="3490994"/>
+            <a:ext cx="1772239" cy="1649689"/>
+          </a:xfrm>
+          <a:prstGeom prst="cube">
+            <a:avLst/>
+          </a:prstGeom>
+        </p:spPr>
+        <p:style>
+          <a:lnRef idx="2">
+            <a:schemeClr val="accent1">
+              <a:shade val="50000"/>
+            </a:schemeClr>
+          </a:lnRef>
+          <a:fillRef idx="1">
+            <a:schemeClr val="accent1"/>
+          </a:fillRef>
+          <a:effectRef idx="0">
+            <a:schemeClr val="accent1"/>
+          </a:effectRef>
+          <a:fontRef idx="minor">
+            <a:schemeClr val="lt1"/>
+          </a:fontRef>
+        </p:style>
+        <p:txBody>
+          <a:bodyPr rtlCol="0" anchor="ctr"/>
+          <a:lstStyle/>
+          <a:p>
+            <a:pPr algn="ctr"/>
+            <a:r>
+              <a:rPr lang="en-US" dirty="0"/>
+              <a:t>Tensor </a:t>
+            </a:r>
+            <a:br>
+              <a:rPr lang="en-US" dirty="0"/>
+            </a:br>
+            <a:r>
+              <a:rPr lang="en-US" dirty="0"/>
+              <a:t>(c * w * h)</a:t>
+            </a:r>
+          </a:p>
+        </p:txBody>
+      </p:sp>
+      <p:sp>
+        <p:nvSpPr>
+          <p:cNvPr id="5" name="Rectangle 4">
+            <a:extLst>
+              <a:ext uri="{FF2B5EF4-FFF2-40B4-BE49-F238E27FC236}">
+                <a16:creationId xmlns:a16="http://schemas.microsoft.com/office/drawing/2014/main" id="{F3CEEA68-0304-421D-B32A-071A459630F9}"/>
+              </a:ext>
+            </a:extLst>
+          </p:cNvPr>
+          <p:cNvSpPr/>
+          <p:nvPr/>
+        </p:nvSpPr>
+        <p:spPr>
+          <a:xfrm>
+            <a:off x="4883871" y="3490994"/>
+            <a:ext cx="1348033" cy="1211373"/>
+          </a:xfrm>
+          <a:prstGeom prst="rect">
+            <a:avLst/>
+          </a:prstGeom>
+          <a:solidFill>
+            <a:schemeClr val="accent5">
+              <a:lumMod val="20000"/>
+              <a:lumOff val="80000"/>
+            </a:schemeClr>
+          </a:solidFill>
+        </p:spPr>
+        <p:style>
+          <a:lnRef idx="2">
+            <a:schemeClr val="accent1">
+              <a:shade val="50000"/>
+            </a:schemeClr>
+          </a:lnRef>
+          <a:fillRef idx="1">
+            <a:schemeClr val="accent1"/>
+          </a:fillRef>
+          <a:effectRef idx="0">
+            <a:schemeClr val="accent1"/>
+          </a:effectRef>
+          <a:fontRef idx="minor">
+            <a:schemeClr val="lt1"/>
+          </a:fontRef>
+        </p:style>
+        <p:txBody>
+          <a:bodyPr rtlCol="0" anchor="ctr"/>
+          <a:lstStyle/>
+          <a:p>
+            <a:pPr algn="ctr"/>
+            <a:endParaRPr lang="en-US"/>
+          </a:p>
+        </p:txBody>
+      </p:sp>
+      <p:sp>
+        <p:nvSpPr>
+          <p:cNvPr id="6" name="Rectangle 5">
+            <a:extLst>
+              <a:ext uri="{FF2B5EF4-FFF2-40B4-BE49-F238E27FC236}">
+                <a16:creationId xmlns:a16="http://schemas.microsoft.com/office/drawing/2014/main" id="{DB69D241-7A96-4867-890B-A5961ACB16EA}"/>
+              </a:ext>
+            </a:extLst>
+          </p:cNvPr>
+          <p:cNvSpPr/>
+          <p:nvPr/>
+        </p:nvSpPr>
+        <p:spPr>
+          <a:xfrm>
+            <a:off x="4737754" y="3637896"/>
+            <a:ext cx="1348033" cy="1211373"/>
+          </a:xfrm>
+          <a:prstGeom prst="rect">
+            <a:avLst/>
+          </a:prstGeom>
+          <a:solidFill>
+            <a:schemeClr val="accent6">
+              <a:lumMod val="20000"/>
+              <a:lumOff val="80000"/>
+            </a:schemeClr>
+          </a:solidFill>
+        </p:spPr>
+        <p:style>
+          <a:lnRef idx="2">
+            <a:schemeClr val="accent1">
+              <a:shade val="50000"/>
+            </a:schemeClr>
+          </a:lnRef>
+          <a:fillRef idx="1">
+            <a:schemeClr val="accent1"/>
+          </a:fillRef>
+          <a:effectRef idx="0">
+            <a:schemeClr val="accent1"/>
+          </a:effectRef>
+          <a:fontRef idx="minor">
+            <a:schemeClr val="lt1"/>
+          </a:fontRef>
+        </p:style>
+        <p:txBody>
+          <a:bodyPr rtlCol="0" anchor="ctr"/>
+          <a:lstStyle/>
+          <a:p>
+            <a:pPr algn="ctr"/>
+            <a:endParaRPr lang="en-US"/>
+          </a:p>
+        </p:txBody>
+      </p:sp>
+      <p:sp>
+        <p:nvSpPr>
+          <p:cNvPr id="7" name="Rectangle 6">
+            <a:extLst>
+              <a:ext uri="{FF2B5EF4-FFF2-40B4-BE49-F238E27FC236}">
+                <a16:creationId xmlns:a16="http://schemas.microsoft.com/office/drawing/2014/main" id="{007330F0-738F-45FE-8294-C80F919EF3FA}"/>
+              </a:ext>
+            </a:extLst>
+          </p:cNvPr>
+          <p:cNvSpPr/>
+          <p:nvPr/>
+        </p:nvSpPr>
+        <p:spPr>
+          <a:xfrm>
+            <a:off x="4592426" y="3827676"/>
+            <a:ext cx="1348033" cy="1211373"/>
+          </a:xfrm>
+          <a:prstGeom prst="rect">
+            <a:avLst/>
+          </a:prstGeom>
+          <a:solidFill>
+            <a:srgbClr val="F49696"/>
+          </a:solidFill>
+        </p:spPr>
+        <p:style>
+          <a:lnRef idx="2">
+            <a:schemeClr val="accent1">
+              <a:shade val="50000"/>
+            </a:schemeClr>
+          </a:lnRef>
+          <a:fillRef idx="1">
+            <a:schemeClr val="accent1"/>
+          </a:fillRef>
+          <a:effectRef idx="0">
+            <a:schemeClr val="accent1"/>
+          </a:effectRef>
+          <a:fontRef idx="minor">
+            <a:schemeClr val="lt1"/>
+          </a:fontRef>
+        </p:style>
+        <p:txBody>
+          <a:bodyPr rtlCol="0" anchor="ctr"/>
+          <a:lstStyle/>
+          <a:p>
+            <a:pPr algn="ctr"/>
+            <a:r>
+              <a:rPr lang="en-US" dirty="0"/>
+              <a:t>Image channel</a:t>
+            </a:r>
+            <a:br>
+              <a:rPr lang="en-US" dirty="0"/>
+            </a:br>
+            <a:r>
+              <a:rPr lang="en-US" dirty="0"/>
+              <a:t>(w * h)</a:t>
+            </a:r>
+          </a:p>
+        </p:txBody>
+      </p:sp>
+      <p:sp>
+        <p:nvSpPr>
+          <p:cNvPr id="9" name="Flèche : droite 8">
+            <a:extLst>
+              <a:ext uri="{FF2B5EF4-FFF2-40B4-BE49-F238E27FC236}">
+                <a16:creationId xmlns:a16="http://schemas.microsoft.com/office/drawing/2014/main" id="{5A329563-3BC1-4F23-8B5D-12DE783B4554}"/>
+              </a:ext>
+            </a:extLst>
+          </p:cNvPr>
+          <p:cNvSpPr/>
+          <p:nvPr/>
+        </p:nvSpPr>
+        <p:spPr>
+          <a:xfrm>
+            <a:off x="3481634" y="4165039"/>
+            <a:ext cx="938752" cy="537328"/>
+          </a:xfrm>
+          <a:prstGeom prst="rightArrow">
+            <a:avLst/>
+          </a:prstGeom>
+        </p:spPr>
+        <p:style>
+          <a:lnRef idx="2">
+            <a:schemeClr val="dk1"/>
+          </a:lnRef>
+          <a:fillRef idx="1">
+            <a:schemeClr val="lt1"/>
+          </a:fillRef>
+          <a:effectRef idx="0">
+            <a:schemeClr val="dk1"/>
+          </a:effectRef>
+          <a:fontRef idx="minor">
+            <a:schemeClr val="dk1"/>
+          </a:fontRef>
+        </p:style>
+        <p:txBody>
+          <a:bodyPr rtlCol="0" anchor="ctr"/>
+          <a:lstStyle/>
+          <a:p>
+            <a:pPr algn="ctr"/>
+            <a:endParaRPr lang="en-US"/>
+          </a:p>
+        </p:txBody>
+      </p:sp>
+      <mc:AlternateContent xmlns:mc="http://schemas.openxmlformats.org/markup-compatibility/2006" xmlns:a14="http://schemas.microsoft.com/office/drawing/2010/main">
+        <mc:Choice Requires="a14">
+          <p:sp>
+            <p:nvSpPr>
+              <p:cNvPr id="10" name="ZoneTexte 9">
+                <a:extLst>
+                  <a:ext uri="{FF2B5EF4-FFF2-40B4-BE49-F238E27FC236}">
+                    <a16:creationId xmlns:a16="http://schemas.microsoft.com/office/drawing/2014/main" id="{AFAD42F5-649B-498B-9493-A1468FAE793B}"/>
+                  </a:ext>
+                </a:extLst>
+              </p:cNvPr>
+              <p:cNvSpPr txBox="1"/>
+              <p:nvPr/>
+            </p:nvSpPr>
+            <p:spPr>
+              <a:xfrm>
+                <a:off x="7088170" y="3429000"/>
+                <a:ext cx="4265630" cy="1629164"/>
+              </a:xfrm>
+              <a:prstGeom prst="rect">
+                <a:avLst/>
+              </a:prstGeom>
+              <a:noFill/>
+            </p:spPr>
+            <p:txBody>
+              <a:bodyPr wrap="square" rtlCol="0">
+                <a:spAutoFit/>
+              </a:bodyPr>
+              <a:lstStyle/>
+              <a:p>
+                <a:r>
+                  <a:rPr lang="en-US" sz="2400" dirty="0"/>
+                  <a:t>Each value </a:t>
+                </a:r>
+                <a14:m>
+                  <m:oMath xmlns:m="http://schemas.openxmlformats.org/officeDocument/2006/math">
+                    <m:sSub>
+                      <m:sSubPr>
+                        <m:ctrlPr>
+                          <a:rPr lang="it-IT" sz="2400" b="0" i="1" smtClean="0">
+                            <a:latin typeface="Cambria Math" panose="02040503050406030204" pitchFamily="18" charset="0"/>
+                          </a:rPr>
+                        </m:ctrlPr>
+                      </m:sSubPr>
+                      <m:e>
+                        <m:r>
+                          <a:rPr lang="it-IT" sz="2400" i="1">
+                            <a:latin typeface="Cambria Math" panose="02040503050406030204" pitchFamily="18" charset="0"/>
+                          </a:rPr>
+                          <m:t>𝑥</m:t>
+                        </m:r>
+                      </m:e>
+                      <m:sub>
+                        <m:r>
+                          <a:rPr lang="it-IT" sz="2400" b="0" i="1" smtClean="0">
+                            <a:latin typeface="Cambria Math" panose="02040503050406030204" pitchFamily="18" charset="0"/>
+                          </a:rPr>
+                          <m:t>𝑖</m:t>
+                        </m:r>
+                        <m:r>
+                          <a:rPr lang="it-IT" sz="2400" b="0" i="1" smtClean="0">
+                            <a:latin typeface="Cambria Math" panose="02040503050406030204" pitchFamily="18" charset="0"/>
+                          </a:rPr>
+                          <m:t>,</m:t>
+                        </m:r>
+                        <m:r>
+                          <a:rPr lang="it-IT" sz="2400" b="0" i="1" smtClean="0">
+                            <a:latin typeface="Cambria Math" panose="02040503050406030204" pitchFamily="18" charset="0"/>
+                          </a:rPr>
+                          <m:t>𝑗</m:t>
+                        </m:r>
+                      </m:sub>
+                    </m:sSub>
+                  </m:oMath>
+                </a14:m>
+                <a:r>
+                  <a:rPr lang="en-US" sz="2400" dirty="0"/>
+                  <a:t> inside each channel indicates the level or red, blue, or green for pixel </a:t>
+                </a:r>
+                <a14:m>
+                  <m:oMath xmlns:m="http://schemas.openxmlformats.org/officeDocument/2006/math">
+                    <m:sSub>
+                      <m:sSubPr>
+                        <m:ctrlPr>
+                          <a:rPr lang="it-IT" sz="2400" b="0" i="1" smtClean="0">
+                            <a:latin typeface="Cambria Math" panose="02040503050406030204" pitchFamily="18" charset="0"/>
+                          </a:rPr>
+                        </m:ctrlPr>
+                      </m:sSubPr>
+                      <m:e>
+                        <m:r>
+                          <a:rPr lang="it-IT" sz="2400" i="1">
+                            <a:latin typeface="Cambria Math" panose="02040503050406030204" pitchFamily="18" charset="0"/>
+                          </a:rPr>
+                          <m:t>𝑝</m:t>
+                        </m:r>
+                      </m:e>
+                      <m:sub>
+                        <m:r>
+                          <a:rPr lang="it-IT" sz="2400" b="0" i="1" smtClean="0">
+                            <a:latin typeface="Cambria Math" panose="02040503050406030204" pitchFamily="18" charset="0"/>
+                          </a:rPr>
+                          <m:t>𝑖</m:t>
+                        </m:r>
+                        <m:r>
+                          <a:rPr lang="it-IT" sz="2400" b="0" i="1" smtClean="0">
+                            <a:latin typeface="Cambria Math" panose="02040503050406030204" pitchFamily="18" charset="0"/>
+                          </a:rPr>
+                          <m:t>,</m:t>
+                        </m:r>
+                        <m:r>
+                          <a:rPr lang="it-IT" sz="2400" b="0" i="1" smtClean="0">
+                            <a:latin typeface="Cambria Math" panose="02040503050406030204" pitchFamily="18" charset="0"/>
+                          </a:rPr>
+                          <m:t>𝑗</m:t>
+                        </m:r>
+                      </m:sub>
+                    </m:sSub>
+                  </m:oMath>
+                </a14:m>
+                <a:r>
+                  <a:rPr lang="en-US" sz="2400" dirty="0"/>
+                  <a:t> respectively</a:t>
+                </a:r>
+              </a:p>
+            </p:txBody>
+          </p:sp>
+        </mc:Choice>
+        <mc:Fallback xmlns="">
+          <p:sp>
+            <p:nvSpPr>
+              <p:cNvPr id="10" name="ZoneTexte 9">
+                <a:extLst>
+                  <a:ext uri="{FF2B5EF4-FFF2-40B4-BE49-F238E27FC236}">
+                    <a16:creationId xmlns:a16="http://schemas.microsoft.com/office/drawing/2014/main" id="{AFAD42F5-649B-498B-9493-A1468FAE793B}"/>
+                  </a:ext>
+                </a:extLst>
+              </p:cNvPr>
+              <p:cNvSpPr txBox="1">
+                <a:spLocks noRot="1" noChangeAspect="1" noMove="1" noResize="1" noEditPoints="1" noAdjustHandles="1" noChangeArrowheads="1" noChangeShapeType="1" noTextEdit="1"/>
+              </p:cNvSpPr>
+              <p:nvPr/>
+            </p:nvSpPr>
+            <p:spPr>
+              <a:xfrm>
+                <a:off x="7088170" y="3429000"/>
+                <a:ext cx="4265630" cy="1629164"/>
+              </a:xfrm>
+              <a:prstGeom prst="rect">
+                <a:avLst/>
+              </a:prstGeom>
+              <a:blipFill>
+                <a:blip r:embed="rId2"/>
+                <a:stretch>
+                  <a:fillRect l="-2286" t="-2622" b="-7116"/>
+                </a:stretch>
+              </a:blipFill>
+            </p:spPr>
+            <p:txBody>
+              <a:bodyPr/>
+              <a:lstStyle/>
+              <a:p>
+                <a:r>
+                  <a:rPr lang="en-US">
+                    <a:noFill/>
+                  </a:rPr>
+                  <a:t> </a:t>
+                </a:r>
+              </a:p>
+            </p:txBody>
+          </p:sp>
+        </mc:Fallback>
+      </mc:AlternateContent>
     </p:spTree>
     <p:extLst>
       <p:ext uri="{BB962C8B-B14F-4D97-AF65-F5344CB8AC3E}">
-        <p14:creationId xmlns:p14="http://schemas.microsoft.com/office/powerpoint/2010/main" val="1196191067"/>
+        <p14:creationId xmlns:p14="http://schemas.microsoft.com/office/powerpoint/2010/main" val="1974155934"/>
       </p:ext>
     </p:extLst>
   </p:cSld>

--- a/deep-learning-in-practice-with-pytorch/1-intermediate-pytorch.pptx
+++ b/deep-learning-in-practice-with-pytorch/1-intermediate-pytorch.pptx
@@ -7,26 +7,27 @@
   <p:sldIdLst>
     <p:sldId id="257" r:id="rId2"/>
     <p:sldId id="258" r:id="rId3"/>
-    <p:sldId id="259" r:id="rId4"/>
-    <p:sldId id="267" r:id="rId5"/>
-    <p:sldId id="268" r:id="rId6"/>
-    <p:sldId id="269" r:id="rId7"/>
-    <p:sldId id="270" r:id="rId8"/>
-    <p:sldId id="271" r:id="rId9"/>
-    <p:sldId id="272" r:id="rId10"/>
-    <p:sldId id="273" r:id="rId11"/>
-    <p:sldId id="274" r:id="rId12"/>
-    <p:sldId id="277" r:id="rId13"/>
-    <p:sldId id="275" r:id="rId14"/>
-    <p:sldId id="290" r:id="rId15"/>
-    <p:sldId id="292" r:id="rId16"/>
-    <p:sldId id="264" r:id="rId17"/>
-    <p:sldId id="265" r:id="rId18"/>
-    <p:sldId id="266" r:id="rId19"/>
-    <p:sldId id="263" r:id="rId20"/>
-    <p:sldId id="276" r:id="rId21"/>
-    <p:sldId id="291" r:id="rId22"/>
-    <p:sldId id="262" r:id="rId23"/>
+    <p:sldId id="292" r:id="rId4"/>
+    <p:sldId id="324" r:id="rId5"/>
+    <p:sldId id="326" r:id="rId6"/>
+    <p:sldId id="325" r:id="rId7"/>
+    <p:sldId id="327" r:id="rId8"/>
+    <p:sldId id="293" r:id="rId9"/>
+    <p:sldId id="294" r:id="rId10"/>
+    <p:sldId id="295" r:id="rId11"/>
+    <p:sldId id="276" r:id="rId12"/>
+    <p:sldId id="275" r:id="rId13"/>
+    <p:sldId id="315" r:id="rId14"/>
+    <p:sldId id="320" r:id="rId15"/>
+    <p:sldId id="321" r:id="rId16"/>
+    <p:sldId id="406" r:id="rId17"/>
+    <p:sldId id="322" r:id="rId18"/>
+    <p:sldId id="323" r:id="rId19"/>
+    <p:sldId id="291" r:id="rId20"/>
+    <p:sldId id="408" r:id="rId21"/>
+    <p:sldId id="409" r:id="rId22"/>
+    <p:sldId id="407" r:id="rId23"/>
+    <p:sldId id="405" r:id="rId24"/>
   </p:sldIdLst>
   <p:sldSz cx="12192000" cy="6858000"/>
   <p:notesSz cx="6858000" cy="9144000"/>
@@ -1415,16 +1416,7 @@
                 </a:solidFill>
                 <a:latin typeface="+mn-lt"/>
               </a:rPr>
-              <a:t>TITLE OF THE PRESENTATION HERE (MODIFY IN VIEW -&gt; MASK</a:t>
-            </a:r>
-            <a:r>
-              <a:rPr lang="it-IT" sz="1000" baseline="0" dirty="0">
-                <a:solidFill>
-                  <a:srgbClr val="275662"/>
-                </a:solidFill>
-                <a:latin typeface="+mn-lt"/>
-              </a:rPr>
-              <a:t> / AFFICHAGE -&gt; MASQUE DE DIAPOSITIVES) </a:t>
+              <a:t>INTERMEDIATE PYTORCH CONCEPTS</a:t>
             </a:r>
             <a:endParaRPr lang="fr-FR" sz="1000" dirty="0">
               <a:solidFill>
@@ -1945,7 +1937,7 @@
           <p:cNvPr id="2" name="Titre 1">
             <a:extLst>
               <a:ext uri="{FF2B5EF4-FFF2-40B4-BE49-F238E27FC236}">
-                <a16:creationId xmlns:a16="http://schemas.microsoft.com/office/drawing/2014/main" id="{419778B1-F7A4-4B62-AC08-8BD2E73DB866}"/>
+                <a16:creationId xmlns:a16="http://schemas.microsoft.com/office/drawing/2014/main" id="{3B752D2D-081E-4198-AC08-ECB67391A45B}"/>
               </a:ext>
             </a:extLst>
           </p:cNvPr>
@@ -1963,7 +1955,7 @@
           <a:p>
             <a:r>
               <a:rPr lang="en-US" dirty="0"/>
-              <a:t>Why are neural networks winning?</a:t>
+              <a:t>Beyond Stochastic Gradient Descent</a:t>
             </a:r>
           </a:p>
         </p:txBody>
@@ -1973,7 +1965,7 @@
           <p:cNvPr id="3" name="Espace réservé du texte 2">
             <a:extLst>
               <a:ext uri="{FF2B5EF4-FFF2-40B4-BE49-F238E27FC236}">
-                <a16:creationId xmlns:a16="http://schemas.microsoft.com/office/drawing/2014/main" id="{706C715F-29DF-4532-9EA2-EA702412B608}"/>
+                <a16:creationId xmlns:a16="http://schemas.microsoft.com/office/drawing/2014/main" id="{06E72DC6-DF87-406B-B0CE-A3C661B30097}"/>
               </a:ext>
             </a:extLst>
           </p:cNvPr>
@@ -1984,799 +1976,76 @@
             <p:ph type="body" sz="quarter" idx="10"/>
           </p:nvPr>
         </p:nvSpPr>
-        <p:spPr>
-          <a:xfrm>
-            <a:off x="838200" y="1423358"/>
-            <a:ext cx="10515600" cy="1649688"/>
-          </a:xfrm>
-        </p:spPr>
+        <p:spPr/>
         <p:txBody>
-          <a:bodyPr>
-            <a:normAutofit lnSpcReduction="10000"/>
-          </a:bodyPr>
+          <a:bodyPr/>
           <a:lstStyle/>
           <a:p>
             <a:r>
               <a:rPr lang="en-US" dirty="0"/>
-              <a:t>Output tensors interpreted as (approximately) </a:t>
-            </a:r>
-            <a:r>
-              <a:rPr lang="en-US" i="1" dirty="0"/>
-              <a:t>anything</a:t>
-            </a:r>
-            <a:r>
-              <a:rPr lang="en-US" dirty="0"/>
-              <a:t>!</a:t>
-            </a:r>
-          </a:p>
-          <a:p>
-            <a:pPr marL="0" indent="0" algn="ctr">
-              <a:buNone/>
-            </a:pPr>
+              <a:t>Nobody uses SGD anymore</a:t>
+            </a:r>
+          </a:p>
+          <a:p>
+            <a:pPr lvl="1"/>
+            <a:r>
+              <a:rPr lang="en-US" dirty="0"/>
+              <a:t>However, its descendants thrive!</a:t>
+            </a:r>
+          </a:p>
+          <a:p>
+            <a:pPr lvl="1"/>
+            <a:r>
+              <a:rPr lang="en-US" dirty="0"/>
+              <a:t>A cumulative research effort over generations to overcome issues</a:t>
+            </a:r>
+          </a:p>
+          <a:p>
             <a:endParaRPr lang="en-US" dirty="0"/>
           </a:p>
           <a:p>
-            <a:pPr marL="0" indent="0" algn="ctr">
-              <a:buNone/>
-            </a:pPr>
-            <a:r>
-              <a:rPr lang="en-US" dirty="0"/>
-              <a:t>Example: video</a:t>
-            </a:r>
-          </a:p>
-        </p:txBody>
-      </p:sp>
-      <p:sp>
-        <p:nvSpPr>
-          <p:cNvPr id="4" name="Cube 3">
-            <a:extLst>
-              <a:ext uri="{FF2B5EF4-FFF2-40B4-BE49-F238E27FC236}">
-                <a16:creationId xmlns:a16="http://schemas.microsoft.com/office/drawing/2014/main" id="{A3E0261C-4ED1-4A18-A7FB-8A1F0B19E65C}"/>
-              </a:ext>
-            </a:extLst>
-          </p:cNvPr>
-          <p:cNvSpPr/>
-          <p:nvPr/>
-        </p:nvSpPr>
-        <p:spPr>
-          <a:xfrm>
-            <a:off x="245884" y="3490994"/>
-            <a:ext cx="1772239" cy="1649689"/>
-          </a:xfrm>
-          <a:prstGeom prst="cube">
-            <a:avLst/>
-          </a:prstGeom>
-        </p:spPr>
-        <p:style>
-          <a:lnRef idx="2">
-            <a:schemeClr val="accent1">
-              <a:shade val="50000"/>
-            </a:schemeClr>
-          </a:lnRef>
-          <a:fillRef idx="1">
-            <a:schemeClr val="accent1"/>
-          </a:fillRef>
-          <a:effectRef idx="0">
-            <a:schemeClr val="accent1"/>
-          </a:effectRef>
-          <a:fontRef idx="minor">
-            <a:schemeClr val="lt1"/>
-          </a:fontRef>
-        </p:style>
-        <p:txBody>
-          <a:bodyPr rtlCol="0" anchor="ctr"/>
-          <a:lstStyle/>
-          <a:p>
-            <a:pPr algn="ctr"/>
-            <a:r>
-              <a:rPr lang="en-US" dirty="0"/>
-              <a:t>Tensor </a:t>
-            </a:r>
-            <a:br>
-              <a:rPr lang="en-US" dirty="0"/>
-            </a:br>
-            <a:r>
-              <a:rPr lang="en-US" dirty="0"/>
-              <a:t>(t*c*w*h)</a:t>
-            </a:r>
-          </a:p>
-        </p:txBody>
-      </p:sp>
-      <p:sp>
-        <p:nvSpPr>
-          <p:cNvPr id="5" name="Rectangle 4">
-            <a:extLst>
-              <a:ext uri="{FF2B5EF4-FFF2-40B4-BE49-F238E27FC236}">
-                <a16:creationId xmlns:a16="http://schemas.microsoft.com/office/drawing/2014/main" id="{F3CEEA68-0304-421D-B32A-071A459630F9}"/>
-              </a:ext>
-            </a:extLst>
-          </p:cNvPr>
-          <p:cNvSpPr/>
-          <p:nvPr/>
-        </p:nvSpPr>
-        <p:spPr>
-          <a:xfrm>
-            <a:off x="3592399" y="3490994"/>
-            <a:ext cx="1348033" cy="1211373"/>
-          </a:xfrm>
-          <a:prstGeom prst="rect">
-            <a:avLst/>
-          </a:prstGeom>
-          <a:solidFill>
-            <a:schemeClr val="accent5">
-              <a:lumMod val="20000"/>
-              <a:lumOff val="80000"/>
-            </a:schemeClr>
-          </a:solidFill>
-        </p:spPr>
-        <p:style>
-          <a:lnRef idx="2">
-            <a:schemeClr val="accent1">
-              <a:shade val="50000"/>
-            </a:schemeClr>
-          </a:lnRef>
-          <a:fillRef idx="1">
-            <a:schemeClr val="accent1"/>
-          </a:fillRef>
-          <a:effectRef idx="0">
-            <a:schemeClr val="accent1"/>
-          </a:effectRef>
-          <a:fontRef idx="minor">
-            <a:schemeClr val="lt1"/>
-          </a:fontRef>
-        </p:style>
-        <p:txBody>
-          <a:bodyPr rtlCol="0" anchor="ctr"/>
-          <a:lstStyle/>
-          <a:p>
-            <a:pPr algn="ctr"/>
-            <a:endParaRPr lang="en-US"/>
-          </a:p>
-        </p:txBody>
-      </p:sp>
-      <p:sp>
-        <p:nvSpPr>
-          <p:cNvPr id="6" name="Rectangle 5">
-            <a:extLst>
-              <a:ext uri="{FF2B5EF4-FFF2-40B4-BE49-F238E27FC236}">
-                <a16:creationId xmlns:a16="http://schemas.microsoft.com/office/drawing/2014/main" id="{DB69D241-7A96-4867-890B-A5961ACB16EA}"/>
-              </a:ext>
-            </a:extLst>
-          </p:cNvPr>
-          <p:cNvSpPr/>
-          <p:nvPr/>
-        </p:nvSpPr>
-        <p:spPr>
-          <a:xfrm>
-            <a:off x="3446282" y="3637896"/>
-            <a:ext cx="1348033" cy="1211373"/>
-          </a:xfrm>
-          <a:prstGeom prst="rect">
-            <a:avLst/>
-          </a:prstGeom>
-          <a:solidFill>
-            <a:schemeClr val="accent6">
-              <a:lumMod val="20000"/>
-              <a:lumOff val="80000"/>
-            </a:schemeClr>
-          </a:solidFill>
-        </p:spPr>
-        <p:style>
-          <a:lnRef idx="2">
-            <a:schemeClr val="accent1">
-              <a:shade val="50000"/>
-            </a:schemeClr>
-          </a:lnRef>
-          <a:fillRef idx="1">
-            <a:schemeClr val="accent1"/>
-          </a:fillRef>
-          <a:effectRef idx="0">
-            <a:schemeClr val="accent1"/>
-          </a:effectRef>
-          <a:fontRef idx="minor">
-            <a:schemeClr val="lt1"/>
-          </a:fontRef>
-        </p:style>
-        <p:txBody>
-          <a:bodyPr rtlCol="0" anchor="ctr"/>
-          <a:lstStyle/>
-          <a:p>
-            <a:pPr algn="ctr"/>
-            <a:endParaRPr lang="en-US"/>
-          </a:p>
-        </p:txBody>
-      </p:sp>
-      <p:sp>
-        <p:nvSpPr>
-          <p:cNvPr id="7" name="Rectangle 6">
-            <a:extLst>
-              <a:ext uri="{FF2B5EF4-FFF2-40B4-BE49-F238E27FC236}">
-                <a16:creationId xmlns:a16="http://schemas.microsoft.com/office/drawing/2014/main" id="{007330F0-738F-45FE-8294-C80F919EF3FA}"/>
-              </a:ext>
-            </a:extLst>
-          </p:cNvPr>
-          <p:cNvSpPr/>
-          <p:nvPr/>
-        </p:nvSpPr>
-        <p:spPr>
-          <a:xfrm>
-            <a:off x="3300954" y="3827676"/>
-            <a:ext cx="1348033" cy="1211373"/>
-          </a:xfrm>
-          <a:prstGeom prst="rect">
-            <a:avLst/>
-          </a:prstGeom>
-          <a:solidFill>
-            <a:srgbClr val="F49696"/>
-          </a:solidFill>
-        </p:spPr>
-        <p:style>
-          <a:lnRef idx="2">
-            <a:schemeClr val="accent1">
-              <a:shade val="50000"/>
-            </a:schemeClr>
-          </a:lnRef>
-          <a:fillRef idx="1">
-            <a:schemeClr val="accent1"/>
-          </a:fillRef>
-          <a:effectRef idx="0">
-            <a:schemeClr val="accent1"/>
-          </a:effectRef>
-          <a:fontRef idx="minor">
-            <a:schemeClr val="lt1"/>
-          </a:fontRef>
-        </p:style>
-        <p:txBody>
-          <a:bodyPr rtlCol="0" anchor="ctr"/>
-          <a:lstStyle/>
-          <a:p>
-            <a:pPr algn="ctr"/>
-            <a:r>
-              <a:rPr lang="en-US" dirty="0"/>
-              <a:t>Image channel</a:t>
-            </a:r>
-            <a:br>
-              <a:rPr lang="en-US" dirty="0"/>
-            </a:br>
-            <a:r>
-              <a:rPr lang="en-US" dirty="0"/>
-              <a:t>(w * h)</a:t>
-            </a:r>
-          </a:p>
-        </p:txBody>
-      </p:sp>
-      <p:sp>
-        <p:nvSpPr>
-          <p:cNvPr id="9" name="Flèche : droite 8">
-            <a:extLst>
-              <a:ext uri="{FF2B5EF4-FFF2-40B4-BE49-F238E27FC236}">
-                <a16:creationId xmlns:a16="http://schemas.microsoft.com/office/drawing/2014/main" id="{5A329563-3BC1-4F23-8B5D-12DE783B4554}"/>
-              </a:ext>
-            </a:extLst>
-          </p:cNvPr>
-          <p:cNvSpPr/>
-          <p:nvPr/>
-        </p:nvSpPr>
-        <p:spPr>
-          <a:xfrm>
-            <a:off x="2190162" y="4165039"/>
-            <a:ext cx="938752" cy="537328"/>
-          </a:xfrm>
-          <a:prstGeom prst="rightArrow">
-            <a:avLst/>
-          </a:prstGeom>
-        </p:spPr>
-        <p:style>
-          <a:lnRef idx="2">
-            <a:schemeClr val="dk1"/>
-          </a:lnRef>
-          <a:fillRef idx="1">
-            <a:schemeClr val="lt1"/>
-          </a:fillRef>
-          <a:effectRef idx="0">
-            <a:schemeClr val="dk1"/>
-          </a:effectRef>
-          <a:fontRef idx="minor">
-            <a:schemeClr val="dk1"/>
-          </a:fontRef>
-        </p:style>
-        <p:txBody>
-          <a:bodyPr rtlCol="0" anchor="ctr"/>
-          <a:lstStyle/>
-          <a:p>
-            <a:pPr algn="ctr"/>
-            <a:endParaRPr lang="en-US"/>
-          </a:p>
-        </p:txBody>
-      </p:sp>
-      <mc:AlternateContent xmlns:mc="http://schemas.openxmlformats.org/markup-compatibility/2006" xmlns:a14="http://schemas.microsoft.com/office/drawing/2010/main">
-        <mc:Choice Requires="a14">
-          <p:sp>
-            <p:nvSpPr>
-              <p:cNvPr id="10" name="ZoneTexte 9">
-                <a:extLst>
-                  <a:ext uri="{FF2B5EF4-FFF2-40B4-BE49-F238E27FC236}">
-                    <a16:creationId xmlns:a16="http://schemas.microsoft.com/office/drawing/2014/main" id="{AFAD42F5-649B-498B-9493-A1468FAE793B}"/>
-                  </a:ext>
-                </a:extLst>
-              </p:cNvPr>
-              <p:cNvSpPr txBox="1"/>
-              <p:nvPr/>
-            </p:nvSpPr>
-            <p:spPr>
-              <a:xfrm>
-                <a:off x="8279090" y="3369456"/>
-                <a:ext cx="3843780" cy="1658659"/>
-              </a:xfrm>
-              <a:prstGeom prst="rect">
-                <a:avLst/>
-              </a:prstGeom>
-              <a:noFill/>
-            </p:spPr>
-            <p:txBody>
-              <a:bodyPr wrap="square" rtlCol="0">
-                <a:spAutoFit/>
-              </a:bodyPr>
-              <a:lstStyle/>
-              <a:p>
-                <a:r>
-                  <a:rPr lang="en-US" sz="2400" dirty="0"/>
-                  <a:t>Each value </a:t>
-                </a:r>
-                <a14:m>
-                  <m:oMath xmlns:m="http://schemas.openxmlformats.org/officeDocument/2006/math">
-                    <m:sSubSup>
-                      <m:sSubSupPr>
-                        <m:ctrlPr>
-                          <a:rPr lang="en-US" sz="2400" i="1" smtClean="0">
-                            <a:latin typeface="Cambria Math" panose="02040503050406030204" pitchFamily="18" charset="0"/>
-                          </a:rPr>
-                        </m:ctrlPr>
-                      </m:sSubSupPr>
-                      <m:e>
-                        <m:r>
-                          <a:rPr lang="it-IT" sz="2400" b="0" i="1" smtClean="0">
-                            <a:latin typeface="Cambria Math" panose="02040503050406030204" pitchFamily="18" charset="0"/>
-                          </a:rPr>
-                          <m:t>𝑥</m:t>
-                        </m:r>
-                      </m:e>
-                      <m:sub>
-                        <m:r>
-                          <a:rPr lang="it-IT" sz="2400" b="0" i="1" smtClean="0">
-                            <a:latin typeface="Cambria Math" panose="02040503050406030204" pitchFamily="18" charset="0"/>
-                          </a:rPr>
-                          <m:t>𝑖</m:t>
-                        </m:r>
-                        <m:r>
-                          <a:rPr lang="it-IT" sz="2400" b="0" i="1" smtClean="0">
-                            <a:latin typeface="Cambria Math" panose="02040503050406030204" pitchFamily="18" charset="0"/>
-                          </a:rPr>
-                          <m:t>,</m:t>
-                        </m:r>
-                        <m:r>
-                          <a:rPr lang="it-IT" sz="2400" b="0" i="1" smtClean="0">
-                            <a:latin typeface="Cambria Math" panose="02040503050406030204" pitchFamily="18" charset="0"/>
-                          </a:rPr>
-                          <m:t>𝑗</m:t>
-                        </m:r>
-                      </m:sub>
-                      <m:sup>
-                        <m:r>
-                          <a:rPr lang="it-IT" sz="2400" b="0" i="1" smtClean="0">
-                            <a:latin typeface="Cambria Math" panose="02040503050406030204" pitchFamily="18" charset="0"/>
-                          </a:rPr>
-                          <m:t>𝑡</m:t>
-                        </m:r>
-                      </m:sup>
-                    </m:sSubSup>
-                  </m:oMath>
-                </a14:m>
-                <a:r>
-                  <a:rPr lang="en-US" sz="2400" dirty="0"/>
-                  <a:t>inside each channel indicates the level or red, blue, or green for pixel </a:t>
-                </a:r>
-                <a14:m>
-                  <m:oMath xmlns:m="http://schemas.openxmlformats.org/officeDocument/2006/math">
-                    <m:sSub>
-                      <m:sSubPr>
-                        <m:ctrlPr>
-                          <a:rPr lang="it-IT" sz="2400" b="0" i="1" smtClean="0">
-                            <a:latin typeface="Cambria Math" panose="02040503050406030204" pitchFamily="18" charset="0"/>
-                          </a:rPr>
-                        </m:ctrlPr>
-                      </m:sSubPr>
-                      <m:e>
-                        <m:r>
-                          <a:rPr lang="it-IT" sz="2400" i="1">
-                            <a:latin typeface="Cambria Math" panose="02040503050406030204" pitchFamily="18" charset="0"/>
-                          </a:rPr>
-                          <m:t>𝑝</m:t>
-                        </m:r>
-                      </m:e>
-                      <m:sub>
-                        <m:r>
-                          <a:rPr lang="it-IT" sz="2400" b="0" i="1" smtClean="0">
-                            <a:latin typeface="Cambria Math" panose="02040503050406030204" pitchFamily="18" charset="0"/>
-                          </a:rPr>
-                          <m:t>𝑖</m:t>
-                        </m:r>
-                        <m:r>
-                          <a:rPr lang="it-IT" sz="2400" b="0" i="1" smtClean="0">
-                            <a:latin typeface="Cambria Math" panose="02040503050406030204" pitchFamily="18" charset="0"/>
-                          </a:rPr>
-                          <m:t>,</m:t>
-                        </m:r>
-                        <m:r>
-                          <a:rPr lang="it-IT" sz="2400" b="0" i="1" smtClean="0">
-                            <a:latin typeface="Cambria Math" panose="02040503050406030204" pitchFamily="18" charset="0"/>
-                          </a:rPr>
-                          <m:t>𝑗</m:t>
-                        </m:r>
-                      </m:sub>
-                    </m:sSub>
-                  </m:oMath>
-                </a14:m>
-                <a:r>
-                  <a:rPr lang="en-US" sz="2400" dirty="0"/>
-                  <a:t> for the frame at time </a:t>
-                </a:r>
-                <a14:m>
-                  <m:oMath xmlns:m="http://schemas.openxmlformats.org/officeDocument/2006/math">
-                    <m:r>
-                      <a:rPr lang="it-IT" sz="2400" b="0" i="1" smtClean="0">
-                        <a:latin typeface="Cambria Math" panose="02040503050406030204" pitchFamily="18" charset="0"/>
-                      </a:rPr>
-                      <m:t>𝑡</m:t>
-                    </m:r>
-                  </m:oMath>
-                </a14:m>
-                <a:endParaRPr lang="en-US" sz="2400" dirty="0"/>
-              </a:p>
-            </p:txBody>
-          </p:sp>
-        </mc:Choice>
-        <mc:Fallback xmlns="">
-          <p:sp>
-            <p:nvSpPr>
-              <p:cNvPr id="10" name="ZoneTexte 9">
-                <a:extLst>
-                  <a:ext uri="{FF2B5EF4-FFF2-40B4-BE49-F238E27FC236}">
-                    <a16:creationId xmlns:a16="http://schemas.microsoft.com/office/drawing/2014/main" id="{AFAD42F5-649B-498B-9493-A1468FAE793B}"/>
-                  </a:ext>
-                </a:extLst>
-              </p:cNvPr>
-              <p:cNvSpPr txBox="1">
-                <a:spLocks noRot="1" noChangeAspect="1" noMove="1" noResize="1" noEditPoints="1" noAdjustHandles="1" noChangeArrowheads="1" noChangeShapeType="1" noTextEdit="1"/>
-              </p:cNvSpPr>
-              <p:nvPr/>
-            </p:nvSpPr>
-            <p:spPr>
-              <a:xfrm>
-                <a:off x="8279090" y="3369456"/>
-                <a:ext cx="3843780" cy="1658659"/>
-              </a:xfrm>
-              <a:prstGeom prst="rect">
-                <a:avLst/>
-              </a:prstGeom>
-              <a:blipFill>
-                <a:blip r:embed="rId2"/>
-                <a:stretch>
-                  <a:fillRect l="-2377" t="-1838" r="-2853" b="-5882"/>
-                </a:stretch>
-              </a:blipFill>
-            </p:spPr>
-            <p:txBody>
-              <a:bodyPr/>
-              <a:lstStyle/>
-              <a:p>
-                <a:r>
-                  <a:rPr lang="en-US">
-                    <a:noFill/>
-                  </a:rPr>
-                  <a:t> </a:t>
-                </a:r>
-              </a:p>
-            </p:txBody>
-          </p:sp>
-        </mc:Fallback>
-      </mc:AlternateContent>
-      <p:grpSp>
-        <p:nvGrpSpPr>
-          <p:cNvPr id="14" name="Groupe 13">
-            <a:extLst>
-              <a:ext uri="{FF2B5EF4-FFF2-40B4-BE49-F238E27FC236}">
-                <a16:creationId xmlns:a16="http://schemas.microsoft.com/office/drawing/2014/main" id="{77C64E4C-53CF-4D2E-82FF-FC9E776745E3}"/>
-              </a:ext>
-            </a:extLst>
-          </p:cNvPr>
-          <p:cNvGrpSpPr/>
-          <p:nvPr/>
-        </p:nvGrpSpPr>
-        <p:grpSpPr>
-          <a:xfrm>
-            <a:off x="6096000" y="3490994"/>
-            <a:ext cx="1639478" cy="1548055"/>
-            <a:chOff x="5395275" y="3473710"/>
-            <a:chExt cx="1639478" cy="1548055"/>
-          </a:xfrm>
-        </p:grpSpPr>
-        <p:sp>
-          <p:nvSpPr>
-            <p:cNvPr id="11" name="Rectangle 10">
-              <a:extLst>
-                <a:ext uri="{FF2B5EF4-FFF2-40B4-BE49-F238E27FC236}">
-                  <a16:creationId xmlns:a16="http://schemas.microsoft.com/office/drawing/2014/main" id="{71399527-6233-4969-8AE6-D5729E000C9C}"/>
-                </a:ext>
-              </a:extLst>
-            </p:cNvPr>
-            <p:cNvSpPr/>
-            <p:nvPr/>
-          </p:nvSpPr>
-          <p:spPr>
-            <a:xfrm>
-              <a:off x="5686720" y="3473710"/>
-              <a:ext cx="1348033" cy="1211373"/>
-            </a:xfrm>
-            <a:prstGeom prst="rect">
-              <a:avLst/>
-            </a:prstGeom>
-            <a:solidFill>
-              <a:schemeClr val="accent5">
-                <a:lumMod val="20000"/>
-                <a:lumOff val="80000"/>
-              </a:schemeClr>
-            </a:solidFill>
-          </p:spPr>
-          <p:style>
-            <a:lnRef idx="2">
-              <a:schemeClr val="accent1">
-                <a:shade val="50000"/>
-              </a:schemeClr>
-            </a:lnRef>
-            <a:fillRef idx="1">
-              <a:schemeClr val="accent1"/>
-            </a:fillRef>
-            <a:effectRef idx="0">
-              <a:schemeClr val="accent1"/>
-            </a:effectRef>
-            <a:fontRef idx="minor">
-              <a:schemeClr val="lt1"/>
-            </a:fontRef>
-          </p:style>
-          <p:txBody>
-            <a:bodyPr rtlCol="0" anchor="ctr"/>
-            <a:lstStyle/>
-            <a:p>
-              <a:pPr algn="ctr"/>
-              <a:endParaRPr lang="en-US"/>
-            </a:p>
-          </p:txBody>
-        </p:sp>
-        <p:sp>
-          <p:nvSpPr>
-            <p:cNvPr id="12" name="Rectangle 11">
-              <a:extLst>
-                <a:ext uri="{FF2B5EF4-FFF2-40B4-BE49-F238E27FC236}">
-                  <a16:creationId xmlns:a16="http://schemas.microsoft.com/office/drawing/2014/main" id="{71D1A16E-3CFE-4230-83FE-5D2415A52F9B}"/>
-                </a:ext>
-              </a:extLst>
-            </p:cNvPr>
-            <p:cNvSpPr/>
-            <p:nvPr/>
-          </p:nvSpPr>
-          <p:spPr>
-            <a:xfrm>
-              <a:off x="5540603" y="3620612"/>
-              <a:ext cx="1348033" cy="1211373"/>
-            </a:xfrm>
-            <a:prstGeom prst="rect">
-              <a:avLst/>
-            </a:prstGeom>
-            <a:solidFill>
-              <a:schemeClr val="accent6">
-                <a:lumMod val="20000"/>
-                <a:lumOff val="80000"/>
-              </a:schemeClr>
-            </a:solidFill>
-          </p:spPr>
-          <p:style>
-            <a:lnRef idx="2">
-              <a:schemeClr val="accent1">
-                <a:shade val="50000"/>
-              </a:schemeClr>
-            </a:lnRef>
-            <a:fillRef idx="1">
-              <a:schemeClr val="accent1"/>
-            </a:fillRef>
-            <a:effectRef idx="0">
-              <a:schemeClr val="accent1"/>
-            </a:effectRef>
-            <a:fontRef idx="minor">
-              <a:schemeClr val="lt1"/>
-            </a:fontRef>
-          </p:style>
-          <p:txBody>
-            <a:bodyPr rtlCol="0" anchor="ctr"/>
-            <a:lstStyle/>
-            <a:p>
-              <a:pPr algn="ctr"/>
-              <a:endParaRPr lang="en-US"/>
-            </a:p>
-          </p:txBody>
-        </p:sp>
-        <p:sp>
-          <p:nvSpPr>
-            <p:cNvPr id="13" name="Rectangle 12">
-              <a:extLst>
-                <a:ext uri="{FF2B5EF4-FFF2-40B4-BE49-F238E27FC236}">
-                  <a16:creationId xmlns:a16="http://schemas.microsoft.com/office/drawing/2014/main" id="{C5A5C3CE-6771-4A6B-9F6C-B676B4D5FC1F}"/>
-                </a:ext>
-              </a:extLst>
-            </p:cNvPr>
-            <p:cNvSpPr/>
-            <p:nvPr/>
-          </p:nvSpPr>
-          <p:spPr>
-            <a:xfrm>
-              <a:off x="5395275" y="3810392"/>
-              <a:ext cx="1348033" cy="1211373"/>
-            </a:xfrm>
-            <a:prstGeom prst="rect">
-              <a:avLst/>
-            </a:prstGeom>
-            <a:solidFill>
-              <a:srgbClr val="F49696"/>
-            </a:solidFill>
-          </p:spPr>
-          <p:style>
-            <a:lnRef idx="2">
-              <a:schemeClr val="accent1">
-                <a:shade val="50000"/>
-              </a:schemeClr>
-            </a:lnRef>
-            <a:fillRef idx="1">
-              <a:schemeClr val="accent1"/>
-            </a:fillRef>
-            <a:effectRef idx="0">
-              <a:schemeClr val="accent1"/>
-            </a:effectRef>
-            <a:fontRef idx="minor">
-              <a:schemeClr val="lt1"/>
-            </a:fontRef>
-          </p:style>
-          <p:txBody>
-            <a:bodyPr rtlCol="0" anchor="ctr"/>
-            <a:lstStyle/>
-            <a:p>
-              <a:pPr algn="ctr"/>
-              <a:r>
-                <a:rPr lang="en-US" dirty="0"/>
-                <a:t>Image channel</a:t>
-              </a:r>
-              <a:br>
-                <a:rPr lang="en-US" dirty="0"/>
-              </a:br>
-              <a:r>
-                <a:rPr lang="en-US" dirty="0"/>
-                <a:t>(w * h)</a:t>
-              </a:r>
-            </a:p>
-          </p:txBody>
-        </p:sp>
-      </p:grpSp>
-      <p:sp>
-        <p:nvSpPr>
-          <p:cNvPr id="15" name="ZoneTexte 14">
-            <a:extLst>
-              <a:ext uri="{FF2B5EF4-FFF2-40B4-BE49-F238E27FC236}">
-                <a16:creationId xmlns:a16="http://schemas.microsoft.com/office/drawing/2014/main" id="{C86E93BE-C815-4F1E-9DCA-A6E5D1E20F31}"/>
-              </a:ext>
-            </a:extLst>
-          </p:cNvPr>
-          <p:cNvSpPr txBox="1"/>
-          <p:nvPr/>
-        </p:nvSpPr>
-        <p:spPr>
-          <a:xfrm>
-            <a:off x="5061409" y="3994481"/>
-            <a:ext cx="845269" cy="707886"/>
-          </a:xfrm>
-          <a:prstGeom prst="rect">
-            <a:avLst/>
-          </a:prstGeom>
-          <a:noFill/>
-        </p:spPr>
-        <p:txBody>
-          <a:bodyPr wrap="square" rtlCol="0">
-            <a:spAutoFit/>
-          </a:bodyPr>
-          <a:lstStyle/>
-          <a:p>
-            <a:pPr algn="ctr"/>
-            <a:r>
-              <a:rPr lang="en-US" sz="4000" dirty="0"/>
-              <a:t>…</a:t>
-            </a:r>
-          </a:p>
-        </p:txBody>
-      </p:sp>
-      <p:sp>
-        <p:nvSpPr>
-          <p:cNvPr id="16" name="ZoneTexte 15">
-            <a:extLst>
-              <a:ext uri="{FF2B5EF4-FFF2-40B4-BE49-F238E27FC236}">
-                <a16:creationId xmlns:a16="http://schemas.microsoft.com/office/drawing/2014/main" id="{B67B5173-4709-4AF3-90F1-6216617BE79A}"/>
-              </a:ext>
-            </a:extLst>
-          </p:cNvPr>
-          <p:cNvSpPr txBox="1"/>
-          <p:nvPr/>
-        </p:nvSpPr>
-        <p:spPr>
-          <a:xfrm>
-            <a:off x="3300954" y="5164609"/>
-            <a:ext cx="1348033" cy="584775"/>
-          </a:xfrm>
-          <a:prstGeom prst="rect">
-            <a:avLst/>
-          </a:prstGeom>
-          <a:noFill/>
-        </p:spPr>
-        <p:txBody>
-          <a:bodyPr wrap="square" rtlCol="0">
-            <a:spAutoFit/>
-          </a:bodyPr>
-          <a:lstStyle/>
-          <a:p>
-            <a:pPr algn="ctr"/>
-            <a:r>
-              <a:rPr lang="en-US" sz="3200" dirty="0"/>
-              <a:t>t=0</a:t>
-            </a:r>
-          </a:p>
-        </p:txBody>
-      </p:sp>
-      <p:sp>
-        <p:nvSpPr>
-          <p:cNvPr id="17" name="ZoneTexte 16">
-            <a:extLst>
-              <a:ext uri="{FF2B5EF4-FFF2-40B4-BE49-F238E27FC236}">
-                <a16:creationId xmlns:a16="http://schemas.microsoft.com/office/drawing/2014/main" id="{D441B71D-5D31-401E-B00F-3C12062A1CE2}"/>
-              </a:ext>
-            </a:extLst>
-          </p:cNvPr>
-          <p:cNvSpPr txBox="1"/>
-          <p:nvPr/>
-        </p:nvSpPr>
-        <p:spPr>
-          <a:xfrm>
-            <a:off x="6095999" y="5164608"/>
-            <a:ext cx="1348033" cy="584775"/>
-          </a:xfrm>
-          <a:prstGeom prst="rect">
-            <a:avLst/>
-          </a:prstGeom>
-          <a:noFill/>
-        </p:spPr>
-        <p:txBody>
-          <a:bodyPr wrap="square" rtlCol="0">
-            <a:spAutoFit/>
-          </a:bodyPr>
-          <a:lstStyle/>
-          <a:p>
-            <a:pPr algn="ctr"/>
-            <a:r>
-              <a:rPr lang="en-US" sz="3200" dirty="0"/>
-              <a:t>t=T</a:t>
-            </a:r>
+            <a:r>
+              <a:rPr lang="en-US" dirty="0"/>
+              <a:t>Issues of gradient-based techniques</a:t>
+            </a:r>
+          </a:p>
+          <a:p>
+            <a:pPr lvl="1"/>
+            <a:r>
+              <a:rPr lang="en-US" dirty="0"/>
+              <a:t>Hard/impossible to get out of local optima</a:t>
+            </a:r>
+          </a:p>
+          <a:p>
+            <a:pPr lvl="1"/>
+            <a:r>
+              <a:rPr lang="en-US" dirty="0"/>
+              <a:t>Starting point of exploration matters</a:t>
+            </a:r>
+          </a:p>
+          <a:p>
+            <a:pPr lvl="1"/>
+            <a:r>
+              <a:rPr lang="en-US" dirty="0"/>
+              <a:t>Step size? Too small / too large leads to convergence issues</a:t>
+            </a:r>
+          </a:p>
+          <a:p>
+            <a:endParaRPr lang="en-US" dirty="0"/>
+          </a:p>
+          <a:p>
+            <a:pPr lvl="1"/>
+            <a:endParaRPr lang="en-US" dirty="0"/>
+          </a:p>
+          <a:p>
+            <a:endParaRPr lang="en-US" dirty="0"/>
           </a:p>
         </p:txBody>
       </p:sp>
     </p:spTree>
     <p:extLst>
       <p:ext uri="{BB962C8B-B14F-4D97-AF65-F5344CB8AC3E}">
-        <p14:creationId xmlns:p14="http://schemas.microsoft.com/office/powerpoint/2010/main" val="2631467866"/>
+        <p14:creationId xmlns:p14="http://schemas.microsoft.com/office/powerpoint/2010/main" val="643053748"/>
       </p:ext>
     </p:extLst>
   </p:cSld>
@@ -2808,7 +2077,7 @@
           <p:cNvPr id="2" name="Titre 1">
             <a:extLst>
               <a:ext uri="{FF2B5EF4-FFF2-40B4-BE49-F238E27FC236}">
-                <a16:creationId xmlns:a16="http://schemas.microsoft.com/office/drawing/2014/main" id="{F0EBE9E1-A15C-4224-9272-736E1767F1EB}"/>
+                <a16:creationId xmlns:a16="http://schemas.microsoft.com/office/drawing/2014/main" id="{6E8B27F1-2098-465F-B83F-3123A3370907}"/>
               </a:ext>
             </a:extLst>
           </p:cNvPr>
@@ -2826,7 +2095,7 @@
           <a:p>
             <a:r>
               <a:rPr lang="en-US" dirty="0"/>
-              <a:t>Why are neural networks winning?</a:t>
+              <a:t>Issues with gradient-based techniques</a:t>
             </a:r>
           </a:p>
         </p:txBody>
@@ -2836,7 +2105,7 @@
           <p:cNvPr id="3" name="Espace réservé du texte 2">
             <a:extLst>
               <a:ext uri="{FF2B5EF4-FFF2-40B4-BE49-F238E27FC236}">
-                <a16:creationId xmlns:a16="http://schemas.microsoft.com/office/drawing/2014/main" id="{B1340D47-F59D-463F-9B9E-CFE1CAC4A3D0}"/>
+                <a16:creationId xmlns:a16="http://schemas.microsoft.com/office/drawing/2014/main" id="{AE148438-185B-435D-9D83-E60BEDDB88B4}"/>
               </a:ext>
             </a:extLst>
           </p:cNvPr>
@@ -2854,23 +2123,60 @@
           <a:p>
             <a:r>
               <a:rPr lang="en-US" dirty="0"/>
-              <a:t>And when we have to choose between </a:t>
-            </a:r>
-            <a:r>
-              <a:rPr lang="en-US" i="1" dirty="0"/>
-              <a:t>n </a:t>
-            </a:r>
-            <a:r>
-              <a:rPr lang="en-US" dirty="0"/>
-              <a:t>discrete values?</a:t>
+              <a:t>Starting point of exploration matters</a:t>
             </a:r>
           </a:p>
         </p:txBody>
       </p:sp>
+      <p:pic>
+        <p:nvPicPr>
+          <p:cNvPr id="1026" name="Picture 2" descr="What is Stochastic Gradient Descent- A Super Easy Complete Guide!">
+            <a:extLst>
+              <a:ext uri="{FF2B5EF4-FFF2-40B4-BE49-F238E27FC236}">
+                <a16:creationId xmlns:a16="http://schemas.microsoft.com/office/drawing/2014/main" id="{4BE96C7B-E561-44A3-9382-D23337EE7A27}"/>
+              </a:ext>
+            </a:extLst>
+          </p:cNvPr>
+          <p:cNvPicPr>
+            <a:picLocks noChangeAspect="1" noChangeArrowheads="1"/>
+          </p:cNvPicPr>
+          <p:nvPr/>
+        </p:nvPicPr>
+        <p:blipFill rotWithShape="1">
+          <a:blip r:embed="rId2">
+            <a:extLst>
+              <a:ext uri="{28A0092B-C50C-407E-A947-70E740481C1C}">
+                <a14:useLocalDpi xmlns:a14="http://schemas.microsoft.com/office/drawing/2010/main" val="0"/>
+              </a:ext>
+            </a:extLst>
+          </a:blip>
+          <a:srcRect l="14719" b="27595"/>
+          <a:stretch/>
+        </p:blipFill>
+        <p:spPr bwMode="auto">
+          <a:xfrm>
+            <a:off x="3171727" y="2111015"/>
+            <a:ext cx="5848546" cy="3724177"/>
+          </a:xfrm>
+          <a:prstGeom prst="rect">
+            <a:avLst/>
+          </a:prstGeom>
+          <a:noFill/>
+          <a:extLst>
+            <a:ext uri="{909E8E84-426E-40DD-AFC4-6F175D3DCCD1}">
+              <a14:hiddenFill xmlns:a14="http://schemas.microsoft.com/office/drawing/2010/main">
+                <a:solidFill>
+                  <a:srgbClr val="FFFFFF"/>
+                </a:solidFill>
+              </a14:hiddenFill>
+            </a:ext>
+          </a:extLst>
+        </p:spPr>
+      </p:pic>
     </p:spTree>
     <p:extLst>
       <p:ext uri="{BB962C8B-B14F-4D97-AF65-F5344CB8AC3E}">
-        <p14:creationId xmlns:p14="http://schemas.microsoft.com/office/powerpoint/2010/main" val="3857444322"/>
+        <p14:creationId xmlns:p14="http://schemas.microsoft.com/office/powerpoint/2010/main" val="4085759856"/>
       </p:ext>
     </p:extLst>
   </p:cSld>
@@ -2902,7 +2208,7 @@
           <p:cNvPr id="2" name="Titre 1">
             <a:extLst>
               <a:ext uri="{FF2B5EF4-FFF2-40B4-BE49-F238E27FC236}">
-                <a16:creationId xmlns:a16="http://schemas.microsoft.com/office/drawing/2014/main" id="{F0EBE9E1-A15C-4224-9272-736E1767F1EB}"/>
+                <a16:creationId xmlns:a16="http://schemas.microsoft.com/office/drawing/2014/main" id="{6E8B27F1-2098-465F-B83F-3123A3370907}"/>
               </a:ext>
             </a:extLst>
           </p:cNvPr>
@@ -2920,7 +2226,7 @@
           <a:p>
             <a:r>
               <a:rPr lang="en-US" dirty="0"/>
-              <a:t>Why are neural networks winning?</a:t>
+              <a:t>Issues with gradient-based techniques</a:t>
             </a:r>
           </a:p>
         </p:txBody>
@@ -2930,7 +2236,7 @@
           <p:cNvPr id="3" name="Espace réservé du texte 2">
             <a:extLst>
               <a:ext uri="{FF2B5EF4-FFF2-40B4-BE49-F238E27FC236}">
-                <a16:creationId xmlns:a16="http://schemas.microsoft.com/office/drawing/2014/main" id="{B1340D47-F59D-463F-9B9E-CFE1CAC4A3D0}"/>
+                <a16:creationId xmlns:a16="http://schemas.microsoft.com/office/drawing/2014/main" id="{AE148438-185B-435D-9D83-E60BEDDB88B4}"/>
               </a:ext>
             </a:extLst>
           </p:cNvPr>
@@ -2948,170 +2254,45 @@
           <a:p>
             <a:r>
               <a:rPr lang="en-US" dirty="0"/>
-              <a:t>Tensor is interpreted as a </a:t>
-            </a:r>
-            <a:r>
-              <a:rPr lang="en-US" i="1" dirty="0"/>
-              <a:t>probability distribution</a:t>
-            </a:r>
-          </a:p>
-          <a:p>
-            <a:r>
-              <a:rPr lang="en-US" dirty="0"/>
-              <a:t>Each cell in output tensor is “probability” of picking element</a:t>
-            </a:r>
-          </a:p>
-        </p:txBody>
-      </p:sp>
-      <p:sp>
-        <p:nvSpPr>
-          <p:cNvPr id="4" name="Cube 3">
-            <a:extLst>
-              <a:ext uri="{FF2B5EF4-FFF2-40B4-BE49-F238E27FC236}">
-                <a16:creationId xmlns:a16="http://schemas.microsoft.com/office/drawing/2014/main" id="{1E957AD8-2C97-44FB-BA51-A1374F668F8C}"/>
-              </a:ext>
-            </a:extLst>
-          </p:cNvPr>
-          <p:cNvSpPr/>
-          <p:nvPr/>
-        </p:nvSpPr>
-        <p:spPr>
-          <a:xfrm>
-            <a:off x="1311114" y="3429000"/>
-            <a:ext cx="1111576" cy="1649689"/>
-          </a:xfrm>
-          <a:prstGeom prst="cube">
-            <a:avLst/>
-          </a:prstGeom>
-        </p:spPr>
-        <p:style>
-          <a:lnRef idx="2">
-            <a:schemeClr val="accent1">
-              <a:shade val="50000"/>
-            </a:schemeClr>
-          </a:lnRef>
-          <a:fillRef idx="1">
-            <a:schemeClr val="accent1"/>
-          </a:fillRef>
-          <a:effectRef idx="0">
-            <a:schemeClr val="accent1"/>
-          </a:effectRef>
-          <a:fontRef idx="minor">
-            <a:schemeClr val="lt1"/>
-          </a:fontRef>
-        </p:style>
-        <p:txBody>
-          <a:bodyPr rtlCol="0" anchor="ctr"/>
-          <a:lstStyle/>
-          <a:p>
-            <a:pPr algn="ctr"/>
-            <a:r>
-              <a:rPr lang="en-US" dirty="0"/>
-              <a:t>Tensor </a:t>
-            </a:r>
-            <a:br>
-              <a:rPr lang="en-US" dirty="0"/>
-            </a:br>
-            <a:r>
-              <a:rPr lang="en-US" dirty="0"/>
-              <a:t>(1 * n)</a:t>
-            </a:r>
-          </a:p>
-        </p:txBody>
-      </p:sp>
-      <p:sp>
-        <p:nvSpPr>
-          <p:cNvPr id="5" name="Flèche : droite 4">
-            <a:extLst>
-              <a:ext uri="{FF2B5EF4-FFF2-40B4-BE49-F238E27FC236}">
-                <a16:creationId xmlns:a16="http://schemas.microsoft.com/office/drawing/2014/main" id="{FAD8B6B3-CBAD-4A33-A078-AA985245F449}"/>
-              </a:ext>
-            </a:extLst>
-          </p:cNvPr>
-          <p:cNvSpPr/>
-          <p:nvPr/>
-        </p:nvSpPr>
-        <p:spPr>
-          <a:xfrm>
-            <a:off x="2793478" y="4146186"/>
-            <a:ext cx="938752" cy="537328"/>
-          </a:xfrm>
-          <a:prstGeom prst="rightArrow">
-            <a:avLst/>
-          </a:prstGeom>
-        </p:spPr>
-        <p:style>
-          <a:lnRef idx="2">
-            <a:schemeClr val="dk1"/>
-          </a:lnRef>
-          <a:fillRef idx="1">
-            <a:schemeClr val="lt1"/>
-          </a:fillRef>
-          <a:effectRef idx="0">
-            <a:schemeClr val="dk1"/>
-          </a:effectRef>
-          <a:fontRef idx="minor">
-            <a:schemeClr val="dk1"/>
-          </a:fontRef>
-        </p:style>
-        <p:txBody>
-          <a:bodyPr rtlCol="0" anchor="ctr"/>
-          <a:lstStyle/>
-          <a:p>
-            <a:pPr algn="ctr"/>
-            <a:endParaRPr lang="en-US"/>
+              <a:t>Step size? Too small / too large lead to convergence issues</a:t>
+            </a:r>
           </a:p>
         </p:txBody>
       </p:sp>
       <p:pic>
         <p:nvPicPr>
-          <p:cNvPr id="3074" name="Picture 2" descr="How to Get Better Outputs from Your Large Language Model | NVIDIA Technical  Blog">
-            <a:extLst>
-              <a:ext uri="{FF2B5EF4-FFF2-40B4-BE49-F238E27FC236}">
-                <a16:creationId xmlns:a16="http://schemas.microsoft.com/office/drawing/2014/main" id="{A99C3C0B-98C8-44D7-974A-F8F592F0A0A0}"/>
+          <p:cNvPr id="5" name="Image 4">
+            <a:extLst>
+              <a:ext uri="{FF2B5EF4-FFF2-40B4-BE49-F238E27FC236}">
+                <a16:creationId xmlns:a16="http://schemas.microsoft.com/office/drawing/2014/main" id="{CC40AC21-2824-490D-BCD3-C3E6E4C77A0B}"/>
               </a:ext>
             </a:extLst>
           </p:cNvPr>
           <p:cNvPicPr>
-            <a:picLocks noChangeAspect="1" noChangeArrowheads="1"/>
+            <a:picLocks noChangeAspect="1"/>
           </p:cNvPicPr>
           <p:nvPr/>
         </p:nvPicPr>
-        <p:blipFill rotWithShape="1">
-          <a:blip r:embed="rId2" cstate="print">
-            <a:extLst>
-              <a:ext uri="{28A0092B-C50C-407E-A947-70E740481C1C}">
-                <a14:useLocalDpi xmlns:a14="http://schemas.microsoft.com/office/drawing/2010/main" val="0"/>
-              </a:ext>
-            </a:extLst>
-          </a:blip>
-          <a:srcRect/>
-          <a:stretch/>
+        <p:blipFill>
+          <a:blip r:embed="rId2"/>
+          <a:stretch>
+            <a:fillRect/>
+          </a:stretch>
         </p:blipFill>
-        <p:spPr bwMode="auto">
+        <p:spPr>
           <a:xfrm>
-            <a:off x="3818224" y="2917423"/>
-            <a:ext cx="7449582" cy="2672842"/>
+            <a:off x="1499546" y="2207326"/>
+            <a:ext cx="9192908" cy="3781953"/>
           </a:xfrm>
           <a:prstGeom prst="rect">
             <a:avLst/>
           </a:prstGeom>
-          <a:noFill/>
-          <a:extLst>
-            <a:ext uri="{909E8E84-426E-40DD-AFC4-6F175D3DCCD1}">
-              <a14:hiddenFill xmlns:a14="http://schemas.microsoft.com/office/drawing/2010/main">
-                <a:solidFill>
-                  <a:srgbClr val="FFFFFF"/>
-                </a:solidFill>
-              </a14:hiddenFill>
-            </a:ext>
-          </a:extLst>
         </p:spPr>
       </p:pic>
     </p:spTree>
     <p:extLst>
       <p:ext uri="{BB962C8B-B14F-4D97-AF65-F5344CB8AC3E}">
-        <p14:creationId xmlns:p14="http://schemas.microsoft.com/office/powerpoint/2010/main" val="1342896755"/>
+        <p14:creationId xmlns:p14="http://schemas.microsoft.com/office/powerpoint/2010/main" val="1068489037"/>
       </p:ext>
     </p:extLst>
   </p:cSld>
@@ -3143,7 +2324,7 @@
           <p:cNvPr id="2" name="Titre 1">
             <a:extLst>
               <a:ext uri="{FF2B5EF4-FFF2-40B4-BE49-F238E27FC236}">
-                <a16:creationId xmlns:a16="http://schemas.microsoft.com/office/drawing/2014/main" id="{F0EBE9E1-A15C-4224-9272-736E1767F1EB}"/>
+                <a16:creationId xmlns:a16="http://schemas.microsoft.com/office/drawing/2014/main" id="{74D47F70-6651-4222-B872-94F7A2DC9191}"/>
               </a:ext>
             </a:extLst>
           </p:cNvPr>
@@ -3161,198 +2342,210 @@
           <a:p>
             <a:r>
               <a:rPr lang="en-US" dirty="0"/>
-              <a:t>Why are neural networks winning?</a:t>
+              <a:t>Modern gradient-based techniques</a:t>
             </a:r>
           </a:p>
         </p:txBody>
       </p:sp>
-      <p:sp>
-        <p:nvSpPr>
-          <p:cNvPr id="3" name="Espace réservé du texte 2">
-            <a:extLst>
-              <a:ext uri="{FF2B5EF4-FFF2-40B4-BE49-F238E27FC236}">
-                <a16:creationId xmlns:a16="http://schemas.microsoft.com/office/drawing/2014/main" id="{B1340D47-F59D-463F-9B9E-CFE1CAC4A3D0}"/>
-              </a:ext>
-            </a:extLst>
-          </p:cNvPr>
-          <p:cNvSpPr>
-            <a:spLocks noGrp="1"/>
-          </p:cNvSpPr>
-          <p:nvPr>
-            <p:ph type="body" sz="quarter" idx="10"/>
-          </p:nvPr>
-        </p:nvSpPr>
-        <p:spPr/>
-        <p:txBody>
-          <a:bodyPr/>
-          <a:lstStyle/>
-          <a:p>
-            <a:r>
-              <a:rPr lang="en-US" dirty="0"/>
-              <a:t>Tensor is interpreted as a </a:t>
-            </a:r>
-            <a:r>
-              <a:rPr lang="en-US" i="1" dirty="0"/>
-              <a:t>probability distribution</a:t>
-            </a:r>
-          </a:p>
-          <a:p>
-            <a:r>
-              <a:rPr lang="en-US" dirty="0"/>
-              <a:t>Each cell in output tensor is “probability” of picking element</a:t>
-            </a:r>
-          </a:p>
-        </p:txBody>
-      </p:sp>
-      <p:sp>
-        <p:nvSpPr>
-          <p:cNvPr id="4" name="Cube 3">
-            <a:extLst>
-              <a:ext uri="{FF2B5EF4-FFF2-40B4-BE49-F238E27FC236}">
-                <a16:creationId xmlns:a16="http://schemas.microsoft.com/office/drawing/2014/main" id="{1E957AD8-2C97-44FB-BA51-A1374F668F8C}"/>
-              </a:ext>
-            </a:extLst>
-          </p:cNvPr>
-          <p:cNvSpPr/>
-          <p:nvPr/>
-        </p:nvSpPr>
-        <p:spPr>
-          <a:xfrm>
-            <a:off x="1311114" y="3429000"/>
-            <a:ext cx="1111576" cy="1649689"/>
-          </a:xfrm>
-          <a:prstGeom prst="cube">
-            <a:avLst/>
-          </a:prstGeom>
-        </p:spPr>
-        <p:style>
-          <a:lnRef idx="2">
-            <a:schemeClr val="accent1">
-              <a:shade val="50000"/>
-            </a:schemeClr>
-          </a:lnRef>
-          <a:fillRef idx="1">
-            <a:schemeClr val="accent1"/>
-          </a:fillRef>
-          <a:effectRef idx="0">
-            <a:schemeClr val="accent1"/>
-          </a:effectRef>
-          <a:fontRef idx="minor">
-            <a:schemeClr val="lt1"/>
-          </a:fontRef>
-        </p:style>
-        <p:txBody>
-          <a:bodyPr rtlCol="0" anchor="ctr"/>
-          <a:lstStyle/>
-          <a:p>
-            <a:pPr algn="ctr"/>
-            <a:r>
-              <a:rPr lang="en-US" dirty="0"/>
-              <a:t>Tensor </a:t>
-            </a:r>
-            <a:br>
-              <a:rPr lang="en-US" dirty="0"/>
-            </a:br>
-            <a:r>
-              <a:rPr lang="en-US" dirty="0"/>
-              <a:t>(1 * n)</a:t>
-            </a:r>
-          </a:p>
-        </p:txBody>
-      </p:sp>
-      <p:sp>
-        <p:nvSpPr>
-          <p:cNvPr id="5" name="Flèche : droite 4">
-            <a:extLst>
-              <a:ext uri="{FF2B5EF4-FFF2-40B4-BE49-F238E27FC236}">
-                <a16:creationId xmlns:a16="http://schemas.microsoft.com/office/drawing/2014/main" id="{FAD8B6B3-CBAD-4A33-A078-AA985245F449}"/>
-              </a:ext>
-            </a:extLst>
-          </p:cNvPr>
-          <p:cNvSpPr/>
-          <p:nvPr/>
-        </p:nvSpPr>
-        <p:spPr>
-          <a:xfrm>
-            <a:off x="2793478" y="4146186"/>
-            <a:ext cx="938752" cy="537328"/>
-          </a:xfrm>
-          <a:prstGeom prst="rightArrow">
-            <a:avLst/>
-          </a:prstGeom>
-        </p:spPr>
-        <p:style>
-          <a:lnRef idx="2">
-            <a:schemeClr val="dk1"/>
-          </a:lnRef>
-          <a:fillRef idx="1">
-            <a:schemeClr val="lt1"/>
-          </a:fillRef>
-          <a:effectRef idx="0">
-            <a:schemeClr val="dk1"/>
-          </a:effectRef>
-          <a:fontRef idx="minor">
-            <a:schemeClr val="dk1"/>
-          </a:fontRef>
-        </p:style>
-        <p:txBody>
-          <a:bodyPr rtlCol="0" anchor="ctr"/>
-          <a:lstStyle/>
-          <a:p>
-            <a:pPr algn="ctr"/>
-            <a:endParaRPr lang="en-US"/>
-          </a:p>
-        </p:txBody>
-      </p:sp>
+      <mc:AlternateContent xmlns:mc="http://schemas.openxmlformats.org/markup-compatibility/2006" xmlns:a14="http://schemas.microsoft.com/office/drawing/2010/main">
+        <mc:Choice Requires="a14">
+          <p:sp>
+            <p:nvSpPr>
+              <p:cNvPr id="3" name="Espace réservé du texte 2">
+                <a:extLst>
+                  <a:ext uri="{FF2B5EF4-FFF2-40B4-BE49-F238E27FC236}">
+                    <a16:creationId xmlns:a16="http://schemas.microsoft.com/office/drawing/2014/main" id="{21932826-8677-4023-A8C9-835A7CBF0EE2}"/>
+                  </a:ext>
+                </a:extLst>
+              </p:cNvPr>
+              <p:cNvSpPr>
+                <a:spLocks noGrp="1"/>
+              </p:cNvSpPr>
+              <p:nvPr>
+                <p:ph type="body" sz="quarter" idx="10"/>
+              </p:nvPr>
+            </p:nvSpPr>
+            <p:spPr/>
+            <p:txBody>
+              <a:bodyPr/>
+              <a:lstStyle/>
+              <a:p>
+                <a:r>
+                  <a:rPr lang="en-US" dirty="0"/>
+                  <a:t>Momentum</a:t>
+                </a:r>
+              </a:p>
+              <a:p>
+                <a:endParaRPr lang="en-US" dirty="0"/>
+              </a:p>
+              <a:p>
+                <a:endParaRPr lang="en-US" dirty="0"/>
+              </a:p>
+              <a:p>
+                <a:endParaRPr lang="en-US" dirty="0"/>
+              </a:p>
+              <a:p>
+                <a:pPr lvl="1"/>
+                <a:r>
+                  <a:rPr lang="en-US" dirty="0"/>
+                  <a:t>Accumulates “velocity” like a ball rolling down an incline</a:t>
+                </a:r>
+              </a:p>
+              <a:p>
+                <a:pPr lvl="1"/>
+                <a:r>
+                  <a:rPr lang="en-US" dirty="0"/>
+                  <a:t>Much faster at traversing nearly flat areas of search space</a:t>
+                </a:r>
+              </a:p>
+              <a:p>
+                <a:r>
+                  <a:rPr lang="en-US" dirty="0"/>
+                  <a:t>However, it adds an extra parameter (</a:t>
+                </a:r>
+                <a14:m>
+                  <m:oMath xmlns:m="http://schemas.openxmlformats.org/officeDocument/2006/math">
+                    <m:r>
+                      <a:rPr lang="en-US" i="1" smtClean="0">
+                        <a:latin typeface="Cambria Math" panose="02040503050406030204" pitchFamily="18" charset="0"/>
+                        <a:ea typeface="Cambria Math" panose="02040503050406030204" pitchFamily="18" charset="0"/>
+                      </a:rPr>
+                      <m:t>𝛼</m:t>
+                    </m:r>
+                    <m:r>
+                      <a:rPr lang="it-IT" b="0" i="1" smtClean="0">
+                        <a:latin typeface="Cambria Math" panose="02040503050406030204" pitchFamily="18" charset="0"/>
+                        <a:ea typeface="Cambria Math" panose="02040503050406030204" pitchFamily="18" charset="0"/>
+                      </a:rPr>
+                      <m:t>,</m:t>
+                    </m:r>
+                    <m:r>
+                      <a:rPr lang="it-IT" b="0" i="1" smtClean="0">
+                        <a:latin typeface="Cambria Math" panose="02040503050406030204" pitchFamily="18" charset="0"/>
+                        <a:ea typeface="Cambria Math" panose="02040503050406030204" pitchFamily="18" charset="0"/>
+                      </a:rPr>
+                      <m:t>𝛽</m:t>
+                    </m:r>
+                  </m:oMath>
+                </a14:m>
+                <a:r>
+                  <a:rPr lang="en-US" dirty="0"/>
+                  <a:t>)</a:t>
+                </a:r>
+              </a:p>
+              <a:p>
+                <a:pPr lvl="1"/>
+                <a14:m>
+                  <m:oMath xmlns:m="http://schemas.openxmlformats.org/officeDocument/2006/math">
+                    <m:r>
+                      <a:rPr lang="en-US" i="1" smtClean="0">
+                        <a:latin typeface="Cambria Math" panose="02040503050406030204" pitchFamily="18" charset="0"/>
+                        <a:ea typeface="Cambria Math" panose="02040503050406030204" pitchFamily="18" charset="0"/>
+                      </a:rPr>
+                      <m:t>𝛼</m:t>
+                    </m:r>
+                  </m:oMath>
+                </a14:m>
+                <a:r>
+                  <a:rPr lang="en-US" dirty="0"/>
+                  <a:t> is still the learning rate</a:t>
+                </a:r>
+              </a:p>
+              <a:p>
+                <a:pPr lvl="1"/>
+                <a14:m>
+                  <m:oMath xmlns:m="http://schemas.openxmlformats.org/officeDocument/2006/math">
+                    <m:r>
+                      <a:rPr lang="it-IT" b="0" i="1" smtClean="0">
+                        <a:latin typeface="Cambria Math" panose="02040503050406030204" pitchFamily="18" charset="0"/>
+                        <a:ea typeface="Cambria Math" panose="02040503050406030204" pitchFamily="18" charset="0"/>
+                      </a:rPr>
+                      <m:t>𝛽</m:t>
+                    </m:r>
+                  </m:oMath>
+                </a14:m>
+                <a:r>
+                  <a:rPr lang="en-US" dirty="0"/>
+                  <a:t> represents the importance given to velocity during update</a:t>
+                </a:r>
+              </a:p>
+            </p:txBody>
+          </p:sp>
+        </mc:Choice>
+        <mc:Fallback xmlns="">
+          <p:sp>
+            <p:nvSpPr>
+              <p:cNvPr id="3" name="Espace réservé du texte 2">
+                <a:extLst>
+                  <a:ext uri="{FF2B5EF4-FFF2-40B4-BE49-F238E27FC236}">
+                    <a16:creationId xmlns:a16="http://schemas.microsoft.com/office/drawing/2014/main" id="{21932826-8677-4023-A8C9-835A7CBF0EE2}"/>
+                  </a:ext>
+                </a:extLst>
+              </p:cNvPr>
+              <p:cNvSpPr>
+                <a:spLocks noGrp="1" noRot="1" noChangeAspect="1" noMove="1" noResize="1" noEditPoints="1" noAdjustHandles="1" noChangeArrowheads="1" noChangeShapeType="1" noTextEdit="1"/>
+              </p:cNvSpPr>
+              <p:nvPr>
+                <p:ph type="body" sz="quarter" idx="10"/>
+              </p:nvPr>
+            </p:nvSpPr>
+            <p:spPr>
+              <a:blipFill>
+                <a:blip r:embed="rId2"/>
+                <a:stretch>
+                  <a:fillRect l="-1333" t="-2734" b="-1693"/>
+                </a:stretch>
+              </a:blipFill>
+            </p:spPr>
+            <p:txBody>
+              <a:bodyPr/>
+              <a:lstStyle/>
+              <a:p>
+                <a:r>
+                  <a:rPr lang="en-US">
+                    <a:noFill/>
+                  </a:rPr>
+                  <a:t> </a:t>
+                </a:r>
+              </a:p>
+            </p:txBody>
+          </p:sp>
+        </mc:Fallback>
+      </mc:AlternateContent>
       <p:pic>
         <p:nvPicPr>
-          <p:cNvPr id="2050" name="Picture 2">
-            <a:extLst>
-              <a:ext uri="{FF2B5EF4-FFF2-40B4-BE49-F238E27FC236}">
-                <a16:creationId xmlns:a16="http://schemas.microsoft.com/office/drawing/2014/main" id="{A3B777ED-C1F5-4E40-B9DF-206D96B12BD5}"/>
+          <p:cNvPr id="5" name="Image 4">
+            <a:extLst>
+              <a:ext uri="{FF2B5EF4-FFF2-40B4-BE49-F238E27FC236}">
+                <a16:creationId xmlns:a16="http://schemas.microsoft.com/office/drawing/2014/main" id="{E2245CBF-07A2-48E0-8BAD-0863CCF2E59D}"/>
               </a:ext>
             </a:extLst>
           </p:cNvPr>
           <p:cNvPicPr>
-            <a:picLocks noChangeAspect="1" noChangeArrowheads="1"/>
+            <a:picLocks noChangeAspect="1"/>
           </p:cNvPicPr>
           <p:nvPr/>
         </p:nvPicPr>
-        <p:blipFill rotWithShape="1">
-          <a:blip r:embed="rId2" cstate="print">
-            <a:extLst>
-              <a:ext uri="{28A0092B-C50C-407E-A947-70E740481C1C}">
-                <a14:useLocalDpi xmlns:a14="http://schemas.microsoft.com/office/drawing/2010/main" val="0"/>
-              </a:ext>
-            </a:extLst>
-          </a:blip>
-          <a:srcRect/>
-          <a:stretch/>
+        <p:blipFill>
+          <a:blip r:embed="rId3"/>
+          <a:stretch>
+            <a:fillRect/>
+          </a:stretch>
         </p:blipFill>
-        <p:spPr bwMode="auto">
+        <p:spPr>
           <a:xfrm>
-            <a:off x="4470561" y="2561594"/>
-            <a:ext cx="2892659" cy="3384500"/>
+            <a:off x="3580082" y="1857084"/>
+            <a:ext cx="3410426" cy="1352739"/>
           </a:xfrm>
           <a:prstGeom prst="rect">
             <a:avLst/>
           </a:prstGeom>
-          <a:noFill/>
-          <a:extLst>
-            <a:ext uri="{909E8E84-426E-40DD-AFC4-6F175D3DCCD1}">
-              <a14:hiddenFill xmlns:a14="http://schemas.microsoft.com/office/drawing/2010/main">
-                <a:solidFill>
-                  <a:srgbClr val="FFFFFF"/>
-                </a:solidFill>
-              </a14:hiddenFill>
-            </a:ext>
-          </a:extLst>
         </p:spPr>
       </p:pic>
     </p:spTree>
     <p:extLst>
       <p:ext uri="{BB962C8B-B14F-4D97-AF65-F5344CB8AC3E}">
-        <p14:creationId xmlns:p14="http://schemas.microsoft.com/office/powerpoint/2010/main" val="3356043090"/>
+        <p14:creationId xmlns:p14="http://schemas.microsoft.com/office/powerpoint/2010/main" val="1939182975"/>
       </p:ext>
     </p:extLst>
   </p:cSld>
@@ -3384,7 +2577,7 @@
           <p:cNvPr id="2" name="Titre 1">
             <a:extLst>
               <a:ext uri="{FF2B5EF4-FFF2-40B4-BE49-F238E27FC236}">
-                <a16:creationId xmlns:a16="http://schemas.microsoft.com/office/drawing/2014/main" id="{F0EBE9E1-A15C-4224-9272-736E1767F1EB}"/>
+                <a16:creationId xmlns:a16="http://schemas.microsoft.com/office/drawing/2014/main" id="{B55527CB-E0C8-454A-A66E-5DCF5A2F0A0E}"/>
               </a:ext>
             </a:extLst>
           </p:cNvPr>
@@ -3402,7 +2595,7 @@
           <a:p>
             <a:r>
               <a:rPr lang="en-US" dirty="0"/>
-              <a:t>Why are neural networks winning?</a:t>
+              <a:t>Modern gradient-based techniques</a:t>
             </a:r>
           </a:p>
         </p:txBody>
@@ -3412,7 +2605,7 @@
           <p:cNvPr id="3" name="Espace réservé du texte 2">
             <a:extLst>
               <a:ext uri="{FF2B5EF4-FFF2-40B4-BE49-F238E27FC236}">
-                <a16:creationId xmlns:a16="http://schemas.microsoft.com/office/drawing/2014/main" id="{B1340D47-F59D-463F-9B9E-CFE1CAC4A3D0}"/>
+                <a16:creationId xmlns:a16="http://schemas.microsoft.com/office/drawing/2014/main" id="{DB4F2154-FC33-417F-9C31-00CA1C487271}"/>
               </a:ext>
             </a:extLst>
           </p:cNvPr>
@@ -3430,22 +2623,86 @@
           <a:p>
             <a:r>
               <a:rPr lang="en-US" dirty="0"/>
-              <a:t>Transfer learning</a:t>
-            </a:r>
+              <a:t>However, now it cumulates </a:t>
+            </a:r>
+            <a:r>
+              <a:rPr lang="en-US" i="1" dirty="0"/>
+              <a:t>too much</a:t>
+            </a:r>
+            <a:r>
+              <a:rPr lang="en-US" dirty="0"/>
+              <a:t> momentum!</a:t>
+            </a:r>
+          </a:p>
+          <a:p>
+            <a:r>
+              <a:rPr lang="en-US" dirty="0" err="1"/>
+              <a:t>Nesterov</a:t>
+            </a:r>
+            <a:r>
+              <a:rPr lang="en-US" dirty="0"/>
+              <a:t> momentum</a:t>
+            </a:r>
+          </a:p>
+          <a:p>
+            <a:endParaRPr lang="en-US" dirty="0"/>
+          </a:p>
+          <a:p>
+            <a:endParaRPr lang="en-US" dirty="0"/>
+          </a:p>
+          <a:p>
+            <a:endParaRPr lang="en-US" dirty="0"/>
           </a:p>
           <a:p>
             <a:pPr lvl="1"/>
             <a:r>
               <a:rPr lang="en-US" dirty="0"/>
-              <a:t>Somehow, using multiple layers </a:t>
+              <a:t>Evaluate the gradient at the point planned to end in</a:t>
+            </a:r>
+          </a:p>
+          <a:p>
+            <a:pPr lvl="1"/>
+            <a:r>
+              <a:rPr lang="en-US" dirty="0"/>
+              <a:t>Velocity is rescaled accordingly</a:t>
             </a:r>
           </a:p>
         </p:txBody>
       </p:sp>
+      <p:pic>
+        <p:nvPicPr>
+          <p:cNvPr id="5" name="Image 4">
+            <a:extLst>
+              <a:ext uri="{FF2B5EF4-FFF2-40B4-BE49-F238E27FC236}">
+                <a16:creationId xmlns:a16="http://schemas.microsoft.com/office/drawing/2014/main" id="{E89E6DD5-D23F-40F9-811C-FC5A991CBDF3}"/>
+              </a:ext>
+            </a:extLst>
+          </p:cNvPr>
+          <p:cNvPicPr>
+            <a:picLocks noChangeAspect="1"/>
+          </p:cNvPicPr>
+          <p:nvPr/>
+        </p:nvPicPr>
+        <p:blipFill>
+          <a:blip r:embed="rId2"/>
+          <a:stretch>
+            <a:fillRect/>
+          </a:stretch>
+        </p:blipFill>
+        <p:spPr>
+          <a:xfrm>
+            <a:off x="3471496" y="2738341"/>
+            <a:ext cx="5249008" cy="1381318"/>
+          </a:xfrm>
+          <a:prstGeom prst="rect">
+            <a:avLst/>
+          </a:prstGeom>
+        </p:spPr>
+      </p:pic>
     </p:spTree>
     <p:extLst>
       <p:ext uri="{BB962C8B-B14F-4D97-AF65-F5344CB8AC3E}">
-        <p14:creationId xmlns:p14="http://schemas.microsoft.com/office/powerpoint/2010/main" val="2593652476"/>
+        <p14:creationId xmlns:p14="http://schemas.microsoft.com/office/powerpoint/2010/main" val="3666505600"/>
       </p:ext>
     </p:extLst>
   </p:cSld>
@@ -3477,7 +2734,7 @@
           <p:cNvPr id="2" name="Titre 1">
             <a:extLst>
               <a:ext uri="{FF2B5EF4-FFF2-40B4-BE49-F238E27FC236}">
-                <a16:creationId xmlns:a16="http://schemas.microsoft.com/office/drawing/2014/main" id="{5FAF75AC-EA5D-4573-8604-E794E0D5514B}"/>
+                <a16:creationId xmlns:a16="http://schemas.microsoft.com/office/drawing/2014/main" id="{5E28F535-B12A-404A-A778-22A336C00E84}"/>
               </a:ext>
             </a:extLst>
           </p:cNvPr>
@@ -3493,7 +2750,10 @@
           <a:bodyPr/>
           <a:lstStyle/>
           <a:p>
-            <a:endParaRPr lang="en-US" dirty="0"/>
+            <a:r>
+              <a:rPr lang="en-US" dirty="0"/>
+              <a:t>Modern gradient-based techniques</a:t>
+            </a:r>
           </a:p>
         </p:txBody>
       </p:sp>
@@ -3502,7 +2762,7 @@
           <p:cNvPr id="3" name="Espace réservé du texte 2">
             <a:extLst>
               <a:ext uri="{FF2B5EF4-FFF2-40B4-BE49-F238E27FC236}">
-                <a16:creationId xmlns:a16="http://schemas.microsoft.com/office/drawing/2014/main" id="{ACFD6FB9-AD0F-4E3B-9C1D-F5F2E5364A78}"/>
+                <a16:creationId xmlns:a16="http://schemas.microsoft.com/office/drawing/2014/main" id="{E04B4128-1CCC-4F89-9A4C-556B29B42218}"/>
               </a:ext>
             </a:extLst>
           </p:cNvPr>
@@ -3518,14 +2778,125 @@
           <a:bodyPr/>
           <a:lstStyle/>
           <a:p>
-            <a:endParaRPr lang="en-US"/>
+            <a:r>
+              <a:rPr lang="en-US" dirty="0"/>
+              <a:t>Further issues motivated further advances (</a:t>
+            </a:r>
+            <a:r>
+              <a:rPr lang="en-US" b="1" dirty="0" err="1"/>
+              <a:t>Adagrad</a:t>
+            </a:r>
+            <a:r>
+              <a:rPr lang="en-US" dirty="0"/>
+              <a:t>)</a:t>
+            </a:r>
+          </a:p>
+          <a:p>
+            <a:pPr lvl="1"/>
+            <a:r>
+              <a:rPr lang="en-US" dirty="0"/>
+              <a:t>The step size could be different in each dimension</a:t>
+            </a:r>
+          </a:p>
+          <a:p>
+            <a:pPr lvl="1"/>
+            <a:r>
+              <a:rPr lang="en-US" dirty="0"/>
+              <a:t>Maintain a “memory” of the gradient values in each direction</a:t>
+            </a:r>
+          </a:p>
+          <a:p>
+            <a:pPr lvl="1"/>
+            <a:endParaRPr lang="en-US" dirty="0"/>
+          </a:p>
+          <a:p>
+            <a:pPr marL="457200" lvl="1" indent="0">
+              <a:buNone/>
+            </a:pPr>
+            <a:endParaRPr lang="en-US" dirty="0"/>
+          </a:p>
+          <a:p>
+            <a:endParaRPr lang="en-US" dirty="0"/>
+          </a:p>
+          <a:p>
+            <a:endParaRPr lang="en-US" dirty="0"/>
+          </a:p>
+          <a:p>
+            <a:endParaRPr lang="en-US" dirty="0"/>
+          </a:p>
+          <a:p>
+            <a:pPr lvl="1"/>
+            <a:r>
+              <a:rPr lang="en-US" dirty="0"/>
+              <a:t>However, this leads to the step size always decreasing</a:t>
+            </a:r>
           </a:p>
         </p:txBody>
       </p:sp>
+      <p:pic>
+        <p:nvPicPr>
+          <p:cNvPr id="5" name="Image 4">
+            <a:extLst>
+              <a:ext uri="{FF2B5EF4-FFF2-40B4-BE49-F238E27FC236}">
+                <a16:creationId xmlns:a16="http://schemas.microsoft.com/office/drawing/2014/main" id="{87517113-2B78-4488-8066-E5FC79C1FB39}"/>
+              </a:ext>
+            </a:extLst>
+          </p:cNvPr>
+          <p:cNvPicPr>
+            <a:picLocks noChangeAspect="1"/>
+          </p:cNvPicPr>
+          <p:nvPr/>
+        </p:nvPicPr>
+        <p:blipFill>
+          <a:blip r:embed="rId2"/>
+          <a:stretch>
+            <a:fillRect/>
+          </a:stretch>
+        </p:blipFill>
+        <p:spPr>
+          <a:xfrm>
+            <a:off x="3943046" y="2918148"/>
+            <a:ext cx="4305901" cy="1247949"/>
+          </a:xfrm>
+          <a:prstGeom prst="rect">
+            <a:avLst/>
+          </a:prstGeom>
+        </p:spPr>
+      </p:pic>
+      <p:pic>
+        <p:nvPicPr>
+          <p:cNvPr id="7" name="Image 6">
+            <a:extLst>
+              <a:ext uri="{FF2B5EF4-FFF2-40B4-BE49-F238E27FC236}">
+                <a16:creationId xmlns:a16="http://schemas.microsoft.com/office/drawing/2014/main" id="{3B4D802E-B5C4-4157-A915-021D834313A0}"/>
+              </a:ext>
+            </a:extLst>
+          </p:cNvPr>
+          <p:cNvPicPr>
+            <a:picLocks noChangeAspect="1"/>
+          </p:cNvPicPr>
+          <p:nvPr/>
+        </p:nvPicPr>
+        <p:blipFill>
+          <a:blip r:embed="rId3"/>
+          <a:stretch>
+            <a:fillRect/>
+          </a:stretch>
+        </p:blipFill>
+        <p:spPr>
+          <a:xfrm>
+            <a:off x="4862338" y="4052975"/>
+            <a:ext cx="2467319" cy="1219370"/>
+          </a:xfrm>
+          <a:prstGeom prst="rect">
+            <a:avLst/>
+          </a:prstGeom>
+        </p:spPr>
+      </p:pic>
     </p:spTree>
     <p:extLst>
       <p:ext uri="{BB962C8B-B14F-4D97-AF65-F5344CB8AC3E}">
-        <p14:creationId xmlns:p14="http://schemas.microsoft.com/office/powerpoint/2010/main" val="2891380970"/>
+        <p14:creationId xmlns:p14="http://schemas.microsoft.com/office/powerpoint/2010/main" val="3811859883"/>
       </p:ext>
     </p:extLst>
   </p:cSld>
@@ -3557,7 +2928,7 @@
           <p:cNvPr id="2" name="Titre 1">
             <a:extLst>
               <a:ext uri="{FF2B5EF4-FFF2-40B4-BE49-F238E27FC236}">
-                <a16:creationId xmlns:a16="http://schemas.microsoft.com/office/drawing/2014/main" id="{B3883CBF-4872-41DE-9E68-63B9B296A942}"/>
+                <a16:creationId xmlns:a16="http://schemas.microsoft.com/office/drawing/2014/main" id="{C6E9472A-5C29-4D79-AD60-3772019FC707}"/>
               </a:ext>
             </a:extLst>
           </p:cNvPr>
@@ -3575,7 +2946,7 @@
           <a:p>
             <a:r>
               <a:rPr lang="en-US" dirty="0"/>
-              <a:t>Worst enemies of DL (in this class, at least)</a:t>
+              <a:t>Modern gradient-based techniques</a:t>
             </a:r>
           </a:p>
         </p:txBody>
@@ -3585,7 +2956,7 @@
           <p:cNvPr id="3" name="Espace réservé du texte 2">
             <a:extLst>
               <a:ext uri="{FF2B5EF4-FFF2-40B4-BE49-F238E27FC236}">
-                <a16:creationId xmlns:a16="http://schemas.microsoft.com/office/drawing/2014/main" id="{316D8B43-958B-42A1-80EE-469723338A2A}"/>
+                <a16:creationId xmlns:a16="http://schemas.microsoft.com/office/drawing/2014/main" id="{C510B7F4-7E33-45D0-9A64-C7381E1FCF55}"/>
               </a:ext>
             </a:extLst>
           </p:cNvPr>
@@ -3598,75 +2969,24 @@
         </p:nvSpPr>
         <p:spPr/>
         <p:txBody>
-          <a:bodyPr numCol="2"/>
+          <a:bodyPr/>
           <a:lstStyle/>
           <a:p>
-            <a:pPr marL="0" indent="0" algn="ctr">
-              <a:buNone/>
-            </a:pPr>
-            <a:r>
-              <a:rPr lang="en-US" sz="4800" dirty="0"/>
-              <a:t>Space</a:t>
-            </a:r>
-          </a:p>
-          <a:p>
-            <a:pPr marL="0" indent="0">
-              <a:buNone/>
-            </a:pPr>
-            <a:endParaRPr lang="en-US" dirty="0"/>
-          </a:p>
-          <a:p>
-            <a:pPr marL="0" indent="0">
-              <a:buNone/>
-            </a:pPr>
-            <a:endParaRPr lang="en-US" dirty="0"/>
-          </a:p>
-          <a:p>
-            <a:pPr marL="0" indent="0">
-              <a:buNone/>
-            </a:pPr>
-            <a:endParaRPr lang="en-US" dirty="0"/>
-          </a:p>
-          <a:p>
-            <a:pPr marL="0" indent="0">
-              <a:buNone/>
-            </a:pPr>
-            <a:endParaRPr lang="en-US" dirty="0"/>
-          </a:p>
-          <a:p>
-            <a:pPr marL="0" indent="0">
-              <a:buNone/>
-            </a:pPr>
-            <a:endParaRPr lang="en-US" dirty="0"/>
-          </a:p>
-          <a:p>
-            <a:pPr marL="0" indent="0">
-              <a:buNone/>
-            </a:pPr>
-            <a:endParaRPr lang="en-US" dirty="0"/>
-          </a:p>
-          <a:p>
-            <a:pPr marL="0" indent="0" algn="ctr">
-              <a:buNone/>
-            </a:pPr>
-            <a:r>
-              <a:rPr lang="en-US" sz="4800" dirty="0"/>
-              <a:t>Time</a:t>
-            </a:r>
+            <a:endParaRPr lang="en-US"/>
           </a:p>
         </p:txBody>
       </p:sp>
       <p:pic>
         <p:nvPicPr>
-          <p:cNvPr id="1026" name="Picture 2" descr="What is time? | Space">
-            <a:extLst>
-              <a:ext uri="{FF2B5EF4-FFF2-40B4-BE49-F238E27FC236}">
-                <a16:creationId xmlns:a16="http://schemas.microsoft.com/office/drawing/2014/main" id="{B1E70EBD-0569-4EAF-8853-F3EEA776F17A}"/>
+          <p:cNvPr id="5" name="Image 4">
+            <a:extLst>
+              <a:ext uri="{FF2B5EF4-FFF2-40B4-BE49-F238E27FC236}">
+                <a16:creationId xmlns:a16="http://schemas.microsoft.com/office/drawing/2014/main" id="{60756F1B-96C0-4842-AE43-7F047DCAF31B}"/>
               </a:ext>
             </a:extLst>
           </p:cNvPr>
           <p:cNvPicPr>
-            <a:picLocks noChangeAspect="1" noChangeArrowheads="1"/>
+            <a:picLocks noChangeAspect="1"/>
           </p:cNvPicPr>
           <p:nvPr/>
         </p:nvPicPr>
@@ -3678,174 +2998,110 @@
               </a:ext>
             </a:extLst>
           </a:blip>
-          <a:srcRect/>
           <a:stretch>
             <a:fillRect/>
           </a:stretch>
         </p:blipFill>
-        <p:spPr bwMode="auto">
+        <p:spPr>
           <a:xfrm>
-            <a:off x="6152036" y="2198890"/>
-            <a:ext cx="5945015" cy="3344071"/>
+            <a:off x="190500" y="1423358"/>
+            <a:ext cx="5905500" cy="4572000"/>
           </a:xfrm>
           <a:prstGeom prst="rect">
             <a:avLst/>
           </a:prstGeom>
-          <a:noFill/>
-          <a:extLst>
-            <a:ext uri="{909E8E84-426E-40DD-AFC4-6F175D3DCCD1}">
-              <a14:hiddenFill xmlns:a14="http://schemas.microsoft.com/office/drawing/2010/main">
-                <a:solidFill>
-                  <a:srgbClr val="FFFFFF"/>
-                </a:solidFill>
-              </a14:hiddenFill>
-            </a:ext>
-          </a:extLst>
         </p:spPr>
       </p:pic>
       <p:pic>
         <p:nvPicPr>
-          <p:cNvPr id="1030" name="Picture 6" descr="L'espace | Il y a quoi dans l'espace | Qu'est-ce qu'on trouve dans l'espace  | Star Walk">
-            <a:extLst>
-              <a:ext uri="{FF2B5EF4-FFF2-40B4-BE49-F238E27FC236}">
-                <a16:creationId xmlns:a16="http://schemas.microsoft.com/office/drawing/2014/main" id="{FA41CA6D-BBF5-4B78-88A1-C26301AE8C01}"/>
+          <p:cNvPr id="10" name="Image 9">
+            <a:extLst>
+              <a:ext uri="{FF2B5EF4-FFF2-40B4-BE49-F238E27FC236}">
+                <a16:creationId xmlns:a16="http://schemas.microsoft.com/office/drawing/2014/main" id="{C84F8CD7-7B05-4A98-9F28-9AF925692E95}"/>
               </a:ext>
             </a:extLst>
           </p:cNvPr>
           <p:cNvPicPr>
-            <a:picLocks noChangeAspect="1" noChangeArrowheads="1"/>
+            <a:picLocks noChangeAspect="1"/>
           </p:cNvPicPr>
           <p:nvPr/>
         </p:nvPicPr>
         <p:blipFill>
-          <a:blip r:embed="rId3" cstate="print">
+          <a:blip r:embed="rId3">
             <a:extLst>
               <a:ext uri="{28A0092B-C50C-407E-A947-70E740481C1C}">
                 <a14:useLocalDpi xmlns:a14="http://schemas.microsoft.com/office/drawing/2010/main" val="0"/>
               </a:ext>
             </a:extLst>
           </a:blip>
-          <a:srcRect/>
           <a:stretch>
             <a:fillRect/>
           </a:stretch>
         </p:blipFill>
-        <p:spPr bwMode="auto">
+        <p:spPr>
           <a:xfrm>
-            <a:off x="122706" y="2198891"/>
-            <a:ext cx="5945013" cy="3344070"/>
+            <a:off x="6286500" y="1423358"/>
+            <a:ext cx="5905500" cy="4572000"/>
           </a:xfrm>
           <a:prstGeom prst="rect">
             <a:avLst/>
           </a:prstGeom>
-          <a:noFill/>
-          <a:extLst>
-            <a:ext uri="{909E8E84-426E-40DD-AFC4-6F175D3DCCD1}">
-              <a14:hiddenFill xmlns:a14="http://schemas.microsoft.com/office/drawing/2010/main">
-                <a:solidFill>
-                  <a:srgbClr val="FFFFFF"/>
-                </a:solidFill>
-              </a14:hiddenFill>
-            </a:ext>
-          </a:extLst>
         </p:spPr>
       </p:pic>
-      <p:pic>
-        <p:nvPicPr>
-          <p:cNvPr id="1036" name="Picture 12" descr="Hello world! | hololive English 1st Concert - Connect the World - Supported  By Bushiroad | hololive production">
-            <a:extLst>
-              <a:ext uri="{FF2B5EF4-FFF2-40B4-BE49-F238E27FC236}">
-                <a16:creationId xmlns:a16="http://schemas.microsoft.com/office/drawing/2014/main" id="{40C25DE9-614D-4C68-81FC-C830F53379B2}"/>
-              </a:ext>
-            </a:extLst>
-          </p:cNvPr>
-          <p:cNvPicPr>
-            <a:picLocks noChangeAspect="1" noChangeArrowheads="1"/>
-          </p:cNvPicPr>
+      <p:sp>
+        <p:nvSpPr>
+          <p:cNvPr id="11" name="Rectangle 10">
+            <a:extLst>
+              <a:ext uri="{FF2B5EF4-FFF2-40B4-BE49-F238E27FC236}">
+                <a16:creationId xmlns:a16="http://schemas.microsoft.com/office/drawing/2014/main" id="{7810644C-51AB-447F-AD91-77F81330A2FA}"/>
+              </a:ext>
+            </a:extLst>
+          </p:cNvPr>
+          <p:cNvSpPr/>
           <p:nvPr/>
-        </p:nvPicPr>
-        <p:blipFill>
-          <a:blip r:embed="rId4">
-            <a:extLst>
-              <a:ext uri="{28A0092B-C50C-407E-A947-70E740481C1C}">
-                <a14:useLocalDpi xmlns:a14="http://schemas.microsoft.com/office/drawing/2010/main" val="0"/>
-              </a:ext>
-            </a:extLst>
-          </a:blip>
-          <a:srcRect/>
-          <a:stretch>
-            <a:fillRect/>
-          </a:stretch>
-        </p:blipFill>
-        <p:spPr bwMode="auto">
+        </p:nvSpPr>
+        <p:spPr>
           <a:xfrm>
-            <a:off x="8620091" y="2498103"/>
-            <a:ext cx="4603720" cy="7030072"/>
+            <a:off x="4072379" y="5882326"/>
+            <a:ext cx="7706020" cy="518474"/>
           </a:xfrm>
           <a:prstGeom prst="rect">
             <a:avLst/>
           </a:prstGeom>
-          <a:noFill/>
-          <a:extLst>
-            <a:ext uri="{909E8E84-426E-40DD-AFC4-6F175D3DCCD1}">
-              <a14:hiddenFill xmlns:a14="http://schemas.microsoft.com/office/drawing/2010/main">
-                <a:solidFill>
-                  <a:srgbClr val="FFFFFF"/>
-                </a:solidFill>
-              </a14:hiddenFill>
-            </a:ext>
-          </a:extLst>
         </p:spPr>
-      </p:pic>
-      <p:pic>
-        <p:nvPicPr>
-          <p:cNvPr id="1038" name="Picture 14" descr="Tsukumo Sana (Hololive) Render by TheGreatKaio on DeviantArt">
-            <a:extLst>
-              <a:ext uri="{FF2B5EF4-FFF2-40B4-BE49-F238E27FC236}">
-                <a16:creationId xmlns:a16="http://schemas.microsoft.com/office/drawing/2014/main" id="{EA9DF239-FF82-4C79-9076-711D3BBC7040}"/>
-              </a:ext>
-            </a:extLst>
-          </p:cNvPr>
-          <p:cNvPicPr>
-            <a:picLocks noChangeAspect="1" noChangeArrowheads="1"/>
-          </p:cNvPicPr>
-          <p:nvPr/>
-        </p:nvPicPr>
-        <p:blipFill rotWithShape="1">
-          <a:blip r:embed="rId5" cstate="print">
-            <a:extLst>
-              <a:ext uri="{28A0092B-C50C-407E-A947-70E740481C1C}">
-                <a14:useLocalDpi xmlns:a14="http://schemas.microsoft.com/office/drawing/2010/main" val="0"/>
-              </a:ext>
-            </a:extLst>
-          </a:blip>
-          <a:srcRect l="12079" r="15619"/>
-          <a:stretch/>
-        </p:blipFill>
-        <p:spPr bwMode="auto">
-          <a:xfrm>
-            <a:off x="0" y="2291965"/>
-            <a:ext cx="4544462" cy="6285354"/>
-          </a:xfrm>
-          <a:prstGeom prst="rect">
-            <a:avLst/>
-          </a:prstGeom>
-          <a:noFill/>
-          <a:extLst>
-            <a:ext uri="{909E8E84-426E-40DD-AFC4-6F175D3DCCD1}">
-              <a14:hiddenFill xmlns:a14="http://schemas.microsoft.com/office/drawing/2010/main">
-                <a:solidFill>
-                  <a:srgbClr val="FFFFFF"/>
-                </a:solidFill>
-              </a14:hiddenFill>
-            </a:ext>
-          </a:extLst>
-        </p:spPr>
-      </p:pic>
+        <p:style>
+          <a:lnRef idx="2">
+            <a:schemeClr val="dk1"/>
+          </a:lnRef>
+          <a:fillRef idx="1">
+            <a:schemeClr val="lt1"/>
+          </a:fillRef>
+          <a:effectRef idx="0">
+            <a:schemeClr val="dk1"/>
+          </a:effectRef>
+          <a:fontRef idx="minor">
+            <a:schemeClr val="dk1"/>
+          </a:fontRef>
+        </p:style>
+        <p:txBody>
+          <a:bodyPr rtlCol="0" anchor="ctr"/>
+          <a:lstStyle/>
+          <a:p>
+            <a:pPr algn="ctr"/>
+            <a:r>
+              <a:rPr lang="en-US" dirty="0">
+                <a:hlinkClick r:id="rId4"/>
+              </a:rPr>
+              <a:t>https://deepdatascience.wordpress.com/2017/02/03/optimiser-choice/</a:t>
+            </a:r>
+            <a:endParaRPr lang="en-US" dirty="0"/>
+          </a:p>
+        </p:txBody>
+      </p:sp>
     </p:spTree>
     <p:extLst>
       <p:ext uri="{BB962C8B-B14F-4D97-AF65-F5344CB8AC3E}">
-        <p14:creationId xmlns:p14="http://schemas.microsoft.com/office/powerpoint/2010/main" val="558540251"/>
+        <p14:creationId xmlns:p14="http://schemas.microsoft.com/office/powerpoint/2010/main" val="1395355485"/>
       </p:ext>
     </p:extLst>
   </p:cSld>
@@ -3877,7 +3133,7 @@
           <p:cNvPr id="2" name="Titre 1">
             <a:extLst>
               <a:ext uri="{FF2B5EF4-FFF2-40B4-BE49-F238E27FC236}">
-                <a16:creationId xmlns:a16="http://schemas.microsoft.com/office/drawing/2014/main" id="{F7178487-21D2-4119-B6A2-CDA059BD5409}"/>
+                <a16:creationId xmlns:a16="http://schemas.microsoft.com/office/drawing/2014/main" id="{2A37C697-5692-4C32-BA45-881788CFB7EE}"/>
               </a:ext>
             </a:extLst>
           </p:cNvPr>
@@ -3895,7 +3151,7 @@
           <a:p>
             <a:r>
               <a:rPr lang="en-US" dirty="0"/>
-              <a:t>Worst enemies of DL (in this class, at least)</a:t>
+              <a:t>Modern gradient-based techniques</a:t>
             </a:r>
           </a:p>
         </p:txBody>
@@ -3905,7 +3161,7 @@
           <p:cNvPr id="3" name="Espace réservé du texte 2">
             <a:extLst>
               <a:ext uri="{FF2B5EF4-FFF2-40B4-BE49-F238E27FC236}">
-                <a16:creationId xmlns:a16="http://schemas.microsoft.com/office/drawing/2014/main" id="{CB3F25C9-C9B4-44C8-9A0E-1B9AA75395AE}"/>
+                <a16:creationId xmlns:a16="http://schemas.microsoft.com/office/drawing/2014/main" id="{4415DC7E-BAAC-481B-B3CC-48984E71210A}"/>
               </a:ext>
             </a:extLst>
           </p:cNvPr>
@@ -3923,93 +3179,83 @@
           <a:p>
             <a:r>
               <a:rPr lang="en-US" dirty="0"/>
-              <a:t>(Disk) Space</a:t>
+              <a:t>Solutions to issues of previous algorithms create new issues</a:t>
             </a:r>
           </a:p>
           <a:p>
             <a:pPr lvl="1"/>
             <a:r>
               <a:rPr lang="en-US" dirty="0"/>
-              <a:t>Modern DL models contain </a:t>
+              <a:t>Commonly used </a:t>
             </a:r>
             <a:r>
               <a:rPr lang="en-US" b="1" dirty="0"/>
-              <a:t>billions</a:t>
-            </a:r>
-            <a:r>
-              <a:rPr lang="en-US" dirty="0"/>
-              <a:t> (10</a:t>
-            </a:r>
-            <a:r>
-              <a:rPr lang="en-US" baseline="30000" dirty="0"/>
-              <a:t>9</a:t>
-            </a:r>
-            <a:r>
-              <a:rPr lang="en-US" dirty="0"/>
-              <a:t>) of parameters</a:t>
+              <a:t>Adam</a:t>
+            </a:r>
+            <a:r>
+              <a:rPr lang="en-US" dirty="0"/>
+              <a:t> and </a:t>
+            </a:r>
+            <a:r>
+              <a:rPr lang="en-US" b="1" dirty="0" err="1"/>
+              <a:t>RMSProp</a:t>
+            </a:r>
+            <a:r>
+              <a:rPr lang="en-US" dirty="0"/>
+              <a:t> have 3-4 parameters</a:t>
             </a:r>
           </a:p>
           <a:p>
             <a:pPr lvl="1"/>
             <a:r>
               <a:rPr lang="en-US" dirty="0"/>
-              <a:t>GPT-4 has ~220 billion parameters</a:t>
+              <a:t>Also take more memory (history of gradient values)</a:t>
             </a:r>
           </a:p>
           <a:p>
             <a:pPr lvl="1"/>
             <a:r>
               <a:rPr lang="en-US" dirty="0"/>
-              <a:t>If a single parameter is a floating point represented on 32 bits…</a:t>
+              <a:t>Default values work reasonably well (but not always)</a:t>
+            </a:r>
+          </a:p>
+          <a:p>
+            <a:endParaRPr lang="en-US" dirty="0"/>
+          </a:p>
+          <a:p>
+            <a:r>
+              <a:rPr lang="en-US" dirty="0"/>
+              <a:t>Practical advice</a:t>
             </a:r>
           </a:p>
           <a:p>
             <a:pPr lvl="1"/>
             <a:r>
               <a:rPr lang="en-US" dirty="0"/>
-              <a:t>…that is 220 * 10</a:t>
-            </a:r>
-            <a:r>
-              <a:rPr lang="en-US" baseline="30000" dirty="0"/>
-              <a:t>9</a:t>
-            </a:r>
-            <a:r>
-              <a:rPr lang="en-US" dirty="0"/>
-              <a:t> * 32 / 8 = 880 Giga Bytes (!!!)</a:t>
+              <a:t>Use </a:t>
+            </a:r>
+            <a:r>
+              <a:rPr lang="en-US" b="1" dirty="0"/>
+              <a:t>Adam</a:t>
+            </a:r>
+            <a:r>
+              <a:rPr lang="en-US" dirty="0"/>
+              <a:t> (Adaptive Moment Estimation) in most cases</a:t>
             </a:r>
           </a:p>
           <a:p>
             <a:pPr lvl="1"/>
             <a:r>
               <a:rPr lang="en-US" dirty="0"/>
-              <a:t>They have to be stored on a hard drive and IN MEMORY!</a:t>
-            </a:r>
-          </a:p>
-          <a:p>
-            <a:pPr lvl="1"/>
-            <a:r>
-              <a:rPr lang="en-US" dirty="0"/>
-              <a:t>During training, you’ll need to also </a:t>
-            </a:r>
-            <a:r>
-              <a:rPr lang="en-US" u="sng" dirty="0"/>
-              <a:t>store the gradient</a:t>
-            </a:r>
-            <a:r>
-              <a:rPr lang="en-US" dirty="0"/>
-              <a:t> IN MEMORY!</a:t>
-            </a:r>
-          </a:p>
-          <a:p>
-            <a:pPr lvl="1"/>
-            <a:endParaRPr lang="en-US" dirty="0"/>
+              <a:t>Check out new algorithms! torch.optim.*</a:t>
+            </a:r>
           </a:p>
         </p:txBody>
       </p:sp>
     </p:spTree>
     <p:extLst>
       <p:ext uri="{BB962C8B-B14F-4D97-AF65-F5344CB8AC3E}">
-        <p14:creationId xmlns:p14="http://schemas.microsoft.com/office/powerpoint/2010/main" val="2039122127"/>
+        <p14:creationId xmlns:p14="http://schemas.microsoft.com/office/powerpoint/2010/main" val="1806461376"/>
       </p:ext>
     </p:extLst>
   </p:cSld>
@@ -4041,7 +3287,7 @@
           <p:cNvPr id="2" name="Titre 1">
             <a:extLst>
               <a:ext uri="{FF2B5EF4-FFF2-40B4-BE49-F238E27FC236}">
-                <a16:creationId xmlns:a16="http://schemas.microsoft.com/office/drawing/2014/main" id="{6ECBC317-2889-4ADC-9D07-47EE7E39E603}"/>
+                <a16:creationId xmlns:a16="http://schemas.microsoft.com/office/drawing/2014/main" id="{E0F64417-C8AF-44B1-8DC4-3C255B8AC764}"/>
               </a:ext>
             </a:extLst>
           </p:cNvPr>
@@ -4059,58 +3305,324 @@
           <a:p>
             <a:r>
               <a:rPr lang="en-US" dirty="0"/>
-              <a:t>Worst enemies of DL (in this class, at least)</a:t>
+              <a:t>Schedulers</a:t>
             </a:r>
           </a:p>
         </p:txBody>
       </p:sp>
-      <p:sp>
-        <p:nvSpPr>
-          <p:cNvPr id="3" name="Espace réservé du texte 2">
-            <a:extLst>
-              <a:ext uri="{FF2B5EF4-FFF2-40B4-BE49-F238E27FC236}">
-                <a16:creationId xmlns:a16="http://schemas.microsoft.com/office/drawing/2014/main" id="{5C016B1E-4FBB-41EE-9A71-17A49DA367AF}"/>
-              </a:ext>
-            </a:extLst>
-          </p:cNvPr>
-          <p:cNvSpPr>
-            <a:spLocks noGrp="1"/>
-          </p:cNvSpPr>
-          <p:nvPr>
-            <p:ph type="body" sz="quarter" idx="10"/>
-          </p:nvPr>
-        </p:nvSpPr>
-        <p:spPr/>
-        <p:txBody>
-          <a:bodyPr/>
-          <a:lstStyle/>
-          <a:p>
-            <a:r>
-              <a:rPr lang="en-US" dirty="0"/>
-              <a:t>(Training) Time</a:t>
-            </a:r>
-          </a:p>
-          <a:p>
-            <a:pPr lvl="1"/>
-            <a:r>
-              <a:rPr lang="en-US" dirty="0"/>
-              <a:t>Training iterations take a lot of time</a:t>
-            </a:r>
-          </a:p>
-          <a:p>
-            <a:pPr lvl="1"/>
-            <a:endParaRPr lang="en-US" dirty="0"/>
-          </a:p>
-          <a:p>
-            <a:pPr lvl="1"/>
-            <a:endParaRPr lang="en-US" dirty="0"/>
-          </a:p>
-        </p:txBody>
-      </p:sp>
+      <mc:AlternateContent xmlns:mc="http://schemas.openxmlformats.org/markup-compatibility/2006" xmlns:a14="http://schemas.microsoft.com/office/drawing/2010/main">
+        <mc:Choice Requires="a14">
+          <p:sp>
+            <p:nvSpPr>
+              <p:cNvPr id="3" name="Espace réservé du texte 2">
+                <a:extLst>
+                  <a:ext uri="{FF2B5EF4-FFF2-40B4-BE49-F238E27FC236}">
+                    <a16:creationId xmlns:a16="http://schemas.microsoft.com/office/drawing/2014/main" id="{7C0BCF54-28F4-47BE-AB76-618F660D422E}"/>
+                  </a:ext>
+                </a:extLst>
+              </p:cNvPr>
+              <p:cNvSpPr>
+                <a:spLocks noGrp="1"/>
+              </p:cNvSpPr>
+              <p:nvPr>
+                <p:ph type="body" sz="quarter" idx="10"/>
+              </p:nvPr>
+            </p:nvSpPr>
+            <p:spPr/>
+            <p:txBody>
+              <a:bodyPr>
+                <a:normAutofit/>
+              </a:bodyPr>
+              <a:lstStyle/>
+              <a:p>
+                <a:r>
+                  <a:rPr lang="en-US" dirty="0"/>
+                  <a:t>Adapt optimizer hyperparameters </a:t>
+                </a:r>
+                <a:r>
+                  <a:rPr lang="en-US" b="1" dirty="0"/>
+                  <a:t>during training</a:t>
+                </a:r>
+                <a:r>
+                  <a:rPr lang="en-US" dirty="0"/>
+                  <a:t>?</a:t>
+                </a:r>
+              </a:p>
+              <a:p>
+                <a:pPr lvl="1"/>
+                <a:r>
+                  <a:rPr lang="en-US" dirty="0"/>
+                  <a:t>Especially learning rate!</a:t>
+                </a:r>
+              </a:p>
+              <a:p>
+                <a:pPr lvl="1"/>
+                <a:r>
+                  <a:rPr lang="en-US" dirty="0"/>
+                  <a:t>In general, large(r) initial learning rate, small(er) at the end</a:t>
+                </a:r>
+              </a:p>
+              <a:p>
+                <a:pPr lvl="1"/>
+                <a:r>
+                  <a:rPr lang="en-US" dirty="0"/>
+                  <a:t>“Exploration vs Exploitation”</a:t>
+                </a:r>
+              </a:p>
+              <a:p>
+                <a:r>
+                  <a:rPr lang="en-US" dirty="0"/>
+                  <a:t>Example: </a:t>
+                </a:r>
+                <a:r>
+                  <a:rPr lang="en-US" dirty="0" err="1"/>
+                  <a:t>torch.optim.lr_scheduler.ExponentialLR</a:t>
+                </a:r>
+                <a:endParaRPr lang="en-US" dirty="0"/>
+              </a:p>
+              <a:p>
+                <a:pPr lvl="1"/>
+                <a:r>
+                  <a:rPr lang="en-US" dirty="0"/>
+                  <a:t>All hyperparameters, epoch </a:t>
+                </a:r>
+                <a14:m>
+                  <m:oMath xmlns:m="http://schemas.openxmlformats.org/officeDocument/2006/math">
+                    <m:r>
+                      <a:rPr lang="it-IT" b="0" i="1" smtClean="0">
+                        <a:latin typeface="Cambria Math" panose="02040503050406030204" pitchFamily="18" charset="0"/>
+                      </a:rPr>
+                      <m:t>𝑘</m:t>
+                    </m:r>
+                  </m:oMath>
+                </a14:m>
+                <a:r>
+                  <a:rPr lang="en-US" dirty="0"/>
+                  <a:t>: </a:t>
+                </a:r>
+                <a14:m>
+                  <m:oMath xmlns:m="http://schemas.openxmlformats.org/officeDocument/2006/math">
+                    <m:sSup>
+                      <m:sSupPr>
+                        <m:ctrlPr>
+                          <a:rPr lang="it-IT" b="0" i="1" smtClean="0">
+                            <a:latin typeface="Cambria Math" panose="02040503050406030204" pitchFamily="18" charset="0"/>
+                          </a:rPr>
+                        </m:ctrlPr>
+                      </m:sSupPr>
+                      <m:e>
+                        <m:r>
+                          <a:rPr lang="it-IT" b="0" i="1" smtClean="0">
+                            <a:latin typeface="Cambria Math" panose="02040503050406030204" pitchFamily="18" charset="0"/>
+                          </a:rPr>
+                          <m:t>h</m:t>
+                        </m:r>
+                      </m:e>
+                      <m:sup>
+                        <m:r>
+                          <a:rPr lang="it-IT" b="0" i="1" smtClean="0">
+                            <a:latin typeface="Cambria Math" panose="02040503050406030204" pitchFamily="18" charset="0"/>
+                          </a:rPr>
+                          <m:t>(</m:t>
+                        </m:r>
+                        <m:r>
+                          <a:rPr lang="it-IT" b="0" i="1" smtClean="0">
+                            <a:latin typeface="Cambria Math" panose="02040503050406030204" pitchFamily="18" charset="0"/>
+                          </a:rPr>
+                          <m:t>𝑘</m:t>
+                        </m:r>
+                        <m:r>
+                          <a:rPr lang="it-IT" b="0" i="1" smtClean="0">
+                            <a:latin typeface="Cambria Math" panose="02040503050406030204" pitchFamily="18" charset="0"/>
+                          </a:rPr>
+                          <m:t>+1)</m:t>
+                        </m:r>
+                      </m:sup>
+                    </m:sSup>
+                    <m:r>
+                      <a:rPr lang="it-IT" b="0" i="1" smtClean="0">
+                        <a:latin typeface="Cambria Math" panose="02040503050406030204" pitchFamily="18" charset="0"/>
+                      </a:rPr>
+                      <m:t>=</m:t>
+                    </m:r>
+                    <m:sSup>
+                      <m:sSupPr>
+                        <m:ctrlPr>
+                          <a:rPr lang="it-IT" b="0" i="1" smtClean="0">
+                            <a:latin typeface="Cambria Math" panose="02040503050406030204" pitchFamily="18" charset="0"/>
+                          </a:rPr>
+                        </m:ctrlPr>
+                      </m:sSupPr>
+                      <m:e>
+                        <m:r>
+                          <a:rPr lang="it-IT" b="0" i="1" smtClean="0">
+                            <a:latin typeface="Cambria Math" panose="02040503050406030204" pitchFamily="18" charset="0"/>
+                          </a:rPr>
+                          <m:t>h</m:t>
+                        </m:r>
+                      </m:e>
+                      <m:sup>
+                        <m:r>
+                          <a:rPr lang="it-IT" b="0" i="1" smtClean="0">
+                            <a:latin typeface="Cambria Math" panose="02040503050406030204" pitchFamily="18" charset="0"/>
+                          </a:rPr>
+                          <m:t>(</m:t>
+                        </m:r>
+                        <m:r>
+                          <a:rPr lang="it-IT" b="0" i="1" smtClean="0">
+                            <a:latin typeface="Cambria Math" panose="02040503050406030204" pitchFamily="18" charset="0"/>
+                          </a:rPr>
+                          <m:t>𝑘</m:t>
+                        </m:r>
+                        <m:r>
+                          <a:rPr lang="it-IT" b="0" i="1" smtClean="0">
+                            <a:latin typeface="Cambria Math" panose="02040503050406030204" pitchFamily="18" charset="0"/>
+                          </a:rPr>
+                          <m:t>)</m:t>
+                        </m:r>
+                      </m:sup>
+                    </m:sSup>
+                    <m:r>
+                      <a:rPr lang="it-IT" b="0" i="1" smtClean="0">
+                        <a:latin typeface="Cambria Math" panose="02040503050406030204" pitchFamily="18" charset="0"/>
+                      </a:rPr>
+                      <m:t>⋅</m:t>
+                    </m:r>
+                    <m:r>
+                      <m:rPr>
+                        <m:sty m:val="p"/>
+                      </m:rPr>
+                      <a:rPr lang="it-IT" b="0" i="1" smtClean="0">
+                        <a:latin typeface="Cambria Math" panose="02040503050406030204" pitchFamily="18" charset="0"/>
+                      </a:rPr>
+                      <m:t>γ</m:t>
+                    </m:r>
+                    <m:r>
+                      <a:rPr lang="it-IT" b="0" i="0" smtClean="0">
+                        <a:latin typeface="Cambria Math" panose="02040503050406030204" pitchFamily="18" charset="0"/>
+                      </a:rPr>
+                      <m:t>;</m:t>
+                    </m:r>
+                  </m:oMath>
+                </a14:m>
+                <a:r>
+                  <a:rPr lang="it-IT" b="0" dirty="0"/>
+                  <a:t> </a:t>
+                </a:r>
+                <a14:m>
+                  <m:oMath xmlns:m="http://schemas.openxmlformats.org/officeDocument/2006/math">
+                    <m:r>
+                      <a:rPr lang="it-IT" b="0" i="1" smtClean="0">
+                        <a:latin typeface="Cambria Math" panose="02040503050406030204" pitchFamily="18" charset="0"/>
+                      </a:rPr>
+                      <m:t>𝛾</m:t>
+                    </m:r>
+                    <m:r>
+                      <a:rPr lang="it-IT" b="0" i="1" smtClean="0">
+                        <a:latin typeface="Cambria Math" panose="02040503050406030204" pitchFamily="18" charset="0"/>
+                      </a:rPr>
+                      <m:t>&lt;1.0</m:t>
+                    </m:r>
+                  </m:oMath>
+                </a14:m>
+                <a:endParaRPr lang="it-IT" b="0" dirty="0"/>
+              </a:p>
+              <a:p>
+                <a:pPr lvl="1"/>
+                <a:r>
+                  <a:rPr lang="it-IT" b="0" dirty="0"/>
+                  <a:t>In practice, all hyperparameter values slowly become smaller</a:t>
+                </a:r>
+              </a:p>
+              <a:p>
+                <a:pPr lvl="1"/>
+                <a:r>
+                  <a:rPr lang="it-IT" b="0" dirty="0"/>
+                  <a:t>Common values: </a:t>
+                </a:r>
+                <a14:m>
+                  <m:oMath xmlns:m="http://schemas.openxmlformats.org/officeDocument/2006/math">
+                    <m:r>
+                      <a:rPr lang="it-IT" b="0" i="1" smtClean="0">
+                        <a:latin typeface="Cambria Math" panose="02040503050406030204" pitchFamily="18" charset="0"/>
+                      </a:rPr>
+                      <m:t>𝛾</m:t>
+                    </m:r>
+                    <m:r>
+                      <a:rPr lang="it-IT" b="0" i="1" smtClean="0">
+                        <a:latin typeface="Cambria Math" panose="02040503050406030204" pitchFamily="18" charset="0"/>
+                      </a:rPr>
+                      <m:t>=0.9, </m:t>
+                    </m:r>
+                    <m:r>
+                      <a:rPr lang="it-IT" b="0" i="1" smtClean="0">
+                        <a:latin typeface="Cambria Math" panose="02040503050406030204" pitchFamily="18" charset="0"/>
+                      </a:rPr>
+                      <m:t>𝛾</m:t>
+                    </m:r>
+                    <m:r>
+                      <a:rPr lang="it-IT" b="0" i="1" smtClean="0">
+                        <a:latin typeface="Cambria Math" panose="02040503050406030204" pitchFamily="18" charset="0"/>
+                      </a:rPr>
+                      <m:t>=0.99</m:t>
+                    </m:r>
+                  </m:oMath>
+                </a14:m>
+                <a:endParaRPr lang="it-IT" b="0" dirty="0"/>
+              </a:p>
+              <a:p>
+                <a:r>
+                  <a:rPr lang="en-US" dirty="0"/>
+                  <a:t>Other ideas: torch.optim.lr_scheduler.*</a:t>
+                </a:r>
+              </a:p>
+            </p:txBody>
+          </p:sp>
+        </mc:Choice>
+        <mc:Fallback xmlns="">
+          <p:sp>
+            <p:nvSpPr>
+              <p:cNvPr id="3" name="Espace réservé du texte 2">
+                <a:extLst>
+                  <a:ext uri="{FF2B5EF4-FFF2-40B4-BE49-F238E27FC236}">
+                    <a16:creationId xmlns:a16="http://schemas.microsoft.com/office/drawing/2014/main" id="{7C0BCF54-28F4-47BE-AB76-618F660D422E}"/>
+                  </a:ext>
+                </a:extLst>
+              </p:cNvPr>
+              <p:cNvSpPr>
+                <a:spLocks noGrp="1" noRot="1" noChangeAspect="1" noMove="1" noResize="1" noEditPoints="1" noAdjustHandles="1" noChangeArrowheads="1" noChangeShapeType="1" noTextEdit="1"/>
+              </p:cNvSpPr>
+              <p:nvPr>
+                <p:ph type="body" sz="quarter" idx="10"/>
+              </p:nvPr>
+            </p:nvSpPr>
+            <p:spPr>
+              <a:blipFill>
+                <a:blip r:embed="rId2"/>
+                <a:stretch>
+                  <a:fillRect l="-1333" t="-2734"/>
+                </a:stretch>
+              </a:blipFill>
+            </p:spPr>
+            <p:txBody>
+              <a:bodyPr/>
+              <a:lstStyle/>
+              <a:p>
+                <a:r>
+                  <a:rPr lang="en-US">
+                    <a:noFill/>
+                  </a:rPr>
+                  <a:t> </a:t>
+                </a:r>
+              </a:p>
+            </p:txBody>
+          </p:sp>
+        </mc:Fallback>
+      </mc:AlternateContent>
     </p:spTree>
     <p:extLst>
       <p:ext uri="{BB962C8B-B14F-4D97-AF65-F5344CB8AC3E}">
-        <p14:creationId xmlns:p14="http://schemas.microsoft.com/office/powerpoint/2010/main" val="624002364"/>
+        <p14:creationId xmlns:p14="http://schemas.microsoft.com/office/powerpoint/2010/main" val="1530868858"/>
       </p:ext>
     </p:extLst>
   </p:cSld>
@@ -4142,7 +3654,7 @@
           <p:cNvPr id="2" name="Titre 1">
             <a:extLst>
               <a:ext uri="{FF2B5EF4-FFF2-40B4-BE49-F238E27FC236}">
-                <a16:creationId xmlns:a16="http://schemas.microsoft.com/office/drawing/2014/main" id="{6426C41E-F5B5-46E1-9300-CDF4D0CDB48C}"/>
+                <a16:creationId xmlns:a16="http://schemas.microsoft.com/office/drawing/2014/main" id="{BA67B2FE-95FF-4919-841B-B4EC1E6CFE41}"/>
               </a:ext>
             </a:extLst>
           </p:cNvPr>
@@ -4155,13 +3667,20 @@
         </p:nvSpPr>
         <p:spPr/>
         <p:txBody>
-          <a:bodyPr/>
+          <a:bodyPr>
+            <a:normAutofit fontScale="90000"/>
+          </a:bodyPr>
           <a:lstStyle/>
           <a:p>
             <a:r>
               <a:rPr lang="en-US" dirty="0"/>
-              <a:t>Practical issues with neural networks</a:t>
-            </a:r>
+              <a:t>Pseudo-random number generation in </a:t>
+            </a:r>
+            <a:r>
+              <a:rPr lang="en-US" dirty="0" err="1"/>
+              <a:t>pytorch</a:t>
+            </a:r>
+            <a:endParaRPr lang="en-US" dirty="0"/>
           </a:p>
         </p:txBody>
       </p:sp>
@@ -4170,7 +3689,7 @@
           <p:cNvPr id="3" name="Espace réservé du texte 2">
             <a:extLst>
               <a:ext uri="{FF2B5EF4-FFF2-40B4-BE49-F238E27FC236}">
-                <a16:creationId xmlns:a16="http://schemas.microsoft.com/office/drawing/2014/main" id="{18C8B6D5-CEBE-4093-B9A8-58ADC56A9201}"/>
+                <a16:creationId xmlns:a16="http://schemas.microsoft.com/office/drawing/2014/main" id="{B9205BCD-2FEE-456E-93BC-62FA819BCB9B}"/>
               </a:ext>
             </a:extLst>
           </p:cNvPr>
@@ -4188,23 +3707,58 @@
           <a:p>
             <a:r>
               <a:rPr lang="en-US" dirty="0"/>
-              <a:t>Size of parameters (</a:t>
-            </a:r>
-            <a:r>
-              <a:rPr lang="en-US" dirty="0" err="1"/>
-              <a:t>downcasting</a:t>
-            </a:r>
-            <a:r>
-              <a:rPr lang="en-US" dirty="0"/>
-              <a:t>)</a:t>
-            </a:r>
+              <a:t>Unfortunately, it’s not easy</a:t>
+            </a:r>
+          </a:p>
+          <a:p>
+            <a:pPr lvl="1"/>
+            <a:r>
+              <a:rPr lang="en-US" dirty="0"/>
+              <a:t>Computing on GPUs makes consistent PRNG difficult</a:t>
+            </a:r>
+          </a:p>
+          <a:p>
+            <a:pPr lvl="1"/>
+            <a:r>
+              <a:rPr lang="en-US" dirty="0"/>
+              <a:t>Libraries optimized for </a:t>
+            </a:r>
+            <a:r>
+              <a:rPr lang="en-US" i="1" dirty="0"/>
+              <a:t>speed</a:t>
+            </a:r>
+            <a:r>
+              <a:rPr lang="en-US" dirty="0"/>
+              <a:t>, not consistent behavior</a:t>
+            </a:r>
+          </a:p>
+          <a:p>
+            <a:endParaRPr lang="en-US" dirty="0"/>
+          </a:p>
+          <a:p>
+            <a:r>
+              <a:rPr lang="en-US" dirty="0"/>
+              <a:t>Still, good practices:</a:t>
+            </a:r>
+          </a:p>
+          <a:p>
+            <a:pPr marL="0" indent="0" algn="ctr">
+              <a:buNone/>
+            </a:pPr>
+            <a:r>
+              <a:rPr lang="en-US" dirty="0">
+                <a:hlinkClick r:id="rId2"/>
+              </a:rPr>
+              <a:t>https://pytorch.org/docs/stable/notes/randomness.html</a:t>
+            </a:r>
+            <a:endParaRPr lang="en-US" dirty="0"/>
           </a:p>
         </p:txBody>
       </p:sp>
     </p:spTree>
     <p:extLst>
       <p:ext uri="{BB962C8B-B14F-4D97-AF65-F5344CB8AC3E}">
-        <p14:creationId xmlns:p14="http://schemas.microsoft.com/office/powerpoint/2010/main" val="1196191067"/>
+        <p14:creationId xmlns:p14="http://schemas.microsoft.com/office/powerpoint/2010/main" val="2285821162"/>
       </p:ext>
     </p:extLst>
   </p:cSld>
@@ -4271,25 +3825,7 @@
           <a:p>
             <a:r>
               <a:rPr lang="it-IT" dirty="0"/>
-              <a:t>Neural Networks vs Deep Learning?</a:t>
-            </a:r>
-          </a:p>
-          <a:p>
-            <a:r>
-              <a:rPr lang="it-IT" dirty="0"/>
-              <a:t>Monitor performance on validation</a:t>
-            </a:r>
-          </a:p>
-          <a:p>
-            <a:r>
-              <a:rPr lang="it-IT" dirty="0"/>
-              <a:t>(Really) Stochastic Gradient Descent</a:t>
-            </a:r>
-          </a:p>
-          <a:p>
-            <a:r>
-              <a:rPr lang="it-IT" dirty="0"/>
-              <a:t>Save training checkpoints</a:t>
+              <a:t>Monitor performance</a:t>
             </a:r>
           </a:p>
           <a:p>
@@ -4301,9 +3837,23 @@
           <a:p>
             <a:r>
               <a:rPr lang="it-IT" dirty="0"/>
-              <a:t>pytorch lightning</a:t>
-            </a:r>
-            <a:endParaRPr lang="fr-FR" dirty="0"/>
+              <a:t>Stochastic Gradient Descent</a:t>
+            </a:r>
+          </a:p>
+          <a:p>
+            <a:r>
+              <a:rPr lang="it-IT" dirty="0"/>
+              <a:t>Activation functions</a:t>
+            </a:r>
+          </a:p>
+          <a:p>
+            <a:r>
+              <a:rPr lang="it-IT" dirty="0"/>
+              <a:t>Checkpointing</a:t>
+            </a:r>
+          </a:p>
+          <a:p>
+            <a:endParaRPr lang="it-IT" dirty="0"/>
           </a:p>
         </p:txBody>
       </p:sp>
@@ -4342,7 +3892,7 @@
           <p:cNvPr id="2" name="Titre 1">
             <a:extLst>
               <a:ext uri="{FF2B5EF4-FFF2-40B4-BE49-F238E27FC236}">
-                <a16:creationId xmlns:a16="http://schemas.microsoft.com/office/drawing/2014/main" id="{DE557231-BED8-4C0D-A1CE-832FAC500C52}"/>
+                <a16:creationId xmlns:a16="http://schemas.microsoft.com/office/drawing/2014/main" id="{D87EA2D2-04D7-46F1-A168-E5F9008B5810}"/>
               </a:ext>
             </a:extLst>
           </p:cNvPr>
@@ -4360,7 +3910,7 @@
           <a:p>
             <a:r>
               <a:rPr lang="en-US" dirty="0"/>
-              <a:t>Multiple architectures!</a:t>
+              <a:t>Activation functions</a:t>
             </a:r>
           </a:p>
         </p:txBody>
@@ -4370,7 +3920,7 @@
           <p:cNvPr id="3" name="Espace réservé du texte 2">
             <a:extLst>
               <a:ext uri="{FF2B5EF4-FFF2-40B4-BE49-F238E27FC236}">
-                <a16:creationId xmlns:a16="http://schemas.microsoft.com/office/drawing/2014/main" id="{030C26C1-12EE-4478-B0A9-C039178414C6}"/>
+                <a16:creationId xmlns:a16="http://schemas.microsoft.com/office/drawing/2014/main" id="{B241A092-49E1-4E7F-910E-C7DF1FDF5565}"/>
               </a:ext>
             </a:extLst>
           </p:cNvPr>
@@ -4386,16 +3936,33 @@
           <a:bodyPr/>
           <a:lstStyle/>
           <a:p>
-            <a:endParaRPr lang="en-US" dirty="0"/>
+            <a:r>
+              <a:rPr lang="en-US" dirty="0"/>
+              <a:t>So far, we used one of the most basic activation functions</a:t>
+            </a:r>
+          </a:p>
+          <a:p>
+            <a:pPr lvl="1"/>
+            <a:r>
+              <a:rPr lang="en-US" dirty="0"/>
+              <a:t>But there are several others, more modern</a:t>
+            </a:r>
+          </a:p>
+          <a:p>
+            <a:pPr lvl="1"/>
+            <a:r>
+              <a:rPr lang="en-US" dirty="0"/>
+              <a:t>Better theoretical properties and empirical results</a:t>
+            </a:r>
           </a:p>
         </p:txBody>
       </p:sp>
       <p:pic>
         <p:nvPicPr>
-          <p:cNvPr id="1026" name="Picture 2">
-            <a:extLst>
-              <a:ext uri="{FF2B5EF4-FFF2-40B4-BE49-F238E27FC236}">
-                <a16:creationId xmlns:a16="http://schemas.microsoft.com/office/drawing/2014/main" id="{80C8AFBE-4906-4889-A0CF-79DD8A95BE9B}"/>
+          <p:cNvPr id="1026" name="Picture 2" descr="The basic activation functions of the neural networks(Neural Networks... |  Download Scientific Diagram">
+            <a:extLst>
+              <a:ext uri="{FF2B5EF4-FFF2-40B4-BE49-F238E27FC236}">
+                <a16:creationId xmlns:a16="http://schemas.microsoft.com/office/drawing/2014/main" id="{0908E624-0283-4F27-A040-1531E23FBD8F}"/>
               </a:ext>
             </a:extLst>
           </p:cNvPr>
@@ -4404,8 +3971,8 @@
           </p:cNvPicPr>
           <p:nvPr/>
         </p:nvPicPr>
-        <p:blipFill rotWithShape="1">
-          <a:blip r:embed="rId2" cstate="print">
+        <p:blipFill>
+          <a:blip r:embed="rId2">
             <a:extLst>
               <a:ext uri="{28A0092B-C50C-407E-A947-70E740481C1C}">
                 <a14:useLocalDpi xmlns:a14="http://schemas.microsoft.com/office/drawing/2010/main" val="0"/>
@@ -4413,12 +3980,14 @@
             </a:extLst>
           </a:blip>
           <a:srcRect/>
-          <a:stretch/>
+          <a:stretch>
+            <a:fillRect/>
+          </a:stretch>
         </p:blipFill>
         <p:spPr bwMode="auto">
           <a:xfrm>
-            <a:off x="0" y="996201"/>
-            <a:ext cx="6096000" cy="5043063"/>
+            <a:off x="4132406" y="3176834"/>
+            <a:ext cx="6124839" cy="2630078"/>
           </a:xfrm>
           <a:prstGeom prst="rect">
             <a:avLst/>
@@ -4435,105 +4004,10 @@
           </a:extLst>
         </p:spPr>
       </p:pic>
-      <p:pic>
-        <p:nvPicPr>
-          <p:cNvPr id="1028" name="Picture 4">
-            <a:extLst>
-              <a:ext uri="{FF2B5EF4-FFF2-40B4-BE49-F238E27FC236}">
-                <a16:creationId xmlns:a16="http://schemas.microsoft.com/office/drawing/2014/main" id="{C8629F70-8095-4E31-B431-BE68378844B8}"/>
-              </a:ext>
-            </a:extLst>
-          </p:cNvPr>
-          <p:cNvPicPr>
-            <a:picLocks noChangeAspect="1" noChangeArrowheads="1"/>
-          </p:cNvPicPr>
-          <p:nvPr/>
-        </p:nvPicPr>
-        <p:blipFill rotWithShape="1">
-          <a:blip r:embed="rId3" cstate="print">
-            <a:extLst>
-              <a:ext uri="{28A0092B-C50C-407E-A947-70E740481C1C}">
-                <a14:useLocalDpi xmlns:a14="http://schemas.microsoft.com/office/drawing/2010/main" val="0"/>
-              </a:ext>
-            </a:extLst>
-          </a:blip>
-          <a:srcRect/>
-          <a:stretch/>
-        </p:blipFill>
-        <p:spPr bwMode="auto">
-          <a:xfrm>
-            <a:off x="6096000" y="1423358"/>
-            <a:ext cx="5472319" cy="4789270"/>
-          </a:xfrm>
-          <a:prstGeom prst="rect">
-            <a:avLst/>
-          </a:prstGeom>
-          <a:noFill/>
-          <a:extLst>
-            <a:ext uri="{909E8E84-426E-40DD-AFC4-6F175D3DCCD1}">
-              <a14:hiddenFill xmlns:a14="http://schemas.microsoft.com/office/drawing/2010/main">
-                <a:solidFill>
-                  <a:srgbClr val="FFFFFF"/>
-                </a:solidFill>
-              </a14:hiddenFill>
-            </a:ext>
-          </a:extLst>
-        </p:spPr>
-      </p:pic>
-      <p:sp>
-        <p:nvSpPr>
-          <p:cNvPr id="4" name="Rectangle 3">
-            <a:extLst>
-              <a:ext uri="{FF2B5EF4-FFF2-40B4-BE49-F238E27FC236}">
-                <a16:creationId xmlns:a16="http://schemas.microsoft.com/office/drawing/2014/main" id="{FDDDE84F-F755-4BA2-B645-C3CA58DACC82}"/>
-              </a:ext>
-            </a:extLst>
-          </p:cNvPr>
-          <p:cNvSpPr/>
-          <p:nvPr/>
-        </p:nvSpPr>
-        <p:spPr>
-          <a:xfrm>
-            <a:off x="5881481" y="6099175"/>
-            <a:ext cx="5472319" cy="480403"/>
-          </a:xfrm>
-          <a:prstGeom prst="rect">
-            <a:avLst/>
-          </a:prstGeom>
-        </p:spPr>
-        <p:style>
-          <a:lnRef idx="2">
-            <a:schemeClr val="dk1"/>
-          </a:lnRef>
-          <a:fillRef idx="1">
-            <a:schemeClr val="lt1"/>
-          </a:fillRef>
-          <a:effectRef idx="0">
-            <a:schemeClr val="dk1"/>
-          </a:effectRef>
-          <a:fontRef idx="minor">
-            <a:schemeClr val="dk1"/>
-          </a:fontRef>
-        </p:style>
-        <p:txBody>
-          <a:bodyPr rtlCol="0" anchor="ctr"/>
-          <a:lstStyle/>
-          <a:p>
-            <a:pPr algn="ctr"/>
-            <a:r>
-              <a:rPr lang="en-US" dirty="0">
-                <a:hlinkClick r:id="rId4"/>
-              </a:rPr>
-              <a:t>https://www.asimovinstitute.org/neural-network-zoo/</a:t>
-            </a:r>
-            <a:endParaRPr lang="en-US" dirty="0"/>
-          </a:p>
-        </p:txBody>
-      </p:sp>
     </p:spTree>
     <p:extLst>
       <p:ext uri="{BB962C8B-B14F-4D97-AF65-F5344CB8AC3E}">
-        <p14:creationId xmlns:p14="http://schemas.microsoft.com/office/powerpoint/2010/main" val="3286573006"/>
+        <p14:creationId xmlns:p14="http://schemas.microsoft.com/office/powerpoint/2010/main" val="853297441"/>
       </p:ext>
     </p:extLst>
   </p:cSld>
@@ -4565,7 +4039,7 @@
           <p:cNvPr id="2" name="Titre 1">
             <a:extLst>
               <a:ext uri="{FF2B5EF4-FFF2-40B4-BE49-F238E27FC236}">
-                <a16:creationId xmlns:a16="http://schemas.microsoft.com/office/drawing/2014/main" id="{BA67B2FE-95FF-4919-841B-B4EC1E6CFE41}"/>
+                <a16:creationId xmlns:a16="http://schemas.microsoft.com/office/drawing/2014/main" id="{D613A59F-CF81-4117-B2BB-CA91F0DCD0EC}"/>
               </a:ext>
             </a:extLst>
           </p:cNvPr>
@@ -4578,20 +4052,13 @@
         </p:nvSpPr>
         <p:spPr/>
         <p:txBody>
-          <a:bodyPr>
-            <a:normAutofit fontScale="90000"/>
-          </a:bodyPr>
+          <a:bodyPr/>
           <a:lstStyle/>
           <a:p>
             <a:r>
               <a:rPr lang="en-US" dirty="0"/>
-              <a:t>Pseudo-random number generation in </a:t>
-            </a:r>
-            <a:r>
-              <a:rPr lang="en-US" dirty="0" err="1"/>
-              <a:t>pytorch</a:t>
-            </a:r>
-            <a:endParaRPr lang="en-US" dirty="0"/>
+              <a:t>Activation functions</a:t>
+            </a:r>
           </a:p>
         </p:txBody>
       </p:sp>
@@ -4600,7 +4067,7 @@
           <p:cNvPr id="3" name="Espace réservé du texte 2">
             <a:extLst>
               <a:ext uri="{FF2B5EF4-FFF2-40B4-BE49-F238E27FC236}">
-                <a16:creationId xmlns:a16="http://schemas.microsoft.com/office/drawing/2014/main" id="{B9205BCD-2FEE-456E-93BC-62FA819BCB9B}"/>
+                <a16:creationId xmlns:a16="http://schemas.microsoft.com/office/drawing/2014/main" id="{A47ABD61-F279-4069-A2D9-3E0B0688E6CF}"/>
               </a:ext>
             </a:extLst>
           </p:cNvPr>
@@ -4618,56 +4085,81 @@
           <a:p>
             <a:r>
               <a:rPr lang="en-US" dirty="0"/>
-              <a:t>Unfortunately, it’s not easy</a:t>
-            </a:r>
-          </a:p>
-          <a:p>
-            <a:r>
-              <a:rPr lang="en-US" dirty="0"/>
-              <a:t>Computing on GPUs makes consistent PRNG difficult</a:t>
-            </a:r>
-          </a:p>
-          <a:p>
-            <a:r>
-              <a:rPr lang="en-US" dirty="0"/>
-              <a:t>Libraries optimized for </a:t>
-            </a:r>
-            <a:r>
-              <a:rPr lang="en-US" i="1" dirty="0"/>
-              <a:t>speed</a:t>
-            </a:r>
-            <a:r>
-              <a:rPr lang="en-US" dirty="0"/>
-              <a:t>, not consistent behavior</a:t>
-            </a:r>
-          </a:p>
-          <a:p>
+              <a:t>Practical advice</a:t>
+            </a:r>
+          </a:p>
+          <a:p>
+            <a:pPr lvl="1"/>
+            <a:r>
+              <a:rPr lang="en-US" dirty="0"/>
+              <a:t>Check function typically used in literature for target application</a:t>
+            </a:r>
+          </a:p>
+          <a:p>
+            <a:pPr lvl="1"/>
+            <a:r>
+              <a:rPr lang="en-US" dirty="0"/>
+              <a:t>For recurrent neural networks, </a:t>
+            </a:r>
+            <a:r>
+              <a:rPr lang="en-US" dirty="0" err="1"/>
+              <a:t>TanH</a:t>
+            </a:r>
+            <a:r>
+              <a:rPr lang="en-US" dirty="0"/>
+              <a:t> or Sigmoid</a:t>
+            </a:r>
+          </a:p>
+          <a:p>
+            <a:pPr lvl="1"/>
+            <a:r>
+              <a:rPr lang="en-US" dirty="0"/>
+              <a:t>When in doubt, go for </a:t>
+            </a:r>
+            <a:r>
+              <a:rPr lang="en-US" dirty="0" err="1"/>
+              <a:t>ReLUs</a:t>
+            </a:r>
             <a:endParaRPr lang="en-US" dirty="0"/>
           </a:p>
           <a:p>
-            <a:r>
-              <a:rPr lang="en-US" dirty="0"/>
-              <a:t>Still, a few good practices:</a:t>
-            </a:r>
-          </a:p>
-          <a:p>
-            <a:pPr marL="0" indent="0">
-              <a:buNone/>
-            </a:pPr>
+            <a:endParaRPr lang="en-US" dirty="0"/>
+          </a:p>
+          <a:p>
+            <a:r>
+              <a:rPr lang="en-US" dirty="0"/>
+              <a:t>Lots of available activation functions</a:t>
+            </a:r>
+          </a:p>
+          <a:p>
+            <a:pPr lvl="1"/>
             <a:r>
               <a:rPr lang="en-US" dirty="0">
                 <a:hlinkClick r:id="rId2"/>
               </a:rPr>
-              <a:t>https://pytorch.org/docs/stable/notes/randomness.html</a:t>
+              <a:t>https://pytorch.org/docs/stable/nn.html#non-linear-activations-weighted-sum-nonlinearity</a:t>
             </a:r>
             <a:endParaRPr lang="en-US" dirty="0"/>
+          </a:p>
+          <a:p>
+            <a:pPr lvl="1"/>
+            <a:r>
+              <a:rPr lang="en-US" dirty="0">
+                <a:hlinkClick r:id="rId3"/>
+              </a:rPr>
+              <a:t>https://pytorch.org/docs/stable/nn.html#non-linear-activations-other</a:t>
+            </a:r>
+            <a:r>
+              <a:rPr lang="en-US" dirty="0"/>
+              <a:t> </a:t>
+            </a:r>
           </a:p>
         </p:txBody>
       </p:sp>
     </p:spTree>
     <p:extLst>
       <p:ext uri="{BB962C8B-B14F-4D97-AF65-F5344CB8AC3E}">
-        <p14:creationId xmlns:p14="http://schemas.microsoft.com/office/powerpoint/2010/main" val="2285821162"/>
+        <p14:creationId xmlns:p14="http://schemas.microsoft.com/office/powerpoint/2010/main" val="1297336262"/>
       </p:ext>
     </p:extLst>
   </p:cSld>
@@ -4699,7 +4191,7 @@
           <p:cNvPr id="2" name="Titre 1">
             <a:extLst>
               <a:ext uri="{FF2B5EF4-FFF2-40B4-BE49-F238E27FC236}">
-                <a16:creationId xmlns:a16="http://schemas.microsoft.com/office/drawing/2014/main" id="{E56F1EB6-DAD9-457F-9439-B1EFD21942EF}"/>
+                <a16:creationId xmlns:a16="http://schemas.microsoft.com/office/drawing/2014/main" id="{BF3FA5B1-D659-4AA7-A982-AFFFF9AD157B}"/>
               </a:ext>
             </a:extLst>
           </p:cNvPr>
@@ -4716,12 +4208,8 @@
           <a:lstStyle/>
           <a:p>
             <a:r>
-              <a:rPr lang="en-US" dirty="0" err="1"/>
-              <a:t>pytorch</a:t>
-            </a:r>
-            <a:r>
-              <a:rPr lang="en-US" dirty="0"/>
-              <a:t> FAQ</a:t>
+              <a:rPr lang="en-US" dirty="0"/>
+              <a:t>Checkpointing</a:t>
             </a:r>
           </a:p>
         </p:txBody>
@@ -4731,7 +4219,7 @@
           <p:cNvPr id="3" name="Espace réservé du texte 2">
             <a:extLst>
               <a:ext uri="{FF2B5EF4-FFF2-40B4-BE49-F238E27FC236}">
-                <a16:creationId xmlns:a16="http://schemas.microsoft.com/office/drawing/2014/main" id="{57CEC01E-0BD0-4703-9F2F-562C1722F7B9}"/>
+                <a16:creationId xmlns:a16="http://schemas.microsoft.com/office/drawing/2014/main" id="{8AB21698-57DA-4AA6-834F-D9B2D0F6D0F8}"/>
               </a:ext>
             </a:extLst>
           </p:cNvPr>
@@ -4749,33 +4237,275 @@
           <a:p>
             <a:r>
               <a:rPr lang="en-US" dirty="0"/>
-              <a:t>Excellent resource for most common issues</a:t>
-            </a:r>
-          </a:p>
-          <a:p>
-            <a:pPr marL="0" indent="0">
-              <a:buNone/>
-            </a:pPr>
-            <a:r>
-              <a:rPr lang="en-US" dirty="0">
-                <a:hlinkClick r:id="rId2"/>
-              </a:rPr>
-              <a:t>https://pytorch.org/docs/stable/notes/faq.html</a:t>
-            </a:r>
+              <a:t>Training neural networks can take a long time</a:t>
+            </a:r>
+          </a:p>
+          <a:p>
+            <a:pPr lvl="1"/>
+            <a:r>
+              <a:rPr lang="en-US" dirty="0"/>
+              <a:t>We can </a:t>
+            </a:r>
+            <a:r>
+              <a:rPr lang="en-US" b="1" dirty="0"/>
+              <a:t>save the state of the network</a:t>
+            </a:r>
+            <a:r>
+              <a:rPr lang="en-US" dirty="0"/>
+              <a:t> during training!</a:t>
+            </a:r>
+          </a:p>
+          <a:p>
+            <a:pPr lvl="1"/>
+            <a:r>
+              <a:rPr lang="en-US" dirty="0"/>
+              <a:t>State depends only on weight values (+ optimizer, + scheduler)</a:t>
+            </a:r>
+          </a:p>
+          <a:p>
+            <a:pPr lvl="1"/>
+            <a:r>
+              <a:rPr lang="en-US" dirty="0"/>
+              <a:t>Stop and resume training</a:t>
+            </a:r>
+          </a:p>
+          <a:p>
+            <a:pPr lvl="1"/>
+            <a:r>
+              <a:rPr lang="en-US" b="1" dirty="0"/>
+              <a:t>Share weights</a:t>
+            </a:r>
+            <a:r>
+              <a:rPr lang="en-US" dirty="0"/>
+              <a:t> with other people!</a:t>
+            </a:r>
+          </a:p>
+          <a:p>
+            <a:pPr lvl="1"/>
             <a:endParaRPr lang="en-US" dirty="0"/>
           </a:p>
           <a:p>
-            <a:pPr marL="0" indent="0">
-              <a:buNone/>
-            </a:pPr>
-            <a:endParaRPr lang="en-US" dirty="0"/>
+            <a:r>
+              <a:rPr lang="en-US" dirty="0"/>
+              <a:t>Checkpoints are the starting point of </a:t>
+            </a:r>
+            <a:r>
+              <a:rPr lang="en-US" b="1" dirty="0"/>
+              <a:t>transfer learning</a:t>
+            </a:r>
           </a:p>
         </p:txBody>
       </p:sp>
     </p:spTree>
     <p:extLst>
       <p:ext uri="{BB962C8B-B14F-4D97-AF65-F5344CB8AC3E}">
-        <p14:creationId xmlns:p14="http://schemas.microsoft.com/office/powerpoint/2010/main" val="451053246"/>
+        <p14:creationId xmlns:p14="http://schemas.microsoft.com/office/powerpoint/2010/main" val="2110053101"/>
+      </p:ext>
+    </p:extLst>
+  </p:cSld>
+  <p:clrMapOvr>
+    <a:masterClrMapping/>
+  </p:clrMapOvr>
+</p:sld>
+</file>
+
+<file path=ppt/slides/slide23.xml><?xml version="1.0" encoding="utf-8"?>
+<p:sld xmlns:a="http://schemas.openxmlformats.org/drawingml/2006/main" xmlns:r="http://schemas.openxmlformats.org/officeDocument/2006/relationships" xmlns:p="http://schemas.openxmlformats.org/presentationml/2006/main">
+  <p:cSld>
+    <p:spTree>
+      <p:nvGrpSpPr>
+        <p:cNvPr id="1" name=""/>
+        <p:cNvGrpSpPr/>
+        <p:nvPr/>
+      </p:nvGrpSpPr>
+      <p:grpSpPr>
+        <a:xfrm>
+          <a:off x="0" y="0"/>
+          <a:ext cx="0" cy="0"/>
+          <a:chOff x="0" y="0"/>
+          <a:chExt cx="0" cy="0"/>
+        </a:xfrm>
+      </p:grpSpPr>
+      <p:sp>
+        <p:nvSpPr>
+          <p:cNvPr id="4" name="Titre 3">
+            <a:extLst>
+              <a:ext uri="{FF2B5EF4-FFF2-40B4-BE49-F238E27FC236}">
+                <a16:creationId xmlns:a16="http://schemas.microsoft.com/office/drawing/2014/main" id="{B53E8A05-42BD-489E-BF5F-958C213739DF}"/>
+              </a:ext>
+            </a:extLst>
+          </p:cNvPr>
+          <p:cNvSpPr>
+            <a:spLocks noGrp="1"/>
+          </p:cNvSpPr>
+          <p:nvPr>
+            <p:ph type="ctrTitle"/>
+          </p:nvPr>
+        </p:nvSpPr>
+        <p:spPr/>
+        <p:txBody>
+          <a:bodyPr/>
+          <a:lstStyle/>
+          <a:p>
+            <a:r>
+              <a:rPr lang="en-US" dirty="0"/>
+              <a:t>Questions?</a:t>
+            </a:r>
+          </a:p>
+        </p:txBody>
+      </p:sp>
+      <p:sp>
+        <p:nvSpPr>
+          <p:cNvPr id="5" name="Sous-titre 4">
+            <a:extLst>
+              <a:ext uri="{FF2B5EF4-FFF2-40B4-BE49-F238E27FC236}">
+                <a16:creationId xmlns:a16="http://schemas.microsoft.com/office/drawing/2014/main" id="{CEB63DBD-0FC0-4057-AC92-1717C1D0ED55}"/>
+              </a:ext>
+            </a:extLst>
+          </p:cNvPr>
+          <p:cNvSpPr>
+            <a:spLocks noGrp="1"/>
+          </p:cNvSpPr>
+          <p:nvPr>
+            <p:ph type="subTitle" idx="1"/>
+          </p:nvPr>
+        </p:nvSpPr>
+        <p:spPr/>
+        <p:txBody>
+          <a:bodyPr>
+            <a:noAutofit/>
+          </a:bodyPr>
+          <a:lstStyle/>
+          <a:p>
+            <a:r>
+              <a:rPr lang="en-US" dirty="0"/>
+              <a:t>Bibliography</a:t>
+            </a:r>
+            <a:br>
+              <a:rPr lang="en-US" dirty="0"/>
+            </a:br>
+            <a:r>
+              <a:rPr lang="en-US" dirty="0"/>
+              <a:t>- </a:t>
+            </a:r>
+            <a:r>
+              <a:rPr lang="en-US" dirty="0" err="1"/>
+              <a:t>pytorch</a:t>
+            </a:r>
+            <a:r>
+              <a:rPr lang="en-US" dirty="0"/>
+              <a:t> FAQs, </a:t>
+            </a:r>
+            <a:r>
+              <a:rPr lang="en-US" dirty="0">
+                <a:hlinkClick r:id="rId2"/>
+              </a:rPr>
+              <a:t>https://pytorch.org/docs/stable/notes/faq.html</a:t>
+            </a:r>
+            <a:endParaRPr lang="en-US" dirty="0"/>
+          </a:p>
+          <a:p>
+            <a:r>
+              <a:rPr lang="en-US" sz="1400" dirty="0"/>
+              <a:t>Images and videos: unless otherwise stated, I stole them from the Internet. I hope they are not copyrighted, or that their use falls under the Fair Use clause, and if not, I am sorry. Please don’t sue me.</a:t>
+            </a:r>
+          </a:p>
+        </p:txBody>
+      </p:sp>
+      <p:pic>
+        <p:nvPicPr>
+          <p:cNvPr id="6" name="Picture 2">
+            <a:extLst>
+              <a:ext uri="{FF2B5EF4-FFF2-40B4-BE49-F238E27FC236}">
+                <a16:creationId xmlns:a16="http://schemas.microsoft.com/office/drawing/2014/main" id="{6E214693-AB7E-4C54-8D7C-0391735F7C4F}"/>
+              </a:ext>
+            </a:extLst>
+          </p:cNvPr>
+          <p:cNvPicPr>
+            <a:picLocks noChangeAspect="1" noChangeArrowheads="1"/>
+          </p:cNvPicPr>
+          <p:nvPr/>
+        </p:nvPicPr>
+        <p:blipFill rotWithShape="1">
+          <a:blip r:embed="rId3" cstate="print">
+            <a:extLst>
+              <a:ext uri="{BEBA8EAE-BF5A-486C-A8C5-ECC9F3942E4B}">
+                <a14:imgProps xmlns:a14="http://schemas.microsoft.com/office/drawing/2010/main">
+                  <a14:imgLayer r:embed="rId4">
+                    <a14:imgEffect>
+                      <a14:backgroundRemoval t="22283" b="75673" l="54554" r="90983"/>
+                    </a14:imgEffect>
+                  </a14:imgLayer>
+                </a14:imgProps>
+              </a:ext>
+              <a:ext uri="{28A0092B-C50C-407E-A947-70E740481C1C}">
+                <a14:useLocalDpi xmlns:a14="http://schemas.microsoft.com/office/drawing/2010/main" val="0"/>
+              </a:ext>
+            </a:extLst>
+          </a:blip>
+          <a:srcRect l="50000" t="15610" r="4463" b="17653"/>
+          <a:stretch/>
+        </p:blipFill>
+        <p:spPr bwMode="auto">
+          <a:xfrm>
+            <a:off x="4938382" y="1037974"/>
+            <a:ext cx="1295445" cy="884352"/>
+          </a:xfrm>
+          <a:prstGeom prst="rect">
+            <a:avLst/>
+          </a:prstGeom>
+          <a:noFill/>
+          <a:extLst>
+            <a:ext uri="{909E8E84-426E-40DD-AFC4-6F175D3DCCD1}">
+              <a14:hiddenFill xmlns:a14="http://schemas.microsoft.com/office/drawing/2010/main">
+                <a:solidFill>
+                  <a:srgbClr val="FFFFFF"/>
+                </a:solidFill>
+              </a14:hiddenFill>
+            </a:ext>
+          </a:extLst>
+        </p:spPr>
+      </p:pic>
+      <p:pic>
+        <p:nvPicPr>
+          <p:cNvPr id="7" name="Image 6">
+            <a:extLst>
+              <a:ext uri="{FF2B5EF4-FFF2-40B4-BE49-F238E27FC236}">
+                <a16:creationId xmlns:a16="http://schemas.microsoft.com/office/drawing/2014/main" id="{414D43F9-35B6-46FA-B5D4-8F2F1AA72ED1}"/>
+              </a:ext>
+            </a:extLst>
+          </p:cNvPr>
+          <p:cNvPicPr>
+            <a:picLocks noChangeAspect="1"/>
+          </p:cNvPicPr>
+          <p:nvPr/>
+        </p:nvPicPr>
+        <p:blipFill>
+          <a:blip r:embed="rId5">
+            <a:extLst>
+              <a:ext uri="{28A0092B-C50C-407E-A947-70E740481C1C}">
+                <a14:useLocalDpi xmlns:a14="http://schemas.microsoft.com/office/drawing/2010/main" val="0"/>
+              </a:ext>
+            </a:extLst>
+          </a:blip>
+          <a:stretch>
+            <a:fillRect/>
+          </a:stretch>
+        </p:blipFill>
+        <p:spPr>
+          <a:xfrm>
+            <a:off x="6383826" y="1073027"/>
+            <a:ext cx="1642424" cy="574848"/>
+          </a:xfrm>
+          <a:prstGeom prst="rect">
+            <a:avLst/>
+          </a:prstGeom>
+        </p:spPr>
+      </p:pic>
+    </p:spTree>
+    <p:extLst>
+      <p:ext uri="{BB962C8B-B14F-4D97-AF65-F5344CB8AC3E}">
+        <p14:creationId xmlns:p14="http://schemas.microsoft.com/office/powerpoint/2010/main" val="938009228"/>
       </p:ext>
     </p:extLst>
   </p:cSld>
@@ -4807,7 +4537,7 @@
           <p:cNvPr id="2" name="Titre 1">
             <a:extLst>
               <a:ext uri="{FF2B5EF4-FFF2-40B4-BE49-F238E27FC236}">
-                <a16:creationId xmlns:a16="http://schemas.microsoft.com/office/drawing/2014/main" id="{4813324F-68C0-45A4-900E-F031DCD8BED3}"/>
+                <a16:creationId xmlns:a16="http://schemas.microsoft.com/office/drawing/2014/main" id="{26180FA7-DC8C-4D58-9020-8696C87794E9}"/>
               </a:ext>
             </a:extLst>
           </p:cNvPr>
@@ -4825,7 +4555,7 @@
           <a:p>
             <a:r>
               <a:rPr lang="en-US" dirty="0"/>
-              <a:t>Outline</a:t>
+              <a:t>Monitor performance</a:t>
             </a:r>
           </a:p>
         </p:txBody>
@@ -4835,7 +4565,7 @@
           <p:cNvPr id="3" name="Espace réservé du texte 2">
             <a:extLst>
               <a:ext uri="{FF2B5EF4-FFF2-40B4-BE49-F238E27FC236}">
-                <a16:creationId xmlns:a16="http://schemas.microsoft.com/office/drawing/2014/main" id="{8DB60D56-9073-4957-8709-091F289D8DD4}"/>
+                <a16:creationId xmlns:a16="http://schemas.microsoft.com/office/drawing/2014/main" id="{D0F3A6C9-4A06-4D3C-AB08-9480561A2CCE}"/>
               </a:ext>
             </a:extLst>
           </p:cNvPr>
@@ -4851,14 +4581,68 @@
           <a:bodyPr/>
           <a:lstStyle/>
           <a:p>
-            <a:endParaRPr lang="en-US"/>
+            <a:r>
+              <a:rPr lang="en-US" dirty="0"/>
+              <a:t>Assess performance during training</a:t>
+            </a:r>
+          </a:p>
+          <a:p>
+            <a:pPr lvl="1"/>
+            <a:r>
+              <a:rPr lang="en-US" dirty="0"/>
+              <a:t>But performance is better evaluated on </a:t>
+            </a:r>
+            <a:r>
+              <a:rPr lang="en-US" b="1" dirty="0"/>
+              <a:t>test</a:t>
+            </a:r>
+            <a:r>
+              <a:rPr lang="en-US" dirty="0"/>
+              <a:t>!</a:t>
+            </a:r>
+          </a:p>
+          <a:p>
+            <a:pPr lvl="1"/>
+            <a:r>
+              <a:rPr lang="en-US" dirty="0"/>
+              <a:t>Evaluating performance on training is not very informative</a:t>
+            </a:r>
+          </a:p>
+          <a:p>
+            <a:pPr lvl="1"/>
+            <a:r>
+              <a:rPr lang="en-US" dirty="0"/>
+              <a:t>Overfitting gives the illusion of increasing performance on training</a:t>
+            </a:r>
+          </a:p>
+          <a:p>
+            <a:r>
+              <a:rPr lang="en-US" dirty="0"/>
+              <a:t>We want to know performance on unseen data!</a:t>
+            </a:r>
+          </a:p>
+          <a:p>
+            <a:r>
+              <a:rPr lang="en-US" dirty="0"/>
+              <a:t>But at the same time, we don’t want to use the test set!</a:t>
+            </a:r>
+          </a:p>
+          <a:p>
+            <a:r>
+              <a:rPr lang="en-US" dirty="0"/>
+              <a:t>How can we solve this conundrum?</a:t>
+            </a:r>
+          </a:p>
+          <a:p>
+            <a:pPr lvl="1"/>
+            <a:endParaRPr lang="en-US" dirty="0"/>
           </a:p>
         </p:txBody>
       </p:sp>
     </p:spTree>
     <p:extLst>
       <p:ext uri="{BB962C8B-B14F-4D97-AF65-F5344CB8AC3E}">
-        <p14:creationId xmlns:p14="http://schemas.microsoft.com/office/powerpoint/2010/main" val="2216156184"/>
+        <p14:creationId xmlns:p14="http://schemas.microsoft.com/office/powerpoint/2010/main" val="1941914322"/>
       </p:ext>
     </p:extLst>
   </p:cSld>
@@ -4890,7 +4674,7 @@
           <p:cNvPr id="2" name="Titre 1">
             <a:extLst>
               <a:ext uri="{FF2B5EF4-FFF2-40B4-BE49-F238E27FC236}">
-                <a16:creationId xmlns:a16="http://schemas.microsoft.com/office/drawing/2014/main" id="{870BA421-A47D-4390-AE7D-8C8E05611386}"/>
+                <a16:creationId xmlns:a16="http://schemas.microsoft.com/office/drawing/2014/main" id="{B6C3AD26-C6C2-4243-89CA-7F9A170DC042}"/>
               </a:ext>
             </a:extLst>
           </p:cNvPr>
@@ -4908,7 +4692,7 @@
           <a:p>
             <a:r>
               <a:rPr lang="en-US" dirty="0"/>
-              <a:t>Neural Networks vs Deep Learning</a:t>
+              <a:t>Monitor performance</a:t>
             </a:r>
           </a:p>
         </p:txBody>
@@ -4918,7 +4702,7 @@
           <p:cNvPr id="3" name="Espace réservé du texte 2">
             <a:extLst>
               <a:ext uri="{FF2B5EF4-FFF2-40B4-BE49-F238E27FC236}">
-                <a16:creationId xmlns:a16="http://schemas.microsoft.com/office/drawing/2014/main" id="{5DE82577-6413-462A-8039-0AA88B95D48E}"/>
+                <a16:creationId xmlns:a16="http://schemas.microsoft.com/office/drawing/2014/main" id="{061C3BF1-C431-43CE-A8EF-3DE22A45B094}"/>
               </a:ext>
             </a:extLst>
           </p:cNvPr>
@@ -4936,15 +4720,151 @@
           <a:p>
             <a:r>
               <a:rPr lang="en-US" dirty="0"/>
-              <a:t>What is the difference?</a:t>
-            </a:r>
+              <a:t>Further split in the data</a:t>
+            </a:r>
+          </a:p>
+          <a:p>
+            <a:pPr lvl="1"/>
+            <a:r>
+              <a:rPr lang="en-US" dirty="0"/>
+              <a:t>Three parts: training, </a:t>
+            </a:r>
+            <a:r>
+              <a:rPr lang="en-US" b="1" dirty="0"/>
+              <a:t>validation</a:t>
+            </a:r>
+            <a:r>
+              <a:rPr lang="en-US" dirty="0"/>
+              <a:t>, test</a:t>
+            </a:r>
+          </a:p>
+          <a:p>
+            <a:pPr lvl="1"/>
+            <a:r>
+              <a:rPr lang="en-US" dirty="0"/>
+              <a:t>Validation is used to assess performance at a given epoch</a:t>
+            </a:r>
+          </a:p>
+          <a:p>
+            <a:pPr lvl="1"/>
+            <a:r>
+              <a:rPr lang="en-US" dirty="0"/>
+              <a:t>Commonly called “validation loss” (vs “training loss”)</a:t>
+            </a:r>
+          </a:p>
+          <a:p>
+            <a:endParaRPr lang="en-US" dirty="0"/>
           </a:p>
         </p:txBody>
       </p:sp>
+      <p:pic>
+        <p:nvPicPr>
+          <p:cNvPr id="3074" name="Picture 2" descr="Understanding Train, Test, and Validation Split in Simple Quick Terms | by  Rahul Chavan | Medium">
+            <a:extLst>
+              <a:ext uri="{FF2B5EF4-FFF2-40B4-BE49-F238E27FC236}">
+                <a16:creationId xmlns:a16="http://schemas.microsoft.com/office/drawing/2014/main" id="{D0C5B998-5CAA-4335-B0B3-EE9E58FC1930}"/>
+              </a:ext>
+            </a:extLst>
+          </p:cNvPr>
+          <p:cNvPicPr>
+            <a:picLocks noChangeAspect="1" noChangeArrowheads="1"/>
+          </p:cNvPicPr>
+          <p:nvPr/>
+        </p:nvPicPr>
+        <p:blipFill>
+          <a:blip r:embed="rId2">
+            <a:extLst>
+              <a:ext uri="{28A0092B-C50C-407E-A947-70E740481C1C}">
+                <a14:useLocalDpi xmlns:a14="http://schemas.microsoft.com/office/drawing/2010/main" val="0"/>
+              </a:ext>
+            </a:extLst>
+          </a:blip>
+          <a:srcRect/>
+          <a:stretch>
+            <a:fillRect/>
+          </a:stretch>
+        </p:blipFill>
+        <p:spPr bwMode="auto">
+          <a:xfrm>
+            <a:off x="1611984" y="3566719"/>
+            <a:ext cx="4376520" cy="2459906"/>
+          </a:xfrm>
+          <a:prstGeom prst="rect">
+            <a:avLst/>
+          </a:prstGeom>
+          <a:noFill/>
+          <a:extLst>
+            <a:ext uri="{909E8E84-426E-40DD-AFC4-6F175D3DCCD1}">
+              <a14:hiddenFill xmlns:a14="http://schemas.microsoft.com/office/drawing/2010/main">
+                <a:solidFill>
+                  <a:srgbClr val="FFFFFF"/>
+                </a:solidFill>
+              </a14:hiddenFill>
+            </a:ext>
+          </a:extLst>
+        </p:spPr>
+      </p:pic>
+      <p:pic>
+        <p:nvPicPr>
+          <p:cNvPr id="3076" name="Picture 4" descr="Train Test Validation Split: How To &amp; Best Practices [2023]">
+            <a:extLst>
+              <a:ext uri="{FF2B5EF4-FFF2-40B4-BE49-F238E27FC236}">
+                <a16:creationId xmlns:a16="http://schemas.microsoft.com/office/drawing/2014/main" id="{4B432992-48D1-4456-A479-9A8C32981AAF}"/>
+              </a:ext>
+            </a:extLst>
+          </p:cNvPr>
+          <p:cNvPicPr>
+            <a:picLocks noChangeAspect="1" noChangeArrowheads="1"/>
+          </p:cNvPicPr>
+          <p:nvPr/>
+        </p:nvPicPr>
+        <p:blipFill>
+          <a:blip r:embed="rId3" cstate="print">
+            <a:clrChange>
+              <a:clrFrom>
+                <a:srgbClr val="F1F5F9"/>
+              </a:clrFrom>
+              <a:clrTo>
+                <a:srgbClr val="F1F5F9">
+                  <a:alpha val="0"/>
+                </a:srgbClr>
+              </a:clrTo>
+            </a:clrChange>
+            <a:extLst>
+              <a:ext uri="{28A0092B-C50C-407E-A947-70E740481C1C}">
+                <a14:useLocalDpi xmlns:a14="http://schemas.microsoft.com/office/drawing/2010/main" val="0"/>
+              </a:ext>
+            </a:extLst>
+          </a:blip>
+          <a:srcRect/>
+          <a:stretch>
+            <a:fillRect/>
+          </a:stretch>
+        </p:blipFill>
+        <p:spPr bwMode="auto">
+          <a:xfrm>
+            <a:off x="6542202" y="3494170"/>
+            <a:ext cx="3645801" cy="2605005"/>
+          </a:xfrm>
+          <a:prstGeom prst="rect">
+            <a:avLst/>
+          </a:prstGeom>
+          <a:noFill/>
+          <a:extLst>
+            <a:ext uri="{909E8E84-426E-40DD-AFC4-6F175D3DCCD1}">
+              <a14:hiddenFill xmlns:a14="http://schemas.microsoft.com/office/drawing/2010/main">
+                <a:solidFill>
+                  <a:srgbClr val="FFFFFF"/>
+                </a:solidFill>
+              </a14:hiddenFill>
+            </a:ext>
+          </a:extLst>
+        </p:spPr>
+      </p:pic>
     </p:spTree>
     <p:extLst>
       <p:ext uri="{BB962C8B-B14F-4D97-AF65-F5344CB8AC3E}">
-        <p14:creationId xmlns:p14="http://schemas.microsoft.com/office/powerpoint/2010/main" val="96439416"/>
+        <p14:creationId xmlns:p14="http://schemas.microsoft.com/office/powerpoint/2010/main" val="2184990434"/>
       </p:ext>
     </p:extLst>
   </p:cSld>
@@ -4976,7 +4896,7 @@
           <p:cNvPr id="2" name="Titre 1">
             <a:extLst>
               <a:ext uri="{FF2B5EF4-FFF2-40B4-BE49-F238E27FC236}">
-                <a16:creationId xmlns:a16="http://schemas.microsoft.com/office/drawing/2014/main" id="{A852002E-F6A8-404A-AB15-0A3F841F2321}"/>
+                <a16:creationId xmlns:a16="http://schemas.microsoft.com/office/drawing/2014/main" id="{DE7FEE0D-CFB8-45C3-B5BC-B434F238B0B2}"/>
               </a:ext>
             </a:extLst>
           </p:cNvPr>
@@ -4994,7 +4914,7 @@
           <a:p>
             <a:r>
               <a:rPr lang="en-US" dirty="0"/>
-              <a:t>Neural Networks vs Deep Learning</a:t>
+              <a:t>Monitor performance</a:t>
             </a:r>
           </a:p>
         </p:txBody>
@@ -5004,7 +4924,7 @@
           <p:cNvPr id="3" name="Espace réservé du texte 2">
             <a:extLst>
               <a:ext uri="{FF2B5EF4-FFF2-40B4-BE49-F238E27FC236}">
-                <a16:creationId xmlns:a16="http://schemas.microsoft.com/office/drawing/2014/main" id="{9C943E4A-0036-4418-A6A6-339F75DDAD70}"/>
+                <a16:creationId xmlns:a16="http://schemas.microsoft.com/office/drawing/2014/main" id="{D5D5C852-4C98-4314-A122-B81E89E94E26}"/>
               </a:ext>
             </a:extLst>
           </p:cNvPr>
@@ -5022,93 +4942,22 @@
           <a:p>
             <a:r>
               <a:rPr lang="en-US" dirty="0"/>
-              <a:t>(1) Considerable </a:t>
+              <a:t>Using training loss and validation loss, </a:t>
             </a:r>
             <a:r>
               <a:rPr lang="en-US" b="1" dirty="0"/>
-              <a:t>improvements</a:t>
-            </a:r>
-            <a:r>
-              <a:rPr lang="en-US" dirty="0"/>
-              <a:t> over classic Neural Networks</a:t>
+              <a:t>detect overfitting</a:t>
+            </a:r>
+            <a:r>
+              <a:rPr lang="en-US" dirty="0"/>
+              <a:t>!</a:t>
             </a:r>
           </a:p>
           <a:p>
             <a:pPr lvl="1"/>
             <a:r>
               <a:rPr lang="en-US" dirty="0"/>
-              <a:t>New (more effective!) </a:t>
-            </a:r>
-            <a:r>
-              <a:rPr lang="en-US" b="1" dirty="0"/>
-              <a:t>algorithms to optimize</a:t>
-            </a:r>
-            <a:r>
-              <a:rPr lang="en-US" dirty="0"/>
-              <a:t> parameters</a:t>
-            </a:r>
-          </a:p>
-          <a:p>
-            <a:pPr lvl="1"/>
-            <a:r>
-              <a:rPr lang="en-US" dirty="0"/>
-              <a:t>New architectures to deal with </a:t>
-            </a:r>
-            <a:r>
-              <a:rPr lang="en-US" b="1" dirty="0"/>
-              <a:t>structured data</a:t>
-            </a:r>
-          </a:p>
-          <a:p>
-            <a:pPr lvl="1"/>
-            <a:r>
-              <a:rPr lang="en-US" dirty="0"/>
-              <a:t>Better </a:t>
-            </a:r>
-            <a:r>
-              <a:rPr lang="en-US" b="1" dirty="0"/>
-              <a:t>software engineering</a:t>
-            </a:r>
-          </a:p>
-          <a:p>
-            <a:pPr lvl="1"/>
-            <a:r>
-              <a:rPr lang="en-US" dirty="0"/>
-              <a:t>More </a:t>
-            </a:r>
-            <a:r>
-              <a:rPr lang="en-US" b="1" dirty="0"/>
-              <a:t>computing power</a:t>
-            </a:r>
-            <a:r>
-              <a:rPr lang="en-US" dirty="0"/>
-              <a:t> available, better results</a:t>
-            </a:r>
-          </a:p>
-          <a:p>
-            <a:r>
-              <a:rPr lang="en-US" dirty="0"/>
-              <a:t>(2) Rebranding</a:t>
-            </a:r>
-          </a:p>
-          <a:p>
-            <a:pPr lvl="1"/>
-            <a:r>
-              <a:rPr lang="en-US" dirty="0"/>
-              <a:t>Interest for Neural Networks declined in the 1990s</a:t>
-            </a:r>
-          </a:p>
-          <a:p>
-            <a:pPr lvl="1"/>
-            <a:r>
-              <a:rPr lang="en-US" dirty="0"/>
-              <a:t>At the time, considered less effective than other methods</a:t>
-            </a:r>
-          </a:p>
-          <a:p>
-            <a:r>
-              <a:rPr lang="en-US" dirty="0"/>
-              <a:t>Any network with more than one hidden layer is “deep”</a:t>
+              <a:t>How?</a:t>
             </a:r>
           </a:p>
         </p:txBody>
@@ -5116,7 +4965,7 @@
     </p:spTree>
     <p:extLst>
       <p:ext uri="{BB962C8B-B14F-4D97-AF65-F5344CB8AC3E}">
-        <p14:creationId xmlns:p14="http://schemas.microsoft.com/office/powerpoint/2010/main" val="4093442296"/>
+        <p14:creationId xmlns:p14="http://schemas.microsoft.com/office/powerpoint/2010/main" val="1580813849"/>
       </p:ext>
     </p:extLst>
   </p:cSld>
@@ -5148,7 +4997,7 @@
           <p:cNvPr id="2" name="Titre 1">
             <a:extLst>
               <a:ext uri="{FF2B5EF4-FFF2-40B4-BE49-F238E27FC236}">
-                <a16:creationId xmlns:a16="http://schemas.microsoft.com/office/drawing/2014/main" id="{419778B1-F7A4-4B62-AC08-8BD2E73DB866}"/>
+                <a16:creationId xmlns:a16="http://schemas.microsoft.com/office/drawing/2014/main" id="{B6C3AD26-C6C2-4243-89CA-7F9A170DC042}"/>
               </a:ext>
             </a:extLst>
           </p:cNvPr>
@@ -5166,7 +5015,7 @@
           <a:p>
             <a:r>
               <a:rPr lang="en-US" dirty="0"/>
-              <a:t>Why are neural networks winning?</a:t>
+              <a:t>Monitor performance</a:t>
             </a:r>
           </a:p>
         </p:txBody>
@@ -5176,7 +5025,7 @@
           <p:cNvPr id="3" name="Espace réservé du texte 2">
             <a:extLst>
               <a:ext uri="{FF2B5EF4-FFF2-40B4-BE49-F238E27FC236}">
-                <a16:creationId xmlns:a16="http://schemas.microsoft.com/office/drawing/2014/main" id="{706C715F-29DF-4532-9EA2-EA702412B608}"/>
+                <a16:creationId xmlns:a16="http://schemas.microsoft.com/office/drawing/2014/main" id="{061C3BF1-C431-43CE-A8EF-3DE22A45B094}"/>
               </a:ext>
             </a:extLst>
           </p:cNvPr>
@@ -5194,15 +5043,91 @@
           <a:p>
             <a:r>
               <a:rPr lang="en-US" dirty="0"/>
-              <a:t>Lots of competitors! Why is Deep Learning so dominant?</a:t>
-            </a:r>
+              <a:t>Using training loss and validation loss, </a:t>
+            </a:r>
+            <a:r>
+              <a:rPr lang="en-US" b="1" dirty="0"/>
+              <a:t>detect overfitting</a:t>
+            </a:r>
+            <a:r>
+              <a:rPr lang="en-US" dirty="0"/>
+              <a:t>!</a:t>
+            </a:r>
+          </a:p>
+          <a:p>
+            <a:pPr lvl="1"/>
+            <a:r>
+              <a:rPr lang="en-US" dirty="0"/>
+              <a:t>When training loss keeps decreasing, but validation loss </a:t>
+            </a:r>
+            <a:r>
+              <a:rPr lang="en-US" i="1" dirty="0"/>
+              <a:t>increases</a:t>
+            </a:r>
+          </a:p>
+          <a:p>
+            <a:pPr lvl="1"/>
+            <a:r>
+              <a:rPr lang="en-US" dirty="0"/>
+              <a:t>…or remains stationary for a long time</a:t>
+            </a:r>
+          </a:p>
+          <a:p>
+            <a:endParaRPr lang="en-US" dirty="0"/>
           </a:p>
         </p:txBody>
       </p:sp>
+      <p:pic>
+        <p:nvPicPr>
+          <p:cNvPr id="4102" name="Picture 6" descr="training-loss in deep-learning">
+            <a:extLst>
+              <a:ext uri="{FF2B5EF4-FFF2-40B4-BE49-F238E27FC236}">
+                <a16:creationId xmlns:a16="http://schemas.microsoft.com/office/drawing/2014/main" id="{24BD0C6B-56A7-4D9C-856D-84F18BAF261C}"/>
+              </a:ext>
+            </a:extLst>
+          </p:cNvPr>
+          <p:cNvPicPr>
+            <a:picLocks noChangeAspect="1" noChangeArrowheads="1"/>
+          </p:cNvPicPr>
+          <p:nvPr/>
+        </p:nvPicPr>
+        <p:blipFill>
+          <a:blip r:embed="rId2">
+            <a:extLst>
+              <a:ext uri="{28A0092B-C50C-407E-A947-70E740481C1C}">
+                <a14:useLocalDpi xmlns:a14="http://schemas.microsoft.com/office/drawing/2010/main" val="0"/>
+              </a:ext>
+            </a:extLst>
+          </a:blip>
+          <a:srcRect/>
+          <a:stretch>
+            <a:fillRect/>
+          </a:stretch>
+        </p:blipFill>
+        <p:spPr bwMode="auto">
+          <a:xfrm>
+            <a:off x="6700444" y="3061649"/>
+            <a:ext cx="4653356" cy="2924967"/>
+          </a:xfrm>
+          <a:prstGeom prst="rect">
+            <a:avLst/>
+          </a:prstGeom>
+          <a:noFill/>
+          <a:extLst>
+            <a:ext uri="{909E8E84-426E-40DD-AFC4-6F175D3DCCD1}">
+              <a14:hiddenFill xmlns:a14="http://schemas.microsoft.com/office/drawing/2010/main">
+                <a:solidFill>
+                  <a:srgbClr val="FFFFFF"/>
+                </a:solidFill>
+              </a14:hiddenFill>
+            </a:ext>
+          </a:extLst>
+        </p:spPr>
+      </p:pic>
     </p:spTree>
     <p:extLst>
       <p:ext uri="{BB962C8B-B14F-4D97-AF65-F5344CB8AC3E}">
-        <p14:creationId xmlns:p14="http://schemas.microsoft.com/office/powerpoint/2010/main" val="987275728"/>
+        <p14:creationId xmlns:p14="http://schemas.microsoft.com/office/powerpoint/2010/main" val="1649660711"/>
       </p:ext>
     </p:extLst>
   </p:cSld>
@@ -5234,7 +5159,7 @@
           <p:cNvPr id="2" name="Titre 1">
             <a:extLst>
               <a:ext uri="{FF2B5EF4-FFF2-40B4-BE49-F238E27FC236}">
-                <a16:creationId xmlns:a16="http://schemas.microsoft.com/office/drawing/2014/main" id="{419778B1-F7A4-4B62-AC08-8BD2E73DB866}"/>
+                <a16:creationId xmlns:a16="http://schemas.microsoft.com/office/drawing/2014/main" id="{8B58B196-0F04-42F1-BB14-60018282D33C}"/>
               </a:ext>
             </a:extLst>
           </p:cNvPr>
@@ -5251,9 +5176,10 @@
           <a:lstStyle/>
           <a:p>
             <a:r>
-              <a:rPr lang="en-US" dirty="0"/>
-              <a:t>Why are neural networks winning?</a:t>
-            </a:r>
+              <a:rPr lang="en-US" dirty="0" err="1"/>
+              <a:t>Tensorboard</a:t>
+            </a:r>
+            <a:endParaRPr lang="en-US" dirty="0"/>
           </a:p>
         </p:txBody>
       </p:sp>
@@ -5262,7 +5188,7 @@
           <p:cNvPr id="3" name="Espace réservé du texte 2">
             <a:extLst>
               <a:ext uri="{FF2B5EF4-FFF2-40B4-BE49-F238E27FC236}">
-                <a16:creationId xmlns:a16="http://schemas.microsoft.com/office/drawing/2014/main" id="{706C715F-29DF-4532-9EA2-EA702412B608}"/>
+                <a16:creationId xmlns:a16="http://schemas.microsoft.com/office/drawing/2014/main" id="{34CFECB5-BB0F-46D9-8DEB-B6384899F24C}"/>
               </a:ext>
             </a:extLst>
           </p:cNvPr>
@@ -5280,88 +5206,84 @@
           <a:p>
             <a:r>
               <a:rPr lang="en-US" dirty="0"/>
-              <a:t>On </a:t>
-            </a:r>
-            <a:r>
-              <a:rPr lang="en-US" b="1" dirty="0"/>
-              <a:t>tabular data</a:t>
-            </a:r>
-            <a:r>
-              <a:rPr lang="en-US" dirty="0"/>
-              <a:t>, they are not winning</a:t>
+              <a:t>Software developed by Google (part of </a:t>
+            </a:r>
+            <a:r>
+              <a:rPr lang="en-US" dirty="0" err="1"/>
+              <a:t>Tensorflow</a:t>
+            </a:r>
+            <a:r>
+              <a:rPr lang="en-US" dirty="0"/>
+              <a:t>)</a:t>
             </a:r>
           </a:p>
           <a:p>
             <a:pPr lvl="1"/>
             <a:r>
               <a:rPr lang="en-US" dirty="0"/>
-              <a:t>Current consensus is that ensembles of boosted trees are better</a:t>
+              <a:t>During training, write logs to text files</a:t>
             </a:r>
           </a:p>
           <a:p>
             <a:pPr lvl="1"/>
             <a:r>
               <a:rPr lang="en-US" dirty="0"/>
-              <a:t>See </a:t>
-            </a:r>
-            <a:r>
-              <a:rPr lang="en-US" dirty="0" err="1"/>
-              <a:t>Grinsztajn</a:t>
-            </a:r>
-            <a:r>
-              <a:rPr lang="en-US" dirty="0"/>
-              <a:t> et al. (2022) </a:t>
-            </a:r>
-            <a:r>
-              <a:rPr lang="en-US" i="1" dirty="0"/>
-              <a:t>Why do tree-based models still outperform deep learning on tabular data?</a:t>
-            </a:r>
-          </a:p>
-          <a:p>
-            <a:endParaRPr lang="en-US" dirty="0"/>
-          </a:p>
-          <a:p>
-            <a:r>
-              <a:rPr lang="en-US" dirty="0"/>
-              <a:t>On </a:t>
-            </a:r>
-            <a:r>
-              <a:rPr lang="en-US" b="1" dirty="0"/>
-              <a:t>structured data</a:t>
-            </a:r>
-            <a:r>
-              <a:rPr lang="en-US" dirty="0"/>
-              <a:t>, they are </a:t>
-            </a:r>
-            <a:r>
-              <a:rPr lang="en-US" i="1" dirty="0"/>
-              <a:t>massively</a:t>
-            </a:r>
-            <a:r>
-              <a:rPr lang="en-US" dirty="0"/>
-              <a:t> dominant</a:t>
-            </a:r>
-          </a:p>
-          <a:p>
-            <a:pPr lvl="1"/>
-            <a:r>
-              <a:rPr lang="en-US" dirty="0"/>
-              <a:t>Remove the need for feature construction (and maybe selection)</a:t>
-            </a:r>
-          </a:p>
-          <a:p>
-            <a:pPr lvl="1"/>
-            <a:r>
-              <a:rPr lang="en-US" dirty="0"/>
-              <a:t>Any type of structure: sequences, graphs, images, videos, …</a:t>
+              <a:t>Read text files and present a visualization</a:t>
             </a:r>
           </a:p>
         </p:txBody>
       </p:sp>
+      <p:pic>
+        <p:nvPicPr>
+          <p:cNvPr id="5122" name="Picture 2" descr="python - How to display the accuracy graph on TensorBoard? - Stack Overflow">
+            <a:extLst>
+              <a:ext uri="{FF2B5EF4-FFF2-40B4-BE49-F238E27FC236}">
+                <a16:creationId xmlns:a16="http://schemas.microsoft.com/office/drawing/2014/main" id="{8586F868-60D6-4732-8F49-893F0CB64BD6}"/>
+              </a:ext>
+            </a:extLst>
+          </p:cNvPr>
+          <p:cNvPicPr>
+            <a:picLocks noChangeAspect="1" noChangeArrowheads="1"/>
+          </p:cNvPicPr>
+          <p:nvPr/>
+        </p:nvPicPr>
+        <p:blipFill>
+          <a:blip r:embed="rId2" cstate="print">
+            <a:extLst>
+              <a:ext uri="{28A0092B-C50C-407E-A947-70E740481C1C}">
+                <a14:useLocalDpi xmlns:a14="http://schemas.microsoft.com/office/drawing/2010/main" val="0"/>
+              </a:ext>
+            </a:extLst>
+          </a:blip>
+          <a:srcRect/>
+          <a:stretch>
+            <a:fillRect/>
+          </a:stretch>
+        </p:blipFill>
+        <p:spPr bwMode="auto">
+          <a:xfrm>
+            <a:off x="4826523" y="3002693"/>
+            <a:ext cx="6319102" cy="3286262"/>
+          </a:xfrm>
+          <a:prstGeom prst="rect">
+            <a:avLst/>
+          </a:prstGeom>
+          <a:noFill/>
+          <a:extLst>
+            <a:ext uri="{909E8E84-426E-40DD-AFC4-6F175D3DCCD1}">
+              <a14:hiddenFill xmlns:a14="http://schemas.microsoft.com/office/drawing/2010/main">
+                <a:solidFill>
+                  <a:srgbClr val="FFFFFF"/>
+                </a:solidFill>
+              </a14:hiddenFill>
+            </a:ext>
+          </a:extLst>
+        </p:spPr>
+      </p:pic>
     </p:spTree>
     <p:extLst>
       <p:ext uri="{BB962C8B-B14F-4D97-AF65-F5344CB8AC3E}">
-        <p14:creationId xmlns:p14="http://schemas.microsoft.com/office/powerpoint/2010/main" val="2088068030"/>
+        <p14:creationId xmlns:p14="http://schemas.microsoft.com/office/powerpoint/2010/main" val="2602261884"/>
       </p:ext>
     </p:extLst>
   </p:cSld>
@@ -5393,7 +5315,7 @@
           <p:cNvPr id="2" name="Titre 1">
             <a:extLst>
               <a:ext uri="{FF2B5EF4-FFF2-40B4-BE49-F238E27FC236}">
-                <a16:creationId xmlns:a16="http://schemas.microsoft.com/office/drawing/2014/main" id="{419778B1-F7A4-4B62-AC08-8BD2E73DB866}"/>
+                <a16:creationId xmlns:a16="http://schemas.microsoft.com/office/drawing/2014/main" id="{83EE7644-466D-4E6E-91F3-2C8E2BDB96D2}"/>
               </a:ext>
             </a:extLst>
           </p:cNvPr>
@@ -5411,7 +5333,7 @@
           <a:p>
             <a:r>
               <a:rPr lang="en-US" dirty="0"/>
-              <a:t>Why are neural networks winning?</a:t>
+              <a:t>Stochastic Gradient Descent?</a:t>
             </a:r>
           </a:p>
         </p:txBody>
@@ -5421,7 +5343,7 @@
           <p:cNvPr id="3" name="Espace réservé du texte 2">
             <a:extLst>
               <a:ext uri="{FF2B5EF4-FFF2-40B4-BE49-F238E27FC236}">
-                <a16:creationId xmlns:a16="http://schemas.microsoft.com/office/drawing/2014/main" id="{706C715F-29DF-4532-9EA2-EA702412B608}"/>
+                <a16:creationId xmlns:a16="http://schemas.microsoft.com/office/drawing/2014/main" id="{88CA7EAA-7783-40C2-8DF2-0FB7964C0A0D}"/>
               </a:ext>
             </a:extLst>
           </p:cNvPr>
@@ -5439,15 +5361,21 @@
           <a:p>
             <a:r>
               <a:rPr lang="en-US" dirty="0"/>
-              <a:t>Generative models: how can a NNs output an </a:t>
+              <a:t>You already used SGD in the exercises</a:t>
+            </a:r>
+          </a:p>
+          <a:p>
+            <a:r>
+              <a:rPr lang="en-US" dirty="0"/>
+              <a:t>What is </a:t>
             </a:r>
             <a:r>
               <a:rPr lang="en-US" i="1" dirty="0"/>
-              <a:t>image</a:t>
-            </a:r>
-            <a:r>
-              <a:rPr lang="en-US" dirty="0"/>
-              <a:t>?</a:t>
+              <a:t>stochastic</a:t>
+            </a:r>
+            <a:r>
+              <a:rPr lang="en-US" dirty="0"/>
+              <a:t> about SGD?</a:t>
             </a:r>
           </a:p>
         </p:txBody>
@@ -5455,7 +5383,7 @@
     </p:spTree>
     <p:extLst>
       <p:ext uri="{BB962C8B-B14F-4D97-AF65-F5344CB8AC3E}">
-        <p14:creationId xmlns:p14="http://schemas.microsoft.com/office/powerpoint/2010/main" val="3262430891"/>
+        <p14:creationId xmlns:p14="http://schemas.microsoft.com/office/powerpoint/2010/main" val="4167666454"/>
       </p:ext>
     </p:extLst>
   </p:cSld>
@@ -5487,7 +5415,7 @@
           <p:cNvPr id="2" name="Titre 1">
             <a:extLst>
               <a:ext uri="{FF2B5EF4-FFF2-40B4-BE49-F238E27FC236}">
-                <a16:creationId xmlns:a16="http://schemas.microsoft.com/office/drawing/2014/main" id="{419778B1-F7A4-4B62-AC08-8BD2E73DB866}"/>
+                <a16:creationId xmlns:a16="http://schemas.microsoft.com/office/drawing/2014/main" id="{39B22912-A111-4935-9FDA-5E871CD8035B}"/>
               </a:ext>
             </a:extLst>
           </p:cNvPr>
@@ -5505,7 +5433,7 @@
           <a:p>
             <a:r>
               <a:rPr lang="en-US" dirty="0"/>
-              <a:t>Why are neural networks winning?</a:t>
+              <a:t>(Really) Stochastic Gradient Descent</a:t>
             </a:r>
           </a:p>
         </p:txBody>
@@ -5515,7 +5443,7 @@
           <p:cNvPr id="3" name="Espace réservé du texte 2">
             <a:extLst>
               <a:ext uri="{FF2B5EF4-FFF2-40B4-BE49-F238E27FC236}">
-                <a16:creationId xmlns:a16="http://schemas.microsoft.com/office/drawing/2014/main" id="{706C715F-29DF-4532-9EA2-EA702412B608}"/>
+                <a16:creationId xmlns:a16="http://schemas.microsoft.com/office/drawing/2014/main" id="{CD9BE0D7-23A4-4D68-A513-F98195102F8E}"/>
               </a:ext>
             </a:extLst>
           </p:cNvPr>
@@ -5526,488 +5454,123 @@
             <p:ph type="body" sz="quarter" idx="10"/>
           </p:nvPr>
         </p:nvSpPr>
-        <p:spPr>
-          <a:xfrm>
-            <a:off x="838200" y="1423358"/>
-            <a:ext cx="10515600" cy="1649688"/>
-          </a:xfrm>
-        </p:spPr>
+        <p:spPr/>
         <p:txBody>
-          <a:bodyPr>
-            <a:normAutofit lnSpcReduction="10000"/>
-          </a:bodyPr>
+          <a:bodyPr/>
           <a:lstStyle/>
           <a:p>
             <a:r>
               <a:rPr lang="en-US" dirty="0"/>
-              <a:t>Output tensors interpreted as (approximately) </a:t>
+              <a:t>It was NOT STOCHASTIC AT ALL!</a:t>
+            </a:r>
+          </a:p>
+          <a:p>
+            <a:r>
+              <a:rPr lang="en-US" dirty="0"/>
+              <a:t>Difference between SGD and GD</a:t>
+            </a:r>
+          </a:p>
+          <a:p>
+            <a:pPr lvl="1"/>
+            <a:r>
+              <a:rPr lang="en-US" dirty="0"/>
+              <a:t>SGD updates gradients after seeing a </a:t>
             </a:r>
             <a:r>
               <a:rPr lang="en-US" i="1" dirty="0"/>
-              <a:t>anything</a:t>
-            </a:r>
-            <a:r>
-              <a:rPr lang="en-US" dirty="0"/>
-              <a:t>!</a:t>
-            </a:r>
-          </a:p>
-          <a:p>
-            <a:pPr marL="0" indent="0" algn="ctr">
-              <a:buNone/>
-            </a:pPr>
-            <a:endParaRPr lang="en-US" dirty="0"/>
-          </a:p>
-          <a:p>
-            <a:pPr marL="0" indent="0" algn="ctr">
-              <a:buNone/>
-            </a:pPr>
-            <a:r>
-              <a:rPr lang="en-US" dirty="0"/>
-              <a:t>Example: image</a:t>
+              <a:t>random subset</a:t>
+            </a:r>
+            <a:r>
+              <a:rPr lang="en-US" dirty="0"/>
+              <a:t> of the data</a:t>
+            </a:r>
+          </a:p>
+          <a:p>
+            <a:pPr lvl="1"/>
+            <a:r>
+              <a:rPr lang="en-US" dirty="0"/>
+              <a:t>Random subset is called </a:t>
+            </a:r>
+            <a:r>
+              <a:rPr lang="en-US" b="1" dirty="0"/>
+              <a:t>batch</a:t>
+            </a:r>
+          </a:p>
+          <a:p>
+            <a:pPr lvl="1"/>
+            <a:r>
+              <a:rPr lang="en-US" dirty="0"/>
+              <a:t>Smaller, more frequent updates are more robust and </a:t>
+            </a:r>
+            <a:r>
+              <a:rPr lang="en-US" i="1" dirty="0"/>
+              <a:t>faster</a:t>
+            </a:r>
+          </a:p>
+          <a:p>
+            <a:pPr lvl="1"/>
+            <a:r>
+              <a:rPr lang="en-US" dirty="0"/>
+              <a:t>Typically SGD uses a </a:t>
+            </a:r>
+            <a:r>
+              <a:rPr lang="en-US" b="1" dirty="0"/>
+              <a:t>smaller learning rate</a:t>
             </a:r>
           </a:p>
         </p:txBody>
       </p:sp>
-      <p:sp>
-        <p:nvSpPr>
-          <p:cNvPr id="4" name="Cube 3">
-            <a:extLst>
-              <a:ext uri="{FF2B5EF4-FFF2-40B4-BE49-F238E27FC236}">
-                <a16:creationId xmlns:a16="http://schemas.microsoft.com/office/drawing/2014/main" id="{A3E0261C-4ED1-4A18-A7FB-8A1F0B19E65C}"/>
-              </a:ext>
-            </a:extLst>
-          </p:cNvPr>
-          <p:cNvSpPr/>
+      <p:pic>
+        <p:nvPicPr>
+          <p:cNvPr id="1026" name="Picture 2" descr="Stochastic Gradient Descent (SGD) | by Ramji Balasubramanian | Analytics  Vidhya | Medium">
+            <a:extLst>
+              <a:ext uri="{FF2B5EF4-FFF2-40B4-BE49-F238E27FC236}">
+                <a16:creationId xmlns:a16="http://schemas.microsoft.com/office/drawing/2014/main" id="{CD90D868-D371-4DAC-A195-99524C0FD63B}"/>
+              </a:ext>
+            </a:extLst>
+          </p:cNvPr>
+          <p:cNvPicPr>
+            <a:picLocks noChangeAspect="1" noChangeArrowheads="1"/>
+          </p:cNvPicPr>
           <p:nvPr/>
-        </p:nvSpPr>
-        <p:spPr>
+        </p:nvPicPr>
+        <p:blipFill>
+          <a:blip r:embed="rId2">
+            <a:extLst>
+              <a:ext uri="{28A0092B-C50C-407E-A947-70E740481C1C}">
+                <a14:useLocalDpi xmlns:a14="http://schemas.microsoft.com/office/drawing/2010/main" val="0"/>
+              </a:ext>
+            </a:extLst>
+          </a:blip>
+          <a:srcRect/>
+          <a:stretch>
+            <a:fillRect/>
+          </a:stretch>
+        </p:blipFill>
+        <p:spPr bwMode="auto">
           <a:xfrm>
-            <a:off x="1537356" y="3490994"/>
-            <a:ext cx="1772239" cy="1649689"/>
-          </a:xfrm>
-          <a:prstGeom prst="cube">
-            <a:avLst/>
-          </a:prstGeom>
-        </p:spPr>
-        <p:style>
-          <a:lnRef idx="2">
-            <a:schemeClr val="accent1">
-              <a:shade val="50000"/>
-            </a:schemeClr>
-          </a:lnRef>
-          <a:fillRef idx="1">
-            <a:schemeClr val="accent1"/>
-          </a:fillRef>
-          <a:effectRef idx="0">
-            <a:schemeClr val="accent1"/>
-          </a:effectRef>
-          <a:fontRef idx="minor">
-            <a:schemeClr val="lt1"/>
-          </a:fontRef>
-        </p:style>
-        <p:txBody>
-          <a:bodyPr rtlCol="0" anchor="ctr"/>
-          <a:lstStyle/>
-          <a:p>
-            <a:pPr algn="ctr"/>
-            <a:r>
-              <a:rPr lang="en-US" dirty="0"/>
-              <a:t>Tensor </a:t>
-            </a:r>
-            <a:br>
-              <a:rPr lang="en-US" dirty="0"/>
-            </a:br>
-            <a:r>
-              <a:rPr lang="en-US" dirty="0"/>
-              <a:t>(c * w * h)</a:t>
-            </a:r>
-          </a:p>
-        </p:txBody>
-      </p:sp>
-      <p:sp>
-        <p:nvSpPr>
-          <p:cNvPr id="5" name="Rectangle 4">
-            <a:extLst>
-              <a:ext uri="{FF2B5EF4-FFF2-40B4-BE49-F238E27FC236}">
-                <a16:creationId xmlns:a16="http://schemas.microsoft.com/office/drawing/2014/main" id="{F3CEEA68-0304-421D-B32A-071A459630F9}"/>
-              </a:ext>
-            </a:extLst>
-          </p:cNvPr>
-          <p:cNvSpPr/>
-          <p:nvPr/>
-        </p:nvSpPr>
-        <p:spPr>
-          <a:xfrm>
-            <a:off x="4883871" y="3490994"/>
-            <a:ext cx="1348033" cy="1211373"/>
+            <a:off x="8088197" y="4041560"/>
+            <a:ext cx="3619795" cy="2173012"/>
           </a:xfrm>
           <a:prstGeom prst="rect">
             <a:avLst/>
           </a:prstGeom>
-          <a:solidFill>
-            <a:schemeClr val="accent5">
-              <a:lumMod val="20000"/>
-              <a:lumOff val="80000"/>
-            </a:schemeClr>
-          </a:solidFill>
+          <a:noFill/>
+          <a:extLst>
+            <a:ext uri="{909E8E84-426E-40DD-AFC4-6F175D3DCCD1}">
+              <a14:hiddenFill xmlns:a14="http://schemas.microsoft.com/office/drawing/2010/main">
+                <a:solidFill>
+                  <a:srgbClr val="FFFFFF"/>
+                </a:solidFill>
+              </a14:hiddenFill>
+            </a:ext>
+          </a:extLst>
         </p:spPr>
-        <p:style>
-          <a:lnRef idx="2">
-            <a:schemeClr val="accent1">
-              <a:shade val="50000"/>
-            </a:schemeClr>
-          </a:lnRef>
-          <a:fillRef idx="1">
-            <a:schemeClr val="accent1"/>
-          </a:fillRef>
-          <a:effectRef idx="0">
-            <a:schemeClr val="accent1"/>
-          </a:effectRef>
-          <a:fontRef idx="minor">
-            <a:schemeClr val="lt1"/>
-          </a:fontRef>
-        </p:style>
-        <p:txBody>
-          <a:bodyPr rtlCol="0" anchor="ctr"/>
-          <a:lstStyle/>
-          <a:p>
-            <a:pPr algn="ctr"/>
-            <a:endParaRPr lang="en-US"/>
-          </a:p>
-        </p:txBody>
-      </p:sp>
-      <p:sp>
-        <p:nvSpPr>
-          <p:cNvPr id="6" name="Rectangle 5">
-            <a:extLst>
-              <a:ext uri="{FF2B5EF4-FFF2-40B4-BE49-F238E27FC236}">
-                <a16:creationId xmlns:a16="http://schemas.microsoft.com/office/drawing/2014/main" id="{DB69D241-7A96-4867-890B-A5961ACB16EA}"/>
-              </a:ext>
-            </a:extLst>
-          </p:cNvPr>
-          <p:cNvSpPr/>
-          <p:nvPr/>
-        </p:nvSpPr>
-        <p:spPr>
-          <a:xfrm>
-            <a:off x="4737754" y="3637896"/>
-            <a:ext cx="1348033" cy="1211373"/>
-          </a:xfrm>
-          <a:prstGeom prst="rect">
-            <a:avLst/>
-          </a:prstGeom>
-          <a:solidFill>
-            <a:schemeClr val="accent6">
-              <a:lumMod val="20000"/>
-              <a:lumOff val="80000"/>
-            </a:schemeClr>
-          </a:solidFill>
-        </p:spPr>
-        <p:style>
-          <a:lnRef idx="2">
-            <a:schemeClr val="accent1">
-              <a:shade val="50000"/>
-            </a:schemeClr>
-          </a:lnRef>
-          <a:fillRef idx="1">
-            <a:schemeClr val="accent1"/>
-          </a:fillRef>
-          <a:effectRef idx="0">
-            <a:schemeClr val="accent1"/>
-          </a:effectRef>
-          <a:fontRef idx="minor">
-            <a:schemeClr val="lt1"/>
-          </a:fontRef>
-        </p:style>
-        <p:txBody>
-          <a:bodyPr rtlCol="0" anchor="ctr"/>
-          <a:lstStyle/>
-          <a:p>
-            <a:pPr algn="ctr"/>
-            <a:endParaRPr lang="en-US"/>
-          </a:p>
-        </p:txBody>
-      </p:sp>
-      <p:sp>
-        <p:nvSpPr>
-          <p:cNvPr id="7" name="Rectangle 6">
-            <a:extLst>
-              <a:ext uri="{FF2B5EF4-FFF2-40B4-BE49-F238E27FC236}">
-                <a16:creationId xmlns:a16="http://schemas.microsoft.com/office/drawing/2014/main" id="{007330F0-738F-45FE-8294-C80F919EF3FA}"/>
-              </a:ext>
-            </a:extLst>
-          </p:cNvPr>
-          <p:cNvSpPr/>
-          <p:nvPr/>
-        </p:nvSpPr>
-        <p:spPr>
-          <a:xfrm>
-            <a:off x="4592426" y="3827676"/>
-            <a:ext cx="1348033" cy="1211373"/>
-          </a:xfrm>
-          <a:prstGeom prst="rect">
-            <a:avLst/>
-          </a:prstGeom>
-          <a:solidFill>
-            <a:srgbClr val="F49696"/>
-          </a:solidFill>
-        </p:spPr>
-        <p:style>
-          <a:lnRef idx="2">
-            <a:schemeClr val="accent1">
-              <a:shade val="50000"/>
-            </a:schemeClr>
-          </a:lnRef>
-          <a:fillRef idx="1">
-            <a:schemeClr val="accent1"/>
-          </a:fillRef>
-          <a:effectRef idx="0">
-            <a:schemeClr val="accent1"/>
-          </a:effectRef>
-          <a:fontRef idx="minor">
-            <a:schemeClr val="lt1"/>
-          </a:fontRef>
-        </p:style>
-        <p:txBody>
-          <a:bodyPr rtlCol="0" anchor="ctr"/>
-          <a:lstStyle/>
-          <a:p>
-            <a:pPr algn="ctr"/>
-            <a:r>
-              <a:rPr lang="en-US" dirty="0"/>
-              <a:t>Image channel</a:t>
-            </a:r>
-            <a:br>
-              <a:rPr lang="en-US" dirty="0"/>
-            </a:br>
-            <a:r>
-              <a:rPr lang="en-US" dirty="0"/>
-              <a:t>(w * h)</a:t>
-            </a:r>
-          </a:p>
-        </p:txBody>
-      </p:sp>
-      <p:sp>
-        <p:nvSpPr>
-          <p:cNvPr id="9" name="Flèche : droite 8">
-            <a:extLst>
-              <a:ext uri="{FF2B5EF4-FFF2-40B4-BE49-F238E27FC236}">
-                <a16:creationId xmlns:a16="http://schemas.microsoft.com/office/drawing/2014/main" id="{5A329563-3BC1-4F23-8B5D-12DE783B4554}"/>
-              </a:ext>
-            </a:extLst>
-          </p:cNvPr>
-          <p:cNvSpPr/>
-          <p:nvPr/>
-        </p:nvSpPr>
-        <p:spPr>
-          <a:xfrm>
-            <a:off x="3481634" y="4165039"/>
-            <a:ext cx="938752" cy="537328"/>
-          </a:xfrm>
-          <a:prstGeom prst="rightArrow">
-            <a:avLst/>
-          </a:prstGeom>
-        </p:spPr>
-        <p:style>
-          <a:lnRef idx="2">
-            <a:schemeClr val="dk1"/>
-          </a:lnRef>
-          <a:fillRef idx="1">
-            <a:schemeClr val="lt1"/>
-          </a:fillRef>
-          <a:effectRef idx="0">
-            <a:schemeClr val="dk1"/>
-          </a:effectRef>
-          <a:fontRef idx="minor">
-            <a:schemeClr val="dk1"/>
-          </a:fontRef>
-        </p:style>
-        <p:txBody>
-          <a:bodyPr rtlCol="0" anchor="ctr"/>
-          <a:lstStyle/>
-          <a:p>
-            <a:pPr algn="ctr"/>
-            <a:endParaRPr lang="en-US"/>
-          </a:p>
-        </p:txBody>
-      </p:sp>
-      <mc:AlternateContent xmlns:mc="http://schemas.openxmlformats.org/markup-compatibility/2006" xmlns:a14="http://schemas.microsoft.com/office/drawing/2010/main">
-        <mc:Choice Requires="a14">
-          <p:sp>
-            <p:nvSpPr>
-              <p:cNvPr id="10" name="ZoneTexte 9">
-                <a:extLst>
-                  <a:ext uri="{FF2B5EF4-FFF2-40B4-BE49-F238E27FC236}">
-                    <a16:creationId xmlns:a16="http://schemas.microsoft.com/office/drawing/2014/main" id="{AFAD42F5-649B-498B-9493-A1468FAE793B}"/>
-                  </a:ext>
-                </a:extLst>
-              </p:cNvPr>
-              <p:cNvSpPr txBox="1"/>
-              <p:nvPr/>
-            </p:nvSpPr>
-            <p:spPr>
-              <a:xfrm>
-                <a:off x="7088170" y="3429000"/>
-                <a:ext cx="4265630" cy="1629164"/>
-              </a:xfrm>
-              <a:prstGeom prst="rect">
-                <a:avLst/>
-              </a:prstGeom>
-              <a:noFill/>
-            </p:spPr>
-            <p:txBody>
-              <a:bodyPr wrap="square" rtlCol="0">
-                <a:spAutoFit/>
-              </a:bodyPr>
-              <a:lstStyle/>
-              <a:p>
-                <a:r>
-                  <a:rPr lang="en-US" sz="2400" dirty="0"/>
-                  <a:t>Each value </a:t>
-                </a:r>
-                <a14:m>
-                  <m:oMath xmlns:m="http://schemas.openxmlformats.org/officeDocument/2006/math">
-                    <m:sSub>
-                      <m:sSubPr>
-                        <m:ctrlPr>
-                          <a:rPr lang="it-IT" sz="2400" b="0" i="1" smtClean="0">
-                            <a:latin typeface="Cambria Math" panose="02040503050406030204" pitchFamily="18" charset="0"/>
-                          </a:rPr>
-                        </m:ctrlPr>
-                      </m:sSubPr>
-                      <m:e>
-                        <m:r>
-                          <a:rPr lang="it-IT" sz="2400" i="1">
-                            <a:latin typeface="Cambria Math" panose="02040503050406030204" pitchFamily="18" charset="0"/>
-                          </a:rPr>
-                          <m:t>𝑥</m:t>
-                        </m:r>
-                      </m:e>
-                      <m:sub>
-                        <m:r>
-                          <a:rPr lang="it-IT" sz="2400" b="0" i="1" smtClean="0">
-                            <a:latin typeface="Cambria Math" panose="02040503050406030204" pitchFamily="18" charset="0"/>
-                          </a:rPr>
-                          <m:t>𝑖</m:t>
-                        </m:r>
-                        <m:r>
-                          <a:rPr lang="it-IT" sz="2400" b="0" i="1" smtClean="0">
-                            <a:latin typeface="Cambria Math" panose="02040503050406030204" pitchFamily="18" charset="0"/>
-                          </a:rPr>
-                          <m:t>,</m:t>
-                        </m:r>
-                        <m:r>
-                          <a:rPr lang="it-IT" sz="2400" b="0" i="1" smtClean="0">
-                            <a:latin typeface="Cambria Math" panose="02040503050406030204" pitchFamily="18" charset="0"/>
-                          </a:rPr>
-                          <m:t>𝑗</m:t>
-                        </m:r>
-                      </m:sub>
-                    </m:sSub>
-                  </m:oMath>
-                </a14:m>
-                <a:r>
-                  <a:rPr lang="en-US" sz="2400" dirty="0"/>
-                  <a:t> inside each channel indicates the level or red, blue, or green for pixel </a:t>
-                </a:r>
-                <a14:m>
-                  <m:oMath xmlns:m="http://schemas.openxmlformats.org/officeDocument/2006/math">
-                    <m:sSub>
-                      <m:sSubPr>
-                        <m:ctrlPr>
-                          <a:rPr lang="it-IT" sz="2400" b="0" i="1" smtClean="0">
-                            <a:latin typeface="Cambria Math" panose="02040503050406030204" pitchFamily="18" charset="0"/>
-                          </a:rPr>
-                        </m:ctrlPr>
-                      </m:sSubPr>
-                      <m:e>
-                        <m:r>
-                          <a:rPr lang="it-IT" sz="2400" i="1">
-                            <a:latin typeface="Cambria Math" panose="02040503050406030204" pitchFamily="18" charset="0"/>
-                          </a:rPr>
-                          <m:t>𝑝</m:t>
-                        </m:r>
-                      </m:e>
-                      <m:sub>
-                        <m:r>
-                          <a:rPr lang="it-IT" sz="2400" b="0" i="1" smtClean="0">
-                            <a:latin typeface="Cambria Math" panose="02040503050406030204" pitchFamily="18" charset="0"/>
-                          </a:rPr>
-                          <m:t>𝑖</m:t>
-                        </m:r>
-                        <m:r>
-                          <a:rPr lang="it-IT" sz="2400" b="0" i="1" smtClean="0">
-                            <a:latin typeface="Cambria Math" panose="02040503050406030204" pitchFamily="18" charset="0"/>
-                          </a:rPr>
-                          <m:t>,</m:t>
-                        </m:r>
-                        <m:r>
-                          <a:rPr lang="it-IT" sz="2400" b="0" i="1" smtClean="0">
-                            <a:latin typeface="Cambria Math" panose="02040503050406030204" pitchFamily="18" charset="0"/>
-                          </a:rPr>
-                          <m:t>𝑗</m:t>
-                        </m:r>
-                      </m:sub>
-                    </m:sSub>
-                  </m:oMath>
-                </a14:m>
-                <a:r>
-                  <a:rPr lang="en-US" sz="2400" dirty="0"/>
-                  <a:t> respectively</a:t>
-                </a:r>
-              </a:p>
-            </p:txBody>
-          </p:sp>
-        </mc:Choice>
-        <mc:Fallback xmlns="">
-          <p:sp>
-            <p:nvSpPr>
-              <p:cNvPr id="10" name="ZoneTexte 9">
-                <a:extLst>
-                  <a:ext uri="{FF2B5EF4-FFF2-40B4-BE49-F238E27FC236}">
-                    <a16:creationId xmlns:a16="http://schemas.microsoft.com/office/drawing/2014/main" id="{AFAD42F5-649B-498B-9493-A1468FAE793B}"/>
-                  </a:ext>
-                </a:extLst>
-              </p:cNvPr>
-              <p:cNvSpPr txBox="1">
-                <a:spLocks noRot="1" noChangeAspect="1" noMove="1" noResize="1" noEditPoints="1" noAdjustHandles="1" noChangeArrowheads="1" noChangeShapeType="1" noTextEdit="1"/>
-              </p:cNvSpPr>
-              <p:nvPr/>
-            </p:nvSpPr>
-            <p:spPr>
-              <a:xfrm>
-                <a:off x="7088170" y="3429000"/>
-                <a:ext cx="4265630" cy="1629164"/>
-              </a:xfrm>
-              <a:prstGeom prst="rect">
-                <a:avLst/>
-              </a:prstGeom>
-              <a:blipFill>
-                <a:blip r:embed="rId2"/>
-                <a:stretch>
-                  <a:fillRect l="-2286" t="-2622" b="-7116"/>
-                </a:stretch>
-              </a:blipFill>
-            </p:spPr>
-            <p:txBody>
-              <a:bodyPr/>
-              <a:lstStyle/>
-              <a:p>
-                <a:r>
-                  <a:rPr lang="en-US">
-                    <a:noFill/>
-                  </a:rPr>
-                  <a:t> </a:t>
-                </a:r>
-              </a:p>
-            </p:txBody>
-          </p:sp>
-        </mc:Fallback>
-      </mc:AlternateContent>
+      </p:pic>
     </p:spTree>
     <p:extLst>
       <p:ext uri="{BB962C8B-B14F-4D97-AF65-F5344CB8AC3E}">
-        <p14:creationId xmlns:p14="http://schemas.microsoft.com/office/powerpoint/2010/main" val="1974155934"/>
+        <p14:creationId xmlns:p14="http://schemas.microsoft.com/office/powerpoint/2010/main" val="1797110168"/>
       </p:ext>
     </p:extLst>
   </p:cSld>

--- a/deep-learning-in-practice-with-pytorch/1-intermediate-pytorch.pptx
+++ b/deep-learning-in-practice-with-pytorch/1-intermediate-pytorch.pptx
@@ -4287,7 +4287,7 @@
           <a:p>
             <a:r>
               <a:rPr lang="en-US" dirty="0"/>
-              <a:t>Checkpoints are the starting point of </a:t>
+              <a:t>Checkpoints are one of the foundations of </a:t>
             </a:r>
             <a:r>
               <a:rPr lang="en-US" b="1" dirty="0"/>
@@ -5106,7 +5106,7 @@
         </p:blipFill>
         <p:spPr bwMode="auto">
           <a:xfrm>
-            <a:off x="6700444" y="3061649"/>
+            <a:off x="6700444" y="3174773"/>
             <a:ext cx="4653356" cy="2924967"/>
           </a:xfrm>
           <a:prstGeom prst="rect">
@@ -5124,6 +5124,57 @@
           </a:extLst>
         </p:spPr>
       </p:pic>
+      <p:sp>
+        <p:nvSpPr>
+          <p:cNvPr id="4" name="ZoneTexte 3">
+            <a:extLst>
+              <a:ext uri="{FF2B5EF4-FFF2-40B4-BE49-F238E27FC236}">
+                <a16:creationId xmlns:a16="http://schemas.microsoft.com/office/drawing/2014/main" id="{6E92DB3B-FC21-45E0-81E1-E3D6808B2A71}"/>
+              </a:ext>
+            </a:extLst>
+          </p:cNvPr>
+          <p:cNvSpPr txBox="1"/>
+          <p:nvPr/>
+        </p:nvSpPr>
+        <p:spPr>
+          <a:xfrm>
+            <a:off x="4192914" y="4047078"/>
+            <a:ext cx="2507530" cy="954107"/>
+          </a:xfrm>
+          <a:prstGeom prst="rect">
+            <a:avLst/>
+          </a:prstGeom>
+          <a:noFill/>
+        </p:spPr>
+        <p:txBody>
+          <a:bodyPr wrap="square" rtlCol="0">
+            <a:spAutoFit/>
+          </a:bodyPr>
+          <a:lstStyle/>
+          <a:p>
+            <a:pPr algn="r"/>
+            <a:r>
+              <a:rPr lang="en-US" sz="2800" b="1" dirty="0">
+                <a:solidFill>
+                  <a:schemeClr val="accent1"/>
+                </a:solidFill>
+              </a:rPr>
+              <a:t>Training loss</a:t>
+            </a:r>
+          </a:p>
+          <a:p>
+            <a:pPr algn="r"/>
+            <a:r>
+              <a:rPr lang="en-US" sz="2800" b="1" dirty="0">
+                <a:solidFill>
+                  <a:schemeClr val="accent2"/>
+                </a:solidFill>
+              </a:rPr>
+              <a:t>Validation loss</a:t>
+            </a:r>
+          </a:p>
+        </p:txBody>
+      </p:sp>
     </p:spTree>
     <p:extLst>
       <p:ext uri="{BB962C8B-B14F-4D97-AF65-F5344CB8AC3E}">

--- a/deep-learning-in-practice-with-pytorch/1-intermediate-pytorch.pptx
+++ b/deep-learning-in-practice-with-pytorch/1-intermediate-pytorch.pptx
@@ -7,27 +7,31 @@
   <p:sldIdLst>
     <p:sldId id="257" r:id="rId2"/>
     <p:sldId id="258" r:id="rId3"/>
-    <p:sldId id="292" r:id="rId4"/>
-    <p:sldId id="324" r:id="rId5"/>
-    <p:sldId id="326" r:id="rId6"/>
-    <p:sldId id="325" r:id="rId7"/>
-    <p:sldId id="327" r:id="rId8"/>
-    <p:sldId id="293" r:id="rId9"/>
-    <p:sldId id="294" r:id="rId10"/>
-    <p:sldId id="295" r:id="rId11"/>
-    <p:sldId id="276" r:id="rId12"/>
-    <p:sldId id="275" r:id="rId13"/>
-    <p:sldId id="315" r:id="rId14"/>
-    <p:sldId id="320" r:id="rId15"/>
-    <p:sldId id="321" r:id="rId16"/>
-    <p:sldId id="406" r:id="rId17"/>
-    <p:sldId id="322" r:id="rId18"/>
-    <p:sldId id="323" r:id="rId19"/>
-    <p:sldId id="291" r:id="rId20"/>
-    <p:sldId id="408" r:id="rId21"/>
-    <p:sldId id="409" r:id="rId22"/>
-    <p:sldId id="407" r:id="rId23"/>
-    <p:sldId id="405" r:id="rId24"/>
+    <p:sldId id="267" r:id="rId4"/>
+    <p:sldId id="268" r:id="rId5"/>
+    <p:sldId id="269" r:id="rId6"/>
+    <p:sldId id="270" r:id="rId7"/>
+    <p:sldId id="292" r:id="rId8"/>
+    <p:sldId id="324" r:id="rId9"/>
+    <p:sldId id="326" r:id="rId10"/>
+    <p:sldId id="325" r:id="rId11"/>
+    <p:sldId id="327" r:id="rId12"/>
+    <p:sldId id="293" r:id="rId13"/>
+    <p:sldId id="294" r:id="rId14"/>
+    <p:sldId id="295" r:id="rId15"/>
+    <p:sldId id="276" r:id="rId16"/>
+    <p:sldId id="275" r:id="rId17"/>
+    <p:sldId id="315" r:id="rId18"/>
+    <p:sldId id="320" r:id="rId19"/>
+    <p:sldId id="321" r:id="rId20"/>
+    <p:sldId id="406" r:id="rId21"/>
+    <p:sldId id="322" r:id="rId22"/>
+    <p:sldId id="323" r:id="rId23"/>
+    <p:sldId id="291" r:id="rId24"/>
+    <p:sldId id="408" r:id="rId25"/>
+    <p:sldId id="409" r:id="rId26"/>
+    <p:sldId id="407" r:id="rId27"/>
+    <p:sldId id="405" r:id="rId28"/>
   </p:sldIdLst>
   <p:sldSz cx="12192000" cy="6858000"/>
   <p:notesSz cx="6858000" cy="9144000"/>
@@ -1937,6 +1941,662 @@
           <p:cNvPr id="2" name="Titre 1">
             <a:extLst>
               <a:ext uri="{FF2B5EF4-FFF2-40B4-BE49-F238E27FC236}">
+                <a16:creationId xmlns:a16="http://schemas.microsoft.com/office/drawing/2014/main" id="{B6C3AD26-C6C2-4243-89CA-7F9A170DC042}"/>
+              </a:ext>
+            </a:extLst>
+          </p:cNvPr>
+          <p:cNvSpPr>
+            <a:spLocks noGrp="1"/>
+          </p:cNvSpPr>
+          <p:nvPr>
+            <p:ph type="title"/>
+          </p:nvPr>
+        </p:nvSpPr>
+        <p:spPr/>
+        <p:txBody>
+          <a:bodyPr/>
+          <a:lstStyle/>
+          <a:p>
+            <a:r>
+              <a:rPr lang="en-US" dirty="0"/>
+              <a:t>Monitor performance</a:t>
+            </a:r>
+          </a:p>
+        </p:txBody>
+      </p:sp>
+      <p:sp>
+        <p:nvSpPr>
+          <p:cNvPr id="3" name="Espace réservé du texte 2">
+            <a:extLst>
+              <a:ext uri="{FF2B5EF4-FFF2-40B4-BE49-F238E27FC236}">
+                <a16:creationId xmlns:a16="http://schemas.microsoft.com/office/drawing/2014/main" id="{061C3BF1-C431-43CE-A8EF-3DE22A45B094}"/>
+              </a:ext>
+            </a:extLst>
+          </p:cNvPr>
+          <p:cNvSpPr>
+            <a:spLocks noGrp="1"/>
+          </p:cNvSpPr>
+          <p:nvPr>
+            <p:ph type="body" sz="quarter" idx="10"/>
+          </p:nvPr>
+        </p:nvSpPr>
+        <p:spPr/>
+        <p:txBody>
+          <a:bodyPr/>
+          <a:lstStyle/>
+          <a:p>
+            <a:r>
+              <a:rPr lang="en-US" dirty="0"/>
+              <a:t>Using training loss and validation loss, </a:t>
+            </a:r>
+            <a:r>
+              <a:rPr lang="en-US" b="1" dirty="0"/>
+              <a:t>detect overfitting</a:t>
+            </a:r>
+            <a:r>
+              <a:rPr lang="en-US" dirty="0"/>
+              <a:t>!</a:t>
+            </a:r>
+          </a:p>
+          <a:p>
+            <a:pPr lvl="1"/>
+            <a:r>
+              <a:rPr lang="en-US" dirty="0"/>
+              <a:t>When training loss keeps decreasing, but validation loss </a:t>
+            </a:r>
+            <a:r>
+              <a:rPr lang="en-US" i="1" dirty="0"/>
+              <a:t>increases</a:t>
+            </a:r>
+          </a:p>
+          <a:p>
+            <a:pPr lvl="1"/>
+            <a:r>
+              <a:rPr lang="en-US" dirty="0"/>
+              <a:t>…or remains stationary for a long time</a:t>
+            </a:r>
+          </a:p>
+          <a:p>
+            <a:endParaRPr lang="en-US" dirty="0"/>
+          </a:p>
+        </p:txBody>
+      </p:sp>
+      <p:pic>
+        <p:nvPicPr>
+          <p:cNvPr id="4102" name="Picture 6" descr="training-loss in deep-learning">
+            <a:extLst>
+              <a:ext uri="{FF2B5EF4-FFF2-40B4-BE49-F238E27FC236}">
+                <a16:creationId xmlns:a16="http://schemas.microsoft.com/office/drawing/2014/main" id="{24BD0C6B-56A7-4D9C-856D-84F18BAF261C}"/>
+              </a:ext>
+            </a:extLst>
+          </p:cNvPr>
+          <p:cNvPicPr>
+            <a:picLocks noChangeAspect="1" noChangeArrowheads="1"/>
+          </p:cNvPicPr>
+          <p:nvPr/>
+        </p:nvPicPr>
+        <p:blipFill>
+          <a:blip r:embed="rId2">
+            <a:extLst>
+              <a:ext uri="{28A0092B-C50C-407E-A947-70E740481C1C}">
+                <a14:useLocalDpi xmlns:a14="http://schemas.microsoft.com/office/drawing/2010/main" val="0"/>
+              </a:ext>
+            </a:extLst>
+          </a:blip>
+          <a:srcRect/>
+          <a:stretch>
+            <a:fillRect/>
+          </a:stretch>
+        </p:blipFill>
+        <p:spPr bwMode="auto">
+          <a:xfrm>
+            <a:off x="6700444" y="3174773"/>
+            <a:ext cx="4653356" cy="2924967"/>
+          </a:xfrm>
+          <a:prstGeom prst="rect">
+            <a:avLst/>
+          </a:prstGeom>
+          <a:noFill/>
+          <a:extLst>
+            <a:ext uri="{909E8E84-426E-40DD-AFC4-6F175D3DCCD1}">
+              <a14:hiddenFill xmlns:a14="http://schemas.microsoft.com/office/drawing/2010/main">
+                <a:solidFill>
+                  <a:srgbClr val="FFFFFF"/>
+                </a:solidFill>
+              </a14:hiddenFill>
+            </a:ext>
+          </a:extLst>
+        </p:spPr>
+      </p:pic>
+      <p:sp>
+        <p:nvSpPr>
+          <p:cNvPr id="4" name="ZoneTexte 3">
+            <a:extLst>
+              <a:ext uri="{FF2B5EF4-FFF2-40B4-BE49-F238E27FC236}">
+                <a16:creationId xmlns:a16="http://schemas.microsoft.com/office/drawing/2014/main" id="{6E92DB3B-FC21-45E0-81E1-E3D6808B2A71}"/>
+              </a:ext>
+            </a:extLst>
+          </p:cNvPr>
+          <p:cNvSpPr txBox="1"/>
+          <p:nvPr/>
+        </p:nvSpPr>
+        <p:spPr>
+          <a:xfrm>
+            <a:off x="4192914" y="4047078"/>
+            <a:ext cx="2507530" cy="954107"/>
+          </a:xfrm>
+          <a:prstGeom prst="rect">
+            <a:avLst/>
+          </a:prstGeom>
+          <a:noFill/>
+        </p:spPr>
+        <p:txBody>
+          <a:bodyPr wrap="square" rtlCol="0">
+            <a:spAutoFit/>
+          </a:bodyPr>
+          <a:lstStyle/>
+          <a:p>
+            <a:pPr algn="r"/>
+            <a:r>
+              <a:rPr lang="en-US" sz="2800" b="1" dirty="0">
+                <a:solidFill>
+                  <a:schemeClr val="accent1"/>
+                </a:solidFill>
+              </a:rPr>
+              <a:t>Training loss</a:t>
+            </a:r>
+          </a:p>
+          <a:p>
+            <a:pPr algn="r"/>
+            <a:r>
+              <a:rPr lang="en-US" sz="2800" b="1" dirty="0">
+                <a:solidFill>
+                  <a:schemeClr val="accent2"/>
+                </a:solidFill>
+              </a:rPr>
+              <a:t>Validation loss</a:t>
+            </a:r>
+          </a:p>
+        </p:txBody>
+      </p:sp>
+    </p:spTree>
+    <p:extLst>
+      <p:ext uri="{BB962C8B-B14F-4D97-AF65-F5344CB8AC3E}">
+        <p14:creationId xmlns:p14="http://schemas.microsoft.com/office/powerpoint/2010/main" val="1649660711"/>
+      </p:ext>
+    </p:extLst>
+  </p:cSld>
+  <p:clrMapOvr>
+    <a:masterClrMapping/>
+  </p:clrMapOvr>
+</p:sld>
+</file>
+
+<file path=ppt/slides/slide11.xml><?xml version="1.0" encoding="utf-8"?>
+<p:sld xmlns:a="http://schemas.openxmlformats.org/drawingml/2006/main" xmlns:r="http://schemas.openxmlformats.org/officeDocument/2006/relationships" xmlns:p="http://schemas.openxmlformats.org/presentationml/2006/main">
+  <p:cSld>
+    <p:spTree>
+      <p:nvGrpSpPr>
+        <p:cNvPr id="1" name=""/>
+        <p:cNvGrpSpPr/>
+        <p:nvPr/>
+      </p:nvGrpSpPr>
+      <p:grpSpPr>
+        <a:xfrm>
+          <a:off x="0" y="0"/>
+          <a:ext cx="0" cy="0"/>
+          <a:chOff x="0" y="0"/>
+          <a:chExt cx="0" cy="0"/>
+        </a:xfrm>
+      </p:grpSpPr>
+      <p:sp>
+        <p:nvSpPr>
+          <p:cNvPr id="2" name="Titre 1">
+            <a:extLst>
+              <a:ext uri="{FF2B5EF4-FFF2-40B4-BE49-F238E27FC236}">
+                <a16:creationId xmlns:a16="http://schemas.microsoft.com/office/drawing/2014/main" id="{8B58B196-0F04-42F1-BB14-60018282D33C}"/>
+              </a:ext>
+            </a:extLst>
+          </p:cNvPr>
+          <p:cNvSpPr>
+            <a:spLocks noGrp="1"/>
+          </p:cNvSpPr>
+          <p:nvPr>
+            <p:ph type="title"/>
+          </p:nvPr>
+        </p:nvSpPr>
+        <p:spPr/>
+        <p:txBody>
+          <a:bodyPr/>
+          <a:lstStyle/>
+          <a:p>
+            <a:r>
+              <a:rPr lang="en-US" dirty="0" err="1"/>
+              <a:t>Tensorboard</a:t>
+            </a:r>
+            <a:endParaRPr lang="en-US" dirty="0"/>
+          </a:p>
+        </p:txBody>
+      </p:sp>
+      <p:sp>
+        <p:nvSpPr>
+          <p:cNvPr id="3" name="Espace réservé du texte 2">
+            <a:extLst>
+              <a:ext uri="{FF2B5EF4-FFF2-40B4-BE49-F238E27FC236}">
+                <a16:creationId xmlns:a16="http://schemas.microsoft.com/office/drawing/2014/main" id="{34CFECB5-BB0F-46D9-8DEB-B6384899F24C}"/>
+              </a:ext>
+            </a:extLst>
+          </p:cNvPr>
+          <p:cNvSpPr>
+            <a:spLocks noGrp="1"/>
+          </p:cNvSpPr>
+          <p:nvPr>
+            <p:ph type="body" sz="quarter" idx="10"/>
+          </p:nvPr>
+        </p:nvSpPr>
+        <p:spPr/>
+        <p:txBody>
+          <a:bodyPr/>
+          <a:lstStyle/>
+          <a:p>
+            <a:r>
+              <a:rPr lang="en-US" dirty="0"/>
+              <a:t>Software developed by Google (part of </a:t>
+            </a:r>
+            <a:r>
+              <a:rPr lang="en-US" dirty="0" err="1"/>
+              <a:t>Tensorflow</a:t>
+            </a:r>
+            <a:r>
+              <a:rPr lang="en-US" dirty="0"/>
+              <a:t>)</a:t>
+            </a:r>
+          </a:p>
+          <a:p>
+            <a:pPr lvl="1"/>
+            <a:r>
+              <a:rPr lang="en-US" dirty="0"/>
+              <a:t>During training, write logs to text files</a:t>
+            </a:r>
+          </a:p>
+          <a:p>
+            <a:pPr lvl="1"/>
+            <a:r>
+              <a:rPr lang="en-US" dirty="0"/>
+              <a:t>Read text files and present a visualization</a:t>
+            </a:r>
+          </a:p>
+        </p:txBody>
+      </p:sp>
+      <p:pic>
+        <p:nvPicPr>
+          <p:cNvPr id="5122" name="Picture 2" descr="python - How to display the accuracy graph on TensorBoard? - Stack Overflow">
+            <a:extLst>
+              <a:ext uri="{FF2B5EF4-FFF2-40B4-BE49-F238E27FC236}">
+                <a16:creationId xmlns:a16="http://schemas.microsoft.com/office/drawing/2014/main" id="{8586F868-60D6-4732-8F49-893F0CB64BD6}"/>
+              </a:ext>
+            </a:extLst>
+          </p:cNvPr>
+          <p:cNvPicPr>
+            <a:picLocks noChangeAspect="1" noChangeArrowheads="1"/>
+          </p:cNvPicPr>
+          <p:nvPr/>
+        </p:nvPicPr>
+        <p:blipFill>
+          <a:blip r:embed="rId2" cstate="print">
+            <a:extLst>
+              <a:ext uri="{28A0092B-C50C-407E-A947-70E740481C1C}">
+                <a14:useLocalDpi xmlns:a14="http://schemas.microsoft.com/office/drawing/2010/main" val="0"/>
+              </a:ext>
+            </a:extLst>
+          </a:blip>
+          <a:srcRect/>
+          <a:stretch>
+            <a:fillRect/>
+          </a:stretch>
+        </p:blipFill>
+        <p:spPr bwMode="auto">
+          <a:xfrm>
+            <a:off x="4826523" y="3002693"/>
+            <a:ext cx="6319102" cy="3286262"/>
+          </a:xfrm>
+          <a:prstGeom prst="rect">
+            <a:avLst/>
+          </a:prstGeom>
+          <a:noFill/>
+          <a:extLst>
+            <a:ext uri="{909E8E84-426E-40DD-AFC4-6F175D3DCCD1}">
+              <a14:hiddenFill xmlns:a14="http://schemas.microsoft.com/office/drawing/2010/main">
+                <a:solidFill>
+                  <a:srgbClr val="FFFFFF"/>
+                </a:solidFill>
+              </a14:hiddenFill>
+            </a:ext>
+          </a:extLst>
+        </p:spPr>
+      </p:pic>
+    </p:spTree>
+    <p:extLst>
+      <p:ext uri="{BB962C8B-B14F-4D97-AF65-F5344CB8AC3E}">
+        <p14:creationId xmlns:p14="http://schemas.microsoft.com/office/powerpoint/2010/main" val="2602261884"/>
+      </p:ext>
+    </p:extLst>
+  </p:cSld>
+  <p:clrMapOvr>
+    <a:masterClrMapping/>
+  </p:clrMapOvr>
+</p:sld>
+</file>
+
+<file path=ppt/slides/slide12.xml><?xml version="1.0" encoding="utf-8"?>
+<p:sld xmlns:a="http://schemas.openxmlformats.org/drawingml/2006/main" xmlns:r="http://schemas.openxmlformats.org/officeDocument/2006/relationships" xmlns:p="http://schemas.openxmlformats.org/presentationml/2006/main">
+  <p:cSld>
+    <p:spTree>
+      <p:nvGrpSpPr>
+        <p:cNvPr id="1" name=""/>
+        <p:cNvGrpSpPr/>
+        <p:nvPr/>
+      </p:nvGrpSpPr>
+      <p:grpSpPr>
+        <a:xfrm>
+          <a:off x="0" y="0"/>
+          <a:ext cx="0" cy="0"/>
+          <a:chOff x="0" y="0"/>
+          <a:chExt cx="0" cy="0"/>
+        </a:xfrm>
+      </p:grpSpPr>
+      <p:sp>
+        <p:nvSpPr>
+          <p:cNvPr id="2" name="Titre 1">
+            <a:extLst>
+              <a:ext uri="{FF2B5EF4-FFF2-40B4-BE49-F238E27FC236}">
+                <a16:creationId xmlns:a16="http://schemas.microsoft.com/office/drawing/2014/main" id="{83EE7644-466D-4E6E-91F3-2C8E2BDB96D2}"/>
+              </a:ext>
+            </a:extLst>
+          </p:cNvPr>
+          <p:cNvSpPr>
+            <a:spLocks noGrp="1"/>
+          </p:cNvSpPr>
+          <p:nvPr>
+            <p:ph type="title"/>
+          </p:nvPr>
+        </p:nvSpPr>
+        <p:spPr/>
+        <p:txBody>
+          <a:bodyPr/>
+          <a:lstStyle/>
+          <a:p>
+            <a:r>
+              <a:rPr lang="en-US" dirty="0"/>
+              <a:t>Stochastic Gradient Descent?</a:t>
+            </a:r>
+          </a:p>
+        </p:txBody>
+      </p:sp>
+      <p:sp>
+        <p:nvSpPr>
+          <p:cNvPr id="3" name="Espace réservé du texte 2">
+            <a:extLst>
+              <a:ext uri="{FF2B5EF4-FFF2-40B4-BE49-F238E27FC236}">
+                <a16:creationId xmlns:a16="http://schemas.microsoft.com/office/drawing/2014/main" id="{88CA7EAA-7783-40C2-8DF2-0FB7964C0A0D}"/>
+              </a:ext>
+            </a:extLst>
+          </p:cNvPr>
+          <p:cNvSpPr>
+            <a:spLocks noGrp="1"/>
+          </p:cNvSpPr>
+          <p:nvPr>
+            <p:ph type="body" sz="quarter" idx="10"/>
+          </p:nvPr>
+        </p:nvSpPr>
+        <p:spPr/>
+        <p:txBody>
+          <a:bodyPr/>
+          <a:lstStyle/>
+          <a:p>
+            <a:r>
+              <a:rPr lang="en-US" dirty="0"/>
+              <a:t>You already used SGD in the exercises</a:t>
+            </a:r>
+          </a:p>
+          <a:p>
+            <a:r>
+              <a:rPr lang="en-US" dirty="0"/>
+              <a:t>What is </a:t>
+            </a:r>
+            <a:r>
+              <a:rPr lang="en-US" i="1" dirty="0"/>
+              <a:t>stochastic</a:t>
+            </a:r>
+            <a:r>
+              <a:rPr lang="en-US" dirty="0"/>
+              <a:t> about SGD?</a:t>
+            </a:r>
+          </a:p>
+        </p:txBody>
+      </p:sp>
+    </p:spTree>
+    <p:extLst>
+      <p:ext uri="{BB962C8B-B14F-4D97-AF65-F5344CB8AC3E}">
+        <p14:creationId xmlns:p14="http://schemas.microsoft.com/office/powerpoint/2010/main" val="4167666454"/>
+      </p:ext>
+    </p:extLst>
+  </p:cSld>
+  <p:clrMapOvr>
+    <a:masterClrMapping/>
+  </p:clrMapOvr>
+</p:sld>
+</file>
+
+<file path=ppt/slides/slide13.xml><?xml version="1.0" encoding="utf-8"?>
+<p:sld xmlns:a="http://schemas.openxmlformats.org/drawingml/2006/main" xmlns:r="http://schemas.openxmlformats.org/officeDocument/2006/relationships" xmlns:p="http://schemas.openxmlformats.org/presentationml/2006/main">
+  <p:cSld>
+    <p:spTree>
+      <p:nvGrpSpPr>
+        <p:cNvPr id="1" name=""/>
+        <p:cNvGrpSpPr/>
+        <p:nvPr/>
+      </p:nvGrpSpPr>
+      <p:grpSpPr>
+        <a:xfrm>
+          <a:off x="0" y="0"/>
+          <a:ext cx="0" cy="0"/>
+          <a:chOff x="0" y="0"/>
+          <a:chExt cx="0" cy="0"/>
+        </a:xfrm>
+      </p:grpSpPr>
+      <p:sp>
+        <p:nvSpPr>
+          <p:cNvPr id="2" name="Titre 1">
+            <a:extLst>
+              <a:ext uri="{FF2B5EF4-FFF2-40B4-BE49-F238E27FC236}">
+                <a16:creationId xmlns:a16="http://schemas.microsoft.com/office/drawing/2014/main" id="{39B22912-A111-4935-9FDA-5E871CD8035B}"/>
+              </a:ext>
+            </a:extLst>
+          </p:cNvPr>
+          <p:cNvSpPr>
+            <a:spLocks noGrp="1"/>
+          </p:cNvSpPr>
+          <p:nvPr>
+            <p:ph type="title"/>
+          </p:nvPr>
+        </p:nvSpPr>
+        <p:spPr/>
+        <p:txBody>
+          <a:bodyPr/>
+          <a:lstStyle/>
+          <a:p>
+            <a:r>
+              <a:rPr lang="en-US" dirty="0"/>
+              <a:t>(Really) Stochastic Gradient Descent</a:t>
+            </a:r>
+          </a:p>
+        </p:txBody>
+      </p:sp>
+      <p:sp>
+        <p:nvSpPr>
+          <p:cNvPr id="3" name="Espace réservé du texte 2">
+            <a:extLst>
+              <a:ext uri="{FF2B5EF4-FFF2-40B4-BE49-F238E27FC236}">
+                <a16:creationId xmlns:a16="http://schemas.microsoft.com/office/drawing/2014/main" id="{CD9BE0D7-23A4-4D68-A513-F98195102F8E}"/>
+              </a:ext>
+            </a:extLst>
+          </p:cNvPr>
+          <p:cNvSpPr>
+            <a:spLocks noGrp="1"/>
+          </p:cNvSpPr>
+          <p:nvPr>
+            <p:ph type="body" sz="quarter" idx="10"/>
+          </p:nvPr>
+        </p:nvSpPr>
+        <p:spPr/>
+        <p:txBody>
+          <a:bodyPr/>
+          <a:lstStyle/>
+          <a:p>
+            <a:r>
+              <a:rPr lang="en-US" dirty="0"/>
+              <a:t>It was NOT STOCHASTIC AT ALL!</a:t>
+            </a:r>
+          </a:p>
+          <a:p>
+            <a:r>
+              <a:rPr lang="en-US" dirty="0"/>
+              <a:t>Difference between SGD and GD</a:t>
+            </a:r>
+          </a:p>
+          <a:p>
+            <a:pPr lvl="1"/>
+            <a:r>
+              <a:rPr lang="en-US" dirty="0"/>
+              <a:t>SGD updates gradients after seeing a </a:t>
+            </a:r>
+            <a:r>
+              <a:rPr lang="en-US" i="1" dirty="0"/>
+              <a:t>random subset</a:t>
+            </a:r>
+            <a:r>
+              <a:rPr lang="en-US" dirty="0"/>
+              <a:t> of the data</a:t>
+            </a:r>
+          </a:p>
+          <a:p>
+            <a:pPr lvl="1"/>
+            <a:r>
+              <a:rPr lang="en-US" dirty="0"/>
+              <a:t>Random subset is called </a:t>
+            </a:r>
+            <a:r>
+              <a:rPr lang="en-US" b="1" dirty="0"/>
+              <a:t>batch</a:t>
+            </a:r>
+          </a:p>
+          <a:p>
+            <a:pPr lvl="1"/>
+            <a:r>
+              <a:rPr lang="en-US" dirty="0"/>
+              <a:t>Smaller, more frequent updates are more robust and </a:t>
+            </a:r>
+            <a:r>
+              <a:rPr lang="en-US" i="1" dirty="0"/>
+              <a:t>faster</a:t>
+            </a:r>
+          </a:p>
+          <a:p>
+            <a:pPr lvl="1"/>
+            <a:r>
+              <a:rPr lang="en-US" dirty="0"/>
+              <a:t>Typically SGD uses a </a:t>
+            </a:r>
+            <a:r>
+              <a:rPr lang="en-US" b="1" dirty="0"/>
+              <a:t>smaller learning rate</a:t>
+            </a:r>
+          </a:p>
+        </p:txBody>
+      </p:sp>
+      <p:pic>
+        <p:nvPicPr>
+          <p:cNvPr id="1026" name="Picture 2" descr="Stochastic Gradient Descent (SGD) | by Ramji Balasubramanian | Analytics  Vidhya | Medium">
+            <a:extLst>
+              <a:ext uri="{FF2B5EF4-FFF2-40B4-BE49-F238E27FC236}">
+                <a16:creationId xmlns:a16="http://schemas.microsoft.com/office/drawing/2014/main" id="{CD90D868-D371-4DAC-A195-99524C0FD63B}"/>
+              </a:ext>
+            </a:extLst>
+          </p:cNvPr>
+          <p:cNvPicPr>
+            <a:picLocks noChangeAspect="1" noChangeArrowheads="1"/>
+          </p:cNvPicPr>
+          <p:nvPr/>
+        </p:nvPicPr>
+        <p:blipFill>
+          <a:blip r:embed="rId2">
+            <a:extLst>
+              <a:ext uri="{28A0092B-C50C-407E-A947-70E740481C1C}">
+                <a14:useLocalDpi xmlns:a14="http://schemas.microsoft.com/office/drawing/2010/main" val="0"/>
+              </a:ext>
+            </a:extLst>
+          </a:blip>
+          <a:srcRect/>
+          <a:stretch>
+            <a:fillRect/>
+          </a:stretch>
+        </p:blipFill>
+        <p:spPr bwMode="auto">
+          <a:xfrm>
+            <a:off x="8088197" y="4041560"/>
+            <a:ext cx="3619795" cy="2173012"/>
+          </a:xfrm>
+          <a:prstGeom prst="rect">
+            <a:avLst/>
+          </a:prstGeom>
+          <a:noFill/>
+          <a:extLst>
+            <a:ext uri="{909E8E84-426E-40DD-AFC4-6F175D3DCCD1}">
+              <a14:hiddenFill xmlns:a14="http://schemas.microsoft.com/office/drawing/2010/main">
+                <a:solidFill>
+                  <a:srgbClr val="FFFFFF"/>
+                </a:solidFill>
+              </a14:hiddenFill>
+            </a:ext>
+          </a:extLst>
+        </p:spPr>
+      </p:pic>
+    </p:spTree>
+    <p:extLst>
+      <p:ext uri="{BB962C8B-B14F-4D97-AF65-F5344CB8AC3E}">
+        <p14:creationId xmlns:p14="http://schemas.microsoft.com/office/powerpoint/2010/main" val="1797110168"/>
+      </p:ext>
+    </p:extLst>
+  </p:cSld>
+  <p:clrMapOvr>
+    <a:masterClrMapping/>
+  </p:clrMapOvr>
+</p:sld>
+</file>
+
+<file path=ppt/slides/slide14.xml><?xml version="1.0" encoding="utf-8"?>
+<p:sld xmlns:a="http://schemas.openxmlformats.org/drawingml/2006/main" xmlns:r="http://schemas.openxmlformats.org/officeDocument/2006/relationships" xmlns:p="http://schemas.openxmlformats.org/presentationml/2006/main">
+  <p:cSld>
+    <p:spTree>
+      <p:nvGrpSpPr>
+        <p:cNvPr id="1" name=""/>
+        <p:cNvGrpSpPr/>
+        <p:nvPr/>
+      </p:nvGrpSpPr>
+      <p:grpSpPr>
+        <a:xfrm>
+          <a:off x="0" y="0"/>
+          <a:ext cx="0" cy="0"/>
+          <a:chOff x="0" y="0"/>
+          <a:chExt cx="0" cy="0"/>
+        </a:xfrm>
+      </p:grpSpPr>
+      <p:sp>
+        <p:nvSpPr>
+          <p:cNvPr id="2" name="Titre 1">
+            <a:extLst>
+              <a:ext uri="{FF2B5EF4-FFF2-40B4-BE49-F238E27FC236}">
                 <a16:creationId xmlns:a16="http://schemas.microsoft.com/office/drawing/2014/main" id="{3B752D2D-081E-4198-AC08-ECB67391A45B}"/>
               </a:ext>
             </a:extLst>
@@ -2055,7 +2715,7 @@
 </p:sld>
 </file>
 
-<file path=ppt/slides/slide11.xml><?xml version="1.0" encoding="utf-8"?>
+<file path=ppt/slides/slide15.xml><?xml version="1.0" encoding="utf-8"?>
 <p:sld xmlns:a="http://schemas.openxmlformats.org/drawingml/2006/main" xmlns:r="http://schemas.openxmlformats.org/officeDocument/2006/relationships" xmlns:p="http://schemas.openxmlformats.org/presentationml/2006/main">
   <p:cSld>
     <p:spTree>
@@ -2186,7 +2846,7 @@
 </p:sld>
 </file>
 
-<file path=ppt/slides/slide12.xml><?xml version="1.0" encoding="utf-8"?>
+<file path=ppt/slides/slide16.xml><?xml version="1.0" encoding="utf-8"?>
 <p:sld xmlns:a="http://schemas.openxmlformats.org/drawingml/2006/main" xmlns:r="http://schemas.openxmlformats.org/officeDocument/2006/relationships" xmlns:p="http://schemas.openxmlformats.org/presentationml/2006/main">
   <p:cSld>
     <p:spTree>
@@ -2302,7 +2962,7 @@
 </p:sld>
 </file>
 
-<file path=ppt/slides/slide13.xml><?xml version="1.0" encoding="utf-8"?>
+<file path=ppt/slides/slide17.xml><?xml version="1.0" encoding="utf-8"?>
 <p:sld xmlns:a="http://schemas.openxmlformats.org/drawingml/2006/main" xmlns:r="http://schemas.openxmlformats.org/officeDocument/2006/relationships" xmlns:p="http://schemas.openxmlformats.org/presentationml/2006/main">
   <p:cSld>
     <p:spTree>
@@ -2555,7 +3215,7 @@
 </p:sld>
 </file>
 
-<file path=ppt/slides/slide14.xml><?xml version="1.0" encoding="utf-8"?>
+<file path=ppt/slides/slide18.xml><?xml version="1.0" encoding="utf-8"?>
 <p:sld xmlns:a="http://schemas.openxmlformats.org/drawingml/2006/main" xmlns:r="http://schemas.openxmlformats.org/officeDocument/2006/relationships" xmlns:p="http://schemas.openxmlformats.org/presentationml/2006/main">
   <p:cSld>
     <p:spTree>
@@ -2712,7 +3372,7 @@
 </p:sld>
 </file>
 
-<file path=ppt/slides/slide15.xml><?xml version="1.0" encoding="utf-8"?>
+<file path=ppt/slides/slide19.xml><?xml version="1.0" encoding="utf-8"?>
 <p:sld xmlns:a="http://schemas.openxmlformats.org/drawingml/2006/main" xmlns:r="http://schemas.openxmlformats.org/officeDocument/2006/relationships" xmlns:p="http://schemas.openxmlformats.org/presentationml/2006/main">
   <p:cSld>
     <p:spTree>
@@ -2906,7 +3566,115 @@
 </p:sld>
 </file>
 
-<file path=ppt/slides/slide16.xml><?xml version="1.0" encoding="utf-8"?>
+<file path=ppt/slides/slide2.xml><?xml version="1.0" encoding="utf-8"?>
+<p:sld xmlns:a="http://schemas.openxmlformats.org/drawingml/2006/main" xmlns:r="http://schemas.openxmlformats.org/officeDocument/2006/relationships" xmlns:p="http://schemas.openxmlformats.org/presentationml/2006/main">
+  <p:cSld>
+    <p:spTree>
+      <p:nvGrpSpPr>
+        <p:cNvPr id="1" name=""/>
+        <p:cNvGrpSpPr/>
+        <p:nvPr/>
+      </p:nvGrpSpPr>
+      <p:grpSpPr>
+        <a:xfrm>
+          <a:off x="0" y="0"/>
+          <a:ext cx="0" cy="0"/>
+          <a:chOff x="0" y="0"/>
+          <a:chExt cx="0" cy="0"/>
+        </a:xfrm>
+      </p:grpSpPr>
+      <p:sp>
+        <p:nvSpPr>
+          <p:cNvPr id="4" name="Titre 3"/>
+          <p:cNvSpPr>
+            <a:spLocks noGrp="1"/>
+          </p:cNvSpPr>
+          <p:nvPr>
+            <p:ph type="title"/>
+          </p:nvPr>
+        </p:nvSpPr>
+        <p:spPr/>
+        <p:txBody>
+          <a:bodyPr/>
+          <a:lstStyle/>
+          <a:p>
+            <a:r>
+              <a:rPr lang="fr-FR" dirty="0" err="1"/>
+              <a:t>Outline</a:t>
+            </a:r>
+            <a:endParaRPr lang="fr-FR" dirty="0"/>
+          </a:p>
+        </p:txBody>
+      </p:sp>
+      <p:sp>
+        <p:nvSpPr>
+          <p:cNvPr id="5" name="Espace réservé du texte 4"/>
+          <p:cNvSpPr>
+            <a:spLocks noGrp="1"/>
+          </p:cNvSpPr>
+          <p:nvPr>
+            <p:ph type="body" sz="quarter" idx="10"/>
+          </p:nvPr>
+        </p:nvSpPr>
+        <p:spPr/>
+        <p:txBody>
+          <a:bodyPr/>
+          <a:lstStyle/>
+          <a:p>
+            <a:r>
+              <a:rPr lang="it-IT" dirty="0"/>
+              <a:t>Where is the SoftMax?</a:t>
+            </a:r>
+          </a:p>
+          <a:p>
+            <a:r>
+              <a:rPr lang="it-IT" dirty="0"/>
+              <a:t>Monitor performance</a:t>
+            </a:r>
+          </a:p>
+          <a:p>
+            <a:r>
+              <a:rPr lang="it-IT" dirty="0"/>
+              <a:t>Tensorboard</a:t>
+            </a:r>
+          </a:p>
+          <a:p>
+            <a:r>
+              <a:rPr lang="it-IT" dirty="0"/>
+              <a:t>Stochastic Gradient Descent</a:t>
+            </a:r>
+          </a:p>
+          <a:p>
+            <a:r>
+              <a:rPr lang="it-IT" dirty="0"/>
+              <a:t>Activation functions</a:t>
+            </a:r>
+          </a:p>
+          <a:p>
+            <a:r>
+              <a:rPr lang="it-IT" dirty="0"/>
+              <a:t>Checkpointing</a:t>
+            </a:r>
+          </a:p>
+          <a:p>
+            <a:endParaRPr lang="it-IT" dirty="0"/>
+          </a:p>
+        </p:txBody>
+      </p:sp>
+    </p:spTree>
+    <p:extLst>
+      <p:ext uri="{BB962C8B-B14F-4D97-AF65-F5344CB8AC3E}">
+        <p14:creationId xmlns:p14="http://schemas.microsoft.com/office/powerpoint/2010/main" val="454349701"/>
+      </p:ext>
+    </p:extLst>
+  </p:cSld>
+  <p:clrMapOvr>
+    <a:masterClrMapping/>
+  </p:clrMapOvr>
+</p:sld>
+</file>
+
+<file path=ppt/slides/slide20.xml><?xml version="1.0" encoding="utf-8"?>
 <p:sld xmlns:a="http://schemas.openxmlformats.org/drawingml/2006/main" xmlns:r="http://schemas.openxmlformats.org/officeDocument/2006/relationships" xmlns:p="http://schemas.openxmlformats.org/presentationml/2006/main">
   <p:cSld>
     <p:spTree>
@@ -3111,7 +3879,7 @@
 </p:sld>
 </file>
 
-<file path=ppt/slides/slide17.xml><?xml version="1.0" encoding="utf-8"?>
+<file path=ppt/slides/slide21.xml><?xml version="1.0" encoding="utf-8"?>
 <p:sld xmlns:a="http://schemas.openxmlformats.org/drawingml/2006/main" xmlns:r="http://schemas.openxmlformats.org/officeDocument/2006/relationships" xmlns:p="http://schemas.openxmlformats.org/presentationml/2006/main">
   <p:cSld>
     <p:spTree>
@@ -3202,7 +3970,7 @@
             </a:r>
             <a:r>
               <a:rPr lang="en-US" dirty="0"/>
-              <a:t> have 3-4 parameters</a:t>
+              <a:t> have 3-4 hyperparameters</a:t>
             </a:r>
           </a:p>
           <a:p>
@@ -3265,7 +4033,7 @@
 </p:sld>
 </file>
 
-<file path=ppt/slides/slide18.xml><?xml version="1.0" encoding="utf-8"?>
+<file path=ppt/slides/slide22.xml><?xml version="1.0" encoding="utf-8"?>
 <p:sld xmlns:a="http://schemas.openxmlformats.org/drawingml/2006/main" xmlns:r="http://schemas.openxmlformats.org/officeDocument/2006/relationships" xmlns:p="http://schemas.openxmlformats.org/presentationml/2006/main">
   <p:cSld>
     <p:spTree>
@@ -3632,7 +4400,7 @@
 </p:sld>
 </file>
 
-<file path=ppt/slides/slide19.xml><?xml version="1.0" encoding="utf-8"?>
+<file path=ppt/slides/slide23.xml><?xml version="1.0" encoding="utf-8"?>
 <p:sld xmlns:a="http://schemas.openxmlformats.org/drawingml/2006/main" xmlns:r="http://schemas.openxmlformats.org/officeDocument/2006/relationships" xmlns:p="http://schemas.openxmlformats.org/presentationml/2006/main">
   <p:cSld>
     <p:spTree>
@@ -3768,109 +4536,7 @@
 </p:sld>
 </file>
 
-<file path=ppt/slides/slide2.xml><?xml version="1.0" encoding="utf-8"?>
-<p:sld xmlns:a="http://schemas.openxmlformats.org/drawingml/2006/main" xmlns:r="http://schemas.openxmlformats.org/officeDocument/2006/relationships" xmlns:p="http://schemas.openxmlformats.org/presentationml/2006/main">
-  <p:cSld>
-    <p:spTree>
-      <p:nvGrpSpPr>
-        <p:cNvPr id="1" name=""/>
-        <p:cNvGrpSpPr/>
-        <p:nvPr/>
-      </p:nvGrpSpPr>
-      <p:grpSpPr>
-        <a:xfrm>
-          <a:off x="0" y="0"/>
-          <a:ext cx="0" cy="0"/>
-          <a:chOff x="0" y="0"/>
-          <a:chExt cx="0" cy="0"/>
-        </a:xfrm>
-      </p:grpSpPr>
-      <p:sp>
-        <p:nvSpPr>
-          <p:cNvPr id="4" name="Titre 3"/>
-          <p:cNvSpPr>
-            <a:spLocks noGrp="1"/>
-          </p:cNvSpPr>
-          <p:nvPr>
-            <p:ph type="title"/>
-          </p:nvPr>
-        </p:nvSpPr>
-        <p:spPr/>
-        <p:txBody>
-          <a:bodyPr/>
-          <a:lstStyle/>
-          <a:p>
-            <a:r>
-              <a:rPr lang="fr-FR" dirty="0" err="1"/>
-              <a:t>Outline</a:t>
-            </a:r>
-            <a:endParaRPr lang="fr-FR" dirty="0"/>
-          </a:p>
-        </p:txBody>
-      </p:sp>
-      <p:sp>
-        <p:nvSpPr>
-          <p:cNvPr id="5" name="Espace réservé du texte 4"/>
-          <p:cNvSpPr>
-            <a:spLocks noGrp="1"/>
-          </p:cNvSpPr>
-          <p:nvPr>
-            <p:ph type="body" sz="quarter" idx="10"/>
-          </p:nvPr>
-        </p:nvSpPr>
-        <p:spPr/>
-        <p:txBody>
-          <a:bodyPr/>
-          <a:lstStyle/>
-          <a:p>
-            <a:r>
-              <a:rPr lang="it-IT" dirty="0"/>
-              <a:t>Monitor performance</a:t>
-            </a:r>
-          </a:p>
-          <a:p>
-            <a:r>
-              <a:rPr lang="it-IT" dirty="0"/>
-              <a:t>Tensorboard</a:t>
-            </a:r>
-          </a:p>
-          <a:p>
-            <a:r>
-              <a:rPr lang="it-IT" dirty="0"/>
-              <a:t>Stochastic Gradient Descent</a:t>
-            </a:r>
-          </a:p>
-          <a:p>
-            <a:r>
-              <a:rPr lang="it-IT" dirty="0"/>
-              <a:t>Activation functions</a:t>
-            </a:r>
-          </a:p>
-          <a:p>
-            <a:r>
-              <a:rPr lang="it-IT" dirty="0"/>
-              <a:t>Checkpointing</a:t>
-            </a:r>
-          </a:p>
-          <a:p>
-            <a:endParaRPr lang="it-IT" dirty="0"/>
-          </a:p>
-        </p:txBody>
-      </p:sp>
-    </p:spTree>
-    <p:extLst>
-      <p:ext uri="{BB962C8B-B14F-4D97-AF65-F5344CB8AC3E}">
-        <p14:creationId xmlns:p14="http://schemas.microsoft.com/office/powerpoint/2010/main" val="454349701"/>
-      </p:ext>
-    </p:extLst>
-  </p:cSld>
-  <p:clrMapOvr>
-    <a:masterClrMapping/>
-  </p:clrMapOvr>
-</p:sld>
-</file>
-
-<file path=ppt/slides/slide20.xml><?xml version="1.0" encoding="utf-8"?>
+<file path=ppt/slides/slide24.xml><?xml version="1.0" encoding="utf-8"?>
 <p:sld xmlns:a="http://schemas.openxmlformats.org/drawingml/2006/main" xmlns:r="http://schemas.openxmlformats.org/officeDocument/2006/relationships" xmlns:p="http://schemas.openxmlformats.org/presentationml/2006/main">
   <p:cSld>
     <p:spTree>
@@ -4017,7 +4683,7 @@
 </p:sld>
 </file>
 
-<file path=ppt/slides/slide21.xml><?xml version="1.0" encoding="utf-8"?>
+<file path=ppt/slides/slide25.xml><?xml version="1.0" encoding="utf-8"?>
 <p:sld xmlns:a="http://schemas.openxmlformats.org/drawingml/2006/main" xmlns:r="http://schemas.openxmlformats.org/officeDocument/2006/relationships" xmlns:p="http://schemas.openxmlformats.org/presentationml/2006/main">
   <p:cSld>
     <p:spTree>
@@ -4169,7 +4835,7 @@
 </p:sld>
 </file>
 
-<file path=ppt/slides/slide22.xml><?xml version="1.0" encoding="utf-8"?>
+<file path=ppt/slides/slide26.xml><?xml version="1.0" encoding="utf-8"?>
 <p:sld xmlns:a="http://schemas.openxmlformats.org/drawingml/2006/main" xmlns:r="http://schemas.openxmlformats.org/officeDocument/2006/relationships" xmlns:p="http://schemas.openxmlformats.org/presentationml/2006/main">
   <p:cSld>
     <p:spTree>
@@ -4309,7 +4975,7 @@
 </p:sld>
 </file>
 
-<file path=ppt/slides/slide23.xml><?xml version="1.0" encoding="utf-8"?>
+<file path=ppt/slides/slide27.xml><?xml version="1.0" encoding="utf-8"?>
 <p:sld xmlns:a="http://schemas.openxmlformats.org/drawingml/2006/main" xmlns:r="http://schemas.openxmlformats.org/officeDocument/2006/relationships" xmlns:p="http://schemas.openxmlformats.org/presentationml/2006/main">
   <p:cSld>
     <p:spTree>
@@ -4537,6 +5203,765 @@
           <p:cNvPr id="2" name="Titre 1">
             <a:extLst>
               <a:ext uri="{FF2B5EF4-FFF2-40B4-BE49-F238E27FC236}">
+                <a16:creationId xmlns:a16="http://schemas.microsoft.com/office/drawing/2014/main" id="{788BBFAF-0B19-408B-BF1C-76B819848865}"/>
+              </a:ext>
+            </a:extLst>
+          </p:cNvPr>
+          <p:cNvSpPr>
+            <a:spLocks noGrp="1"/>
+          </p:cNvSpPr>
+          <p:nvPr>
+            <p:ph type="title"/>
+          </p:nvPr>
+        </p:nvSpPr>
+        <p:spPr/>
+        <p:txBody>
+          <a:bodyPr/>
+          <a:lstStyle/>
+          <a:p>
+            <a:r>
+              <a:rPr lang="en-US" dirty="0"/>
+              <a:t>Where is the SoftMax?</a:t>
+            </a:r>
+          </a:p>
+        </p:txBody>
+      </p:sp>
+      <p:sp>
+        <p:nvSpPr>
+          <p:cNvPr id="3" name="Espace réservé du texte 2">
+            <a:extLst>
+              <a:ext uri="{FF2B5EF4-FFF2-40B4-BE49-F238E27FC236}">
+                <a16:creationId xmlns:a16="http://schemas.microsoft.com/office/drawing/2014/main" id="{F691AB29-3A4A-417A-BEBB-B9A4970B2435}"/>
+              </a:ext>
+            </a:extLst>
+          </p:cNvPr>
+          <p:cNvSpPr>
+            <a:spLocks noGrp="1"/>
+          </p:cNvSpPr>
+          <p:nvPr>
+            <p:ph type="body" sz="quarter" idx="10"/>
+          </p:nvPr>
+        </p:nvSpPr>
+        <p:spPr/>
+        <p:txBody>
+          <a:bodyPr/>
+          <a:lstStyle/>
+          <a:p>
+            <a:r>
+              <a:rPr lang="en-US" dirty="0"/>
+              <a:t>We grazed over classification</a:t>
+            </a:r>
+          </a:p>
+          <a:p>
+            <a:pPr lvl="1"/>
+            <a:r>
+              <a:rPr lang="en-US" dirty="0"/>
+              <a:t>But in literature, output tensor is sent through SoftMax</a:t>
+            </a:r>
+          </a:p>
+          <a:p>
+            <a:pPr lvl="1"/>
+            <a:r>
+              <a:rPr lang="en-US" dirty="0"/>
+              <a:t>SoftMax is used to get values in [0.0,1.0]</a:t>
+            </a:r>
+          </a:p>
+          <a:p>
+            <a:pPr lvl="1"/>
+            <a:r>
+              <a:rPr lang="en-US" dirty="0"/>
+              <a:t>Sometimes called “class probabilities”, but </a:t>
+            </a:r>
+            <a:r>
+              <a:rPr lang="en-US" b="1" dirty="0"/>
+              <a:t>they are not</a:t>
+            </a:r>
+          </a:p>
+          <a:p>
+            <a:r>
+              <a:rPr lang="en-US" dirty="0"/>
+              <a:t>Where was the SoftMax? Was there an error in the code?</a:t>
+            </a:r>
+          </a:p>
+        </p:txBody>
+      </p:sp>
+      <p:pic>
+        <p:nvPicPr>
+          <p:cNvPr id="1026" name="Picture 2" descr="Softmax Activation Function Explained | by Dario Radečić | Towards Data  Science">
+            <a:extLst>
+              <a:ext uri="{FF2B5EF4-FFF2-40B4-BE49-F238E27FC236}">
+                <a16:creationId xmlns:a16="http://schemas.microsoft.com/office/drawing/2014/main" id="{DE0FD11F-3609-4F5A-A16D-642E049D4D31}"/>
+              </a:ext>
+            </a:extLst>
+          </p:cNvPr>
+          <p:cNvPicPr>
+            <a:picLocks noChangeAspect="1" noChangeArrowheads="1"/>
+          </p:cNvPicPr>
+          <p:nvPr/>
+        </p:nvPicPr>
+        <p:blipFill>
+          <a:blip r:embed="rId2">
+            <a:extLst>
+              <a:ext uri="{28A0092B-C50C-407E-A947-70E740481C1C}">
+                <a14:useLocalDpi xmlns:a14="http://schemas.microsoft.com/office/drawing/2010/main" val="0"/>
+              </a:ext>
+            </a:extLst>
+          </a:blip>
+          <a:srcRect/>
+          <a:stretch>
+            <a:fillRect/>
+          </a:stretch>
+        </p:blipFill>
+        <p:spPr bwMode="auto">
+          <a:xfrm>
+            <a:off x="6561056" y="4116895"/>
+            <a:ext cx="4224436" cy="2172060"/>
+          </a:xfrm>
+          <a:prstGeom prst="rect">
+            <a:avLst/>
+          </a:prstGeom>
+          <a:noFill/>
+          <a:extLst>
+            <a:ext uri="{909E8E84-426E-40DD-AFC4-6F175D3DCCD1}">
+              <a14:hiddenFill xmlns:a14="http://schemas.microsoft.com/office/drawing/2010/main">
+                <a:solidFill>
+                  <a:srgbClr val="FFFFFF"/>
+                </a:solidFill>
+              </a14:hiddenFill>
+            </a:ext>
+          </a:extLst>
+        </p:spPr>
+      </p:pic>
+    </p:spTree>
+    <p:extLst>
+      <p:ext uri="{BB962C8B-B14F-4D97-AF65-F5344CB8AC3E}">
+        <p14:creationId xmlns:p14="http://schemas.microsoft.com/office/powerpoint/2010/main" val="831848087"/>
+      </p:ext>
+    </p:extLst>
+  </p:cSld>
+  <p:clrMapOvr>
+    <a:masterClrMapping/>
+  </p:clrMapOvr>
+</p:sld>
+</file>
+
+<file path=ppt/slides/slide4.xml><?xml version="1.0" encoding="utf-8"?>
+<p:sld xmlns:a="http://schemas.openxmlformats.org/drawingml/2006/main" xmlns:r="http://schemas.openxmlformats.org/officeDocument/2006/relationships" xmlns:p="http://schemas.openxmlformats.org/presentationml/2006/main">
+  <p:cSld>
+    <p:spTree>
+      <p:nvGrpSpPr>
+        <p:cNvPr id="1" name=""/>
+        <p:cNvGrpSpPr/>
+        <p:nvPr/>
+      </p:nvGrpSpPr>
+      <p:grpSpPr>
+        <a:xfrm>
+          <a:off x="0" y="0"/>
+          <a:ext cx="0" cy="0"/>
+          <a:chOff x="0" y="0"/>
+          <a:chExt cx="0" cy="0"/>
+        </a:xfrm>
+      </p:grpSpPr>
+      <p:sp>
+        <p:nvSpPr>
+          <p:cNvPr id="2" name="Titre 1">
+            <a:extLst>
+              <a:ext uri="{FF2B5EF4-FFF2-40B4-BE49-F238E27FC236}">
+                <a16:creationId xmlns:a16="http://schemas.microsoft.com/office/drawing/2014/main" id="{C48CF97F-C9A5-43B6-98C8-B8099FEB918F}"/>
+              </a:ext>
+            </a:extLst>
+          </p:cNvPr>
+          <p:cNvSpPr>
+            <a:spLocks noGrp="1"/>
+          </p:cNvSpPr>
+          <p:nvPr>
+            <p:ph type="title"/>
+          </p:nvPr>
+        </p:nvSpPr>
+        <p:spPr/>
+        <p:txBody>
+          <a:bodyPr/>
+          <a:lstStyle/>
+          <a:p>
+            <a:r>
+              <a:rPr lang="en-US" dirty="0"/>
+              <a:t>Where is the SoftMax?</a:t>
+            </a:r>
+          </a:p>
+        </p:txBody>
+      </p:sp>
+      <p:sp>
+        <p:nvSpPr>
+          <p:cNvPr id="3" name="Espace réservé du texte 2">
+            <a:extLst>
+              <a:ext uri="{FF2B5EF4-FFF2-40B4-BE49-F238E27FC236}">
+                <a16:creationId xmlns:a16="http://schemas.microsoft.com/office/drawing/2014/main" id="{35D977B2-2038-4E70-A8BB-464C4DF379BF}"/>
+              </a:ext>
+            </a:extLst>
+          </p:cNvPr>
+          <p:cNvSpPr>
+            <a:spLocks noGrp="1"/>
+          </p:cNvSpPr>
+          <p:nvPr>
+            <p:ph type="body" sz="quarter" idx="10"/>
+          </p:nvPr>
+        </p:nvSpPr>
+        <p:spPr/>
+        <p:txBody>
+          <a:bodyPr/>
+          <a:lstStyle/>
+          <a:p>
+            <a:r>
+              <a:rPr lang="en-US" dirty="0"/>
+              <a:t>The SoftMax is </a:t>
+            </a:r>
+            <a:r>
+              <a:rPr lang="en-US" i="1" dirty="0"/>
+              <a:t>inside</a:t>
+            </a:r>
+            <a:r>
+              <a:rPr lang="en-US" dirty="0"/>
+              <a:t> the loss function</a:t>
+            </a:r>
+          </a:p>
+          <a:p>
+            <a:endParaRPr lang="en-US" dirty="0"/>
+          </a:p>
+        </p:txBody>
+      </p:sp>
+      <p:pic>
+        <p:nvPicPr>
+          <p:cNvPr id="5" name="Image 4">
+            <a:extLst>
+              <a:ext uri="{FF2B5EF4-FFF2-40B4-BE49-F238E27FC236}">
+                <a16:creationId xmlns:a16="http://schemas.microsoft.com/office/drawing/2014/main" id="{3B301B29-31AC-4091-B067-FC8327EBB3D1}"/>
+              </a:ext>
+            </a:extLst>
+          </p:cNvPr>
+          <p:cNvPicPr>
+            <a:picLocks noChangeAspect="1"/>
+          </p:cNvPicPr>
+          <p:nvPr/>
+        </p:nvPicPr>
+        <p:blipFill>
+          <a:blip r:embed="rId2"/>
+          <a:stretch>
+            <a:fillRect/>
+          </a:stretch>
+        </p:blipFill>
+        <p:spPr>
+          <a:xfrm>
+            <a:off x="1102935" y="2009993"/>
+            <a:ext cx="10158063" cy="4168118"/>
+          </a:xfrm>
+          <a:prstGeom prst="rect">
+            <a:avLst/>
+          </a:prstGeom>
+        </p:spPr>
+      </p:pic>
+      <p:sp>
+        <p:nvSpPr>
+          <p:cNvPr id="6" name="Ellipse 5">
+            <a:extLst>
+              <a:ext uri="{FF2B5EF4-FFF2-40B4-BE49-F238E27FC236}">
+                <a16:creationId xmlns:a16="http://schemas.microsoft.com/office/drawing/2014/main" id="{6F7C3FEE-CB8C-49C4-BBB2-7737FA1A566F}"/>
+              </a:ext>
+            </a:extLst>
+          </p:cNvPr>
+          <p:cNvSpPr/>
+          <p:nvPr/>
+        </p:nvSpPr>
+        <p:spPr>
+          <a:xfrm>
+            <a:off x="4440025" y="4741682"/>
+            <a:ext cx="1885361" cy="452487"/>
+          </a:xfrm>
+          <a:prstGeom prst="ellipse">
+            <a:avLst/>
+          </a:prstGeom>
+          <a:noFill/>
+          <a:ln>
+            <a:solidFill>
+              <a:srgbClr val="FF0000"/>
+            </a:solidFill>
+          </a:ln>
+        </p:spPr>
+        <p:style>
+          <a:lnRef idx="2">
+            <a:schemeClr val="accent1">
+              <a:shade val="50000"/>
+            </a:schemeClr>
+          </a:lnRef>
+          <a:fillRef idx="1">
+            <a:schemeClr val="accent1"/>
+          </a:fillRef>
+          <a:effectRef idx="0">
+            <a:schemeClr val="accent1"/>
+          </a:effectRef>
+          <a:fontRef idx="minor">
+            <a:schemeClr val="lt1"/>
+          </a:fontRef>
+        </p:style>
+        <p:txBody>
+          <a:bodyPr rtlCol="0" anchor="ctr"/>
+          <a:lstStyle/>
+          <a:p>
+            <a:pPr algn="ctr"/>
+            <a:endParaRPr lang="en-US"/>
+          </a:p>
+        </p:txBody>
+      </p:sp>
+    </p:spTree>
+    <p:extLst>
+      <p:ext uri="{BB962C8B-B14F-4D97-AF65-F5344CB8AC3E}">
+        <p14:creationId xmlns:p14="http://schemas.microsoft.com/office/powerpoint/2010/main" val="2843842262"/>
+      </p:ext>
+    </p:extLst>
+  </p:cSld>
+  <p:clrMapOvr>
+    <a:masterClrMapping/>
+  </p:clrMapOvr>
+</p:sld>
+</file>
+
+<file path=ppt/slides/slide5.xml><?xml version="1.0" encoding="utf-8"?>
+<p:sld xmlns:a="http://schemas.openxmlformats.org/drawingml/2006/main" xmlns:r="http://schemas.openxmlformats.org/officeDocument/2006/relationships" xmlns:p="http://schemas.openxmlformats.org/presentationml/2006/main">
+  <p:cSld>
+    <p:spTree>
+      <p:nvGrpSpPr>
+        <p:cNvPr id="1" name=""/>
+        <p:cNvGrpSpPr/>
+        <p:nvPr/>
+      </p:nvGrpSpPr>
+      <p:grpSpPr>
+        <a:xfrm>
+          <a:off x="0" y="0"/>
+          <a:ext cx="0" cy="0"/>
+          <a:chOff x="0" y="0"/>
+          <a:chExt cx="0" cy="0"/>
+        </a:xfrm>
+      </p:grpSpPr>
+      <p:sp>
+        <p:nvSpPr>
+          <p:cNvPr id="2" name="Titre 1">
+            <a:extLst>
+              <a:ext uri="{FF2B5EF4-FFF2-40B4-BE49-F238E27FC236}">
+                <a16:creationId xmlns:a16="http://schemas.microsoft.com/office/drawing/2014/main" id="{C48CF97F-C9A5-43B6-98C8-B8099FEB918F}"/>
+              </a:ext>
+            </a:extLst>
+          </p:cNvPr>
+          <p:cNvSpPr>
+            <a:spLocks noGrp="1"/>
+          </p:cNvSpPr>
+          <p:nvPr>
+            <p:ph type="title"/>
+          </p:nvPr>
+        </p:nvSpPr>
+        <p:spPr/>
+        <p:txBody>
+          <a:bodyPr/>
+          <a:lstStyle/>
+          <a:p>
+            <a:r>
+              <a:rPr lang="en-US" dirty="0"/>
+              <a:t>Where is the SoftMax?</a:t>
+            </a:r>
+          </a:p>
+        </p:txBody>
+      </p:sp>
+      <p:sp>
+        <p:nvSpPr>
+          <p:cNvPr id="3" name="Espace réservé du texte 2">
+            <a:extLst>
+              <a:ext uri="{FF2B5EF4-FFF2-40B4-BE49-F238E27FC236}">
+                <a16:creationId xmlns:a16="http://schemas.microsoft.com/office/drawing/2014/main" id="{35D977B2-2038-4E70-A8BB-464C4DF379BF}"/>
+              </a:ext>
+            </a:extLst>
+          </p:cNvPr>
+          <p:cNvSpPr>
+            <a:spLocks noGrp="1"/>
+          </p:cNvSpPr>
+          <p:nvPr>
+            <p:ph type="body" sz="quarter" idx="10"/>
+          </p:nvPr>
+        </p:nvSpPr>
+        <p:spPr/>
+        <p:txBody>
+          <a:bodyPr/>
+          <a:lstStyle/>
+          <a:p>
+            <a:r>
+              <a:rPr lang="en-US" dirty="0"/>
+              <a:t>What is a </a:t>
+            </a:r>
+            <a:r>
+              <a:rPr lang="en-US" i="1" dirty="0"/>
+              <a:t>logit</a:t>
+            </a:r>
+            <a:r>
+              <a:rPr lang="en-US" dirty="0"/>
+              <a:t>?!?</a:t>
+            </a:r>
+          </a:p>
+          <a:p>
+            <a:endParaRPr lang="en-US" dirty="0"/>
+          </a:p>
+        </p:txBody>
+      </p:sp>
+      <p:pic>
+        <p:nvPicPr>
+          <p:cNvPr id="5" name="Image 4">
+            <a:extLst>
+              <a:ext uri="{FF2B5EF4-FFF2-40B4-BE49-F238E27FC236}">
+                <a16:creationId xmlns:a16="http://schemas.microsoft.com/office/drawing/2014/main" id="{3B301B29-31AC-4091-B067-FC8327EBB3D1}"/>
+              </a:ext>
+            </a:extLst>
+          </p:cNvPr>
+          <p:cNvPicPr>
+            <a:picLocks noChangeAspect="1"/>
+          </p:cNvPicPr>
+          <p:nvPr/>
+        </p:nvPicPr>
+        <p:blipFill rotWithShape="1">
+          <a:blip r:embed="rId2"/>
+          <a:srcRect l="31181" t="65536" r="38937" b="20442"/>
+          <a:stretch/>
+        </p:blipFill>
+        <p:spPr>
+          <a:xfrm>
+            <a:off x="1140643" y="1996125"/>
+            <a:ext cx="5581277" cy="1074656"/>
+          </a:xfrm>
+          <a:prstGeom prst="rect">
+            <a:avLst/>
+          </a:prstGeom>
+        </p:spPr>
+      </p:pic>
+      <p:sp>
+        <p:nvSpPr>
+          <p:cNvPr id="6" name="Ellipse 5">
+            <a:extLst>
+              <a:ext uri="{FF2B5EF4-FFF2-40B4-BE49-F238E27FC236}">
+                <a16:creationId xmlns:a16="http://schemas.microsoft.com/office/drawing/2014/main" id="{6F7C3FEE-CB8C-49C4-BBB2-7737FA1A566F}"/>
+              </a:ext>
+            </a:extLst>
+          </p:cNvPr>
+          <p:cNvSpPr/>
+          <p:nvPr/>
+        </p:nvSpPr>
+        <p:spPr>
+          <a:xfrm>
+            <a:off x="1574277" y="2273037"/>
+            <a:ext cx="3469064" cy="520832"/>
+          </a:xfrm>
+          <a:prstGeom prst="ellipse">
+            <a:avLst/>
+          </a:prstGeom>
+          <a:noFill/>
+          <a:ln w="38100">
+            <a:solidFill>
+              <a:srgbClr val="FF0000"/>
+            </a:solidFill>
+          </a:ln>
+        </p:spPr>
+        <p:style>
+          <a:lnRef idx="2">
+            <a:schemeClr val="accent1">
+              <a:shade val="50000"/>
+            </a:schemeClr>
+          </a:lnRef>
+          <a:fillRef idx="1">
+            <a:schemeClr val="accent1"/>
+          </a:fillRef>
+          <a:effectRef idx="0">
+            <a:schemeClr val="accent1"/>
+          </a:effectRef>
+          <a:fontRef idx="minor">
+            <a:schemeClr val="lt1"/>
+          </a:fontRef>
+        </p:style>
+        <p:txBody>
+          <a:bodyPr rtlCol="0" anchor="ctr"/>
+          <a:lstStyle/>
+          <a:p>
+            <a:pPr algn="ctr"/>
+            <a:endParaRPr lang="en-US"/>
+          </a:p>
+        </p:txBody>
+      </p:sp>
+    </p:spTree>
+    <p:extLst>
+      <p:ext uri="{BB962C8B-B14F-4D97-AF65-F5344CB8AC3E}">
+        <p14:creationId xmlns:p14="http://schemas.microsoft.com/office/powerpoint/2010/main" val="4079652431"/>
+      </p:ext>
+    </p:extLst>
+  </p:cSld>
+  <p:clrMapOvr>
+    <a:masterClrMapping/>
+  </p:clrMapOvr>
+</p:sld>
+</file>
+
+<file path=ppt/slides/slide6.xml><?xml version="1.0" encoding="utf-8"?>
+<p:sld xmlns:a="http://schemas.openxmlformats.org/drawingml/2006/main" xmlns:r="http://schemas.openxmlformats.org/officeDocument/2006/relationships" xmlns:p="http://schemas.openxmlformats.org/presentationml/2006/main">
+  <p:cSld>
+    <p:spTree>
+      <p:nvGrpSpPr>
+        <p:cNvPr id="1" name=""/>
+        <p:cNvGrpSpPr/>
+        <p:nvPr/>
+      </p:nvGrpSpPr>
+      <p:grpSpPr>
+        <a:xfrm>
+          <a:off x="0" y="0"/>
+          <a:ext cx="0" cy="0"/>
+          <a:chOff x="0" y="0"/>
+          <a:chExt cx="0" cy="0"/>
+        </a:xfrm>
+      </p:grpSpPr>
+      <p:sp>
+        <p:nvSpPr>
+          <p:cNvPr id="2" name="Titre 1">
+            <a:extLst>
+              <a:ext uri="{FF2B5EF4-FFF2-40B4-BE49-F238E27FC236}">
+                <a16:creationId xmlns:a16="http://schemas.microsoft.com/office/drawing/2014/main" id="{C48CF97F-C9A5-43B6-98C8-B8099FEB918F}"/>
+              </a:ext>
+            </a:extLst>
+          </p:cNvPr>
+          <p:cNvSpPr>
+            <a:spLocks noGrp="1"/>
+          </p:cNvSpPr>
+          <p:nvPr>
+            <p:ph type="title"/>
+          </p:nvPr>
+        </p:nvSpPr>
+        <p:spPr/>
+        <p:txBody>
+          <a:bodyPr/>
+          <a:lstStyle/>
+          <a:p>
+            <a:r>
+              <a:rPr lang="en-US" dirty="0"/>
+              <a:t>Where is the SoftMax?</a:t>
+            </a:r>
+          </a:p>
+        </p:txBody>
+      </p:sp>
+      <p:sp>
+        <p:nvSpPr>
+          <p:cNvPr id="3" name="Espace réservé du texte 2">
+            <a:extLst>
+              <a:ext uri="{FF2B5EF4-FFF2-40B4-BE49-F238E27FC236}">
+                <a16:creationId xmlns:a16="http://schemas.microsoft.com/office/drawing/2014/main" id="{35D977B2-2038-4E70-A8BB-464C4DF379BF}"/>
+              </a:ext>
+            </a:extLst>
+          </p:cNvPr>
+          <p:cNvSpPr>
+            <a:spLocks noGrp="1"/>
+          </p:cNvSpPr>
+          <p:nvPr>
+            <p:ph type="body" sz="quarter" idx="10"/>
+          </p:nvPr>
+        </p:nvSpPr>
+        <p:spPr/>
+        <p:txBody>
+          <a:bodyPr/>
+          <a:lstStyle/>
+          <a:p>
+            <a:r>
+              <a:rPr lang="en-US" dirty="0"/>
+              <a:t>What is a </a:t>
+            </a:r>
+            <a:r>
+              <a:rPr lang="en-US" i="1" dirty="0"/>
+              <a:t>logit</a:t>
+            </a:r>
+            <a:r>
+              <a:rPr lang="en-US" dirty="0"/>
+              <a:t>?!?</a:t>
+            </a:r>
+          </a:p>
+          <a:p>
+            <a:endParaRPr lang="en-US" dirty="0"/>
+          </a:p>
+        </p:txBody>
+      </p:sp>
+      <p:pic>
+        <p:nvPicPr>
+          <p:cNvPr id="5" name="Image 4">
+            <a:extLst>
+              <a:ext uri="{FF2B5EF4-FFF2-40B4-BE49-F238E27FC236}">
+                <a16:creationId xmlns:a16="http://schemas.microsoft.com/office/drawing/2014/main" id="{3B301B29-31AC-4091-B067-FC8327EBB3D1}"/>
+              </a:ext>
+            </a:extLst>
+          </p:cNvPr>
+          <p:cNvPicPr>
+            <a:picLocks noChangeAspect="1"/>
+          </p:cNvPicPr>
+          <p:nvPr/>
+        </p:nvPicPr>
+        <p:blipFill rotWithShape="1">
+          <a:blip r:embed="rId2"/>
+          <a:srcRect l="31181" t="65536" r="38937" b="20442"/>
+          <a:stretch/>
+        </p:blipFill>
+        <p:spPr>
+          <a:xfrm>
+            <a:off x="1140643" y="1996125"/>
+            <a:ext cx="5581277" cy="1074656"/>
+          </a:xfrm>
+          <a:prstGeom prst="rect">
+            <a:avLst/>
+          </a:prstGeom>
+        </p:spPr>
+      </p:pic>
+      <p:sp>
+        <p:nvSpPr>
+          <p:cNvPr id="6" name="Ellipse 5">
+            <a:extLst>
+              <a:ext uri="{FF2B5EF4-FFF2-40B4-BE49-F238E27FC236}">
+                <a16:creationId xmlns:a16="http://schemas.microsoft.com/office/drawing/2014/main" id="{6F7C3FEE-CB8C-49C4-BBB2-7737FA1A566F}"/>
+              </a:ext>
+            </a:extLst>
+          </p:cNvPr>
+          <p:cNvSpPr/>
+          <p:nvPr/>
+        </p:nvSpPr>
+        <p:spPr>
+          <a:xfrm>
+            <a:off x="1574277" y="2273037"/>
+            <a:ext cx="3469064" cy="520832"/>
+          </a:xfrm>
+          <a:prstGeom prst="ellipse">
+            <a:avLst/>
+          </a:prstGeom>
+          <a:noFill/>
+          <a:ln w="38100">
+            <a:solidFill>
+              <a:srgbClr val="FF0000"/>
+            </a:solidFill>
+          </a:ln>
+        </p:spPr>
+        <p:style>
+          <a:lnRef idx="2">
+            <a:schemeClr val="accent1">
+              <a:shade val="50000"/>
+            </a:schemeClr>
+          </a:lnRef>
+          <a:fillRef idx="1">
+            <a:schemeClr val="accent1"/>
+          </a:fillRef>
+          <a:effectRef idx="0">
+            <a:schemeClr val="accent1"/>
+          </a:effectRef>
+          <a:fontRef idx="minor">
+            <a:schemeClr val="lt1"/>
+          </a:fontRef>
+        </p:style>
+        <p:txBody>
+          <a:bodyPr rtlCol="0" anchor="ctr"/>
+          <a:lstStyle/>
+          <a:p>
+            <a:pPr algn="ctr"/>
+            <a:endParaRPr lang="en-US"/>
+          </a:p>
+        </p:txBody>
+      </p:sp>
+      <p:pic>
+        <p:nvPicPr>
+          <p:cNvPr id="7" name="Image 6">
+            <a:extLst>
+              <a:ext uri="{FF2B5EF4-FFF2-40B4-BE49-F238E27FC236}">
+                <a16:creationId xmlns:a16="http://schemas.microsoft.com/office/drawing/2014/main" id="{D01DFCF4-93DA-4CFB-902E-6B7FBDFABE27}"/>
+              </a:ext>
+            </a:extLst>
+          </p:cNvPr>
+          <p:cNvPicPr>
+            <a:picLocks noChangeAspect="1"/>
+          </p:cNvPicPr>
+          <p:nvPr/>
+        </p:nvPicPr>
+        <p:blipFill>
+          <a:blip r:embed="rId3"/>
+          <a:stretch>
+            <a:fillRect/>
+          </a:stretch>
+        </p:blipFill>
+        <p:spPr>
+          <a:xfrm>
+            <a:off x="3596968" y="1912402"/>
+            <a:ext cx="8059275" cy="2076740"/>
+          </a:xfrm>
+          <a:prstGeom prst="rect">
+            <a:avLst/>
+          </a:prstGeom>
+        </p:spPr>
+      </p:pic>
+      <p:pic>
+        <p:nvPicPr>
+          <p:cNvPr id="9" name="Image 8">
+            <a:extLst>
+              <a:ext uri="{FF2B5EF4-FFF2-40B4-BE49-F238E27FC236}">
+                <a16:creationId xmlns:a16="http://schemas.microsoft.com/office/drawing/2014/main" id="{6523F410-C711-467D-AE02-1B791797D02D}"/>
+              </a:ext>
+            </a:extLst>
+          </p:cNvPr>
+          <p:cNvPicPr>
+            <a:picLocks noChangeAspect="1"/>
+          </p:cNvPicPr>
+          <p:nvPr/>
+        </p:nvPicPr>
+        <p:blipFill>
+          <a:blip r:embed="rId4"/>
+          <a:stretch>
+            <a:fillRect/>
+          </a:stretch>
+        </p:blipFill>
+        <p:spPr>
+          <a:xfrm>
+            <a:off x="838200" y="4178922"/>
+            <a:ext cx="11155332" cy="1943371"/>
+          </a:xfrm>
+          <a:prstGeom prst="rect">
+            <a:avLst/>
+          </a:prstGeom>
+        </p:spPr>
+      </p:pic>
+    </p:spTree>
+    <p:extLst>
+      <p:ext uri="{BB962C8B-B14F-4D97-AF65-F5344CB8AC3E}">
+        <p14:creationId xmlns:p14="http://schemas.microsoft.com/office/powerpoint/2010/main" val="2960274385"/>
+      </p:ext>
+    </p:extLst>
+  </p:cSld>
+  <p:clrMapOvr>
+    <a:masterClrMapping/>
+  </p:clrMapOvr>
+</p:sld>
+</file>
+
+<file path=ppt/slides/slide7.xml><?xml version="1.0" encoding="utf-8"?>
+<p:sld xmlns:a="http://schemas.openxmlformats.org/drawingml/2006/main" xmlns:r="http://schemas.openxmlformats.org/officeDocument/2006/relationships" xmlns:p="http://schemas.openxmlformats.org/presentationml/2006/main">
+  <p:cSld>
+    <p:spTree>
+      <p:nvGrpSpPr>
+        <p:cNvPr id="1" name=""/>
+        <p:cNvGrpSpPr/>
+        <p:nvPr/>
+      </p:nvGrpSpPr>
+      <p:grpSpPr>
+        <a:xfrm>
+          <a:off x="0" y="0"/>
+          <a:ext cx="0" cy="0"/>
+          <a:chOff x="0" y="0"/>
+          <a:chExt cx="0" cy="0"/>
+        </a:xfrm>
+      </p:grpSpPr>
+      <p:sp>
+        <p:nvSpPr>
+          <p:cNvPr id="2" name="Titre 1">
+            <a:extLst>
+              <a:ext uri="{FF2B5EF4-FFF2-40B4-BE49-F238E27FC236}">
                 <a16:creationId xmlns:a16="http://schemas.microsoft.com/office/drawing/2014/main" id="{26180FA7-DC8C-4D58-9020-8696C87794E9}"/>
               </a:ext>
             </a:extLst>
@@ -4652,7 +6077,7 @@
 </p:sld>
 </file>
 
-<file path=ppt/slides/slide4.xml><?xml version="1.0" encoding="utf-8"?>
+<file path=ppt/slides/slide8.xml><?xml version="1.0" encoding="utf-8"?>
 <p:sld xmlns:a="http://schemas.openxmlformats.org/drawingml/2006/main" xmlns:r="http://schemas.openxmlformats.org/officeDocument/2006/relationships" xmlns:p="http://schemas.openxmlformats.org/presentationml/2006/main">
   <p:cSld>
     <p:spTree>
@@ -4874,576 +6299,6 @@
 </p:sld>
 </file>
 
-<file path=ppt/slides/slide5.xml><?xml version="1.0" encoding="utf-8"?>
-<p:sld xmlns:a="http://schemas.openxmlformats.org/drawingml/2006/main" xmlns:r="http://schemas.openxmlformats.org/officeDocument/2006/relationships" xmlns:p="http://schemas.openxmlformats.org/presentationml/2006/main">
-  <p:cSld>
-    <p:spTree>
-      <p:nvGrpSpPr>
-        <p:cNvPr id="1" name=""/>
-        <p:cNvGrpSpPr/>
-        <p:nvPr/>
-      </p:nvGrpSpPr>
-      <p:grpSpPr>
-        <a:xfrm>
-          <a:off x="0" y="0"/>
-          <a:ext cx="0" cy="0"/>
-          <a:chOff x="0" y="0"/>
-          <a:chExt cx="0" cy="0"/>
-        </a:xfrm>
-      </p:grpSpPr>
-      <p:sp>
-        <p:nvSpPr>
-          <p:cNvPr id="2" name="Titre 1">
-            <a:extLst>
-              <a:ext uri="{FF2B5EF4-FFF2-40B4-BE49-F238E27FC236}">
-                <a16:creationId xmlns:a16="http://schemas.microsoft.com/office/drawing/2014/main" id="{DE7FEE0D-CFB8-45C3-B5BC-B434F238B0B2}"/>
-              </a:ext>
-            </a:extLst>
-          </p:cNvPr>
-          <p:cNvSpPr>
-            <a:spLocks noGrp="1"/>
-          </p:cNvSpPr>
-          <p:nvPr>
-            <p:ph type="title"/>
-          </p:nvPr>
-        </p:nvSpPr>
-        <p:spPr/>
-        <p:txBody>
-          <a:bodyPr/>
-          <a:lstStyle/>
-          <a:p>
-            <a:r>
-              <a:rPr lang="en-US" dirty="0"/>
-              <a:t>Monitor performance</a:t>
-            </a:r>
-          </a:p>
-        </p:txBody>
-      </p:sp>
-      <p:sp>
-        <p:nvSpPr>
-          <p:cNvPr id="3" name="Espace réservé du texte 2">
-            <a:extLst>
-              <a:ext uri="{FF2B5EF4-FFF2-40B4-BE49-F238E27FC236}">
-                <a16:creationId xmlns:a16="http://schemas.microsoft.com/office/drawing/2014/main" id="{D5D5C852-4C98-4314-A122-B81E89E94E26}"/>
-              </a:ext>
-            </a:extLst>
-          </p:cNvPr>
-          <p:cNvSpPr>
-            <a:spLocks noGrp="1"/>
-          </p:cNvSpPr>
-          <p:nvPr>
-            <p:ph type="body" sz="quarter" idx="10"/>
-          </p:nvPr>
-        </p:nvSpPr>
-        <p:spPr/>
-        <p:txBody>
-          <a:bodyPr/>
-          <a:lstStyle/>
-          <a:p>
-            <a:r>
-              <a:rPr lang="en-US" dirty="0"/>
-              <a:t>Using training loss and validation loss, </a:t>
-            </a:r>
-            <a:r>
-              <a:rPr lang="en-US" b="1" dirty="0"/>
-              <a:t>detect overfitting</a:t>
-            </a:r>
-            <a:r>
-              <a:rPr lang="en-US" dirty="0"/>
-              <a:t>!</a:t>
-            </a:r>
-          </a:p>
-          <a:p>
-            <a:pPr lvl="1"/>
-            <a:r>
-              <a:rPr lang="en-US" dirty="0"/>
-              <a:t>How?</a:t>
-            </a:r>
-          </a:p>
-        </p:txBody>
-      </p:sp>
-    </p:spTree>
-    <p:extLst>
-      <p:ext uri="{BB962C8B-B14F-4D97-AF65-F5344CB8AC3E}">
-        <p14:creationId xmlns:p14="http://schemas.microsoft.com/office/powerpoint/2010/main" val="1580813849"/>
-      </p:ext>
-    </p:extLst>
-  </p:cSld>
-  <p:clrMapOvr>
-    <a:masterClrMapping/>
-  </p:clrMapOvr>
-</p:sld>
-</file>
-
-<file path=ppt/slides/slide6.xml><?xml version="1.0" encoding="utf-8"?>
-<p:sld xmlns:a="http://schemas.openxmlformats.org/drawingml/2006/main" xmlns:r="http://schemas.openxmlformats.org/officeDocument/2006/relationships" xmlns:p="http://schemas.openxmlformats.org/presentationml/2006/main">
-  <p:cSld>
-    <p:spTree>
-      <p:nvGrpSpPr>
-        <p:cNvPr id="1" name=""/>
-        <p:cNvGrpSpPr/>
-        <p:nvPr/>
-      </p:nvGrpSpPr>
-      <p:grpSpPr>
-        <a:xfrm>
-          <a:off x="0" y="0"/>
-          <a:ext cx="0" cy="0"/>
-          <a:chOff x="0" y="0"/>
-          <a:chExt cx="0" cy="0"/>
-        </a:xfrm>
-      </p:grpSpPr>
-      <p:sp>
-        <p:nvSpPr>
-          <p:cNvPr id="2" name="Titre 1">
-            <a:extLst>
-              <a:ext uri="{FF2B5EF4-FFF2-40B4-BE49-F238E27FC236}">
-                <a16:creationId xmlns:a16="http://schemas.microsoft.com/office/drawing/2014/main" id="{B6C3AD26-C6C2-4243-89CA-7F9A170DC042}"/>
-              </a:ext>
-            </a:extLst>
-          </p:cNvPr>
-          <p:cNvSpPr>
-            <a:spLocks noGrp="1"/>
-          </p:cNvSpPr>
-          <p:nvPr>
-            <p:ph type="title"/>
-          </p:nvPr>
-        </p:nvSpPr>
-        <p:spPr/>
-        <p:txBody>
-          <a:bodyPr/>
-          <a:lstStyle/>
-          <a:p>
-            <a:r>
-              <a:rPr lang="en-US" dirty="0"/>
-              <a:t>Monitor performance</a:t>
-            </a:r>
-          </a:p>
-        </p:txBody>
-      </p:sp>
-      <p:sp>
-        <p:nvSpPr>
-          <p:cNvPr id="3" name="Espace réservé du texte 2">
-            <a:extLst>
-              <a:ext uri="{FF2B5EF4-FFF2-40B4-BE49-F238E27FC236}">
-                <a16:creationId xmlns:a16="http://schemas.microsoft.com/office/drawing/2014/main" id="{061C3BF1-C431-43CE-A8EF-3DE22A45B094}"/>
-              </a:ext>
-            </a:extLst>
-          </p:cNvPr>
-          <p:cNvSpPr>
-            <a:spLocks noGrp="1"/>
-          </p:cNvSpPr>
-          <p:nvPr>
-            <p:ph type="body" sz="quarter" idx="10"/>
-          </p:nvPr>
-        </p:nvSpPr>
-        <p:spPr/>
-        <p:txBody>
-          <a:bodyPr/>
-          <a:lstStyle/>
-          <a:p>
-            <a:r>
-              <a:rPr lang="en-US" dirty="0"/>
-              <a:t>Using training loss and validation loss, </a:t>
-            </a:r>
-            <a:r>
-              <a:rPr lang="en-US" b="1" dirty="0"/>
-              <a:t>detect overfitting</a:t>
-            </a:r>
-            <a:r>
-              <a:rPr lang="en-US" dirty="0"/>
-              <a:t>!</a:t>
-            </a:r>
-          </a:p>
-          <a:p>
-            <a:pPr lvl="1"/>
-            <a:r>
-              <a:rPr lang="en-US" dirty="0"/>
-              <a:t>When training loss keeps decreasing, but validation loss </a:t>
-            </a:r>
-            <a:r>
-              <a:rPr lang="en-US" i="1" dirty="0"/>
-              <a:t>increases</a:t>
-            </a:r>
-          </a:p>
-          <a:p>
-            <a:pPr lvl="1"/>
-            <a:r>
-              <a:rPr lang="en-US" dirty="0"/>
-              <a:t>…or remains stationary for a long time</a:t>
-            </a:r>
-          </a:p>
-          <a:p>
-            <a:endParaRPr lang="en-US" dirty="0"/>
-          </a:p>
-        </p:txBody>
-      </p:sp>
-      <p:pic>
-        <p:nvPicPr>
-          <p:cNvPr id="4102" name="Picture 6" descr="training-loss in deep-learning">
-            <a:extLst>
-              <a:ext uri="{FF2B5EF4-FFF2-40B4-BE49-F238E27FC236}">
-                <a16:creationId xmlns:a16="http://schemas.microsoft.com/office/drawing/2014/main" id="{24BD0C6B-56A7-4D9C-856D-84F18BAF261C}"/>
-              </a:ext>
-            </a:extLst>
-          </p:cNvPr>
-          <p:cNvPicPr>
-            <a:picLocks noChangeAspect="1" noChangeArrowheads="1"/>
-          </p:cNvPicPr>
-          <p:nvPr/>
-        </p:nvPicPr>
-        <p:blipFill>
-          <a:blip r:embed="rId2">
-            <a:extLst>
-              <a:ext uri="{28A0092B-C50C-407E-A947-70E740481C1C}">
-                <a14:useLocalDpi xmlns:a14="http://schemas.microsoft.com/office/drawing/2010/main" val="0"/>
-              </a:ext>
-            </a:extLst>
-          </a:blip>
-          <a:srcRect/>
-          <a:stretch>
-            <a:fillRect/>
-          </a:stretch>
-        </p:blipFill>
-        <p:spPr bwMode="auto">
-          <a:xfrm>
-            <a:off x="6700444" y="3174773"/>
-            <a:ext cx="4653356" cy="2924967"/>
-          </a:xfrm>
-          <a:prstGeom prst="rect">
-            <a:avLst/>
-          </a:prstGeom>
-          <a:noFill/>
-          <a:extLst>
-            <a:ext uri="{909E8E84-426E-40DD-AFC4-6F175D3DCCD1}">
-              <a14:hiddenFill xmlns:a14="http://schemas.microsoft.com/office/drawing/2010/main">
-                <a:solidFill>
-                  <a:srgbClr val="FFFFFF"/>
-                </a:solidFill>
-              </a14:hiddenFill>
-            </a:ext>
-          </a:extLst>
-        </p:spPr>
-      </p:pic>
-      <p:sp>
-        <p:nvSpPr>
-          <p:cNvPr id="4" name="ZoneTexte 3">
-            <a:extLst>
-              <a:ext uri="{FF2B5EF4-FFF2-40B4-BE49-F238E27FC236}">
-                <a16:creationId xmlns:a16="http://schemas.microsoft.com/office/drawing/2014/main" id="{6E92DB3B-FC21-45E0-81E1-E3D6808B2A71}"/>
-              </a:ext>
-            </a:extLst>
-          </p:cNvPr>
-          <p:cNvSpPr txBox="1"/>
-          <p:nvPr/>
-        </p:nvSpPr>
-        <p:spPr>
-          <a:xfrm>
-            <a:off x="4192914" y="4047078"/>
-            <a:ext cx="2507530" cy="954107"/>
-          </a:xfrm>
-          <a:prstGeom prst="rect">
-            <a:avLst/>
-          </a:prstGeom>
-          <a:noFill/>
-        </p:spPr>
-        <p:txBody>
-          <a:bodyPr wrap="square" rtlCol="0">
-            <a:spAutoFit/>
-          </a:bodyPr>
-          <a:lstStyle/>
-          <a:p>
-            <a:pPr algn="r"/>
-            <a:r>
-              <a:rPr lang="en-US" sz="2800" b="1" dirty="0">
-                <a:solidFill>
-                  <a:schemeClr val="accent1"/>
-                </a:solidFill>
-              </a:rPr>
-              <a:t>Training loss</a:t>
-            </a:r>
-          </a:p>
-          <a:p>
-            <a:pPr algn="r"/>
-            <a:r>
-              <a:rPr lang="en-US" sz="2800" b="1" dirty="0">
-                <a:solidFill>
-                  <a:schemeClr val="accent2"/>
-                </a:solidFill>
-              </a:rPr>
-              <a:t>Validation loss</a:t>
-            </a:r>
-          </a:p>
-        </p:txBody>
-      </p:sp>
-    </p:spTree>
-    <p:extLst>
-      <p:ext uri="{BB962C8B-B14F-4D97-AF65-F5344CB8AC3E}">
-        <p14:creationId xmlns:p14="http://schemas.microsoft.com/office/powerpoint/2010/main" val="1649660711"/>
-      </p:ext>
-    </p:extLst>
-  </p:cSld>
-  <p:clrMapOvr>
-    <a:masterClrMapping/>
-  </p:clrMapOvr>
-</p:sld>
-</file>
-
-<file path=ppt/slides/slide7.xml><?xml version="1.0" encoding="utf-8"?>
-<p:sld xmlns:a="http://schemas.openxmlformats.org/drawingml/2006/main" xmlns:r="http://schemas.openxmlformats.org/officeDocument/2006/relationships" xmlns:p="http://schemas.openxmlformats.org/presentationml/2006/main">
-  <p:cSld>
-    <p:spTree>
-      <p:nvGrpSpPr>
-        <p:cNvPr id="1" name=""/>
-        <p:cNvGrpSpPr/>
-        <p:nvPr/>
-      </p:nvGrpSpPr>
-      <p:grpSpPr>
-        <a:xfrm>
-          <a:off x="0" y="0"/>
-          <a:ext cx="0" cy="0"/>
-          <a:chOff x="0" y="0"/>
-          <a:chExt cx="0" cy="0"/>
-        </a:xfrm>
-      </p:grpSpPr>
-      <p:sp>
-        <p:nvSpPr>
-          <p:cNvPr id="2" name="Titre 1">
-            <a:extLst>
-              <a:ext uri="{FF2B5EF4-FFF2-40B4-BE49-F238E27FC236}">
-                <a16:creationId xmlns:a16="http://schemas.microsoft.com/office/drawing/2014/main" id="{8B58B196-0F04-42F1-BB14-60018282D33C}"/>
-              </a:ext>
-            </a:extLst>
-          </p:cNvPr>
-          <p:cNvSpPr>
-            <a:spLocks noGrp="1"/>
-          </p:cNvSpPr>
-          <p:nvPr>
-            <p:ph type="title"/>
-          </p:nvPr>
-        </p:nvSpPr>
-        <p:spPr/>
-        <p:txBody>
-          <a:bodyPr/>
-          <a:lstStyle/>
-          <a:p>
-            <a:r>
-              <a:rPr lang="en-US" dirty="0" err="1"/>
-              <a:t>Tensorboard</a:t>
-            </a:r>
-            <a:endParaRPr lang="en-US" dirty="0"/>
-          </a:p>
-        </p:txBody>
-      </p:sp>
-      <p:sp>
-        <p:nvSpPr>
-          <p:cNvPr id="3" name="Espace réservé du texte 2">
-            <a:extLst>
-              <a:ext uri="{FF2B5EF4-FFF2-40B4-BE49-F238E27FC236}">
-                <a16:creationId xmlns:a16="http://schemas.microsoft.com/office/drawing/2014/main" id="{34CFECB5-BB0F-46D9-8DEB-B6384899F24C}"/>
-              </a:ext>
-            </a:extLst>
-          </p:cNvPr>
-          <p:cNvSpPr>
-            <a:spLocks noGrp="1"/>
-          </p:cNvSpPr>
-          <p:nvPr>
-            <p:ph type="body" sz="quarter" idx="10"/>
-          </p:nvPr>
-        </p:nvSpPr>
-        <p:spPr/>
-        <p:txBody>
-          <a:bodyPr/>
-          <a:lstStyle/>
-          <a:p>
-            <a:r>
-              <a:rPr lang="en-US" dirty="0"/>
-              <a:t>Software developed by Google (part of </a:t>
-            </a:r>
-            <a:r>
-              <a:rPr lang="en-US" dirty="0" err="1"/>
-              <a:t>Tensorflow</a:t>
-            </a:r>
-            <a:r>
-              <a:rPr lang="en-US" dirty="0"/>
-              <a:t>)</a:t>
-            </a:r>
-          </a:p>
-          <a:p>
-            <a:pPr lvl="1"/>
-            <a:r>
-              <a:rPr lang="en-US" dirty="0"/>
-              <a:t>During training, write logs to text files</a:t>
-            </a:r>
-          </a:p>
-          <a:p>
-            <a:pPr lvl="1"/>
-            <a:r>
-              <a:rPr lang="en-US" dirty="0"/>
-              <a:t>Read text files and present a visualization</a:t>
-            </a:r>
-          </a:p>
-        </p:txBody>
-      </p:sp>
-      <p:pic>
-        <p:nvPicPr>
-          <p:cNvPr id="5122" name="Picture 2" descr="python - How to display the accuracy graph on TensorBoard? - Stack Overflow">
-            <a:extLst>
-              <a:ext uri="{FF2B5EF4-FFF2-40B4-BE49-F238E27FC236}">
-                <a16:creationId xmlns:a16="http://schemas.microsoft.com/office/drawing/2014/main" id="{8586F868-60D6-4732-8F49-893F0CB64BD6}"/>
-              </a:ext>
-            </a:extLst>
-          </p:cNvPr>
-          <p:cNvPicPr>
-            <a:picLocks noChangeAspect="1" noChangeArrowheads="1"/>
-          </p:cNvPicPr>
-          <p:nvPr/>
-        </p:nvPicPr>
-        <p:blipFill>
-          <a:blip r:embed="rId2" cstate="print">
-            <a:extLst>
-              <a:ext uri="{28A0092B-C50C-407E-A947-70E740481C1C}">
-                <a14:useLocalDpi xmlns:a14="http://schemas.microsoft.com/office/drawing/2010/main" val="0"/>
-              </a:ext>
-            </a:extLst>
-          </a:blip>
-          <a:srcRect/>
-          <a:stretch>
-            <a:fillRect/>
-          </a:stretch>
-        </p:blipFill>
-        <p:spPr bwMode="auto">
-          <a:xfrm>
-            <a:off x="4826523" y="3002693"/>
-            <a:ext cx="6319102" cy="3286262"/>
-          </a:xfrm>
-          <a:prstGeom prst="rect">
-            <a:avLst/>
-          </a:prstGeom>
-          <a:noFill/>
-          <a:extLst>
-            <a:ext uri="{909E8E84-426E-40DD-AFC4-6F175D3DCCD1}">
-              <a14:hiddenFill xmlns:a14="http://schemas.microsoft.com/office/drawing/2010/main">
-                <a:solidFill>
-                  <a:srgbClr val="FFFFFF"/>
-                </a:solidFill>
-              </a14:hiddenFill>
-            </a:ext>
-          </a:extLst>
-        </p:spPr>
-      </p:pic>
-    </p:spTree>
-    <p:extLst>
-      <p:ext uri="{BB962C8B-B14F-4D97-AF65-F5344CB8AC3E}">
-        <p14:creationId xmlns:p14="http://schemas.microsoft.com/office/powerpoint/2010/main" val="2602261884"/>
-      </p:ext>
-    </p:extLst>
-  </p:cSld>
-  <p:clrMapOvr>
-    <a:masterClrMapping/>
-  </p:clrMapOvr>
-</p:sld>
-</file>
-
-<file path=ppt/slides/slide8.xml><?xml version="1.0" encoding="utf-8"?>
-<p:sld xmlns:a="http://schemas.openxmlformats.org/drawingml/2006/main" xmlns:r="http://schemas.openxmlformats.org/officeDocument/2006/relationships" xmlns:p="http://schemas.openxmlformats.org/presentationml/2006/main">
-  <p:cSld>
-    <p:spTree>
-      <p:nvGrpSpPr>
-        <p:cNvPr id="1" name=""/>
-        <p:cNvGrpSpPr/>
-        <p:nvPr/>
-      </p:nvGrpSpPr>
-      <p:grpSpPr>
-        <a:xfrm>
-          <a:off x="0" y="0"/>
-          <a:ext cx="0" cy="0"/>
-          <a:chOff x="0" y="0"/>
-          <a:chExt cx="0" cy="0"/>
-        </a:xfrm>
-      </p:grpSpPr>
-      <p:sp>
-        <p:nvSpPr>
-          <p:cNvPr id="2" name="Titre 1">
-            <a:extLst>
-              <a:ext uri="{FF2B5EF4-FFF2-40B4-BE49-F238E27FC236}">
-                <a16:creationId xmlns:a16="http://schemas.microsoft.com/office/drawing/2014/main" id="{83EE7644-466D-4E6E-91F3-2C8E2BDB96D2}"/>
-              </a:ext>
-            </a:extLst>
-          </p:cNvPr>
-          <p:cNvSpPr>
-            <a:spLocks noGrp="1"/>
-          </p:cNvSpPr>
-          <p:nvPr>
-            <p:ph type="title"/>
-          </p:nvPr>
-        </p:nvSpPr>
-        <p:spPr/>
-        <p:txBody>
-          <a:bodyPr/>
-          <a:lstStyle/>
-          <a:p>
-            <a:r>
-              <a:rPr lang="en-US" dirty="0"/>
-              <a:t>Stochastic Gradient Descent?</a:t>
-            </a:r>
-          </a:p>
-        </p:txBody>
-      </p:sp>
-      <p:sp>
-        <p:nvSpPr>
-          <p:cNvPr id="3" name="Espace réservé du texte 2">
-            <a:extLst>
-              <a:ext uri="{FF2B5EF4-FFF2-40B4-BE49-F238E27FC236}">
-                <a16:creationId xmlns:a16="http://schemas.microsoft.com/office/drawing/2014/main" id="{88CA7EAA-7783-40C2-8DF2-0FB7964C0A0D}"/>
-              </a:ext>
-            </a:extLst>
-          </p:cNvPr>
-          <p:cNvSpPr>
-            <a:spLocks noGrp="1"/>
-          </p:cNvSpPr>
-          <p:nvPr>
-            <p:ph type="body" sz="quarter" idx="10"/>
-          </p:nvPr>
-        </p:nvSpPr>
-        <p:spPr/>
-        <p:txBody>
-          <a:bodyPr/>
-          <a:lstStyle/>
-          <a:p>
-            <a:r>
-              <a:rPr lang="en-US" dirty="0"/>
-              <a:t>You already used SGD in the exercises</a:t>
-            </a:r>
-          </a:p>
-          <a:p>
-            <a:r>
-              <a:rPr lang="en-US" dirty="0"/>
-              <a:t>What is </a:t>
-            </a:r>
-            <a:r>
-              <a:rPr lang="en-US" i="1" dirty="0"/>
-              <a:t>stochastic</a:t>
-            </a:r>
-            <a:r>
-              <a:rPr lang="en-US" dirty="0"/>
-              <a:t> about SGD?</a:t>
-            </a:r>
-          </a:p>
-        </p:txBody>
-      </p:sp>
-    </p:spTree>
-    <p:extLst>
-      <p:ext uri="{BB962C8B-B14F-4D97-AF65-F5344CB8AC3E}">
-        <p14:creationId xmlns:p14="http://schemas.microsoft.com/office/powerpoint/2010/main" val="4167666454"/>
-      </p:ext>
-    </p:extLst>
-  </p:cSld>
-  <p:clrMapOvr>
-    <a:masterClrMapping/>
-  </p:clrMapOvr>
-</p:sld>
-</file>
-
 <file path=ppt/slides/slide9.xml><?xml version="1.0" encoding="utf-8"?>
 <p:sld xmlns:a="http://schemas.openxmlformats.org/drawingml/2006/main" xmlns:r="http://schemas.openxmlformats.org/officeDocument/2006/relationships" xmlns:p="http://schemas.openxmlformats.org/presentationml/2006/main">
   <p:cSld>
@@ -5466,7 +6321,7 @@
           <p:cNvPr id="2" name="Titre 1">
             <a:extLst>
               <a:ext uri="{FF2B5EF4-FFF2-40B4-BE49-F238E27FC236}">
-                <a16:creationId xmlns:a16="http://schemas.microsoft.com/office/drawing/2014/main" id="{39B22912-A111-4935-9FDA-5E871CD8035B}"/>
+                <a16:creationId xmlns:a16="http://schemas.microsoft.com/office/drawing/2014/main" id="{DE7FEE0D-CFB8-45C3-B5BC-B434F238B0B2}"/>
               </a:ext>
             </a:extLst>
           </p:cNvPr>
@@ -5484,7 +6339,7 @@
           <a:p>
             <a:r>
               <a:rPr lang="en-US" dirty="0"/>
-              <a:t>(Really) Stochastic Gradient Descent</a:t>
+              <a:t>Monitor performance</a:t>
             </a:r>
           </a:p>
         </p:txBody>
@@ -5494,7 +6349,7 @@
           <p:cNvPr id="3" name="Espace réservé du texte 2">
             <a:extLst>
               <a:ext uri="{FF2B5EF4-FFF2-40B4-BE49-F238E27FC236}">
-                <a16:creationId xmlns:a16="http://schemas.microsoft.com/office/drawing/2014/main" id="{CD9BE0D7-23A4-4D68-A513-F98195102F8E}"/>
+                <a16:creationId xmlns:a16="http://schemas.microsoft.com/office/drawing/2014/main" id="{D5D5C852-4C98-4314-A122-B81E89E94E26}"/>
               </a:ext>
             </a:extLst>
           </p:cNvPr>
@@ -5512,116 +6367,30 @@
           <a:p>
             <a:r>
               <a:rPr lang="en-US" dirty="0"/>
-              <a:t>It was NOT STOCHASTIC AT ALL!</a:t>
-            </a:r>
-          </a:p>
-          <a:p>
-            <a:r>
-              <a:rPr lang="en-US" dirty="0"/>
-              <a:t>Difference between SGD and GD</a:t>
+              <a:t>Using training loss and validation loss, </a:t>
+            </a:r>
+            <a:r>
+              <a:rPr lang="en-US" b="1" dirty="0"/>
+              <a:t>detect overfitting</a:t>
+            </a:r>
+            <a:r>
+              <a:rPr lang="en-US" dirty="0"/>
+              <a:t>!</a:t>
             </a:r>
           </a:p>
           <a:p>
             <a:pPr lvl="1"/>
             <a:r>
               <a:rPr lang="en-US" dirty="0"/>
-              <a:t>SGD updates gradients after seeing a </a:t>
-            </a:r>
-            <a:r>
-              <a:rPr lang="en-US" i="1" dirty="0"/>
-              <a:t>random subset</a:t>
-            </a:r>
-            <a:r>
-              <a:rPr lang="en-US" dirty="0"/>
-              <a:t> of the data</a:t>
-            </a:r>
-          </a:p>
-          <a:p>
-            <a:pPr lvl="1"/>
-            <a:r>
-              <a:rPr lang="en-US" dirty="0"/>
-              <a:t>Random subset is called </a:t>
-            </a:r>
-            <a:r>
-              <a:rPr lang="en-US" b="1" dirty="0"/>
-              <a:t>batch</a:t>
-            </a:r>
-          </a:p>
-          <a:p>
-            <a:pPr lvl="1"/>
-            <a:r>
-              <a:rPr lang="en-US" dirty="0"/>
-              <a:t>Smaller, more frequent updates are more robust and </a:t>
-            </a:r>
-            <a:r>
-              <a:rPr lang="en-US" i="1" dirty="0"/>
-              <a:t>faster</a:t>
-            </a:r>
-          </a:p>
-          <a:p>
-            <a:pPr lvl="1"/>
-            <a:r>
-              <a:rPr lang="en-US" dirty="0"/>
-              <a:t>Typically SGD uses a </a:t>
-            </a:r>
-            <a:r>
-              <a:rPr lang="en-US" b="1" dirty="0"/>
-              <a:t>smaller learning rate</a:t>
-            </a:r>
-          </a:p>
-        </p:txBody>
-      </p:sp>
-      <p:pic>
-        <p:nvPicPr>
-          <p:cNvPr id="1026" name="Picture 2" descr="Stochastic Gradient Descent (SGD) | by Ramji Balasubramanian | Analytics  Vidhya | Medium">
-            <a:extLst>
-              <a:ext uri="{FF2B5EF4-FFF2-40B4-BE49-F238E27FC236}">
-                <a16:creationId xmlns:a16="http://schemas.microsoft.com/office/drawing/2014/main" id="{CD90D868-D371-4DAC-A195-99524C0FD63B}"/>
-              </a:ext>
-            </a:extLst>
-          </p:cNvPr>
-          <p:cNvPicPr>
-            <a:picLocks noChangeAspect="1" noChangeArrowheads="1"/>
-          </p:cNvPicPr>
-          <p:nvPr/>
-        </p:nvPicPr>
-        <p:blipFill>
-          <a:blip r:embed="rId2">
-            <a:extLst>
-              <a:ext uri="{28A0092B-C50C-407E-A947-70E740481C1C}">
-                <a14:useLocalDpi xmlns:a14="http://schemas.microsoft.com/office/drawing/2010/main" val="0"/>
-              </a:ext>
-            </a:extLst>
-          </a:blip>
-          <a:srcRect/>
-          <a:stretch>
-            <a:fillRect/>
-          </a:stretch>
-        </p:blipFill>
-        <p:spPr bwMode="auto">
-          <a:xfrm>
-            <a:off x="8088197" y="4041560"/>
-            <a:ext cx="3619795" cy="2173012"/>
-          </a:xfrm>
-          <a:prstGeom prst="rect">
-            <a:avLst/>
-          </a:prstGeom>
-          <a:noFill/>
-          <a:extLst>
-            <a:ext uri="{909E8E84-426E-40DD-AFC4-6F175D3DCCD1}">
-              <a14:hiddenFill xmlns:a14="http://schemas.microsoft.com/office/drawing/2010/main">
-                <a:solidFill>
-                  <a:srgbClr val="FFFFFF"/>
-                </a:solidFill>
-              </a14:hiddenFill>
-            </a:ext>
-          </a:extLst>
-        </p:spPr>
-      </p:pic>
+              <a:t>How?</a:t>
+            </a:r>
+          </a:p>
+        </p:txBody>
+      </p:sp>
     </p:spTree>
     <p:extLst>
       <p:ext uri="{BB962C8B-B14F-4D97-AF65-F5344CB8AC3E}">
-        <p14:creationId xmlns:p14="http://schemas.microsoft.com/office/powerpoint/2010/main" val="1797110168"/>
+        <p14:creationId xmlns:p14="http://schemas.microsoft.com/office/powerpoint/2010/main" val="1580813849"/>
       </p:ext>
     </p:extLst>
   </p:cSld>
